--- a/Presentazione204898.pptx
+++ b/Presentazione204898.pptx
@@ -240,7 +240,7 @@
           <a:p>
             <a:fld id="{B65CDE14-51E7-4F54-BA8D-8BD643CB0C73}" type="datetimeFigureOut">
               <a:rPr lang="it-IT" smtClean="0"/>
-              <a:t>02/12/2021</a:t>
+              <a:t>03/12/2021</a:t>
             </a:fld>
             <a:endParaRPr lang="it-IT"/>
           </a:p>
@@ -4350,7 +4350,7 @@
           <a:p>
             <a:fld id="{6EC7BED3-493A-4291-89C3-B158B526B1CE}" type="datetimeFigureOut">
               <a:rPr lang="it-IT" smtClean="0"/>
-              <a:t>02/12/2021</a:t>
+              <a:t>03/12/2021</a:t>
             </a:fld>
             <a:endParaRPr lang="it-IT"/>
           </a:p>
@@ -4548,7 +4548,7 @@
           <a:p>
             <a:fld id="{6EC7BED3-493A-4291-89C3-B158B526B1CE}" type="datetimeFigureOut">
               <a:rPr lang="it-IT" smtClean="0"/>
-              <a:t>02/12/2021</a:t>
+              <a:t>03/12/2021</a:t>
             </a:fld>
             <a:endParaRPr lang="it-IT"/>
           </a:p>
@@ -4756,7 +4756,7 @@
           <a:p>
             <a:fld id="{6EC7BED3-493A-4291-89C3-B158B526B1CE}" type="datetimeFigureOut">
               <a:rPr lang="it-IT" smtClean="0"/>
-              <a:t>02/12/2021</a:t>
+              <a:t>03/12/2021</a:t>
             </a:fld>
             <a:endParaRPr lang="it-IT"/>
           </a:p>
@@ -4954,7 +4954,7 @@
           <a:p>
             <a:fld id="{6EC7BED3-493A-4291-89C3-B158B526B1CE}" type="datetimeFigureOut">
               <a:rPr lang="it-IT" smtClean="0"/>
-              <a:t>02/12/2021</a:t>
+              <a:t>03/12/2021</a:t>
             </a:fld>
             <a:endParaRPr lang="it-IT"/>
           </a:p>
@@ -5229,7 +5229,7 @@
           <a:p>
             <a:fld id="{6EC7BED3-493A-4291-89C3-B158B526B1CE}" type="datetimeFigureOut">
               <a:rPr lang="it-IT" smtClean="0"/>
-              <a:t>02/12/2021</a:t>
+              <a:t>03/12/2021</a:t>
             </a:fld>
             <a:endParaRPr lang="it-IT"/>
           </a:p>
@@ -5494,7 +5494,7 @@
           <a:p>
             <a:fld id="{6EC7BED3-493A-4291-89C3-B158B526B1CE}" type="datetimeFigureOut">
               <a:rPr lang="it-IT" smtClean="0"/>
-              <a:t>02/12/2021</a:t>
+              <a:t>03/12/2021</a:t>
             </a:fld>
             <a:endParaRPr lang="it-IT"/>
           </a:p>
@@ -5906,7 +5906,7 @@
           <a:p>
             <a:fld id="{6EC7BED3-493A-4291-89C3-B158B526B1CE}" type="datetimeFigureOut">
               <a:rPr lang="it-IT" smtClean="0"/>
-              <a:t>02/12/2021</a:t>
+              <a:t>03/12/2021</a:t>
             </a:fld>
             <a:endParaRPr lang="it-IT"/>
           </a:p>
@@ -6047,7 +6047,7 @@
           <a:p>
             <a:fld id="{6EC7BED3-493A-4291-89C3-B158B526B1CE}" type="datetimeFigureOut">
               <a:rPr lang="it-IT" smtClean="0"/>
-              <a:t>02/12/2021</a:t>
+              <a:t>03/12/2021</a:t>
             </a:fld>
             <a:endParaRPr lang="it-IT"/>
           </a:p>
@@ -6160,7 +6160,7 @@
           <a:p>
             <a:fld id="{6EC7BED3-493A-4291-89C3-B158B526B1CE}" type="datetimeFigureOut">
               <a:rPr lang="it-IT" smtClean="0"/>
-              <a:t>02/12/2021</a:t>
+              <a:t>03/12/2021</a:t>
             </a:fld>
             <a:endParaRPr lang="it-IT"/>
           </a:p>
@@ -6471,7 +6471,7 @@
           <a:p>
             <a:fld id="{6EC7BED3-493A-4291-89C3-B158B526B1CE}" type="datetimeFigureOut">
               <a:rPr lang="it-IT" smtClean="0"/>
-              <a:t>02/12/2021</a:t>
+              <a:t>03/12/2021</a:t>
             </a:fld>
             <a:endParaRPr lang="it-IT"/>
           </a:p>
@@ -6759,7 +6759,7 @@
           <a:p>
             <a:fld id="{6EC7BED3-493A-4291-89C3-B158B526B1CE}" type="datetimeFigureOut">
               <a:rPr lang="it-IT" smtClean="0"/>
-              <a:t>02/12/2021</a:t>
+              <a:t>03/12/2021</a:t>
             </a:fld>
             <a:endParaRPr lang="it-IT"/>
           </a:p>
@@ -7000,7 +7000,7 @@
           <a:p>
             <a:fld id="{6EC7BED3-493A-4291-89C3-B158B526B1CE}" type="datetimeFigureOut">
               <a:rPr lang="it-IT" smtClean="0"/>
-              <a:t>02/12/2021</a:t>
+              <a:t>03/12/2021</a:t>
             </a:fld>
             <a:endParaRPr lang="it-IT"/>
           </a:p>
@@ -8869,7 +8869,7 @@
                 </a:solidFill>
                 <a:latin typeface="Arial Black" panose="020B0A04020102020204" pitchFamily="34" charset="0"/>
               </a:rPr>
-              <a:t>IA nel mondo del Business</a:t>
+              <a:t>IA nel mondo del Business </a:t>
             </a:r>
           </a:p>
         </p:txBody>
@@ -11209,7 +11209,7 @@
         <p:spPr>
           <a:xfrm>
             <a:off x="1" y="727599"/>
-            <a:ext cx="8245642" cy="7294305"/>
+            <a:ext cx="8245642" cy="6740307"/>
           </a:xfrm>
           <a:prstGeom prst="rect">
             <a:avLst/>
@@ -11257,27 +11257,7 @@
                 <a:latin typeface="Arial" panose="020B0604020202020204" pitchFamily="34" charset="0"/>
                 <a:cs typeface="Arial" panose="020B0604020202020204" pitchFamily="34" charset="0"/>
               </a:rPr>
-              <a:t>: algoritmo di apprendimento supervisionato, il cui scopo è quello di predire una nuova istanza conoscendo i data points (</a:t>
-            </a:r>
-            <a:r>
-              <a:rPr lang="it-IT" dirty="0" err="1">
-                <a:solidFill>
-                  <a:srgbClr val="002060"/>
-                </a:solidFill>
-                <a:latin typeface="Arial" panose="020B0604020202020204" pitchFamily="34" charset="0"/>
-                <a:cs typeface="Arial" panose="020B0604020202020204" pitchFamily="34" charset="0"/>
-              </a:rPr>
-              <a:t>centroidi</a:t>
-            </a:r>
-            <a:r>
-              <a:rPr lang="it-IT" dirty="0">
-                <a:solidFill>
-                  <a:srgbClr val="002060"/>
-                </a:solidFill>
-                <a:latin typeface="Arial" panose="020B0604020202020204" pitchFamily="34" charset="0"/>
-                <a:cs typeface="Arial" panose="020B0604020202020204" pitchFamily="34" charset="0"/>
-              </a:rPr>
-              <a:t>), separati in diverse classi. Il suo funzionamento si basa sulla somiglianza delle caratteristiche: più un’istanza è vicina a un data point, più KNN li considererà simili. Solitamente, la distanza euclidea è utilizzata come metrica. Minore sarà la distanza e maggiore sarà la somiglianza tra il punto e l’istanza da prevedere, assegnandolo ad un gruppo relativo a questi. La scelta di k è cruciale, in quanto l’algoritmo valuta le k minime distanze. Essendo KNN non parametrico, non si fa alcuna ipotesi sulla distribuzione dei dati analizzati.</a:t>
+              <a:t>: algoritmo di apprendimento supervisionato, il cui funzionamento si basa sulla somiglianza delle caratteristiche: più un’istanza è vicina a un data point, più KNN li considererà simili. Solitamente, la distanza euclidea è utilizzata come metrica. Minore sarà la distanza e maggiore sarà la somiglianza tra il punto e l’istanza da prevedere, assegnandolo ad un gruppo relativo a questi. La scelta di k è cruciale, in quanto l’algoritmo valuta le k minime distanze. Essendo KNN non parametrico, non si fa alcuna ipotesi sulla distribuzione dei dati analizzati.</a:t>
             </a:r>
           </a:p>
           <a:p>
@@ -11398,7 +11378,7 @@
                 <a:latin typeface="Arial" panose="020B0604020202020204" pitchFamily="34" charset="0"/>
                 <a:cs typeface="Arial" panose="020B0604020202020204" pitchFamily="34" charset="0"/>
               </a:rPr>
-              <a:t>, come metodo di </a:t>
+              <a:t> come metodo di </a:t>
             </a:r>
             <a:r>
               <a:rPr lang="it-IT" dirty="0" err="1">
@@ -11418,7 +11398,7 @@
                 <a:latin typeface="Arial" panose="020B0604020202020204" pitchFamily="34" charset="0"/>
                 <a:cs typeface="Arial" panose="020B0604020202020204" pitchFamily="34" charset="0"/>
               </a:rPr>
-              <a:t>, e dell’albero decisionale, come modello individuale. Il </a:t>
+              <a:t> e dell’albero decisionale come modello individuale. Il </a:t>
             </a:r>
             <a:r>
               <a:rPr lang="it-IT" dirty="0" err="1">
@@ -18465,7 +18445,27 @@
                 <a:latin typeface="Arial" panose="020B0604020202020204" pitchFamily="34" charset="0"/>
                 <a:cs typeface="Arial" panose="020B0604020202020204" pitchFamily="34" charset="0"/>
               </a:rPr>
-              <a:t>La prima operazione effettuata, consiste nell’aggregare i KPI relativi alla stessa visualizzazione, ottenendo una matrice di rappresentazione per ogni anno analizzato, rispettivamente a 7,15 e 30 giorni. Inoltre, viene creata la colonna relativa al margine non in %, sottraendo la colonna Venduto a quella Costo.</a:t>
+              <a:t>La prima operazione effettuata, consiste nell’aggregare i </a:t>
+            </a:r>
+            <a:r>
+              <a:rPr lang="it-IT" dirty="0" err="1">
+                <a:solidFill>
+                  <a:srgbClr val="002060"/>
+                </a:solidFill>
+                <a:latin typeface="Arial" panose="020B0604020202020204" pitchFamily="34" charset="0"/>
+                <a:cs typeface="Arial" panose="020B0604020202020204" pitchFamily="34" charset="0"/>
+              </a:rPr>
+              <a:t>KPIs</a:t>
+            </a:r>
+            <a:r>
+              <a:rPr lang="it-IT" dirty="0">
+                <a:solidFill>
+                  <a:srgbClr val="002060"/>
+                </a:solidFill>
+                <a:latin typeface="Arial" panose="020B0604020202020204" pitchFamily="34" charset="0"/>
+                <a:cs typeface="Arial" panose="020B0604020202020204" pitchFamily="34" charset="0"/>
+              </a:rPr>
+              <a:t> relativi alla stessa visualizzazione, ottenendo una matrice di rappresentazione per ogni anno analizzato, rispettivamente a 7,15 e 30 giorni. Inoltre, viene creata la colonna relativa al margine non in %, sottraendo la colonna Venduto a quella Costo.</a:t>
             </a:r>
           </a:p>
           <a:p>
@@ -18875,14 +18875,111 @@
         </p:blipFill>
         <p:spPr>
           <a:xfrm>
-            <a:off x="6248400" y="101740"/>
-            <a:ext cx="5680952" cy="6561221"/>
+            <a:off x="6351528" y="101740"/>
+            <a:ext cx="5516768" cy="6371597"/>
           </a:xfrm>
           <a:prstGeom prst="rect">
             <a:avLst/>
           </a:prstGeom>
         </p:spPr>
       </p:pic>
+      <p:sp>
+        <p:nvSpPr>
+          <p:cNvPr id="8" name="CasellaDiTesto 7">
+            <a:extLst>
+              <a:ext uri="{FF2B5EF4-FFF2-40B4-BE49-F238E27FC236}">
+                <a16:creationId xmlns:a16="http://schemas.microsoft.com/office/drawing/2014/main" id="{29D1C3C1-50A9-493A-9C0B-02CB7444EBBF}"/>
+              </a:ext>
+            </a:extLst>
+          </p:cNvPr>
+          <p:cNvSpPr txBox="1"/>
+          <p:nvPr/>
+        </p:nvSpPr>
+        <p:spPr>
+          <a:xfrm>
+            <a:off x="7511144" y="6204857"/>
+            <a:ext cx="4357152" cy="861774"/>
+          </a:xfrm>
+          <a:prstGeom prst="rect">
+            <a:avLst/>
+          </a:prstGeom>
+          <a:noFill/>
+        </p:spPr>
+        <p:txBody>
+          <a:bodyPr wrap="square" rtlCol="0">
+            <a:spAutoFit/>
+          </a:bodyPr>
+          <a:lstStyle/>
+          <a:p>
+            <a:pPr lvl="1" algn="just">
+              <a:defRPr/>
+            </a:pPr>
+            <a:endParaRPr lang="it-IT" dirty="0">
+              <a:solidFill>
+                <a:srgbClr val="002060"/>
+              </a:solidFill>
+              <a:latin typeface="Arial" panose="020B0604020202020204" pitchFamily="34" charset="0"/>
+              <a:cs typeface="Arial" panose="020B0604020202020204" pitchFamily="34" charset="0"/>
+            </a:endParaRPr>
+          </a:p>
+          <a:p>
+            <a:pPr lvl="1" algn="just">
+              <a:defRPr/>
+            </a:pPr>
+            <a:r>
+              <a:rPr lang="it-IT" sz="1400" dirty="0">
+                <a:solidFill>
+                  <a:srgbClr val="002060"/>
+                </a:solidFill>
+                <a:latin typeface="Arial" panose="020B0604020202020204" pitchFamily="34" charset="0"/>
+                <a:cs typeface="Arial" panose="020B0604020202020204" pitchFamily="34" charset="0"/>
+              </a:rPr>
+              <a:t>Anno 2018 con </a:t>
+            </a:r>
+            <a:r>
+              <a:rPr lang="it-IT" sz="1400" dirty="0" err="1">
+                <a:solidFill>
+                  <a:srgbClr val="002060"/>
+                </a:solidFill>
+                <a:latin typeface="Arial" panose="020B0604020202020204" pitchFamily="34" charset="0"/>
+                <a:cs typeface="Arial" panose="020B0604020202020204" pitchFamily="34" charset="0"/>
+              </a:rPr>
+              <a:t>KPIs</a:t>
+            </a:r>
+            <a:r>
+              <a:rPr lang="it-IT" sz="1400" dirty="0">
+                <a:solidFill>
+                  <a:srgbClr val="002060"/>
+                </a:solidFill>
+                <a:latin typeface="Arial" panose="020B0604020202020204" pitchFamily="34" charset="0"/>
+                <a:cs typeface="Arial" panose="020B0604020202020204" pitchFamily="34" charset="0"/>
+              </a:rPr>
+              <a:t> a 7gg</a:t>
+            </a:r>
+          </a:p>
+          <a:p>
+            <a:pPr marL="742950" lvl="1" indent="-285750" algn="just">
+              <a:buFont typeface="Arial" panose="020B0604020202020204" pitchFamily="34" charset="0"/>
+              <a:buChar char="•"/>
+              <a:defRPr/>
+            </a:pPr>
+            <a:endParaRPr kumimoji="0" lang="it-IT" b="0" i="0" u="none" strike="noStrike" kern="1200" cap="none" spc="0" normalizeH="0" baseline="0" noProof="0" dirty="0">
+              <a:ln>
+                <a:noFill/>
+              </a:ln>
+              <a:solidFill>
+                <a:srgbClr val="002060"/>
+              </a:solidFill>
+              <a:effectLst/>
+              <a:uLnTx/>
+              <a:uFillTx/>
+              <a:latin typeface="Arial" panose="020B0604020202020204" pitchFamily="34" charset="0"/>
+              <a:ea typeface="+mn-ea"/>
+              <a:cs typeface="Arial" panose="020B0604020202020204" pitchFamily="34" charset="0"/>
+            </a:endParaRPr>
+          </a:p>
+        </p:txBody>
+      </p:sp>
     </p:spTree>
     <p:extLst>
       <p:ext uri="{BB962C8B-B14F-4D97-AF65-F5344CB8AC3E}">
@@ -19127,6 +19224,200 @@
           </a:prstGeom>
         </p:spPr>
       </p:pic>
+      <p:sp>
+        <p:nvSpPr>
+          <p:cNvPr id="8" name="CasellaDiTesto 7">
+            <a:extLst>
+              <a:ext uri="{FF2B5EF4-FFF2-40B4-BE49-F238E27FC236}">
+                <a16:creationId xmlns:a16="http://schemas.microsoft.com/office/drawing/2014/main" id="{EC564EA9-A774-40D5-AF1D-A255B8C2942D}"/>
+              </a:ext>
+            </a:extLst>
+          </p:cNvPr>
+          <p:cNvSpPr txBox="1"/>
+          <p:nvPr/>
+        </p:nvSpPr>
+        <p:spPr>
+          <a:xfrm>
+            <a:off x="1222310" y="5213897"/>
+            <a:ext cx="4357152" cy="861774"/>
+          </a:xfrm>
+          <a:prstGeom prst="rect">
+            <a:avLst/>
+          </a:prstGeom>
+          <a:noFill/>
+        </p:spPr>
+        <p:txBody>
+          <a:bodyPr wrap="square" rtlCol="0">
+            <a:spAutoFit/>
+          </a:bodyPr>
+          <a:lstStyle/>
+          <a:p>
+            <a:pPr lvl="1" algn="just">
+              <a:defRPr/>
+            </a:pPr>
+            <a:endParaRPr lang="it-IT" dirty="0">
+              <a:solidFill>
+                <a:srgbClr val="002060"/>
+              </a:solidFill>
+              <a:latin typeface="Arial" panose="020B0604020202020204" pitchFamily="34" charset="0"/>
+              <a:cs typeface="Arial" panose="020B0604020202020204" pitchFamily="34" charset="0"/>
+            </a:endParaRPr>
+          </a:p>
+          <a:p>
+            <a:pPr lvl="1" algn="just">
+              <a:defRPr/>
+            </a:pPr>
+            <a:r>
+              <a:rPr lang="it-IT" sz="1400" dirty="0">
+                <a:solidFill>
+                  <a:srgbClr val="002060"/>
+                </a:solidFill>
+                <a:latin typeface="Arial" panose="020B0604020202020204" pitchFamily="34" charset="0"/>
+                <a:cs typeface="Arial" panose="020B0604020202020204" pitchFamily="34" charset="0"/>
+              </a:rPr>
+              <a:t>Anno 2018 con </a:t>
+            </a:r>
+            <a:r>
+              <a:rPr lang="it-IT" sz="1400" dirty="0" err="1">
+                <a:solidFill>
+                  <a:srgbClr val="002060"/>
+                </a:solidFill>
+                <a:latin typeface="Arial" panose="020B0604020202020204" pitchFamily="34" charset="0"/>
+                <a:cs typeface="Arial" panose="020B0604020202020204" pitchFamily="34" charset="0"/>
+              </a:rPr>
+              <a:t>KPIs</a:t>
+            </a:r>
+            <a:r>
+              <a:rPr lang="it-IT" sz="1400" dirty="0">
+                <a:solidFill>
+                  <a:srgbClr val="002060"/>
+                </a:solidFill>
+                <a:latin typeface="Arial" panose="020B0604020202020204" pitchFamily="34" charset="0"/>
+                <a:cs typeface="Arial" panose="020B0604020202020204" pitchFamily="34" charset="0"/>
+              </a:rPr>
+              <a:t> a 15gg</a:t>
+            </a:r>
+          </a:p>
+          <a:p>
+            <a:pPr marL="742950" lvl="1" indent="-285750" algn="just">
+              <a:buFont typeface="Arial" panose="020B0604020202020204" pitchFamily="34" charset="0"/>
+              <a:buChar char="•"/>
+              <a:defRPr/>
+            </a:pPr>
+            <a:endParaRPr kumimoji="0" lang="it-IT" b="0" i="0" u="none" strike="noStrike" kern="1200" cap="none" spc="0" normalizeH="0" baseline="0" noProof="0" dirty="0">
+              <a:ln>
+                <a:noFill/>
+              </a:ln>
+              <a:solidFill>
+                <a:srgbClr val="002060"/>
+              </a:solidFill>
+              <a:effectLst/>
+              <a:uLnTx/>
+              <a:uFillTx/>
+              <a:latin typeface="Arial" panose="020B0604020202020204" pitchFamily="34" charset="0"/>
+              <a:ea typeface="+mn-ea"/>
+              <a:cs typeface="Arial" panose="020B0604020202020204" pitchFamily="34" charset="0"/>
+            </a:endParaRPr>
+          </a:p>
+        </p:txBody>
+      </p:sp>
+      <p:sp>
+        <p:nvSpPr>
+          <p:cNvPr id="9" name="CasellaDiTesto 8">
+            <a:extLst>
+              <a:ext uri="{FF2B5EF4-FFF2-40B4-BE49-F238E27FC236}">
+                <a16:creationId xmlns:a16="http://schemas.microsoft.com/office/drawing/2014/main" id="{AA9DB22C-61AC-4F2A-8293-1DAB6B93F19C}"/>
+              </a:ext>
+            </a:extLst>
+          </p:cNvPr>
+          <p:cNvSpPr txBox="1"/>
+          <p:nvPr/>
+        </p:nvSpPr>
+        <p:spPr>
+          <a:xfrm>
+            <a:off x="7333862" y="5187211"/>
+            <a:ext cx="4357152" cy="861774"/>
+          </a:xfrm>
+          <a:prstGeom prst="rect">
+            <a:avLst/>
+          </a:prstGeom>
+          <a:noFill/>
+        </p:spPr>
+        <p:txBody>
+          <a:bodyPr wrap="square" rtlCol="0">
+            <a:spAutoFit/>
+          </a:bodyPr>
+          <a:lstStyle/>
+          <a:p>
+            <a:pPr lvl="1" algn="just">
+              <a:defRPr/>
+            </a:pPr>
+            <a:endParaRPr lang="it-IT" dirty="0">
+              <a:solidFill>
+                <a:srgbClr val="002060"/>
+              </a:solidFill>
+              <a:latin typeface="Arial" panose="020B0604020202020204" pitchFamily="34" charset="0"/>
+              <a:cs typeface="Arial" panose="020B0604020202020204" pitchFamily="34" charset="0"/>
+            </a:endParaRPr>
+          </a:p>
+          <a:p>
+            <a:pPr lvl="1" algn="just">
+              <a:defRPr/>
+            </a:pPr>
+            <a:r>
+              <a:rPr lang="it-IT" sz="1400" dirty="0">
+                <a:solidFill>
+                  <a:srgbClr val="002060"/>
+                </a:solidFill>
+                <a:latin typeface="Arial" panose="020B0604020202020204" pitchFamily="34" charset="0"/>
+                <a:cs typeface="Arial" panose="020B0604020202020204" pitchFamily="34" charset="0"/>
+              </a:rPr>
+              <a:t>Anno 2018 con </a:t>
+            </a:r>
+            <a:r>
+              <a:rPr lang="it-IT" sz="1400" dirty="0" err="1">
+                <a:solidFill>
+                  <a:srgbClr val="002060"/>
+                </a:solidFill>
+                <a:latin typeface="Arial" panose="020B0604020202020204" pitchFamily="34" charset="0"/>
+                <a:cs typeface="Arial" panose="020B0604020202020204" pitchFamily="34" charset="0"/>
+              </a:rPr>
+              <a:t>KPIs</a:t>
+            </a:r>
+            <a:r>
+              <a:rPr lang="it-IT" sz="1400" dirty="0">
+                <a:solidFill>
+                  <a:srgbClr val="002060"/>
+                </a:solidFill>
+                <a:latin typeface="Arial" panose="020B0604020202020204" pitchFamily="34" charset="0"/>
+                <a:cs typeface="Arial" panose="020B0604020202020204" pitchFamily="34" charset="0"/>
+              </a:rPr>
+              <a:t> a 30gg</a:t>
+            </a:r>
+          </a:p>
+          <a:p>
+            <a:pPr marL="742950" lvl="1" indent="-285750" algn="just">
+              <a:buFont typeface="Arial" panose="020B0604020202020204" pitchFamily="34" charset="0"/>
+              <a:buChar char="•"/>
+              <a:defRPr/>
+            </a:pPr>
+            <a:endParaRPr kumimoji="0" lang="it-IT" b="0" i="0" u="none" strike="noStrike" kern="1200" cap="none" spc="0" normalizeH="0" baseline="0" noProof="0" dirty="0">
+              <a:ln>
+                <a:noFill/>
+              </a:ln>
+              <a:solidFill>
+                <a:srgbClr val="002060"/>
+              </a:solidFill>
+              <a:effectLst/>
+              <a:uLnTx/>
+              <a:uFillTx/>
+              <a:latin typeface="Arial" panose="020B0604020202020204" pitchFamily="34" charset="0"/>
+              <a:ea typeface="+mn-ea"/>
+              <a:cs typeface="Arial" panose="020B0604020202020204" pitchFamily="34" charset="0"/>
+            </a:endParaRPr>
+          </a:p>
+        </p:txBody>
+      </p:sp>
     </p:spTree>
     <p:extLst>
       <p:ext uri="{BB962C8B-B14F-4D97-AF65-F5344CB8AC3E}">
@@ -19488,7 +19779,7 @@
         </p:blipFill>
         <p:spPr>
           <a:xfrm>
-            <a:off x="4110668" y="1128907"/>
+            <a:off x="4110668" y="1249000"/>
             <a:ext cx="7818684" cy="695325"/>
           </a:xfrm>
           <a:prstGeom prst="rect">
@@ -19518,7 +19809,7 @@
         </p:blipFill>
         <p:spPr>
           <a:xfrm>
-            <a:off x="4110668" y="2034743"/>
+            <a:off x="4110668" y="2274929"/>
             <a:ext cx="7818684" cy="1266825"/>
           </a:xfrm>
           <a:prstGeom prst="rect">
@@ -19548,14 +19839,402 @@
         </p:blipFill>
         <p:spPr>
           <a:xfrm>
-            <a:off x="4110668" y="3626692"/>
-            <a:ext cx="7818684" cy="2627646"/>
+            <a:off x="4521215" y="3940450"/>
+            <a:ext cx="6888479" cy="2544326"/>
           </a:xfrm>
           <a:prstGeom prst="rect">
             <a:avLst/>
           </a:prstGeom>
         </p:spPr>
       </p:pic>
+      <p:sp>
+        <p:nvSpPr>
+          <p:cNvPr id="11" name="CasellaDiTesto 10">
+            <a:extLst>
+              <a:ext uri="{FF2B5EF4-FFF2-40B4-BE49-F238E27FC236}">
+                <a16:creationId xmlns:a16="http://schemas.microsoft.com/office/drawing/2014/main" id="{023D7FA3-C2D8-4701-BC77-68BAA0A8E9AB}"/>
+              </a:ext>
+            </a:extLst>
+          </p:cNvPr>
+          <p:cNvSpPr txBox="1"/>
+          <p:nvPr/>
+        </p:nvSpPr>
+        <p:spPr>
+          <a:xfrm>
+            <a:off x="6628131" y="674452"/>
+            <a:ext cx="4357152" cy="800219"/>
+          </a:xfrm>
+          <a:prstGeom prst="rect">
+            <a:avLst/>
+          </a:prstGeom>
+          <a:noFill/>
+        </p:spPr>
+        <p:txBody>
+          <a:bodyPr wrap="square" rtlCol="0">
+            <a:spAutoFit/>
+          </a:bodyPr>
+          <a:lstStyle/>
+          <a:p>
+            <a:pPr lvl="1" algn="just">
+              <a:defRPr/>
+            </a:pPr>
+            <a:endParaRPr lang="it-IT" dirty="0">
+              <a:solidFill>
+                <a:srgbClr val="002060"/>
+              </a:solidFill>
+              <a:latin typeface="Arial" panose="020B0604020202020204" pitchFamily="34" charset="0"/>
+              <a:cs typeface="Arial" panose="020B0604020202020204" pitchFamily="34" charset="0"/>
+            </a:endParaRPr>
+          </a:p>
+          <a:p>
+            <a:pPr lvl="1" algn="just">
+              <a:defRPr/>
+            </a:pPr>
+            <a:r>
+              <a:rPr lang="it-IT" sz="1000" dirty="0">
+                <a:solidFill>
+                  <a:srgbClr val="002060"/>
+                </a:solidFill>
+                <a:latin typeface="Arial" panose="020B0604020202020204" pitchFamily="34" charset="0"/>
+                <a:cs typeface="Arial" panose="020B0604020202020204" pitchFamily="34" charset="0"/>
+              </a:rPr>
+              <a:t>Finestra settimanale anno 2018 con </a:t>
+            </a:r>
+            <a:r>
+              <a:rPr lang="it-IT" sz="1000" dirty="0" err="1">
+                <a:solidFill>
+                  <a:srgbClr val="002060"/>
+                </a:solidFill>
+                <a:latin typeface="Arial" panose="020B0604020202020204" pitchFamily="34" charset="0"/>
+                <a:cs typeface="Arial" panose="020B0604020202020204" pitchFamily="34" charset="0"/>
+              </a:rPr>
+              <a:t>KPIs</a:t>
+            </a:r>
+            <a:r>
+              <a:rPr lang="it-IT" sz="1000" dirty="0">
+                <a:solidFill>
+                  <a:srgbClr val="002060"/>
+                </a:solidFill>
+                <a:latin typeface="Arial" panose="020B0604020202020204" pitchFamily="34" charset="0"/>
+                <a:cs typeface="Arial" panose="020B0604020202020204" pitchFamily="34" charset="0"/>
+              </a:rPr>
+              <a:t> a 7gg</a:t>
+            </a:r>
+          </a:p>
+          <a:p>
+            <a:pPr marL="742950" lvl="1" indent="-285750" algn="just">
+              <a:buFont typeface="Arial" panose="020B0604020202020204" pitchFamily="34" charset="0"/>
+              <a:buChar char="•"/>
+              <a:defRPr/>
+            </a:pPr>
+            <a:endParaRPr kumimoji="0" lang="it-IT" b="0" i="0" u="none" strike="noStrike" kern="1200" cap="none" spc="0" normalizeH="0" baseline="0" noProof="0" dirty="0">
+              <a:ln>
+                <a:noFill/>
+              </a:ln>
+              <a:solidFill>
+                <a:srgbClr val="002060"/>
+              </a:solidFill>
+              <a:effectLst/>
+              <a:uLnTx/>
+              <a:uFillTx/>
+              <a:latin typeface="Arial" panose="020B0604020202020204" pitchFamily="34" charset="0"/>
+              <a:ea typeface="+mn-ea"/>
+              <a:cs typeface="Arial" panose="020B0604020202020204" pitchFamily="34" charset="0"/>
+            </a:endParaRPr>
+          </a:p>
+        </p:txBody>
+      </p:sp>
+      <p:sp>
+        <p:nvSpPr>
+          <p:cNvPr id="14" name="CasellaDiTesto 13">
+            <a:extLst>
+              <a:ext uri="{FF2B5EF4-FFF2-40B4-BE49-F238E27FC236}">
+                <a16:creationId xmlns:a16="http://schemas.microsoft.com/office/drawing/2014/main" id="{401C045C-CF95-4DE3-B5AB-2ACC255EF21F}"/>
+              </a:ext>
+            </a:extLst>
+          </p:cNvPr>
+          <p:cNvSpPr txBox="1"/>
+          <p:nvPr/>
+        </p:nvSpPr>
+        <p:spPr>
+          <a:xfrm>
+            <a:off x="6628131" y="1733174"/>
+            <a:ext cx="4357152" cy="800219"/>
+          </a:xfrm>
+          <a:prstGeom prst="rect">
+            <a:avLst/>
+          </a:prstGeom>
+          <a:noFill/>
+        </p:spPr>
+        <p:txBody>
+          <a:bodyPr wrap="square" rtlCol="0">
+            <a:spAutoFit/>
+          </a:bodyPr>
+          <a:lstStyle/>
+          <a:p>
+            <a:pPr lvl="1" algn="just">
+              <a:defRPr/>
+            </a:pPr>
+            <a:endParaRPr lang="it-IT" dirty="0">
+              <a:solidFill>
+                <a:srgbClr val="002060"/>
+              </a:solidFill>
+              <a:latin typeface="Arial" panose="020B0604020202020204" pitchFamily="34" charset="0"/>
+              <a:cs typeface="Arial" panose="020B0604020202020204" pitchFamily="34" charset="0"/>
+            </a:endParaRPr>
+          </a:p>
+          <a:p>
+            <a:pPr lvl="1" algn="just">
+              <a:defRPr/>
+            </a:pPr>
+            <a:r>
+              <a:rPr lang="it-IT" sz="1000" dirty="0">
+                <a:solidFill>
+                  <a:srgbClr val="002060"/>
+                </a:solidFill>
+                <a:latin typeface="Arial" panose="020B0604020202020204" pitchFamily="34" charset="0"/>
+                <a:cs typeface="Arial" panose="020B0604020202020204" pitchFamily="34" charset="0"/>
+              </a:rPr>
+              <a:t>Finestra bisettimanale anno 2018 con </a:t>
+            </a:r>
+            <a:r>
+              <a:rPr lang="it-IT" sz="1000" dirty="0" err="1">
+                <a:solidFill>
+                  <a:srgbClr val="002060"/>
+                </a:solidFill>
+                <a:latin typeface="Arial" panose="020B0604020202020204" pitchFamily="34" charset="0"/>
+                <a:cs typeface="Arial" panose="020B0604020202020204" pitchFamily="34" charset="0"/>
+              </a:rPr>
+              <a:t>KPIs</a:t>
+            </a:r>
+            <a:r>
+              <a:rPr lang="it-IT" sz="1000" dirty="0">
+                <a:solidFill>
+                  <a:srgbClr val="002060"/>
+                </a:solidFill>
+                <a:latin typeface="Arial" panose="020B0604020202020204" pitchFamily="34" charset="0"/>
+                <a:cs typeface="Arial" panose="020B0604020202020204" pitchFamily="34" charset="0"/>
+              </a:rPr>
+              <a:t> a 7gg</a:t>
+            </a:r>
+          </a:p>
+          <a:p>
+            <a:pPr marL="742950" lvl="1" indent="-285750" algn="just">
+              <a:buFont typeface="Arial" panose="020B0604020202020204" pitchFamily="34" charset="0"/>
+              <a:buChar char="•"/>
+              <a:defRPr/>
+            </a:pPr>
+            <a:endParaRPr kumimoji="0" lang="it-IT" b="0" i="0" u="none" strike="noStrike" kern="1200" cap="none" spc="0" normalizeH="0" baseline="0" noProof="0" dirty="0">
+              <a:ln>
+                <a:noFill/>
+              </a:ln>
+              <a:solidFill>
+                <a:srgbClr val="002060"/>
+              </a:solidFill>
+              <a:effectLst/>
+              <a:uLnTx/>
+              <a:uFillTx/>
+              <a:latin typeface="Arial" panose="020B0604020202020204" pitchFamily="34" charset="0"/>
+              <a:ea typeface="+mn-ea"/>
+              <a:cs typeface="Arial" panose="020B0604020202020204" pitchFamily="34" charset="0"/>
+            </a:endParaRPr>
+          </a:p>
+        </p:txBody>
+      </p:sp>
+      <p:sp>
+        <p:nvSpPr>
+          <p:cNvPr id="15" name="CasellaDiTesto 14">
+            <a:extLst>
+              <a:ext uri="{FF2B5EF4-FFF2-40B4-BE49-F238E27FC236}">
+                <a16:creationId xmlns:a16="http://schemas.microsoft.com/office/drawing/2014/main" id="{2AA83822-64D2-4102-A573-3EC572BC66D5}"/>
+              </a:ext>
+            </a:extLst>
+          </p:cNvPr>
+          <p:cNvSpPr txBox="1"/>
+          <p:nvPr/>
+        </p:nvSpPr>
+        <p:spPr>
+          <a:xfrm>
+            <a:off x="6553486" y="3333690"/>
+            <a:ext cx="4357152" cy="800219"/>
+          </a:xfrm>
+          <a:prstGeom prst="rect">
+            <a:avLst/>
+          </a:prstGeom>
+          <a:noFill/>
+        </p:spPr>
+        <p:txBody>
+          <a:bodyPr wrap="square" rtlCol="0">
+            <a:spAutoFit/>
+          </a:bodyPr>
+          <a:lstStyle/>
+          <a:p>
+            <a:pPr lvl="1" algn="just">
+              <a:defRPr/>
+            </a:pPr>
+            <a:endParaRPr lang="it-IT" dirty="0">
+              <a:solidFill>
+                <a:srgbClr val="002060"/>
+              </a:solidFill>
+              <a:latin typeface="Arial" panose="020B0604020202020204" pitchFamily="34" charset="0"/>
+              <a:cs typeface="Arial" panose="020B0604020202020204" pitchFamily="34" charset="0"/>
+            </a:endParaRPr>
+          </a:p>
+          <a:p>
+            <a:pPr lvl="1" algn="just">
+              <a:defRPr/>
+            </a:pPr>
+            <a:r>
+              <a:rPr lang="it-IT" sz="1000" dirty="0">
+                <a:solidFill>
+                  <a:srgbClr val="002060"/>
+                </a:solidFill>
+                <a:latin typeface="Arial" panose="020B0604020202020204" pitchFamily="34" charset="0"/>
+                <a:cs typeface="Arial" panose="020B0604020202020204" pitchFamily="34" charset="0"/>
+              </a:rPr>
+              <a:t>Finestra mensile anno 2018 con </a:t>
+            </a:r>
+            <a:r>
+              <a:rPr lang="it-IT" sz="1000" dirty="0" err="1">
+                <a:solidFill>
+                  <a:srgbClr val="002060"/>
+                </a:solidFill>
+                <a:latin typeface="Arial" panose="020B0604020202020204" pitchFamily="34" charset="0"/>
+                <a:cs typeface="Arial" panose="020B0604020202020204" pitchFamily="34" charset="0"/>
+              </a:rPr>
+              <a:t>KPIs</a:t>
+            </a:r>
+            <a:r>
+              <a:rPr lang="it-IT" sz="1000" dirty="0">
+                <a:solidFill>
+                  <a:srgbClr val="002060"/>
+                </a:solidFill>
+                <a:latin typeface="Arial" panose="020B0604020202020204" pitchFamily="34" charset="0"/>
+                <a:cs typeface="Arial" panose="020B0604020202020204" pitchFamily="34" charset="0"/>
+              </a:rPr>
+              <a:t> a 7gg</a:t>
+            </a:r>
+          </a:p>
+          <a:p>
+            <a:pPr marL="742950" lvl="1" indent="-285750" algn="just">
+              <a:buFont typeface="Arial" panose="020B0604020202020204" pitchFamily="34" charset="0"/>
+              <a:buChar char="•"/>
+              <a:defRPr/>
+            </a:pPr>
+            <a:endParaRPr kumimoji="0" lang="it-IT" b="0" i="0" u="none" strike="noStrike" kern="1200" cap="none" spc="0" normalizeH="0" baseline="0" noProof="0" dirty="0">
+              <a:ln>
+                <a:noFill/>
+              </a:ln>
+              <a:solidFill>
+                <a:srgbClr val="002060"/>
+              </a:solidFill>
+              <a:effectLst/>
+              <a:uLnTx/>
+              <a:uFillTx/>
+              <a:latin typeface="Arial" panose="020B0604020202020204" pitchFamily="34" charset="0"/>
+              <a:ea typeface="+mn-ea"/>
+              <a:cs typeface="Arial" panose="020B0604020202020204" pitchFamily="34" charset="0"/>
+            </a:endParaRPr>
+          </a:p>
+        </p:txBody>
+      </p:sp>
+      <p:sp>
+        <p:nvSpPr>
+          <p:cNvPr id="17" name="CasellaDiTesto 16">
+            <a:extLst>
+              <a:ext uri="{FF2B5EF4-FFF2-40B4-BE49-F238E27FC236}">
+                <a16:creationId xmlns:a16="http://schemas.microsoft.com/office/drawing/2014/main" id="{D91D5007-6E38-4DC3-B660-DE5E32352EAF}"/>
+              </a:ext>
+            </a:extLst>
+          </p:cNvPr>
+          <p:cNvSpPr txBox="1"/>
+          <p:nvPr/>
+        </p:nvSpPr>
+        <p:spPr>
+          <a:xfrm>
+            <a:off x="6428791" y="6193519"/>
+            <a:ext cx="3365241" cy="800219"/>
+          </a:xfrm>
+          <a:prstGeom prst="rect">
+            <a:avLst/>
+          </a:prstGeom>
+          <a:noFill/>
+        </p:spPr>
+        <p:txBody>
+          <a:bodyPr wrap="square" rtlCol="0">
+            <a:spAutoFit/>
+          </a:bodyPr>
+          <a:lstStyle/>
+          <a:p>
+            <a:pPr lvl="1" algn="just">
+              <a:defRPr/>
+            </a:pPr>
+            <a:endParaRPr lang="it-IT" dirty="0">
+              <a:solidFill>
+                <a:srgbClr val="002060"/>
+              </a:solidFill>
+              <a:latin typeface="Arial" panose="020B0604020202020204" pitchFamily="34" charset="0"/>
+              <a:cs typeface="Arial" panose="020B0604020202020204" pitchFamily="34" charset="0"/>
+            </a:endParaRPr>
+          </a:p>
+          <a:p>
+            <a:pPr lvl="1" algn="just">
+              <a:defRPr/>
+            </a:pPr>
+            <a:r>
+              <a:rPr lang="it-IT" sz="1000" dirty="0">
+                <a:solidFill>
+                  <a:srgbClr val="002060"/>
+                </a:solidFill>
+                <a:latin typeface="Arial" panose="020B0604020202020204" pitchFamily="34" charset="0"/>
+                <a:cs typeface="Arial" panose="020B0604020202020204" pitchFamily="34" charset="0"/>
+              </a:rPr>
+              <a:t>Finestra bimestre  anno 2018 con </a:t>
+            </a:r>
+            <a:r>
+              <a:rPr lang="it-IT" sz="1000" dirty="0" err="1">
+                <a:solidFill>
+                  <a:srgbClr val="002060"/>
+                </a:solidFill>
+                <a:latin typeface="Arial" panose="020B0604020202020204" pitchFamily="34" charset="0"/>
+                <a:cs typeface="Arial" panose="020B0604020202020204" pitchFamily="34" charset="0"/>
+              </a:rPr>
+              <a:t>KPIs</a:t>
+            </a:r>
+            <a:r>
+              <a:rPr lang="it-IT" sz="1000" dirty="0">
+                <a:solidFill>
+                  <a:srgbClr val="002060"/>
+                </a:solidFill>
+                <a:latin typeface="Arial" panose="020B0604020202020204" pitchFamily="34" charset="0"/>
+                <a:cs typeface="Arial" panose="020B0604020202020204" pitchFamily="34" charset="0"/>
+              </a:rPr>
+              <a:t>  a 7gg</a:t>
+            </a:r>
+          </a:p>
+          <a:p>
+            <a:pPr marL="742950" lvl="1" indent="-285750" algn="just">
+              <a:buFont typeface="Arial" panose="020B0604020202020204" pitchFamily="34" charset="0"/>
+              <a:buChar char="•"/>
+              <a:defRPr/>
+            </a:pPr>
+            <a:endParaRPr kumimoji="0" lang="it-IT" b="0" i="0" u="none" strike="noStrike" kern="1200" cap="none" spc="0" normalizeH="0" baseline="0" noProof="0" dirty="0">
+              <a:ln>
+                <a:noFill/>
+              </a:ln>
+              <a:solidFill>
+                <a:srgbClr val="002060"/>
+              </a:solidFill>
+              <a:effectLst/>
+              <a:uLnTx/>
+              <a:uFillTx/>
+              <a:latin typeface="Arial" panose="020B0604020202020204" pitchFamily="34" charset="0"/>
+              <a:ea typeface="+mn-ea"/>
+              <a:cs typeface="Arial" panose="020B0604020202020204" pitchFamily="34" charset="0"/>
+            </a:endParaRPr>
+          </a:p>
+        </p:txBody>
+      </p:sp>
     </p:spTree>
     <p:extLst>
       <p:ext uri="{BB962C8B-B14F-4D97-AF65-F5344CB8AC3E}">
@@ -19800,6 +20479,200 @@
           </a:prstGeom>
         </p:spPr>
       </p:pic>
+      <p:sp>
+        <p:nvSpPr>
+          <p:cNvPr id="7" name="CasellaDiTesto 6">
+            <a:extLst>
+              <a:ext uri="{FF2B5EF4-FFF2-40B4-BE49-F238E27FC236}">
+                <a16:creationId xmlns:a16="http://schemas.microsoft.com/office/drawing/2014/main" id="{D6979AFE-DEE0-4571-B7A7-35DDA62BF861}"/>
+              </a:ext>
+            </a:extLst>
+          </p:cNvPr>
+          <p:cNvSpPr txBox="1"/>
+          <p:nvPr/>
+        </p:nvSpPr>
+        <p:spPr>
+          <a:xfrm>
+            <a:off x="1235038" y="5116395"/>
+            <a:ext cx="4357152" cy="800219"/>
+          </a:xfrm>
+          <a:prstGeom prst="rect">
+            <a:avLst/>
+          </a:prstGeom>
+          <a:noFill/>
+        </p:spPr>
+        <p:txBody>
+          <a:bodyPr wrap="square" rtlCol="0">
+            <a:spAutoFit/>
+          </a:bodyPr>
+          <a:lstStyle/>
+          <a:p>
+            <a:pPr lvl="1" algn="just">
+              <a:defRPr/>
+            </a:pPr>
+            <a:endParaRPr lang="it-IT" dirty="0">
+              <a:solidFill>
+                <a:srgbClr val="002060"/>
+              </a:solidFill>
+              <a:latin typeface="Arial" panose="020B0604020202020204" pitchFamily="34" charset="0"/>
+              <a:cs typeface="Arial" panose="020B0604020202020204" pitchFamily="34" charset="0"/>
+            </a:endParaRPr>
+          </a:p>
+          <a:p>
+            <a:pPr lvl="1" algn="just">
+              <a:defRPr/>
+            </a:pPr>
+            <a:r>
+              <a:rPr lang="it-IT" sz="1000" dirty="0">
+                <a:solidFill>
+                  <a:srgbClr val="002060"/>
+                </a:solidFill>
+                <a:latin typeface="Arial" panose="020B0604020202020204" pitchFamily="34" charset="0"/>
+                <a:cs typeface="Arial" panose="020B0604020202020204" pitchFamily="34" charset="0"/>
+              </a:rPr>
+              <a:t>Finestra trimestre anno 2018 con </a:t>
+            </a:r>
+            <a:r>
+              <a:rPr lang="it-IT" sz="1000" dirty="0" err="1">
+                <a:solidFill>
+                  <a:srgbClr val="002060"/>
+                </a:solidFill>
+                <a:latin typeface="Arial" panose="020B0604020202020204" pitchFamily="34" charset="0"/>
+                <a:cs typeface="Arial" panose="020B0604020202020204" pitchFamily="34" charset="0"/>
+              </a:rPr>
+              <a:t>KPIs</a:t>
+            </a:r>
+            <a:r>
+              <a:rPr lang="it-IT" sz="1000" dirty="0">
+                <a:solidFill>
+                  <a:srgbClr val="002060"/>
+                </a:solidFill>
+                <a:latin typeface="Arial" panose="020B0604020202020204" pitchFamily="34" charset="0"/>
+                <a:cs typeface="Arial" panose="020B0604020202020204" pitchFamily="34" charset="0"/>
+              </a:rPr>
+              <a:t> a 7gg</a:t>
+            </a:r>
+          </a:p>
+          <a:p>
+            <a:pPr marL="742950" lvl="1" indent="-285750" algn="just">
+              <a:buFont typeface="Arial" panose="020B0604020202020204" pitchFamily="34" charset="0"/>
+              <a:buChar char="•"/>
+              <a:defRPr/>
+            </a:pPr>
+            <a:endParaRPr kumimoji="0" lang="it-IT" b="0" i="0" u="none" strike="noStrike" kern="1200" cap="none" spc="0" normalizeH="0" baseline="0" noProof="0" dirty="0">
+              <a:ln>
+                <a:noFill/>
+              </a:ln>
+              <a:solidFill>
+                <a:srgbClr val="002060"/>
+              </a:solidFill>
+              <a:effectLst/>
+              <a:uLnTx/>
+              <a:uFillTx/>
+              <a:latin typeface="Arial" panose="020B0604020202020204" pitchFamily="34" charset="0"/>
+              <a:ea typeface="+mn-ea"/>
+              <a:cs typeface="Arial" panose="020B0604020202020204" pitchFamily="34" charset="0"/>
+            </a:endParaRPr>
+          </a:p>
+        </p:txBody>
+      </p:sp>
+      <p:sp>
+        <p:nvSpPr>
+          <p:cNvPr id="8" name="CasellaDiTesto 7">
+            <a:extLst>
+              <a:ext uri="{FF2B5EF4-FFF2-40B4-BE49-F238E27FC236}">
+                <a16:creationId xmlns:a16="http://schemas.microsoft.com/office/drawing/2014/main" id="{13E701EC-5445-499D-831A-FE2181EA65BC}"/>
+              </a:ext>
+            </a:extLst>
+          </p:cNvPr>
+          <p:cNvSpPr txBox="1"/>
+          <p:nvPr/>
+        </p:nvSpPr>
+        <p:spPr>
+          <a:xfrm>
+            <a:off x="7271944" y="5331315"/>
+            <a:ext cx="4357152" cy="800219"/>
+          </a:xfrm>
+          <a:prstGeom prst="rect">
+            <a:avLst/>
+          </a:prstGeom>
+          <a:noFill/>
+        </p:spPr>
+        <p:txBody>
+          <a:bodyPr wrap="square" rtlCol="0">
+            <a:spAutoFit/>
+          </a:bodyPr>
+          <a:lstStyle/>
+          <a:p>
+            <a:pPr lvl="1" algn="just">
+              <a:defRPr/>
+            </a:pPr>
+            <a:endParaRPr lang="it-IT" dirty="0">
+              <a:solidFill>
+                <a:srgbClr val="002060"/>
+              </a:solidFill>
+              <a:latin typeface="Arial" panose="020B0604020202020204" pitchFamily="34" charset="0"/>
+              <a:cs typeface="Arial" panose="020B0604020202020204" pitchFamily="34" charset="0"/>
+            </a:endParaRPr>
+          </a:p>
+          <a:p>
+            <a:pPr lvl="1" algn="just">
+              <a:defRPr/>
+            </a:pPr>
+            <a:r>
+              <a:rPr lang="it-IT" sz="1000" dirty="0">
+                <a:solidFill>
+                  <a:srgbClr val="002060"/>
+                </a:solidFill>
+                <a:latin typeface="Arial" panose="020B0604020202020204" pitchFamily="34" charset="0"/>
+                <a:cs typeface="Arial" panose="020B0604020202020204" pitchFamily="34" charset="0"/>
+              </a:rPr>
+              <a:t>Finestra quadrimestre anno 2018 con </a:t>
+            </a:r>
+            <a:r>
+              <a:rPr lang="it-IT" sz="1000" dirty="0" err="1">
+                <a:solidFill>
+                  <a:srgbClr val="002060"/>
+                </a:solidFill>
+                <a:latin typeface="Arial" panose="020B0604020202020204" pitchFamily="34" charset="0"/>
+                <a:cs typeface="Arial" panose="020B0604020202020204" pitchFamily="34" charset="0"/>
+              </a:rPr>
+              <a:t>KPIs</a:t>
+            </a:r>
+            <a:r>
+              <a:rPr lang="it-IT" sz="1000" dirty="0">
+                <a:solidFill>
+                  <a:srgbClr val="002060"/>
+                </a:solidFill>
+                <a:latin typeface="Arial" panose="020B0604020202020204" pitchFamily="34" charset="0"/>
+                <a:cs typeface="Arial" panose="020B0604020202020204" pitchFamily="34" charset="0"/>
+              </a:rPr>
+              <a:t> a 7gg</a:t>
+            </a:r>
+          </a:p>
+          <a:p>
+            <a:pPr marL="742950" lvl="1" indent="-285750" algn="just">
+              <a:buFont typeface="Arial" panose="020B0604020202020204" pitchFamily="34" charset="0"/>
+              <a:buChar char="•"/>
+              <a:defRPr/>
+            </a:pPr>
+            <a:endParaRPr kumimoji="0" lang="it-IT" b="0" i="0" u="none" strike="noStrike" kern="1200" cap="none" spc="0" normalizeH="0" baseline="0" noProof="0" dirty="0">
+              <a:ln>
+                <a:noFill/>
+              </a:ln>
+              <a:solidFill>
+                <a:srgbClr val="002060"/>
+              </a:solidFill>
+              <a:effectLst/>
+              <a:uLnTx/>
+              <a:uFillTx/>
+              <a:latin typeface="Arial" panose="020B0604020202020204" pitchFamily="34" charset="0"/>
+              <a:ea typeface="+mn-ea"/>
+              <a:cs typeface="Arial" panose="020B0604020202020204" pitchFamily="34" charset="0"/>
+            </a:endParaRPr>
+          </a:p>
+        </p:txBody>
+      </p:sp>
     </p:spTree>
     <p:extLst>
       <p:ext uri="{BB962C8B-B14F-4D97-AF65-F5344CB8AC3E}">
@@ -20036,14 +20909,228 @@
         </p:blipFill>
         <p:spPr>
           <a:xfrm>
-            <a:off x="6493163" y="113390"/>
-            <a:ext cx="5436188" cy="6560126"/>
+            <a:off x="6493163" y="48207"/>
+            <a:ext cx="5436188" cy="6212633"/>
           </a:xfrm>
           <a:prstGeom prst="rect">
             <a:avLst/>
           </a:prstGeom>
         </p:spPr>
       </p:pic>
+      <p:sp>
+        <p:nvSpPr>
+          <p:cNvPr id="7" name="CasellaDiTesto 6">
+            <a:extLst>
+              <a:ext uri="{FF2B5EF4-FFF2-40B4-BE49-F238E27FC236}">
+                <a16:creationId xmlns:a16="http://schemas.microsoft.com/office/drawing/2014/main" id="{5E0F6B00-75D6-4B67-B72E-2CF351606581}"/>
+              </a:ext>
+            </a:extLst>
+          </p:cNvPr>
+          <p:cNvSpPr txBox="1"/>
+          <p:nvPr/>
+        </p:nvSpPr>
+        <p:spPr>
+          <a:xfrm>
+            <a:off x="1141731" y="5639590"/>
+            <a:ext cx="4357152" cy="800219"/>
+          </a:xfrm>
+          <a:prstGeom prst="rect">
+            <a:avLst/>
+          </a:prstGeom>
+          <a:noFill/>
+        </p:spPr>
+        <p:txBody>
+          <a:bodyPr wrap="square" rtlCol="0">
+            <a:spAutoFit/>
+          </a:bodyPr>
+          <a:lstStyle/>
+          <a:p>
+            <a:pPr lvl="1" algn="just">
+              <a:defRPr/>
+            </a:pPr>
+            <a:endParaRPr lang="it-IT" dirty="0">
+              <a:solidFill>
+                <a:srgbClr val="002060"/>
+              </a:solidFill>
+              <a:latin typeface="Arial" panose="020B0604020202020204" pitchFamily="34" charset="0"/>
+              <a:cs typeface="Arial" panose="020B0604020202020204" pitchFamily="34" charset="0"/>
+            </a:endParaRPr>
+          </a:p>
+          <a:p>
+            <a:pPr lvl="1" algn="just">
+              <a:defRPr/>
+            </a:pPr>
+            <a:r>
+              <a:rPr lang="it-IT" sz="1000" dirty="0">
+                <a:solidFill>
+                  <a:srgbClr val="002060"/>
+                </a:solidFill>
+                <a:latin typeface="Arial" panose="020B0604020202020204" pitchFamily="34" charset="0"/>
+                <a:cs typeface="Arial" panose="020B0604020202020204" pitchFamily="34" charset="0"/>
+              </a:rPr>
+              <a:t>Finestra semestre anno 2018 con </a:t>
+            </a:r>
+            <a:r>
+              <a:rPr lang="it-IT" sz="1000" dirty="0" err="1">
+                <a:solidFill>
+                  <a:srgbClr val="002060"/>
+                </a:solidFill>
+                <a:latin typeface="Arial" panose="020B0604020202020204" pitchFamily="34" charset="0"/>
+                <a:cs typeface="Arial" panose="020B0604020202020204" pitchFamily="34" charset="0"/>
+              </a:rPr>
+              <a:t>KPIs</a:t>
+            </a:r>
+            <a:r>
+              <a:rPr lang="it-IT" sz="1000" dirty="0">
+                <a:solidFill>
+                  <a:srgbClr val="002060"/>
+                </a:solidFill>
+                <a:latin typeface="Arial" panose="020B0604020202020204" pitchFamily="34" charset="0"/>
+                <a:cs typeface="Arial" panose="020B0604020202020204" pitchFamily="34" charset="0"/>
+              </a:rPr>
+              <a:t> a 7gg</a:t>
+            </a:r>
+          </a:p>
+          <a:p>
+            <a:pPr marL="742950" lvl="1" indent="-285750" algn="just">
+              <a:buFont typeface="Arial" panose="020B0604020202020204" pitchFamily="34" charset="0"/>
+              <a:buChar char="•"/>
+              <a:defRPr/>
+            </a:pPr>
+            <a:endParaRPr kumimoji="0" lang="it-IT" b="0" i="0" u="none" strike="noStrike" kern="1200" cap="none" spc="0" normalizeH="0" baseline="0" noProof="0" dirty="0">
+              <a:ln>
+                <a:noFill/>
+              </a:ln>
+              <a:solidFill>
+                <a:srgbClr val="002060"/>
+              </a:solidFill>
+              <a:effectLst/>
+              <a:uLnTx/>
+              <a:uFillTx/>
+              <a:latin typeface="Arial" panose="020B0604020202020204" pitchFamily="34" charset="0"/>
+              <a:ea typeface="+mn-ea"/>
+              <a:cs typeface="Arial" panose="020B0604020202020204" pitchFamily="34" charset="0"/>
+            </a:endParaRPr>
+          </a:p>
+        </p:txBody>
+      </p:sp>
+      <p:sp>
+        <p:nvSpPr>
+          <p:cNvPr id="8" name="CasellaDiTesto 7">
+            <a:extLst>
+              <a:ext uri="{FF2B5EF4-FFF2-40B4-BE49-F238E27FC236}">
+                <a16:creationId xmlns:a16="http://schemas.microsoft.com/office/drawing/2014/main" id="{248B1ED0-9D97-40C8-8237-975970DA6D6D}"/>
+              </a:ext>
+            </a:extLst>
+          </p:cNvPr>
+          <p:cNvSpPr txBox="1"/>
+          <p:nvPr/>
+        </p:nvSpPr>
+        <p:spPr>
+          <a:xfrm>
+            <a:off x="7141315" y="6009573"/>
+            <a:ext cx="4357152" cy="800219"/>
+          </a:xfrm>
+          <a:prstGeom prst="rect">
+            <a:avLst/>
+          </a:prstGeom>
+          <a:noFill/>
+        </p:spPr>
+        <p:txBody>
+          <a:bodyPr wrap="square" rtlCol="0">
+            <a:spAutoFit/>
+          </a:bodyPr>
+          <a:lstStyle/>
+          <a:p>
+            <a:pPr lvl="1" algn="just">
+              <a:defRPr/>
+            </a:pPr>
+            <a:endParaRPr lang="it-IT" dirty="0">
+              <a:solidFill>
+                <a:srgbClr val="002060"/>
+              </a:solidFill>
+              <a:latin typeface="Arial" panose="020B0604020202020204" pitchFamily="34" charset="0"/>
+              <a:cs typeface="Arial" panose="020B0604020202020204" pitchFamily="34" charset="0"/>
+            </a:endParaRPr>
+          </a:p>
+          <a:p>
+            <a:pPr lvl="1" algn="just">
+              <a:defRPr/>
+            </a:pPr>
+            <a:r>
+              <a:rPr lang="it-IT" sz="1000" dirty="0">
+                <a:solidFill>
+                  <a:srgbClr val="002060"/>
+                </a:solidFill>
+                <a:latin typeface="Arial" panose="020B0604020202020204" pitchFamily="34" charset="0"/>
+                <a:cs typeface="Arial" panose="020B0604020202020204" pitchFamily="34" charset="0"/>
+              </a:rPr>
+              <a:t>Finestra </a:t>
+            </a:r>
+            <a:r>
+              <a:rPr lang="it-IT" sz="1000" dirty="0" err="1">
+                <a:solidFill>
+                  <a:srgbClr val="002060"/>
+                </a:solidFill>
+                <a:latin typeface="Arial" panose="020B0604020202020204" pitchFamily="34" charset="0"/>
+                <a:cs typeface="Arial" panose="020B0604020202020204" pitchFamily="34" charset="0"/>
+              </a:rPr>
+              <a:t>nonimestre</a:t>
+            </a:r>
+            <a:r>
+              <a:rPr lang="it-IT" sz="1000" dirty="0">
+                <a:solidFill>
+                  <a:srgbClr val="002060"/>
+                </a:solidFill>
+                <a:latin typeface="Arial" panose="020B0604020202020204" pitchFamily="34" charset="0"/>
+                <a:cs typeface="Arial" panose="020B0604020202020204" pitchFamily="34" charset="0"/>
+              </a:rPr>
+              <a:t> anno 2018 con </a:t>
+            </a:r>
+            <a:r>
+              <a:rPr lang="it-IT" sz="1000" dirty="0" err="1">
+                <a:solidFill>
+                  <a:srgbClr val="002060"/>
+                </a:solidFill>
+                <a:latin typeface="Arial" panose="020B0604020202020204" pitchFamily="34" charset="0"/>
+                <a:cs typeface="Arial" panose="020B0604020202020204" pitchFamily="34" charset="0"/>
+              </a:rPr>
+              <a:t>KPIs</a:t>
+            </a:r>
+            <a:r>
+              <a:rPr lang="it-IT" sz="1000" dirty="0">
+                <a:solidFill>
+                  <a:srgbClr val="002060"/>
+                </a:solidFill>
+                <a:latin typeface="Arial" panose="020B0604020202020204" pitchFamily="34" charset="0"/>
+                <a:cs typeface="Arial" panose="020B0604020202020204" pitchFamily="34" charset="0"/>
+              </a:rPr>
+              <a:t> a 7gg</a:t>
+            </a:r>
+          </a:p>
+          <a:p>
+            <a:pPr marL="742950" lvl="1" indent="-285750" algn="just">
+              <a:buFont typeface="Arial" panose="020B0604020202020204" pitchFamily="34" charset="0"/>
+              <a:buChar char="•"/>
+              <a:defRPr/>
+            </a:pPr>
+            <a:endParaRPr kumimoji="0" lang="it-IT" b="0" i="0" u="none" strike="noStrike" kern="1200" cap="none" spc="0" normalizeH="0" baseline="0" noProof="0" dirty="0">
+              <a:ln>
+                <a:noFill/>
+              </a:ln>
+              <a:solidFill>
+                <a:srgbClr val="002060"/>
+              </a:solidFill>
+              <a:effectLst/>
+              <a:uLnTx/>
+              <a:uFillTx/>
+              <a:latin typeface="Arial" panose="020B0604020202020204" pitchFamily="34" charset="0"/>
+              <a:ea typeface="+mn-ea"/>
+              <a:cs typeface="Arial" panose="020B0604020202020204" pitchFamily="34" charset="0"/>
+            </a:endParaRPr>
+          </a:p>
+        </p:txBody>
+      </p:sp>
     </p:spTree>
     <p:extLst>
       <p:ext uri="{BB962C8B-B14F-4D97-AF65-F5344CB8AC3E}">
@@ -20513,6 +21600,200 @@
           </a:prstGeom>
         </p:spPr>
       </p:pic>
+      <p:sp>
+        <p:nvSpPr>
+          <p:cNvPr id="8" name="CasellaDiTesto 7">
+            <a:extLst>
+              <a:ext uri="{FF2B5EF4-FFF2-40B4-BE49-F238E27FC236}">
+                <a16:creationId xmlns:a16="http://schemas.microsoft.com/office/drawing/2014/main" id="{A1456C23-F3F5-4172-9CA9-9BE4EFA97F87}"/>
+              </a:ext>
+            </a:extLst>
+          </p:cNvPr>
+          <p:cNvSpPr txBox="1"/>
+          <p:nvPr/>
+        </p:nvSpPr>
+        <p:spPr>
+          <a:xfrm>
+            <a:off x="4258156" y="4758807"/>
+            <a:ext cx="4357152" cy="800219"/>
+          </a:xfrm>
+          <a:prstGeom prst="rect">
+            <a:avLst/>
+          </a:prstGeom>
+          <a:noFill/>
+        </p:spPr>
+        <p:txBody>
+          <a:bodyPr wrap="square" rtlCol="0">
+            <a:spAutoFit/>
+          </a:bodyPr>
+          <a:lstStyle/>
+          <a:p>
+            <a:pPr lvl="1" algn="just">
+              <a:defRPr/>
+            </a:pPr>
+            <a:endParaRPr lang="it-IT" dirty="0">
+              <a:solidFill>
+                <a:srgbClr val="002060"/>
+              </a:solidFill>
+              <a:latin typeface="Arial" panose="020B0604020202020204" pitchFamily="34" charset="0"/>
+              <a:cs typeface="Arial" panose="020B0604020202020204" pitchFamily="34" charset="0"/>
+            </a:endParaRPr>
+          </a:p>
+          <a:p>
+            <a:pPr lvl="1" algn="just">
+              <a:defRPr/>
+            </a:pPr>
+            <a:r>
+              <a:rPr lang="it-IT" sz="1000" dirty="0">
+                <a:solidFill>
+                  <a:srgbClr val="002060"/>
+                </a:solidFill>
+                <a:latin typeface="Arial" panose="020B0604020202020204" pitchFamily="34" charset="0"/>
+                <a:cs typeface="Arial" panose="020B0604020202020204" pitchFamily="34" charset="0"/>
+              </a:rPr>
+              <a:t>Finestra mensile anno 2018 con </a:t>
+            </a:r>
+            <a:r>
+              <a:rPr lang="it-IT" sz="1000" dirty="0" err="1">
+                <a:solidFill>
+                  <a:srgbClr val="002060"/>
+                </a:solidFill>
+                <a:latin typeface="Arial" panose="020B0604020202020204" pitchFamily="34" charset="0"/>
+                <a:cs typeface="Arial" panose="020B0604020202020204" pitchFamily="34" charset="0"/>
+              </a:rPr>
+              <a:t>KPIs</a:t>
+            </a:r>
+            <a:r>
+              <a:rPr lang="it-IT" sz="1000" dirty="0">
+                <a:solidFill>
+                  <a:srgbClr val="002060"/>
+                </a:solidFill>
+                <a:latin typeface="Arial" panose="020B0604020202020204" pitchFamily="34" charset="0"/>
+                <a:cs typeface="Arial" panose="020B0604020202020204" pitchFamily="34" charset="0"/>
+              </a:rPr>
+              <a:t> a 15gg</a:t>
+            </a:r>
+          </a:p>
+          <a:p>
+            <a:pPr marL="742950" lvl="1" indent="-285750" algn="just">
+              <a:buFont typeface="Arial" panose="020B0604020202020204" pitchFamily="34" charset="0"/>
+              <a:buChar char="•"/>
+              <a:defRPr/>
+            </a:pPr>
+            <a:endParaRPr kumimoji="0" lang="it-IT" b="0" i="0" u="none" strike="noStrike" kern="1200" cap="none" spc="0" normalizeH="0" baseline="0" noProof="0" dirty="0">
+              <a:ln>
+                <a:noFill/>
+              </a:ln>
+              <a:solidFill>
+                <a:srgbClr val="002060"/>
+              </a:solidFill>
+              <a:effectLst/>
+              <a:uLnTx/>
+              <a:uFillTx/>
+              <a:latin typeface="Arial" panose="020B0604020202020204" pitchFamily="34" charset="0"/>
+              <a:ea typeface="+mn-ea"/>
+              <a:cs typeface="Arial" panose="020B0604020202020204" pitchFamily="34" charset="0"/>
+            </a:endParaRPr>
+          </a:p>
+        </p:txBody>
+      </p:sp>
+      <p:sp>
+        <p:nvSpPr>
+          <p:cNvPr id="10" name="CasellaDiTesto 9">
+            <a:extLst>
+              <a:ext uri="{FF2B5EF4-FFF2-40B4-BE49-F238E27FC236}">
+                <a16:creationId xmlns:a16="http://schemas.microsoft.com/office/drawing/2014/main" id="{4ABBB7D3-0982-4583-ACE4-5BE53AEB538E}"/>
+              </a:ext>
+            </a:extLst>
+          </p:cNvPr>
+          <p:cNvSpPr txBox="1"/>
+          <p:nvPr/>
+        </p:nvSpPr>
+        <p:spPr>
+          <a:xfrm>
+            <a:off x="4174180" y="6254175"/>
+            <a:ext cx="4357152" cy="800219"/>
+          </a:xfrm>
+          <a:prstGeom prst="rect">
+            <a:avLst/>
+          </a:prstGeom>
+          <a:noFill/>
+        </p:spPr>
+        <p:txBody>
+          <a:bodyPr wrap="square" rtlCol="0">
+            <a:spAutoFit/>
+          </a:bodyPr>
+          <a:lstStyle/>
+          <a:p>
+            <a:pPr lvl="1" algn="just">
+              <a:defRPr/>
+            </a:pPr>
+            <a:endParaRPr lang="it-IT" dirty="0">
+              <a:solidFill>
+                <a:srgbClr val="002060"/>
+              </a:solidFill>
+              <a:latin typeface="Arial" panose="020B0604020202020204" pitchFamily="34" charset="0"/>
+              <a:cs typeface="Arial" panose="020B0604020202020204" pitchFamily="34" charset="0"/>
+            </a:endParaRPr>
+          </a:p>
+          <a:p>
+            <a:pPr lvl="1" algn="just">
+              <a:defRPr/>
+            </a:pPr>
+            <a:r>
+              <a:rPr lang="it-IT" sz="1000" dirty="0">
+                <a:solidFill>
+                  <a:srgbClr val="002060"/>
+                </a:solidFill>
+                <a:latin typeface="Arial" panose="020B0604020202020204" pitchFamily="34" charset="0"/>
+                <a:cs typeface="Arial" panose="020B0604020202020204" pitchFamily="34" charset="0"/>
+              </a:rPr>
+              <a:t>Finestra mensile anno 2018 con </a:t>
+            </a:r>
+            <a:r>
+              <a:rPr lang="it-IT" sz="1000" dirty="0" err="1">
+                <a:solidFill>
+                  <a:srgbClr val="002060"/>
+                </a:solidFill>
+                <a:latin typeface="Arial" panose="020B0604020202020204" pitchFamily="34" charset="0"/>
+                <a:cs typeface="Arial" panose="020B0604020202020204" pitchFamily="34" charset="0"/>
+              </a:rPr>
+              <a:t>KPIs</a:t>
+            </a:r>
+            <a:r>
+              <a:rPr lang="it-IT" sz="1000" dirty="0">
+                <a:solidFill>
+                  <a:srgbClr val="002060"/>
+                </a:solidFill>
+                <a:latin typeface="Arial" panose="020B0604020202020204" pitchFamily="34" charset="0"/>
+                <a:cs typeface="Arial" panose="020B0604020202020204" pitchFamily="34" charset="0"/>
+              </a:rPr>
+              <a:t> a 30gg</a:t>
+            </a:r>
+          </a:p>
+          <a:p>
+            <a:pPr marL="742950" lvl="1" indent="-285750" algn="just">
+              <a:buFont typeface="Arial" panose="020B0604020202020204" pitchFamily="34" charset="0"/>
+              <a:buChar char="•"/>
+              <a:defRPr/>
+            </a:pPr>
+            <a:endParaRPr kumimoji="0" lang="it-IT" b="0" i="0" u="none" strike="noStrike" kern="1200" cap="none" spc="0" normalizeH="0" baseline="0" noProof="0" dirty="0">
+              <a:ln>
+                <a:noFill/>
+              </a:ln>
+              <a:solidFill>
+                <a:srgbClr val="002060"/>
+              </a:solidFill>
+              <a:effectLst/>
+              <a:uLnTx/>
+              <a:uFillTx/>
+              <a:latin typeface="Arial" panose="020B0604020202020204" pitchFamily="34" charset="0"/>
+              <a:ea typeface="+mn-ea"/>
+              <a:cs typeface="Arial" panose="020B0604020202020204" pitchFamily="34" charset="0"/>
+            </a:endParaRPr>
+          </a:p>
+        </p:txBody>
+      </p:sp>
     </p:spTree>
     <p:extLst>
       <p:ext uri="{BB962C8B-B14F-4D97-AF65-F5344CB8AC3E}">
@@ -21236,7 +22517,7 @@
         <p:spPr>
           <a:xfrm>
             <a:off x="262647" y="705499"/>
-            <a:ext cx="11615317" cy="6463308"/>
+            <a:ext cx="11615317" cy="6186309"/>
           </a:xfrm>
           <a:prstGeom prst="rect">
             <a:avLst/>
@@ -21316,9 +22597,9 @@
             </a:endParaRPr>
           </a:p>
           <a:p>
-            <a:pPr marL="285750" indent="-285750" algn="just">
-              <a:buFont typeface="Arial" panose="020B0604020202020204" pitchFamily="34" charset="0"/>
-              <a:buChar char="•"/>
+            <a:pPr marL="342900" indent="-342900" algn="just">
+              <a:buFont typeface="+mj-lt"/>
+              <a:buAutoNum type="arabicPeriod"/>
             </a:pPr>
             <a:r>
               <a:rPr lang="it-IT" dirty="0" err="1">
@@ -21355,9 +22636,9 @@
             </a:endParaRPr>
           </a:p>
           <a:p>
-            <a:pPr marL="285750" indent="-285750" algn="just">
-              <a:buFont typeface="Arial" panose="020B0604020202020204" pitchFamily="34" charset="0"/>
-              <a:buChar char="•"/>
+            <a:pPr marL="342900" indent="-342900" algn="just">
+              <a:buFont typeface="+mj-lt"/>
+              <a:buAutoNum type="arabicPeriod"/>
             </a:pPr>
             <a:r>
               <a:rPr lang="it-IT" dirty="0">
@@ -21367,7 +22648,7 @@
                 <a:latin typeface="Arial" panose="020B0604020202020204" pitchFamily="34" charset="0"/>
                 <a:cs typeface="Arial" panose="020B0604020202020204" pitchFamily="34" charset="0"/>
               </a:rPr>
-              <a:t>Analisi architettura delle principali soluzioni presenti sul mercato, relative al mondo BI, di casa Microsoft</a:t>
+              <a:t>Analisi architetturale delle principali soluzioni presenti sul mercato relative al mondo BI (Microsoft)</a:t>
             </a:r>
           </a:p>
           <a:p>
@@ -21384,9 +22665,9 @@
             </a:endParaRPr>
           </a:p>
           <a:p>
-            <a:pPr marL="285750" indent="-285750" algn="just">
-              <a:buFont typeface="Arial" panose="020B0604020202020204" pitchFamily="34" charset="0"/>
-              <a:buChar char="•"/>
+            <a:pPr marL="342900" indent="-342900" algn="just">
+              <a:buFont typeface="+mj-lt"/>
+              <a:buAutoNum type="arabicPeriod"/>
             </a:pPr>
             <a:r>
               <a:rPr lang="it-IT" dirty="0">
@@ -21396,18 +22677,14 @@
                 <a:latin typeface="Arial" panose="020B0604020202020204" pitchFamily="34" charset="0"/>
                 <a:cs typeface="Arial" panose="020B0604020202020204" pitchFamily="34" charset="0"/>
               </a:rPr>
-              <a:t>Intelligenza artificiale nel mondo del Business &amp; Image </a:t>
-            </a:r>
-            <a:r>
-              <a:rPr lang="it-IT" dirty="0" err="1">
-                <a:solidFill>
-                  <a:srgbClr val="002060"/>
-                </a:solidFill>
-                <a:latin typeface="Arial" panose="020B0604020202020204" pitchFamily="34" charset="0"/>
-                <a:cs typeface="Arial" panose="020B0604020202020204" pitchFamily="34" charset="0"/>
-              </a:rPr>
-              <a:t>Recognition</a:t>
-            </a:r>
+              <a:t>Intelligenza artificiale nel mondo del Business &amp; Ingegnerizzazione delle Immagini</a:t>
+            </a:r>
+          </a:p>
+          <a:p>
+            <a:pPr marL="342900" indent="-342900" algn="just">
+              <a:buFont typeface="+mj-lt"/>
+              <a:buAutoNum type="arabicPeriod"/>
+            </a:pPr>
             <a:endParaRPr lang="it-IT" dirty="0">
               <a:solidFill>
                 <a:srgbClr val="002060"/>
@@ -21421,6 +22698,22 @@
               <a:buFont typeface="+mj-lt"/>
               <a:buAutoNum type="arabicPeriod"/>
             </a:pPr>
+            <a:r>
+              <a:rPr lang="it-IT" dirty="0">
+                <a:solidFill>
+                  <a:srgbClr val="002060"/>
+                </a:solidFill>
+                <a:latin typeface="Arial" panose="020B0604020202020204" pitchFamily="34" charset="0"/>
+                <a:cs typeface="Arial" panose="020B0604020202020204" pitchFamily="34" charset="0"/>
+              </a:rPr>
+              <a:t>Tecniche di classificazione di machine &amp; deep learning con metriche di valutazione per l’analisi di immagini.</a:t>
+            </a:r>
+          </a:p>
+          <a:p>
+            <a:pPr marL="342900" indent="-342900" algn="just">
+              <a:buFont typeface="+mj-lt"/>
+              <a:buAutoNum type="arabicPeriod"/>
+            </a:pPr>
             <a:endParaRPr lang="it-IT" dirty="0">
               <a:solidFill>
                 <a:srgbClr val="002060"/>
@@ -21430,35 +22723,9 @@
             </a:endParaRPr>
           </a:p>
           <a:p>
-            <a:pPr marL="285750" indent="-285750" algn="just">
-              <a:buFont typeface="Arial" panose="020B0604020202020204" pitchFamily="34" charset="0"/>
-              <a:buChar char="•"/>
-            </a:pPr>
-            <a:r>
-              <a:rPr lang="it-IT" dirty="0">
-                <a:solidFill>
-                  <a:srgbClr val="002060"/>
-                </a:solidFill>
-                <a:latin typeface="Arial" panose="020B0604020202020204" pitchFamily="34" charset="0"/>
-                <a:cs typeface="Arial" panose="020B0604020202020204" pitchFamily="34" charset="0"/>
-              </a:rPr>
-              <a:t>Tecniche di classificazione appartenenti al machine &amp; deep learning e metriche di valutazione per l’analisi di immagini.</a:t>
-            </a:r>
-          </a:p>
-          <a:p>
-            <a:pPr algn="just"/>
-            <a:endParaRPr lang="it-IT" dirty="0">
-              <a:solidFill>
-                <a:srgbClr val="002060"/>
-              </a:solidFill>
-              <a:latin typeface="Arial" panose="020B0604020202020204" pitchFamily="34" charset="0"/>
-              <a:cs typeface="Arial" panose="020B0604020202020204" pitchFamily="34" charset="0"/>
-            </a:endParaRPr>
-          </a:p>
-          <a:p>
-            <a:pPr marL="285750" indent="-285750" algn="just">
-              <a:buFont typeface="Arial" panose="020B0604020202020204" pitchFamily="34" charset="0"/>
-              <a:buChar char="•"/>
+            <a:pPr marL="342900" indent="-342900" algn="just">
+              <a:buFont typeface="+mj-lt"/>
+              <a:buAutoNum type="arabicPeriod"/>
             </a:pPr>
             <a:r>
               <a:rPr lang="nl-NL" dirty="0">
@@ -21485,9 +22752,9 @@
             </a:endParaRPr>
           </a:p>
           <a:p>
-            <a:pPr marL="285750" indent="-285750" algn="just">
-              <a:buFont typeface="Arial" panose="020B0604020202020204" pitchFamily="34" charset="0"/>
-              <a:buChar char="•"/>
+            <a:pPr marL="342900" indent="-342900" algn="just">
+              <a:buFont typeface="+mj-lt"/>
+              <a:buAutoNum type="arabicPeriod"/>
             </a:pPr>
             <a:r>
               <a:rPr lang="nl-NL" dirty="0">
@@ -21514,9 +22781,9 @@
             </a:endParaRPr>
           </a:p>
           <a:p>
-            <a:pPr marL="285750" indent="-285750" algn="just">
-              <a:buFont typeface="Arial" panose="020B0604020202020204" pitchFamily="34" charset="0"/>
-              <a:buChar char="•"/>
+            <a:pPr marL="342900" indent="-342900" algn="just">
+              <a:buFont typeface="+mj-lt"/>
+              <a:buAutoNum type="arabicPeriod"/>
             </a:pPr>
             <a:r>
               <a:rPr lang="nl-NL" dirty="0">
@@ -21543,9 +22810,9 @@
             </a:endParaRPr>
           </a:p>
           <a:p>
-            <a:pPr marL="285750" indent="-285750" algn="just">
-              <a:buFont typeface="Arial" panose="020B0604020202020204" pitchFamily="34" charset="0"/>
-              <a:buChar char="•"/>
+            <a:pPr marL="342900" indent="-342900" algn="just">
+              <a:buFont typeface="+mj-lt"/>
+              <a:buAutoNum type="arabicPeriod"/>
             </a:pPr>
             <a:r>
               <a:rPr lang="nl-NL" dirty="0">
@@ -22018,7 +23285,7 @@
         </p:blipFill>
         <p:spPr>
           <a:xfrm>
-            <a:off x="4131332" y="2328236"/>
+            <a:off x="4098229" y="2114178"/>
             <a:ext cx="3619500" cy="1133475"/>
           </a:xfrm>
           <a:prstGeom prst="rect">
@@ -22048,7 +23315,7 @@
         </p:blipFill>
         <p:spPr>
           <a:xfrm>
-            <a:off x="8060668" y="2228672"/>
+            <a:off x="8035922" y="1753684"/>
             <a:ext cx="3619500" cy="1924050"/>
           </a:xfrm>
           <a:prstGeom prst="rect">
@@ -22078,7 +23345,7 @@
         </p:blipFill>
         <p:spPr>
           <a:xfrm>
-            <a:off x="408180" y="3551176"/>
+            <a:off x="423431" y="3353116"/>
             <a:ext cx="3143524" cy="3182016"/>
           </a:xfrm>
           <a:prstGeom prst="rect">
@@ -22108,7 +23375,7 @@
         </p:blipFill>
         <p:spPr>
           <a:xfrm>
-            <a:off x="3536248" y="3599124"/>
+            <a:off x="3530746" y="3412568"/>
             <a:ext cx="2010880" cy="3063112"/>
           </a:xfrm>
           <a:prstGeom prst="rect">
@@ -22138,7 +23405,7 @@
         </p:blipFill>
         <p:spPr>
           <a:xfrm>
-            <a:off x="5652638" y="3599123"/>
+            <a:off x="5652638" y="3468303"/>
             <a:ext cx="1438799" cy="3063111"/>
           </a:xfrm>
           <a:prstGeom prst="rect">
@@ -22168,7 +23435,7 @@
         </p:blipFill>
         <p:spPr>
           <a:xfrm>
-            <a:off x="7066652" y="4152722"/>
+            <a:off x="7296716" y="3808960"/>
             <a:ext cx="1533292" cy="2646924"/>
           </a:xfrm>
           <a:prstGeom prst="rect">
@@ -22198,7 +23465,7 @@
         </p:blipFill>
         <p:spPr>
           <a:xfrm>
-            <a:off x="8640365" y="4268522"/>
+            <a:off x="8929697" y="3866860"/>
             <a:ext cx="1443452" cy="2531124"/>
           </a:xfrm>
           <a:prstGeom prst="rect">
@@ -22228,7 +23495,7 @@
         </p:blipFill>
         <p:spPr>
           <a:xfrm>
-            <a:off x="10119468" y="4268522"/>
+            <a:off x="10506034" y="3866860"/>
             <a:ext cx="1443452" cy="2531124"/>
           </a:xfrm>
           <a:prstGeom prst="rect">
@@ -22236,6 +23503,974 @@
           </a:prstGeom>
         </p:spPr>
       </p:pic>
+      <p:sp>
+        <p:nvSpPr>
+          <p:cNvPr id="16" name="CasellaDiTesto 15">
+            <a:extLst>
+              <a:ext uri="{FF2B5EF4-FFF2-40B4-BE49-F238E27FC236}">
+                <a16:creationId xmlns:a16="http://schemas.microsoft.com/office/drawing/2014/main" id="{A6FE4455-FD88-46E8-98CA-82AEF96787F0}"/>
+              </a:ext>
+            </a:extLst>
+          </p:cNvPr>
+          <p:cNvSpPr txBox="1"/>
+          <p:nvPr/>
+        </p:nvSpPr>
+        <p:spPr>
+          <a:xfrm>
+            <a:off x="326255" y="2798904"/>
+            <a:ext cx="4357152" cy="800219"/>
+          </a:xfrm>
+          <a:prstGeom prst="rect">
+            <a:avLst/>
+          </a:prstGeom>
+          <a:noFill/>
+        </p:spPr>
+        <p:txBody>
+          <a:bodyPr wrap="square" rtlCol="0">
+            <a:spAutoFit/>
+          </a:bodyPr>
+          <a:lstStyle/>
+          <a:p>
+            <a:pPr lvl="1" algn="just">
+              <a:defRPr/>
+            </a:pPr>
+            <a:endParaRPr lang="it-IT" dirty="0">
+              <a:solidFill>
+                <a:srgbClr val="002060"/>
+              </a:solidFill>
+              <a:latin typeface="Arial" panose="020B0604020202020204" pitchFamily="34" charset="0"/>
+              <a:cs typeface="Arial" panose="020B0604020202020204" pitchFamily="34" charset="0"/>
+            </a:endParaRPr>
+          </a:p>
+          <a:p>
+            <a:pPr lvl="1" algn="just">
+              <a:defRPr/>
+            </a:pPr>
+            <a:r>
+              <a:rPr lang="it-IT" sz="1000" dirty="0">
+                <a:solidFill>
+                  <a:srgbClr val="002060"/>
+                </a:solidFill>
+                <a:latin typeface="Arial" panose="020B0604020202020204" pitchFamily="34" charset="0"/>
+                <a:cs typeface="Arial" panose="020B0604020202020204" pitchFamily="34" charset="0"/>
+              </a:rPr>
+              <a:t>Finestra settimanale anno 2018 con </a:t>
+            </a:r>
+            <a:r>
+              <a:rPr lang="it-IT" sz="1000" dirty="0" err="1">
+                <a:solidFill>
+                  <a:srgbClr val="002060"/>
+                </a:solidFill>
+                <a:latin typeface="Arial" panose="020B0604020202020204" pitchFamily="34" charset="0"/>
+                <a:cs typeface="Arial" panose="020B0604020202020204" pitchFamily="34" charset="0"/>
+              </a:rPr>
+              <a:t>KPIs</a:t>
+            </a:r>
+            <a:r>
+              <a:rPr lang="it-IT" sz="1000" dirty="0">
+                <a:solidFill>
+                  <a:srgbClr val="002060"/>
+                </a:solidFill>
+                <a:latin typeface="Arial" panose="020B0604020202020204" pitchFamily="34" charset="0"/>
+                <a:cs typeface="Arial" panose="020B0604020202020204" pitchFamily="34" charset="0"/>
+              </a:rPr>
+              <a:t> a 7gg</a:t>
+            </a:r>
+          </a:p>
+          <a:p>
+            <a:pPr marL="742950" lvl="1" indent="-285750" algn="just">
+              <a:buFont typeface="Arial" panose="020B0604020202020204" pitchFamily="34" charset="0"/>
+              <a:buChar char="•"/>
+              <a:defRPr/>
+            </a:pPr>
+            <a:endParaRPr kumimoji="0" lang="it-IT" b="0" i="0" u="none" strike="noStrike" kern="1200" cap="none" spc="0" normalizeH="0" baseline="0" noProof="0" dirty="0">
+              <a:ln>
+                <a:noFill/>
+              </a:ln>
+              <a:solidFill>
+                <a:srgbClr val="002060"/>
+              </a:solidFill>
+              <a:effectLst/>
+              <a:uLnTx/>
+              <a:uFillTx/>
+              <a:latin typeface="Arial" panose="020B0604020202020204" pitchFamily="34" charset="0"/>
+              <a:ea typeface="+mn-ea"/>
+              <a:cs typeface="Arial" panose="020B0604020202020204" pitchFamily="34" charset="0"/>
+            </a:endParaRPr>
+          </a:p>
+        </p:txBody>
+      </p:sp>
+      <p:sp>
+        <p:nvSpPr>
+          <p:cNvPr id="17" name="CasellaDiTesto 16">
+            <a:extLst>
+              <a:ext uri="{FF2B5EF4-FFF2-40B4-BE49-F238E27FC236}">
+                <a16:creationId xmlns:a16="http://schemas.microsoft.com/office/drawing/2014/main" id="{8663E9AB-0217-4AB9-96FF-4FEE228CCFFF}"/>
+              </a:ext>
+            </a:extLst>
+          </p:cNvPr>
+          <p:cNvSpPr txBox="1"/>
+          <p:nvPr/>
+        </p:nvSpPr>
+        <p:spPr>
+          <a:xfrm>
+            <a:off x="4228327" y="2925634"/>
+            <a:ext cx="4357152" cy="800219"/>
+          </a:xfrm>
+          <a:prstGeom prst="rect">
+            <a:avLst/>
+          </a:prstGeom>
+          <a:noFill/>
+        </p:spPr>
+        <p:txBody>
+          <a:bodyPr wrap="square" rtlCol="0">
+            <a:spAutoFit/>
+          </a:bodyPr>
+          <a:lstStyle/>
+          <a:p>
+            <a:pPr lvl="1" algn="just">
+              <a:defRPr/>
+            </a:pPr>
+            <a:endParaRPr lang="it-IT" dirty="0">
+              <a:solidFill>
+                <a:srgbClr val="002060"/>
+              </a:solidFill>
+              <a:latin typeface="Arial" panose="020B0604020202020204" pitchFamily="34" charset="0"/>
+              <a:cs typeface="Arial" panose="020B0604020202020204" pitchFamily="34" charset="0"/>
+            </a:endParaRPr>
+          </a:p>
+          <a:p>
+            <a:pPr lvl="1" algn="just">
+              <a:defRPr/>
+            </a:pPr>
+            <a:r>
+              <a:rPr lang="it-IT" sz="1000" dirty="0">
+                <a:solidFill>
+                  <a:srgbClr val="002060"/>
+                </a:solidFill>
+                <a:latin typeface="Arial" panose="020B0604020202020204" pitchFamily="34" charset="0"/>
+                <a:cs typeface="Arial" panose="020B0604020202020204" pitchFamily="34" charset="0"/>
+              </a:rPr>
+              <a:t>Finestra bisettimanale anno 2018 con </a:t>
+            </a:r>
+            <a:r>
+              <a:rPr lang="it-IT" sz="1000" dirty="0" err="1">
+                <a:solidFill>
+                  <a:srgbClr val="002060"/>
+                </a:solidFill>
+                <a:latin typeface="Arial" panose="020B0604020202020204" pitchFamily="34" charset="0"/>
+                <a:cs typeface="Arial" panose="020B0604020202020204" pitchFamily="34" charset="0"/>
+              </a:rPr>
+              <a:t>KPIs</a:t>
+            </a:r>
+            <a:r>
+              <a:rPr lang="it-IT" sz="1000" dirty="0">
+                <a:solidFill>
+                  <a:srgbClr val="002060"/>
+                </a:solidFill>
+                <a:latin typeface="Arial" panose="020B0604020202020204" pitchFamily="34" charset="0"/>
+                <a:cs typeface="Arial" panose="020B0604020202020204" pitchFamily="34" charset="0"/>
+              </a:rPr>
+              <a:t> a 7gg</a:t>
+            </a:r>
+          </a:p>
+          <a:p>
+            <a:pPr marL="742950" lvl="1" indent="-285750" algn="just">
+              <a:buFont typeface="Arial" panose="020B0604020202020204" pitchFamily="34" charset="0"/>
+              <a:buChar char="•"/>
+              <a:defRPr/>
+            </a:pPr>
+            <a:endParaRPr kumimoji="0" lang="it-IT" b="0" i="0" u="none" strike="noStrike" kern="1200" cap="none" spc="0" normalizeH="0" baseline="0" noProof="0" dirty="0">
+              <a:ln>
+                <a:noFill/>
+              </a:ln>
+              <a:solidFill>
+                <a:srgbClr val="002060"/>
+              </a:solidFill>
+              <a:effectLst/>
+              <a:uLnTx/>
+              <a:uFillTx/>
+              <a:latin typeface="Arial" panose="020B0604020202020204" pitchFamily="34" charset="0"/>
+              <a:ea typeface="+mn-ea"/>
+              <a:cs typeface="Arial" panose="020B0604020202020204" pitchFamily="34" charset="0"/>
+            </a:endParaRPr>
+          </a:p>
+        </p:txBody>
+      </p:sp>
+      <p:sp>
+        <p:nvSpPr>
+          <p:cNvPr id="18" name="CasellaDiTesto 17">
+            <a:extLst>
+              <a:ext uri="{FF2B5EF4-FFF2-40B4-BE49-F238E27FC236}">
+                <a16:creationId xmlns:a16="http://schemas.microsoft.com/office/drawing/2014/main" id="{8B9D2EE1-CEF7-49AC-B593-0895908FC2A5}"/>
+              </a:ext>
+            </a:extLst>
+          </p:cNvPr>
+          <p:cNvSpPr txBox="1"/>
+          <p:nvPr/>
+        </p:nvSpPr>
+        <p:spPr>
+          <a:xfrm>
+            <a:off x="8235300" y="3277624"/>
+            <a:ext cx="3533269" cy="800219"/>
+          </a:xfrm>
+          <a:prstGeom prst="rect">
+            <a:avLst/>
+          </a:prstGeom>
+          <a:noFill/>
+        </p:spPr>
+        <p:txBody>
+          <a:bodyPr wrap="square" rtlCol="0">
+            <a:spAutoFit/>
+          </a:bodyPr>
+          <a:lstStyle/>
+          <a:p>
+            <a:pPr lvl="1" algn="just">
+              <a:defRPr/>
+            </a:pPr>
+            <a:endParaRPr lang="it-IT" dirty="0">
+              <a:solidFill>
+                <a:srgbClr val="002060"/>
+              </a:solidFill>
+              <a:latin typeface="Arial" panose="020B0604020202020204" pitchFamily="34" charset="0"/>
+              <a:cs typeface="Arial" panose="020B0604020202020204" pitchFamily="34" charset="0"/>
+            </a:endParaRPr>
+          </a:p>
+          <a:p>
+            <a:pPr lvl="1" algn="just">
+              <a:defRPr/>
+            </a:pPr>
+            <a:r>
+              <a:rPr lang="it-IT" sz="1000" dirty="0">
+                <a:solidFill>
+                  <a:srgbClr val="002060"/>
+                </a:solidFill>
+                <a:latin typeface="Arial" panose="020B0604020202020204" pitchFamily="34" charset="0"/>
+                <a:cs typeface="Arial" panose="020B0604020202020204" pitchFamily="34" charset="0"/>
+              </a:rPr>
+              <a:t>Finestra mensile anno 2018 con </a:t>
+            </a:r>
+            <a:r>
+              <a:rPr lang="it-IT" sz="1000" dirty="0" err="1">
+                <a:solidFill>
+                  <a:srgbClr val="002060"/>
+                </a:solidFill>
+                <a:latin typeface="Arial" panose="020B0604020202020204" pitchFamily="34" charset="0"/>
+                <a:cs typeface="Arial" panose="020B0604020202020204" pitchFamily="34" charset="0"/>
+              </a:rPr>
+              <a:t>KPIs</a:t>
+            </a:r>
+            <a:r>
+              <a:rPr lang="it-IT" sz="1000" dirty="0">
+                <a:solidFill>
+                  <a:srgbClr val="002060"/>
+                </a:solidFill>
+                <a:latin typeface="Arial" panose="020B0604020202020204" pitchFamily="34" charset="0"/>
+                <a:cs typeface="Arial" panose="020B0604020202020204" pitchFamily="34" charset="0"/>
+              </a:rPr>
+              <a:t> a 7gg</a:t>
+            </a:r>
+          </a:p>
+          <a:p>
+            <a:pPr marL="742950" lvl="1" indent="-285750" algn="just">
+              <a:buFont typeface="Arial" panose="020B0604020202020204" pitchFamily="34" charset="0"/>
+              <a:buChar char="•"/>
+              <a:defRPr/>
+            </a:pPr>
+            <a:endParaRPr kumimoji="0" lang="it-IT" b="0" i="0" u="none" strike="noStrike" kern="1200" cap="none" spc="0" normalizeH="0" baseline="0" noProof="0" dirty="0">
+              <a:ln>
+                <a:noFill/>
+              </a:ln>
+              <a:solidFill>
+                <a:srgbClr val="002060"/>
+              </a:solidFill>
+              <a:effectLst/>
+              <a:uLnTx/>
+              <a:uFillTx/>
+              <a:latin typeface="Arial" panose="020B0604020202020204" pitchFamily="34" charset="0"/>
+              <a:ea typeface="+mn-ea"/>
+              <a:cs typeface="Arial" panose="020B0604020202020204" pitchFamily="34" charset="0"/>
+            </a:endParaRPr>
+          </a:p>
+        </p:txBody>
+      </p:sp>
+      <p:sp>
+        <p:nvSpPr>
+          <p:cNvPr id="19" name="CasellaDiTesto 18">
+            <a:extLst>
+              <a:ext uri="{FF2B5EF4-FFF2-40B4-BE49-F238E27FC236}">
+                <a16:creationId xmlns:a16="http://schemas.microsoft.com/office/drawing/2014/main" id="{5E23CBB7-4DC6-4114-9A14-AE5C8EC560CE}"/>
+              </a:ext>
+            </a:extLst>
+          </p:cNvPr>
+          <p:cNvSpPr txBox="1"/>
+          <p:nvPr/>
+        </p:nvSpPr>
+        <p:spPr>
+          <a:xfrm>
+            <a:off x="34028" y="6133971"/>
+            <a:ext cx="3385706" cy="800219"/>
+          </a:xfrm>
+          <a:prstGeom prst="rect">
+            <a:avLst/>
+          </a:prstGeom>
+          <a:noFill/>
+        </p:spPr>
+        <p:txBody>
+          <a:bodyPr wrap="square" rtlCol="0">
+            <a:spAutoFit/>
+          </a:bodyPr>
+          <a:lstStyle/>
+          <a:p>
+            <a:pPr lvl="1" algn="just">
+              <a:defRPr/>
+            </a:pPr>
+            <a:endParaRPr lang="it-IT" dirty="0">
+              <a:solidFill>
+                <a:srgbClr val="002060"/>
+              </a:solidFill>
+              <a:latin typeface="Arial" panose="020B0604020202020204" pitchFamily="34" charset="0"/>
+              <a:cs typeface="Arial" panose="020B0604020202020204" pitchFamily="34" charset="0"/>
+            </a:endParaRPr>
+          </a:p>
+          <a:p>
+            <a:pPr lvl="1" algn="just">
+              <a:defRPr/>
+            </a:pPr>
+            <a:r>
+              <a:rPr lang="it-IT" sz="1000" dirty="0">
+                <a:solidFill>
+                  <a:srgbClr val="002060"/>
+                </a:solidFill>
+                <a:latin typeface="Arial" panose="020B0604020202020204" pitchFamily="34" charset="0"/>
+                <a:cs typeface="Arial" panose="020B0604020202020204" pitchFamily="34" charset="0"/>
+              </a:rPr>
+              <a:t>Finestra bimestrale anno 2018 con </a:t>
+            </a:r>
+            <a:r>
+              <a:rPr lang="it-IT" sz="1000" dirty="0" err="1">
+                <a:solidFill>
+                  <a:srgbClr val="002060"/>
+                </a:solidFill>
+                <a:latin typeface="Arial" panose="020B0604020202020204" pitchFamily="34" charset="0"/>
+                <a:cs typeface="Arial" panose="020B0604020202020204" pitchFamily="34" charset="0"/>
+              </a:rPr>
+              <a:t>KPIs</a:t>
+            </a:r>
+            <a:r>
+              <a:rPr lang="it-IT" sz="1000" dirty="0">
+                <a:solidFill>
+                  <a:srgbClr val="002060"/>
+                </a:solidFill>
+                <a:latin typeface="Arial" panose="020B0604020202020204" pitchFamily="34" charset="0"/>
+                <a:cs typeface="Arial" panose="020B0604020202020204" pitchFamily="34" charset="0"/>
+              </a:rPr>
+              <a:t> a 7gg</a:t>
+            </a:r>
+          </a:p>
+          <a:p>
+            <a:pPr marL="742950" lvl="1" indent="-285750" algn="just">
+              <a:buFont typeface="Arial" panose="020B0604020202020204" pitchFamily="34" charset="0"/>
+              <a:buChar char="•"/>
+              <a:defRPr/>
+            </a:pPr>
+            <a:endParaRPr kumimoji="0" lang="it-IT" b="0" i="0" u="none" strike="noStrike" kern="1200" cap="none" spc="0" normalizeH="0" baseline="0" noProof="0" dirty="0">
+              <a:ln>
+                <a:noFill/>
+              </a:ln>
+              <a:solidFill>
+                <a:srgbClr val="002060"/>
+              </a:solidFill>
+              <a:effectLst/>
+              <a:uLnTx/>
+              <a:uFillTx/>
+              <a:latin typeface="Arial" panose="020B0604020202020204" pitchFamily="34" charset="0"/>
+              <a:ea typeface="+mn-ea"/>
+              <a:cs typeface="Arial" panose="020B0604020202020204" pitchFamily="34" charset="0"/>
+            </a:endParaRPr>
+          </a:p>
+        </p:txBody>
+      </p:sp>
+      <p:sp>
+        <p:nvSpPr>
+          <p:cNvPr id="20" name="CasellaDiTesto 19">
+            <a:extLst>
+              <a:ext uri="{FF2B5EF4-FFF2-40B4-BE49-F238E27FC236}">
+                <a16:creationId xmlns:a16="http://schemas.microsoft.com/office/drawing/2014/main" id="{C6904BB3-35E7-455D-9B10-216A84B95A49}"/>
+              </a:ext>
+            </a:extLst>
+          </p:cNvPr>
+          <p:cNvSpPr txBox="1"/>
+          <p:nvPr/>
+        </p:nvSpPr>
+        <p:spPr>
+          <a:xfrm>
+            <a:off x="3269213" y="6109962"/>
+            <a:ext cx="2383425" cy="954107"/>
+          </a:xfrm>
+          <a:prstGeom prst="rect">
+            <a:avLst/>
+          </a:prstGeom>
+          <a:noFill/>
+        </p:spPr>
+        <p:txBody>
+          <a:bodyPr wrap="square" rtlCol="0">
+            <a:spAutoFit/>
+          </a:bodyPr>
+          <a:lstStyle/>
+          <a:p>
+            <a:pPr lvl="1" algn="just">
+              <a:defRPr/>
+            </a:pPr>
+            <a:endParaRPr lang="it-IT" dirty="0">
+              <a:solidFill>
+                <a:srgbClr val="002060"/>
+              </a:solidFill>
+              <a:latin typeface="Arial" panose="020B0604020202020204" pitchFamily="34" charset="0"/>
+              <a:cs typeface="Arial" panose="020B0604020202020204" pitchFamily="34" charset="0"/>
+            </a:endParaRPr>
+          </a:p>
+          <a:p>
+            <a:pPr lvl="1" algn="just">
+              <a:defRPr/>
+            </a:pPr>
+            <a:r>
+              <a:rPr lang="it-IT" sz="1000" dirty="0">
+                <a:solidFill>
+                  <a:srgbClr val="002060"/>
+                </a:solidFill>
+                <a:latin typeface="Arial" panose="020B0604020202020204" pitchFamily="34" charset="0"/>
+                <a:cs typeface="Arial" panose="020B0604020202020204" pitchFamily="34" charset="0"/>
+              </a:rPr>
+              <a:t>Finestra trimestrale anno 2018 </a:t>
+            </a:r>
+          </a:p>
+          <a:p>
+            <a:pPr lvl="1" algn="just">
+              <a:defRPr/>
+            </a:pPr>
+            <a:r>
+              <a:rPr lang="it-IT" sz="1000" dirty="0">
+                <a:solidFill>
+                  <a:srgbClr val="002060"/>
+                </a:solidFill>
+                <a:latin typeface="Arial" panose="020B0604020202020204" pitchFamily="34" charset="0"/>
+                <a:cs typeface="Arial" panose="020B0604020202020204" pitchFamily="34" charset="0"/>
+              </a:rPr>
+              <a:t>con </a:t>
+            </a:r>
+            <a:r>
+              <a:rPr lang="it-IT" sz="1000" dirty="0" err="1">
+                <a:solidFill>
+                  <a:srgbClr val="002060"/>
+                </a:solidFill>
+                <a:latin typeface="Arial" panose="020B0604020202020204" pitchFamily="34" charset="0"/>
+                <a:cs typeface="Arial" panose="020B0604020202020204" pitchFamily="34" charset="0"/>
+              </a:rPr>
+              <a:t>KPIs</a:t>
+            </a:r>
+            <a:r>
+              <a:rPr lang="it-IT" sz="1000" dirty="0">
+                <a:solidFill>
+                  <a:srgbClr val="002060"/>
+                </a:solidFill>
+                <a:latin typeface="Arial" panose="020B0604020202020204" pitchFamily="34" charset="0"/>
+                <a:cs typeface="Arial" panose="020B0604020202020204" pitchFamily="34" charset="0"/>
+              </a:rPr>
+              <a:t> a 7gg</a:t>
+            </a:r>
+          </a:p>
+          <a:p>
+            <a:pPr marL="742950" lvl="1" indent="-285750" algn="just">
+              <a:buFont typeface="Arial" panose="020B0604020202020204" pitchFamily="34" charset="0"/>
+              <a:buChar char="•"/>
+              <a:defRPr/>
+            </a:pPr>
+            <a:endParaRPr kumimoji="0" lang="it-IT" b="0" i="0" u="none" strike="noStrike" kern="1200" cap="none" spc="0" normalizeH="0" baseline="0" noProof="0" dirty="0">
+              <a:ln>
+                <a:noFill/>
+              </a:ln>
+              <a:solidFill>
+                <a:srgbClr val="002060"/>
+              </a:solidFill>
+              <a:effectLst/>
+              <a:uLnTx/>
+              <a:uFillTx/>
+              <a:latin typeface="Arial" panose="020B0604020202020204" pitchFamily="34" charset="0"/>
+              <a:ea typeface="+mn-ea"/>
+              <a:cs typeface="Arial" panose="020B0604020202020204" pitchFamily="34" charset="0"/>
+            </a:endParaRPr>
+          </a:p>
+        </p:txBody>
+      </p:sp>
+      <p:sp>
+        <p:nvSpPr>
+          <p:cNvPr id="21" name="CasellaDiTesto 20">
+            <a:extLst>
+              <a:ext uri="{FF2B5EF4-FFF2-40B4-BE49-F238E27FC236}">
+                <a16:creationId xmlns:a16="http://schemas.microsoft.com/office/drawing/2014/main" id="{1C4CF24E-5666-4CD3-81C1-20F17EF97F47}"/>
+              </a:ext>
+            </a:extLst>
+          </p:cNvPr>
+          <p:cNvSpPr txBox="1"/>
+          <p:nvPr/>
+        </p:nvSpPr>
+        <p:spPr>
+          <a:xfrm>
+            <a:off x="5258572" y="6086597"/>
+            <a:ext cx="1933623" cy="1107996"/>
+          </a:xfrm>
+          <a:prstGeom prst="rect">
+            <a:avLst/>
+          </a:prstGeom>
+          <a:noFill/>
+        </p:spPr>
+        <p:txBody>
+          <a:bodyPr wrap="square" rtlCol="0">
+            <a:spAutoFit/>
+          </a:bodyPr>
+          <a:lstStyle/>
+          <a:p>
+            <a:pPr lvl="1" algn="just">
+              <a:defRPr/>
+            </a:pPr>
+            <a:endParaRPr lang="it-IT" dirty="0">
+              <a:solidFill>
+                <a:srgbClr val="002060"/>
+              </a:solidFill>
+              <a:latin typeface="Arial" panose="020B0604020202020204" pitchFamily="34" charset="0"/>
+              <a:cs typeface="Arial" panose="020B0604020202020204" pitchFamily="34" charset="0"/>
+            </a:endParaRPr>
+          </a:p>
+          <a:p>
+            <a:pPr lvl="1" algn="just">
+              <a:defRPr/>
+            </a:pPr>
+            <a:r>
+              <a:rPr lang="it-IT" sz="1000" dirty="0">
+                <a:solidFill>
+                  <a:srgbClr val="002060"/>
+                </a:solidFill>
+                <a:latin typeface="Arial" panose="020B0604020202020204" pitchFamily="34" charset="0"/>
+                <a:cs typeface="Arial" panose="020B0604020202020204" pitchFamily="34" charset="0"/>
+              </a:rPr>
+              <a:t>Finestra quadrimestre anno 2018  con </a:t>
+            </a:r>
+            <a:r>
+              <a:rPr lang="it-IT" sz="1000" dirty="0" err="1">
+                <a:solidFill>
+                  <a:srgbClr val="002060"/>
+                </a:solidFill>
+                <a:latin typeface="Arial" panose="020B0604020202020204" pitchFamily="34" charset="0"/>
+                <a:cs typeface="Arial" panose="020B0604020202020204" pitchFamily="34" charset="0"/>
+              </a:rPr>
+              <a:t>KPIs</a:t>
+            </a:r>
+            <a:r>
+              <a:rPr lang="it-IT" sz="1000" dirty="0">
+                <a:solidFill>
+                  <a:srgbClr val="002060"/>
+                </a:solidFill>
+                <a:latin typeface="Arial" panose="020B0604020202020204" pitchFamily="34" charset="0"/>
+                <a:cs typeface="Arial" panose="020B0604020202020204" pitchFamily="34" charset="0"/>
+              </a:rPr>
+              <a:t> a 7gg</a:t>
+            </a:r>
+          </a:p>
+          <a:p>
+            <a:pPr marL="742950" lvl="1" indent="-285750" algn="just">
+              <a:buFont typeface="Arial" panose="020B0604020202020204" pitchFamily="34" charset="0"/>
+              <a:buChar char="•"/>
+              <a:defRPr/>
+            </a:pPr>
+            <a:endParaRPr kumimoji="0" lang="it-IT" b="0" i="0" u="none" strike="noStrike" kern="1200" cap="none" spc="0" normalizeH="0" baseline="0" noProof="0" dirty="0">
+              <a:ln>
+                <a:noFill/>
+              </a:ln>
+              <a:solidFill>
+                <a:srgbClr val="002060"/>
+              </a:solidFill>
+              <a:effectLst/>
+              <a:uLnTx/>
+              <a:uFillTx/>
+              <a:latin typeface="Arial" panose="020B0604020202020204" pitchFamily="34" charset="0"/>
+              <a:ea typeface="+mn-ea"/>
+              <a:cs typeface="Arial" panose="020B0604020202020204" pitchFamily="34" charset="0"/>
+            </a:endParaRPr>
+          </a:p>
+        </p:txBody>
+      </p:sp>
+      <p:sp>
+        <p:nvSpPr>
+          <p:cNvPr id="22" name="CasellaDiTesto 21">
+            <a:extLst>
+              <a:ext uri="{FF2B5EF4-FFF2-40B4-BE49-F238E27FC236}">
+                <a16:creationId xmlns:a16="http://schemas.microsoft.com/office/drawing/2014/main" id="{8E272BF7-904C-4307-9ADB-666F07AFED9B}"/>
+              </a:ext>
+            </a:extLst>
+          </p:cNvPr>
+          <p:cNvSpPr txBox="1"/>
+          <p:nvPr/>
+        </p:nvSpPr>
+        <p:spPr>
+          <a:xfrm>
+            <a:off x="7125437" y="6033017"/>
+            <a:ext cx="2383425" cy="1107996"/>
+          </a:xfrm>
+          <a:prstGeom prst="rect">
+            <a:avLst/>
+          </a:prstGeom>
+          <a:noFill/>
+        </p:spPr>
+        <p:txBody>
+          <a:bodyPr wrap="square" rtlCol="0">
+            <a:spAutoFit/>
+          </a:bodyPr>
+          <a:lstStyle/>
+          <a:p>
+            <a:pPr lvl="1" algn="just">
+              <a:defRPr/>
+            </a:pPr>
+            <a:endParaRPr lang="it-IT" dirty="0">
+              <a:solidFill>
+                <a:srgbClr val="002060"/>
+              </a:solidFill>
+              <a:latin typeface="Arial" panose="020B0604020202020204" pitchFamily="34" charset="0"/>
+              <a:cs typeface="Arial" panose="020B0604020202020204" pitchFamily="34" charset="0"/>
+            </a:endParaRPr>
+          </a:p>
+          <a:p>
+            <a:pPr lvl="1" algn="just">
+              <a:defRPr/>
+            </a:pPr>
+            <a:r>
+              <a:rPr lang="it-IT" sz="1000" dirty="0">
+                <a:solidFill>
+                  <a:srgbClr val="002060"/>
+                </a:solidFill>
+                <a:latin typeface="Arial" panose="020B0604020202020204" pitchFamily="34" charset="0"/>
+                <a:cs typeface="Arial" panose="020B0604020202020204" pitchFamily="34" charset="0"/>
+              </a:rPr>
+              <a:t>Finestra semestre</a:t>
+            </a:r>
+          </a:p>
+          <a:p>
+            <a:pPr lvl="1" algn="just">
+              <a:defRPr/>
+            </a:pPr>
+            <a:r>
+              <a:rPr lang="it-IT" sz="1000" dirty="0">
+                <a:solidFill>
+                  <a:srgbClr val="002060"/>
+                </a:solidFill>
+                <a:latin typeface="Arial" panose="020B0604020202020204" pitchFamily="34" charset="0"/>
+                <a:cs typeface="Arial" panose="020B0604020202020204" pitchFamily="34" charset="0"/>
+              </a:rPr>
+              <a:t>anno 2018 </a:t>
+            </a:r>
+          </a:p>
+          <a:p>
+            <a:pPr lvl="1" algn="just">
+              <a:defRPr/>
+            </a:pPr>
+            <a:r>
+              <a:rPr lang="it-IT" sz="1000" dirty="0">
+                <a:solidFill>
+                  <a:srgbClr val="002060"/>
+                </a:solidFill>
+                <a:latin typeface="Arial" panose="020B0604020202020204" pitchFamily="34" charset="0"/>
+                <a:cs typeface="Arial" panose="020B0604020202020204" pitchFamily="34" charset="0"/>
+              </a:rPr>
+              <a:t>con </a:t>
+            </a:r>
+            <a:r>
+              <a:rPr lang="it-IT" sz="1000" dirty="0" err="1">
+                <a:solidFill>
+                  <a:srgbClr val="002060"/>
+                </a:solidFill>
+                <a:latin typeface="Arial" panose="020B0604020202020204" pitchFamily="34" charset="0"/>
+                <a:cs typeface="Arial" panose="020B0604020202020204" pitchFamily="34" charset="0"/>
+              </a:rPr>
+              <a:t>KPIs</a:t>
+            </a:r>
+            <a:r>
+              <a:rPr lang="it-IT" sz="1000" dirty="0">
+                <a:solidFill>
+                  <a:srgbClr val="002060"/>
+                </a:solidFill>
+                <a:latin typeface="Arial" panose="020B0604020202020204" pitchFamily="34" charset="0"/>
+                <a:cs typeface="Arial" panose="020B0604020202020204" pitchFamily="34" charset="0"/>
+              </a:rPr>
+              <a:t> a 7gg</a:t>
+            </a:r>
+          </a:p>
+          <a:p>
+            <a:pPr marL="742950" lvl="1" indent="-285750" algn="just">
+              <a:buFont typeface="Arial" panose="020B0604020202020204" pitchFamily="34" charset="0"/>
+              <a:buChar char="•"/>
+              <a:defRPr/>
+            </a:pPr>
+            <a:endParaRPr kumimoji="0" lang="it-IT" b="0" i="0" u="none" strike="noStrike" kern="1200" cap="none" spc="0" normalizeH="0" baseline="0" noProof="0" dirty="0">
+              <a:ln>
+                <a:noFill/>
+              </a:ln>
+              <a:solidFill>
+                <a:srgbClr val="002060"/>
+              </a:solidFill>
+              <a:effectLst/>
+              <a:uLnTx/>
+              <a:uFillTx/>
+              <a:latin typeface="Arial" panose="020B0604020202020204" pitchFamily="34" charset="0"/>
+              <a:ea typeface="+mn-ea"/>
+              <a:cs typeface="Arial" panose="020B0604020202020204" pitchFamily="34" charset="0"/>
+            </a:endParaRPr>
+          </a:p>
+        </p:txBody>
+      </p:sp>
+      <p:sp>
+        <p:nvSpPr>
+          <p:cNvPr id="23" name="CasellaDiTesto 22">
+            <a:extLst>
+              <a:ext uri="{FF2B5EF4-FFF2-40B4-BE49-F238E27FC236}">
+                <a16:creationId xmlns:a16="http://schemas.microsoft.com/office/drawing/2014/main" id="{F6D10BCC-0B1F-4297-9FD3-240AFB00A1F3}"/>
+              </a:ext>
+            </a:extLst>
+          </p:cNvPr>
+          <p:cNvSpPr txBox="1"/>
+          <p:nvPr/>
+        </p:nvSpPr>
+        <p:spPr>
+          <a:xfrm>
+            <a:off x="8704614" y="6017360"/>
+            <a:ext cx="1801420" cy="1107996"/>
+          </a:xfrm>
+          <a:prstGeom prst="rect">
+            <a:avLst/>
+          </a:prstGeom>
+          <a:noFill/>
+        </p:spPr>
+        <p:txBody>
+          <a:bodyPr wrap="square" rtlCol="0">
+            <a:spAutoFit/>
+          </a:bodyPr>
+          <a:lstStyle/>
+          <a:p>
+            <a:pPr lvl="1" algn="just">
+              <a:defRPr/>
+            </a:pPr>
+            <a:endParaRPr lang="it-IT" dirty="0">
+              <a:solidFill>
+                <a:srgbClr val="002060"/>
+              </a:solidFill>
+              <a:latin typeface="Arial" panose="020B0604020202020204" pitchFamily="34" charset="0"/>
+              <a:cs typeface="Arial" panose="020B0604020202020204" pitchFamily="34" charset="0"/>
+            </a:endParaRPr>
+          </a:p>
+          <a:p>
+            <a:pPr lvl="1" algn="just">
+              <a:defRPr/>
+            </a:pPr>
+            <a:r>
+              <a:rPr lang="it-IT" sz="1000" dirty="0">
+                <a:solidFill>
+                  <a:srgbClr val="002060"/>
+                </a:solidFill>
+                <a:latin typeface="Arial" panose="020B0604020202020204" pitchFamily="34" charset="0"/>
+                <a:cs typeface="Arial" panose="020B0604020202020204" pitchFamily="34" charset="0"/>
+              </a:rPr>
+              <a:t>Finestra </a:t>
+            </a:r>
+            <a:r>
+              <a:rPr lang="it-IT" sz="1000" dirty="0" err="1">
+                <a:solidFill>
+                  <a:srgbClr val="002060"/>
+                </a:solidFill>
+                <a:latin typeface="Arial" panose="020B0604020202020204" pitchFamily="34" charset="0"/>
+                <a:cs typeface="Arial" panose="020B0604020202020204" pitchFamily="34" charset="0"/>
+              </a:rPr>
+              <a:t>nonimestre</a:t>
+            </a:r>
+            <a:r>
+              <a:rPr lang="it-IT" sz="1000" dirty="0">
+                <a:solidFill>
+                  <a:srgbClr val="002060"/>
+                </a:solidFill>
+                <a:latin typeface="Arial" panose="020B0604020202020204" pitchFamily="34" charset="0"/>
+                <a:cs typeface="Arial" panose="020B0604020202020204" pitchFamily="34" charset="0"/>
+              </a:rPr>
+              <a:t> anno 2018 </a:t>
+            </a:r>
+          </a:p>
+          <a:p>
+            <a:pPr lvl="1" algn="just">
+              <a:defRPr/>
+            </a:pPr>
+            <a:r>
+              <a:rPr lang="it-IT" sz="1000" dirty="0">
+                <a:solidFill>
+                  <a:srgbClr val="002060"/>
+                </a:solidFill>
+                <a:latin typeface="Arial" panose="020B0604020202020204" pitchFamily="34" charset="0"/>
+                <a:cs typeface="Arial" panose="020B0604020202020204" pitchFamily="34" charset="0"/>
+              </a:rPr>
+              <a:t>con </a:t>
+            </a:r>
+            <a:r>
+              <a:rPr lang="it-IT" sz="1000" dirty="0" err="1">
+                <a:solidFill>
+                  <a:srgbClr val="002060"/>
+                </a:solidFill>
+                <a:latin typeface="Arial" panose="020B0604020202020204" pitchFamily="34" charset="0"/>
+                <a:cs typeface="Arial" panose="020B0604020202020204" pitchFamily="34" charset="0"/>
+              </a:rPr>
+              <a:t>KPIs</a:t>
+            </a:r>
+            <a:r>
+              <a:rPr lang="it-IT" sz="1000" dirty="0">
+                <a:solidFill>
+                  <a:srgbClr val="002060"/>
+                </a:solidFill>
+                <a:latin typeface="Arial" panose="020B0604020202020204" pitchFamily="34" charset="0"/>
+                <a:cs typeface="Arial" panose="020B0604020202020204" pitchFamily="34" charset="0"/>
+              </a:rPr>
+              <a:t> a 7gg</a:t>
+            </a:r>
+          </a:p>
+          <a:p>
+            <a:pPr marL="742950" lvl="1" indent="-285750" algn="just">
+              <a:buFont typeface="Arial" panose="020B0604020202020204" pitchFamily="34" charset="0"/>
+              <a:buChar char="•"/>
+              <a:defRPr/>
+            </a:pPr>
+            <a:endParaRPr kumimoji="0" lang="it-IT" b="0" i="0" u="none" strike="noStrike" kern="1200" cap="none" spc="0" normalizeH="0" baseline="0" noProof="0" dirty="0">
+              <a:ln>
+                <a:noFill/>
+              </a:ln>
+              <a:solidFill>
+                <a:srgbClr val="002060"/>
+              </a:solidFill>
+              <a:effectLst/>
+              <a:uLnTx/>
+              <a:uFillTx/>
+              <a:latin typeface="Arial" panose="020B0604020202020204" pitchFamily="34" charset="0"/>
+              <a:ea typeface="+mn-ea"/>
+              <a:cs typeface="Arial" panose="020B0604020202020204" pitchFamily="34" charset="0"/>
+            </a:endParaRPr>
+          </a:p>
+        </p:txBody>
+      </p:sp>
+      <p:sp>
+        <p:nvSpPr>
+          <p:cNvPr id="24" name="CasellaDiTesto 23">
+            <a:extLst>
+              <a:ext uri="{FF2B5EF4-FFF2-40B4-BE49-F238E27FC236}">
+                <a16:creationId xmlns:a16="http://schemas.microsoft.com/office/drawing/2014/main" id="{750CEE6B-FB52-4CDC-B035-45C3BACB0179}"/>
+              </a:ext>
+            </a:extLst>
+          </p:cNvPr>
+          <p:cNvSpPr txBox="1"/>
+          <p:nvPr/>
+        </p:nvSpPr>
+        <p:spPr>
+          <a:xfrm>
+            <a:off x="10373149" y="6069481"/>
+            <a:ext cx="2383425" cy="954107"/>
+          </a:xfrm>
+          <a:prstGeom prst="rect">
+            <a:avLst/>
+          </a:prstGeom>
+          <a:noFill/>
+        </p:spPr>
+        <p:txBody>
+          <a:bodyPr wrap="square" rtlCol="0">
+            <a:spAutoFit/>
+          </a:bodyPr>
+          <a:lstStyle/>
+          <a:p>
+            <a:pPr lvl="1" algn="just">
+              <a:defRPr/>
+            </a:pPr>
+            <a:endParaRPr lang="it-IT" dirty="0">
+              <a:solidFill>
+                <a:srgbClr val="002060"/>
+              </a:solidFill>
+              <a:latin typeface="Arial" panose="020B0604020202020204" pitchFamily="34" charset="0"/>
+              <a:cs typeface="Arial" panose="020B0604020202020204" pitchFamily="34" charset="0"/>
+            </a:endParaRPr>
+          </a:p>
+          <a:p>
+            <a:pPr lvl="1" algn="just">
+              <a:defRPr/>
+            </a:pPr>
+            <a:r>
+              <a:rPr lang="it-IT" sz="1000" dirty="0">
+                <a:solidFill>
+                  <a:srgbClr val="002060"/>
+                </a:solidFill>
+                <a:latin typeface="Arial" panose="020B0604020202020204" pitchFamily="34" charset="0"/>
+                <a:cs typeface="Arial" panose="020B0604020202020204" pitchFamily="34" charset="0"/>
+              </a:rPr>
+              <a:t>Finestra anno 2018 </a:t>
+            </a:r>
+          </a:p>
+          <a:p>
+            <a:pPr lvl="1" algn="just">
+              <a:defRPr/>
+            </a:pPr>
+            <a:r>
+              <a:rPr lang="it-IT" sz="1000" dirty="0">
+                <a:solidFill>
+                  <a:srgbClr val="002060"/>
+                </a:solidFill>
+                <a:latin typeface="Arial" panose="020B0604020202020204" pitchFamily="34" charset="0"/>
+                <a:cs typeface="Arial" panose="020B0604020202020204" pitchFamily="34" charset="0"/>
+              </a:rPr>
+              <a:t>con </a:t>
+            </a:r>
+            <a:r>
+              <a:rPr lang="it-IT" sz="1000" dirty="0" err="1">
+                <a:solidFill>
+                  <a:srgbClr val="002060"/>
+                </a:solidFill>
+                <a:latin typeface="Arial" panose="020B0604020202020204" pitchFamily="34" charset="0"/>
+                <a:cs typeface="Arial" panose="020B0604020202020204" pitchFamily="34" charset="0"/>
+              </a:rPr>
+              <a:t>KPIs</a:t>
+            </a:r>
+            <a:r>
+              <a:rPr lang="it-IT" sz="1000" dirty="0">
+                <a:solidFill>
+                  <a:srgbClr val="002060"/>
+                </a:solidFill>
+                <a:latin typeface="Arial" panose="020B0604020202020204" pitchFamily="34" charset="0"/>
+                <a:cs typeface="Arial" panose="020B0604020202020204" pitchFamily="34" charset="0"/>
+              </a:rPr>
+              <a:t> a 7gg</a:t>
+            </a:r>
+          </a:p>
+          <a:p>
+            <a:pPr marL="742950" lvl="1" indent="-285750" algn="just">
+              <a:buFont typeface="Arial" panose="020B0604020202020204" pitchFamily="34" charset="0"/>
+              <a:buChar char="•"/>
+              <a:defRPr/>
+            </a:pPr>
+            <a:endParaRPr kumimoji="0" lang="it-IT" b="0" i="0" u="none" strike="noStrike" kern="1200" cap="none" spc="0" normalizeH="0" baseline="0" noProof="0" dirty="0">
+              <a:ln>
+                <a:noFill/>
+              </a:ln>
+              <a:solidFill>
+                <a:srgbClr val="002060"/>
+              </a:solidFill>
+              <a:effectLst/>
+              <a:uLnTx/>
+              <a:uFillTx/>
+              <a:latin typeface="Arial" panose="020B0604020202020204" pitchFamily="34" charset="0"/>
+              <a:ea typeface="+mn-ea"/>
+              <a:cs typeface="Arial" panose="020B0604020202020204" pitchFamily="34" charset="0"/>
+            </a:endParaRPr>
+          </a:p>
+        </p:txBody>
+      </p:sp>
     </p:spTree>
     <p:extLst>
       <p:ext uri="{BB962C8B-B14F-4D97-AF65-F5344CB8AC3E}">
@@ -22781,7 +25016,7 @@
                 </a:solidFill>
                 <a:latin typeface="Arial Black" panose="020B0A04020102020204" pitchFamily="34" charset="0"/>
               </a:rPr>
-              <a:t>Classificazione</a:t>
+              <a:t>Classificazione: Tuning dei parametri</a:t>
             </a:r>
           </a:p>
         </p:txBody>
@@ -23565,7 +25800,7 @@
                 </a:solidFill>
                 <a:latin typeface="Arial Black" panose="020B0A04020102020204" pitchFamily="34" charset="0"/>
               </a:rPr>
-              <a:t>Classificazione</a:t>
+              <a:t>Classificazione: Tuning dei Parametri</a:t>
             </a:r>
           </a:p>
         </p:txBody>
@@ -24049,7 +26284,7 @@
                 </a:solidFill>
                 <a:latin typeface="Arial Black" panose="020B0A04020102020204" pitchFamily="34" charset="0"/>
               </a:rPr>
-              <a:t>Training Modello e Analisi dei Risultati</a:t>
+              <a:t>Training Modelli e Analisi dei Risultati</a:t>
             </a:r>
           </a:p>
         </p:txBody>
@@ -24095,27 +26330,7 @@
                 <a:latin typeface="Arial" panose="020B0604020202020204" pitchFamily="34" charset="0"/>
                 <a:cs typeface="Arial" panose="020B0604020202020204" pitchFamily="34" charset="0"/>
               </a:rPr>
-              <a:t>Per la fase di training, si </a:t>
-            </a:r>
-            <a:r>
-              <a:rPr lang="it-IT" dirty="0" err="1">
-                <a:solidFill>
-                  <a:srgbClr val="002060"/>
-                </a:solidFill>
-                <a:latin typeface="Arial" panose="020B0604020202020204" pitchFamily="34" charset="0"/>
-                <a:cs typeface="Arial" panose="020B0604020202020204" pitchFamily="34" charset="0"/>
-              </a:rPr>
-              <a:t>utilizzera</a:t>
-            </a:r>
-            <a:r>
-              <a:rPr lang="it-IT" dirty="0">
-                <a:solidFill>
-                  <a:srgbClr val="002060"/>
-                </a:solidFill>
-                <a:latin typeface="Arial" panose="020B0604020202020204" pitchFamily="34" charset="0"/>
-                <a:cs typeface="Arial" panose="020B0604020202020204" pitchFamily="34" charset="0"/>
-              </a:rPr>
-              <a:t> la convalida incrociata a 10 sacche.</a:t>
+              <a:t>Per la fase di training, si utilizzerà la convalida incrociata a 10 sacche.</a:t>
             </a:r>
           </a:p>
           <a:p>

--- a/Presentazione204898.pptx
+++ b/Presentazione204898.pptx
@@ -12635,8 +12635,8 @@
         </p:nvSpPr>
         <p:spPr>
           <a:xfrm>
-            <a:off x="13631" y="1039583"/>
-            <a:ext cx="11469532" cy="3139321"/>
+            <a:off x="77426" y="1464885"/>
+            <a:ext cx="11469532" cy="3416320"/>
           </a:xfrm>
           <a:prstGeom prst="rect">
             <a:avLst/>
@@ -12648,42 +12648,6 @@
             <a:spAutoFit/>
           </a:bodyPr>
           <a:lstStyle/>
-          <a:p>
-            <a:pPr marL="285750" indent="-285750" algn="just">
-              <a:buFont typeface="Arial" panose="020B0604020202020204" pitchFamily="34" charset="0"/>
-              <a:buChar char="•"/>
-            </a:pPr>
-            <a:r>
-              <a:rPr lang="it-IT" dirty="0">
-                <a:solidFill>
-                  <a:srgbClr val="002060"/>
-                </a:solidFill>
-                <a:latin typeface="Arial" panose="020B0604020202020204" pitchFamily="34" charset="0"/>
-                <a:cs typeface="Arial" panose="020B0604020202020204" pitchFamily="34" charset="0"/>
-              </a:rPr>
-              <a:t>Durante il mio percorso di studi ho avuto modo di collaborare con EVO-BI </a:t>
-            </a:r>
-            <a:r>
-              <a:rPr lang="it-IT" dirty="0" err="1">
-                <a:solidFill>
-                  <a:srgbClr val="002060"/>
-                </a:solidFill>
-                <a:latin typeface="Arial" panose="020B0604020202020204" pitchFamily="34" charset="0"/>
-                <a:cs typeface="Arial" panose="020B0604020202020204" pitchFamily="34" charset="0"/>
-              </a:rPr>
-              <a:t>s.r.l</a:t>
-            </a:r>
-            <a:r>
-              <a:rPr lang="it-IT" dirty="0">
-                <a:solidFill>
-                  <a:srgbClr val="002060"/>
-                </a:solidFill>
-                <a:latin typeface="Arial" panose="020B0604020202020204" pitchFamily="34" charset="0"/>
-                <a:cs typeface="Arial" panose="020B0604020202020204" pitchFamily="34" charset="0"/>
-              </a:rPr>
-              <a:t>, Spin-Off Accademico dell’ Università della Calabria.</a:t>
-            </a:r>
-          </a:p>
           <a:p>
             <a:pPr marL="285750" indent="-285750" algn="just">
               <a:buFont typeface="Arial" panose="020B0604020202020204" pitchFamily="34" charset="0"/>
@@ -12710,7 +12674,76 @@
                 <a:latin typeface="Arial" panose="020B0604020202020204" pitchFamily="34" charset="0"/>
                 <a:cs typeface="Arial" panose="020B0604020202020204" pitchFamily="34" charset="0"/>
               </a:rPr>
-              <a:t>L’azienda offre un sistema integrato di Business Intelligence, che sia agile potente ed efficace. </a:t>
+              <a:t>L’azienda EVO-BI </a:t>
+            </a:r>
+            <a:r>
+              <a:rPr lang="it-IT" dirty="0" err="1">
+                <a:solidFill>
+                  <a:srgbClr val="002060"/>
+                </a:solidFill>
+                <a:latin typeface="Arial" panose="020B0604020202020204" pitchFamily="34" charset="0"/>
+                <a:cs typeface="Arial" panose="020B0604020202020204" pitchFamily="34" charset="0"/>
+              </a:rPr>
+              <a:t>s.r.l</a:t>
+            </a:r>
+            <a:r>
+              <a:rPr lang="it-IT" dirty="0">
+                <a:solidFill>
+                  <a:srgbClr val="002060"/>
+                </a:solidFill>
+                <a:latin typeface="Arial" panose="020B0604020202020204" pitchFamily="34" charset="0"/>
+                <a:cs typeface="Arial" panose="020B0604020202020204" pitchFamily="34" charset="0"/>
+              </a:rPr>
+              <a:t> offre un sistema integrato di Business Intelligence, che sia agile potente ed efficace. </a:t>
+            </a:r>
+          </a:p>
+          <a:p>
+            <a:pPr marL="285750" indent="-285750" algn="just">
+              <a:buFont typeface="Arial" panose="020B0604020202020204" pitchFamily="34" charset="0"/>
+              <a:buChar char="•"/>
+            </a:pPr>
+            <a:endParaRPr lang="it-IT" dirty="0">
+              <a:solidFill>
+                <a:srgbClr val="002060"/>
+              </a:solidFill>
+              <a:latin typeface="Arial" panose="020B0604020202020204" pitchFamily="34" charset="0"/>
+              <a:cs typeface="Arial" panose="020B0604020202020204" pitchFamily="34" charset="0"/>
+            </a:endParaRPr>
+          </a:p>
+          <a:p>
+            <a:pPr marL="285750" indent="-285750" algn="just">
+              <a:buFont typeface="Arial" panose="020B0604020202020204" pitchFamily="34" charset="0"/>
+              <a:buChar char="•"/>
+            </a:pPr>
+            <a:r>
+              <a:rPr lang="it-IT" dirty="0">
+                <a:solidFill>
+                  <a:srgbClr val="002060"/>
+                </a:solidFill>
+                <a:latin typeface="Arial" panose="020B0604020202020204" pitchFamily="34" charset="0"/>
+                <a:cs typeface="Arial" panose="020B0604020202020204" pitchFamily="34" charset="0"/>
+              </a:rPr>
+              <a:t>Tramite algoritmi di intelligenza artificiale, si cercano di individuare trend, </a:t>
+            </a:r>
+            <a:r>
+              <a:rPr lang="it-IT" dirty="0" err="1">
+                <a:solidFill>
+                  <a:srgbClr val="002060"/>
+                </a:solidFill>
+                <a:latin typeface="Arial" panose="020B0604020202020204" pitchFamily="34" charset="0"/>
+                <a:cs typeface="Arial" panose="020B0604020202020204" pitchFamily="34" charset="0"/>
+              </a:rPr>
+              <a:t>outlier</a:t>
+            </a:r>
+            <a:r>
+              <a:rPr lang="it-IT" dirty="0">
+                <a:solidFill>
+                  <a:srgbClr val="002060"/>
+                </a:solidFill>
+                <a:latin typeface="Arial" panose="020B0604020202020204" pitchFamily="34" charset="0"/>
+                <a:cs typeface="Arial" panose="020B0604020202020204" pitchFamily="34" charset="0"/>
+              </a:rPr>
+              <a:t> e più in generale importanti segnali da porre all’attenzione del management.</a:t>
             </a:r>
           </a:p>
           <a:p>
@@ -12821,7 +12854,7 @@
         </p:blipFill>
         <p:spPr>
           <a:xfrm>
-            <a:off x="7633254" y="3456217"/>
+            <a:off x="7604901" y="3605073"/>
             <a:ext cx="4418934" cy="3139321"/>
           </a:xfrm>
           <a:prstGeom prst="rect">
@@ -17781,8 +17814,8 @@
         </p:nvSpPr>
         <p:spPr>
           <a:xfrm>
-            <a:off x="176600" y="860908"/>
-            <a:ext cx="8833607" cy="6463308"/>
+            <a:off x="176601" y="1116089"/>
+            <a:ext cx="8833607" cy="4801314"/>
           </a:xfrm>
           <a:prstGeom prst="rect">
             <a:avLst/>
@@ -18179,6 +18212,37 @@
             </a:endParaRPr>
           </a:p>
           <a:p>
+            <a:pPr marR="0" lvl="0" algn="just" defTabSz="914400" rtl="0" eaLnBrk="1" fontAlgn="auto" latinLnBrk="0" hangingPunct="1">
+              <a:lnSpc>
+                <a:spcPct val="100000"/>
+              </a:lnSpc>
+              <a:spcBef>
+                <a:spcPts val="0"/>
+              </a:spcBef>
+              <a:spcAft>
+                <a:spcPts val="0"/>
+              </a:spcAft>
+              <a:buClrTx/>
+              <a:buSzTx/>
+              <a:tabLst/>
+              <a:defRPr/>
+            </a:pPr>
+            <a:endParaRPr kumimoji="0" lang="it-IT" sz="1800" b="0" i="0" u="none" strike="noStrike" kern="1200" cap="none" spc="0" normalizeH="0" baseline="0" noProof="0" dirty="0">
+              <a:ln>
+                <a:noFill/>
+              </a:ln>
+              <a:solidFill>
+                <a:srgbClr val="002060"/>
+              </a:solidFill>
+              <a:effectLst/>
+              <a:uLnTx/>
+              <a:uFillTx/>
+              <a:latin typeface="Arial" panose="020B0604020202020204" pitchFamily="34" charset="0"/>
+              <a:ea typeface="+mn-ea"/>
+              <a:cs typeface="Arial" panose="020B0604020202020204" pitchFamily="34" charset="0"/>
+            </a:endParaRPr>
+          </a:p>
+          <a:p>
             <a:pPr marL="285750" marR="0" lvl="0" indent="-285750" algn="just" defTabSz="914400" rtl="0" eaLnBrk="1" fontAlgn="auto" latinLnBrk="0" hangingPunct="1">
               <a:lnSpc>
                 <a:spcPct val="100000"/>
@@ -18222,16 +18286,20 @@
               <a:tabLst/>
               <a:defRPr/>
             </a:pPr>
-            <a:r>
-              <a:rPr lang="it-IT" dirty="0">
-                <a:solidFill>
-                  <a:srgbClr val="002060"/>
-                </a:solidFill>
-                <a:latin typeface="Arial" panose="020B0604020202020204" pitchFamily="34" charset="0"/>
-                <a:cs typeface="Arial" panose="020B0604020202020204" pitchFamily="34" charset="0"/>
-              </a:rPr>
-              <a:t>Ammettendo numeri tra 0 e 255, possiamo costruire un’immagine in scala di grigi: il nero è 0, il bianco 255. Più alto sarà il numero inserito, più il pixel sarà ’chiaro’.</a:t>
-            </a:r>
+            <a:endParaRPr kumimoji="0" lang="it-IT" sz="1800" b="0" i="0" u="none" strike="noStrike" kern="1200" cap="none" spc="0" normalizeH="0" baseline="0" noProof="0" dirty="0">
+              <a:ln>
+                <a:noFill/>
+              </a:ln>
+              <a:solidFill>
+                <a:srgbClr val="002060"/>
+              </a:solidFill>
+              <a:effectLst/>
+              <a:uLnTx/>
+              <a:uFillTx/>
+              <a:latin typeface="Arial" panose="020B0604020202020204" pitchFamily="34" charset="0"/>
+              <a:ea typeface="+mn-ea"/>
+              <a:cs typeface="Arial" panose="020B0604020202020204" pitchFamily="34" charset="0"/>
+            </a:endParaRPr>
           </a:p>
           <a:p>
             <a:pPr marL="285750" marR="0" lvl="0" indent="-285750" algn="just" defTabSz="914400" rtl="0" eaLnBrk="1" fontAlgn="auto" latinLnBrk="0" hangingPunct="1">
@@ -18251,87 +18319,6 @@
               <a:tabLst/>
               <a:defRPr/>
             </a:pPr>
-            <a:endParaRPr lang="it-IT" dirty="0">
-              <a:solidFill>
-                <a:srgbClr val="002060"/>
-              </a:solidFill>
-              <a:latin typeface="Arial" panose="020B0604020202020204" pitchFamily="34" charset="0"/>
-              <a:cs typeface="Arial" panose="020B0604020202020204" pitchFamily="34" charset="0"/>
-            </a:endParaRPr>
-          </a:p>
-          <a:p>
-            <a:pPr marL="285750" marR="0" lvl="0" indent="-285750" algn="just" defTabSz="914400" rtl="0" eaLnBrk="1" fontAlgn="auto" latinLnBrk="0" hangingPunct="1">
-              <a:lnSpc>
-                <a:spcPct val="100000"/>
-              </a:lnSpc>
-              <a:spcBef>
-                <a:spcPts val="0"/>
-              </a:spcBef>
-              <a:spcAft>
-                <a:spcPts val="0"/>
-              </a:spcAft>
-              <a:buClrTx/>
-              <a:buSzTx/>
-              <a:buFont typeface="Arial" panose="020B0604020202020204" pitchFamily="34" charset="0"/>
-              <a:buChar char="•"/>
-              <a:tabLst/>
-              <a:defRPr/>
-            </a:pPr>
-            <a:endParaRPr lang="it-IT" dirty="0">
-              <a:solidFill>
-                <a:srgbClr val="002060"/>
-              </a:solidFill>
-              <a:latin typeface="Arial" panose="020B0604020202020204" pitchFamily="34" charset="0"/>
-              <a:cs typeface="Arial" panose="020B0604020202020204" pitchFamily="34" charset="0"/>
-            </a:endParaRPr>
-          </a:p>
-          <a:p>
-            <a:pPr marL="285750" marR="0" lvl="0" indent="-285750" algn="just" defTabSz="914400" rtl="0" eaLnBrk="1" fontAlgn="auto" latinLnBrk="0" hangingPunct="1">
-              <a:lnSpc>
-                <a:spcPct val="100000"/>
-              </a:lnSpc>
-              <a:spcBef>
-                <a:spcPts val="0"/>
-              </a:spcBef>
-              <a:spcAft>
-                <a:spcPts val="0"/>
-              </a:spcAft>
-              <a:buClrTx/>
-              <a:buSzTx/>
-              <a:buFont typeface="Arial" panose="020B0604020202020204" pitchFamily="34" charset="0"/>
-              <a:buChar char="•"/>
-              <a:tabLst/>
-              <a:defRPr/>
-            </a:pPr>
-            <a:r>
-              <a:rPr lang="it-IT" dirty="0">
-                <a:solidFill>
-                  <a:srgbClr val="002060"/>
-                </a:solidFill>
-                <a:latin typeface="Arial" panose="020B0604020202020204" pitchFamily="34" charset="0"/>
-                <a:cs typeface="Arial" panose="020B0604020202020204" pitchFamily="34" charset="0"/>
-              </a:rPr>
-              <a:t>Per introdurre i colori esistono diversi formati: il più utilizzato è quello RGB.</a:t>
-            </a:r>
-          </a:p>
-          <a:p>
-            <a:pPr marL="285750" marR="0" lvl="0" indent="-285750" algn="just" defTabSz="914400" rtl="0" eaLnBrk="1" fontAlgn="auto" latinLnBrk="0" hangingPunct="1">
-              <a:lnSpc>
-                <a:spcPct val="100000"/>
-              </a:lnSpc>
-              <a:spcBef>
-                <a:spcPts val="0"/>
-              </a:spcBef>
-              <a:spcAft>
-                <a:spcPts val="0"/>
-              </a:spcAft>
-              <a:buClrTx/>
-              <a:buSzTx/>
-              <a:buFont typeface="Arial" panose="020B0604020202020204" pitchFamily="34" charset="0"/>
-              <a:buChar char="•"/>
-              <a:tabLst/>
-              <a:defRPr/>
-            </a:pPr>
             <a:endParaRPr kumimoji="0" lang="it-IT" sz="1800" b="0" i="0" u="none" strike="noStrike" kern="1200" cap="none" spc="0" normalizeH="0" baseline="0" noProof="0" dirty="0">
               <a:ln>
                 <a:noFill/>
@@ -18347,98 +18334,6 @@
               <a:cs typeface="Arial" panose="020B0604020202020204" pitchFamily="34" charset="0"/>
             </a:endParaRPr>
           </a:p>
-          <a:p>
-            <a:pPr marL="285750" marR="0" lvl="0" indent="-285750" algn="just" defTabSz="914400" rtl="0" eaLnBrk="1" fontAlgn="auto" latinLnBrk="0" hangingPunct="1">
-              <a:lnSpc>
-                <a:spcPct val="100000"/>
-              </a:lnSpc>
-              <a:spcBef>
-                <a:spcPts val="0"/>
-              </a:spcBef>
-              <a:spcAft>
-                <a:spcPts val="0"/>
-              </a:spcAft>
-              <a:buClrTx/>
-              <a:buSzTx/>
-              <a:buFont typeface="Arial" panose="020B0604020202020204" pitchFamily="34" charset="0"/>
-              <a:buChar char="•"/>
-              <a:tabLst/>
-              <a:defRPr/>
-            </a:pPr>
-            <a:endParaRPr lang="it-IT" dirty="0">
-              <a:solidFill>
-                <a:srgbClr val="002060"/>
-              </a:solidFill>
-              <a:latin typeface="Arial" panose="020B0604020202020204" pitchFamily="34" charset="0"/>
-              <a:cs typeface="Arial" panose="020B0604020202020204" pitchFamily="34" charset="0"/>
-            </a:endParaRPr>
-          </a:p>
-          <a:p>
-            <a:pPr marL="285750" marR="0" lvl="0" indent="-285750" algn="just" defTabSz="914400" rtl="0" eaLnBrk="1" fontAlgn="auto" latinLnBrk="0" hangingPunct="1">
-              <a:lnSpc>
-                <a:spcPct val="100000"/>
-              </a:lnSpc>
-              <a:spcBef>
-                <a:spcPts val="0"/>
-              </a:spcBef>
-              <a:spcAft>
-                <a:spcPts val="0"/>
-              </a:spcAft>
-              <a:buClrTx/>
-              <a:buSzTx/>
-              <a:buFont typeface="Arial" panose="020B0604020202020204" pitchFamily="34" charset="0"/>
-              <a:buChar char="•"/>
-              <a:tabLst/>
-              <a:defRPr/>
-            </a:pPr>
-            <a:endParaRPr kumimoji="0" lang="it-IT" sz="1800" b="0" i="0" u="none" strike="noStrike" kern="1200" cap="none" spc="0" normalizeH="0" baseline="0" noProof="0" dirty="0">
-              <a:ln>
-                <a:noFill/>
-              </a:ln>
-              <a:solidFill>
-                <a:srgbClr val="002060"/>
-              </a:solidFill>
-              <a:effectLst/>
-              <a:uLnTx/>
-              <a:uFillTx/>
-              <a:latin typeface="Arial" panose="020B0604020202020204" pitchFamily="34" charset="0"/>
-              <a:ea typeface="+mn-ea"/>
-              <a:cs typeface="Arial" panose="020B0604020202020204" pitchFamily="34" charset="0"/>
-            </a:endParaRPr>
-          </a:p>
-          <a:p>
-            <a:pPr marL="285750" marR="0" lvl="0" indent="-285750" algn="just" defTabSz="914400" rtl="0" eaLnBrk="1" fontAlgn="auto" latinLnBrk="0" hangingPunct="1">
-              <a:lnSpc>
-                <a:spcPct val="100000"/>
-              </a:lnSpc>
-              <a:spcBef>
-                <a:spcPts val="0"/>
-              </a:spcBef>
-              <a:spcAft>
-                <a:spcPts val="0"/>
-              </a:spcAft>
-              <a:buClrTx/>
-              <a:buSzTx/>
-              <a:buFont typeface="Arial" panose="020B0604020202020204" pitchFamily="34" charset="0"/>
-              <a:buChar char="•"/>
-              <a:tabLst/>
-              <a:defRPr/>
-            </a:pPr>
-            <a:endParaRPr kumimoji="0" lang="it-IT" sz="1800" b="0" i="0" u="none" strike="noStrike" kern="1200" cap="none" spc="0" normalizeH="0" baseline="0" noProof="0" dirty="0">
-              <a:ln>
-                <a:noFill/>
-              </a:ln>
-              <a:solidFill>
-                <a:srgbClr val="002060"/>
-              </a:solidFill>
-              <a:effectLst/>
-              <a:uLnTx/>
-              <a:uFillTx/>
-              <a:latin typeface="Arial" panose="020B0604020202020204" pitchFamily="34" charset="0"/>
-              <a:ea typeface="+mn-ea"/>
-              <a:cs typeface="Arial" panose="020B0604020202020204" pitchFamily="34" charset="0"/>
-            </a:endParaRPr>
-          </a:p>
         </p:txBody>
       </p:sp>
       <p:sp>
@@ -18508,8 +18403,8 @@
         </p:blipFill>
         <p:spPr>
           <a:xfrm>
-            <a:off x="9010208" y="4166575"/>
-            <a:ext cx="3072063" cy="2476500"/>
+            <a:off x="9073117" y="3581400"/>
+            <a:ext cx="3118884" cy="2476500"/>
           </a:xfrm>
           <a:prstGeom prst="rect">
             <a:avLst/>
@@ -19819,6 +19714,23 @@
               <a:defRPr/>
             </a:pPr>
             <a:r>
+              <a:rPr kumimoji="0" lang="it-IT" sz="1800" b="1" i="0" u="none" strike="noStrike" kern="1200" cap="none" spc="0" normalizeH="0" baseline="0" noProof="0" dirty="0">
+                <a:ln>
+                  <a:noFill/>
+                </a:ln>
+                <a:solidFill>
+                  <a:srgbClr val="002060"/>
+                </a:solidFill>
+                <a:effectLst/>
+                <a:uLnTx/>
+                <a:uFillTx/>
+                <a:latin typeface="Arial" panose="020B0604020202020204" pitchFamily="34" charset="0"/>
+                <a:ea typeface="+mn-ea"/>
+                <a:cs typeface="Arial" panose="020B0604020202020204" pitchFamily="34" charset="0"/>
+              </a:rPr>
+              <a:t>LeNet-5</a:t>
+            </a:r>
+            <a:r>
               <a:rPr kumimoji="0" lang="it-IT" sz="1800" b="0" i="0" u="none" strike="noStrike" kern="1200" cap="none" spc="0" normalizeH="0" baseline="0" noProof="0" dirty="0">
                 <a:ln>
                   <a:noFill/>
@@ -19833,7 +19745,7 @@
                 <a:ea typeface="+mn-ea"/>
                 <a:cs typeface="Arial" panose="020B0604020202020204" pitchFamily="34" charset="0"/>
               </a:rPr>
-              <a:t>La rete neurale LeNet-5 viene sfruttata in domini applicativi diversi, come il riconoscimento di scrittura o di immagini, rigorosamente in scala di grigio.</a:t>
+              <a:t>: viene sfruttata in domini applicativi diversi, come il riconoscimento di scrittura o di immagini, rigorosamente in scala di grigio.</a:t>
             </a:r>
           </a:p>
           <a:p>

--- a/Presentazione204898.pptx
+++ b/Presentazione204898.pptx
@@ -5,7 +5,7 @@
     <p:sldMasterId id="2147483648" r:id="rId1"/>
   </p:sldMasterIdLst>
   <p:notesMasterIdLst>
-    <p:notesMasterId r:id="rId23"/>
+    <p:notesMasterId r:id="rId22"/>
   </p:notesMasterIdLst>
   <p:sldIdLst>
     <p:sldId id="256" r:id="rId2"/>
@@ -13,22 +13,21 @@
     <p:sldId id="288" r:id="rId4"/>
     <p:sldId id="292" r:id="rId5"/>
     <p:sldId id="295" r:id="rId6"/>
-    <p:sldId id="296" r:id="rId7"/>
-    <p:sldId id="300" r:id="rId8"/>
-    <p:sldId id="301" r:id="rId9"/>
-    <p:sldId id="303" r:id="rId10"/>
-    <p:sldId id="313" r:id="rId11"/>
-    <p:sldId id="314" r:id="rId12"/>
-    <p:sldId id="315" r:id="rId13"/>
-    <p:sldId id="316" r:id="rId14"/>
-    <p:sldId id="318" r:id="rId15"/>
-    <p:sldId id="319" r:id="rId16"/>
-    <p:sldId id="320" r:id="rId17"/>
-    <p:sldId id="321" r:id="rId18"/>
-    <p:sldId id="322" r:id="rId19"/>
-    <p:sldId id="323" r:id="rId20"/>
-    <p:sldId id="324" r:id="rId21"/>
-    <p:sldId id="326" r:id="rId22"/>
+    <p:sldId id="300" r:id="rId7"/>
+    <p:sldId id="301" r:id="rId8"/>
+    <p:sldId id="303" r:id="rId9"/>
+    <p:sldId id="313" r:id="rId10"/>
+    <p:sldId id="314" r:id="rId11"/>
+    <p:sldId id="315" r:id="rId12"/>
+    <p:sldId id="316" r:id="rId13"/>
+    <p:sldId id="318" r:id="rId14"/>
+    <p:sldId id="319" r:id="rId15"/>
+    <p:sldId id="320" r:id="rId16"/>
+    <p:sldId id="321" r:id="rId17"/>
+    <p:sldId id="322" r:id="rId18"/>
+    <p:sldId id="323" r:id="rId19"/>
+    <p:sldId id="324" r:id="rId20"/>
+    <p:sldId id="326" r:id="rId21"/>
   </p:sldIdLst>
   <p:sldSz cx="12192000" cy="6858000"/>
   <p:notesSz cx="6858000" cy="9144000"/>
@@ -642,7 +641,7 @@
     </p:spTree>
     <p:extLst>
       <p:ext uri="{BB962C8B-B14F-4D97-AF65-F5344CB8AC3E}">
-        <p14:creationId xmlns:p14="http://schemas.microsoft.com/office/powerpoint/2010/main" val="1140758566"/>
+        <p14:creationId xmlns:p14="http://schemas.microsoft.com/office/powerpoint/2010/main" val="3657973556"/>
       </p:ext>
     </p:extLst>
   </p:cSld>
@@ -726,7 +725,7 @@
     </p:spTree>
     <p:extLst>
       <p:ext uri="{BB962C8B-B14F-4D97-AF65-F5344CB8AC3E}">
-        <p14:creationId xmlns:p14="http://schemas.microsoft.com/office/powerpoint/2010/main" val="3657973556"/>
+        <p14:creationId xmlns:p14="http://schemas.microsoft.com/office/powerpoint/2010/main" val="692008959"/>
       </p:ext>
     </p:extLst>
   </p:cSld>
@@ -810,7 +809,7 @@
     </p:spTree>
     <p:extLst>
       <p:ext uri="{BB962C8B-B14F-4D97-AF65-F5344CB8AC3E}">
-        <p14:creationId xmlns:p14="http://schemas.microsoft.com/office/powerpoint/2010/main" val="692008959"/>
+        <p14:creationId xmlns:p14="http://schemas.microsoft.com/office/powerpoint/2010/main" val="955960944"/>
       </p:ext>
     </p:extLst>
   </p:cSld>
@@ -894,7 +893,7 @@
     </p:spTree>
     <p:extLst>
       <p:ext uri="{BB962C8B-B14F-4D97-AF65-F5344CB8AC3E}">
-        <p14:creationId xmlns:p14="http://schemas.microsoft.com/office/powerpoint/2010/main" val="955960944"/>
+        <p14:creationId xmlns:p14="http://schemas.microsoft.com/office/powerpoint/2010/main" val="3900075384"/>
       </p:ext>
     </p:extLst>
   </p:cSld>
@@ -978,7 +977,7 @@
     </p:spTree>
     <p:extLst>
       <p:ext uri="{BB962C8B-B14F-4D97-AF65-F5344CB8AC3E}">
-        <p14:creationId xmlns:p14="http://schemas.microsoft.com/office/powerpoint/2010/main" val="3900075384"/>
+        <p14:creationId xmlns:p14="http://schemas.microsoft.com/office/powerpoint/2010/main" val="693203954"/>
       </p:ext>
     </p:extLst>
   </p:cSld>
@@ -1062,7 +1061,7 @@
     </p:spTree>
     <p:extLst>
       <p:ext uri="{BB962C8B-B14F-4D97-AF65-F5344CB8AC3E}">
-        <p14:creationId xmlns:p14="http://schemas.microsoft.com/office/powerpoint/2010/main" val="693203954"/>
+        <p14:creationId xmlns:p14="http://schemas.microsoft.com/office/powerpoint/2010/main" val="2496967714"/>
       </p:ext>
     </p:extLst>
   </p:cSld>
@@ -1146,7 +1145,7 @@
     </p:spTree>
     <p:extLst>
       <p:ext uri="{BB962C8B-B14F-4D97-AF65-F5344CB8AC3E}">
-        <p14:creationId xmlns:p14="http://schemas.microsoft.com/office/powerpoint/2010/main" val="2496967714"/>
+        <p14:creationId xmlns:p14="http://schemas.microsoft.com/office/powerpoint/2010/main" val="2433321293"/>
       </p:ext>
     </p:extLst>
   </p:cSld>
@@ -1230,7 +1229,7 @@
     </p:spTree>
     <p:extLst>
       <p:ext uri="{BB962C8B-B14F-4D97-AF65-F5344CB8AC3E}">
-        <p14:creationId xmlns:p14="http://schemas.microsoft.com/office/powerpoint/2010/main" val="2433321293"/>
+        <p14:creationId xmlns:p14="http://schemas.microsoft.com/office/powerpoint/2010/main" val="3542628195"/>
       </p:ext>
     </p:extLst>
   </p:cSld>
@@ -1314,7 +1313,7 @@
     </p:spTree>
     <p:extLst>
       <p:ext uri="{BB962C8B-B14F-4D97-AF65-F5344CB8AC3E}">
-        <p14:creationId xmlns:p14="http://schemas.microsoft.com/office/powerpoint/2010/main" val="3542628195"/>
+        <p14:creationId xmlns:p14="http://schemas.microsoft.com/office/powerpoint/2010/main" val="3644352027"/>
       </p:ext>
     </p:extLst>
   </p:cSld>
@@ -1398,7 +1397,7 @@
     </p:spTree>
     <p:extLst>
       <p:ext uri="{BB962C8B-B14F-4D97-AF65-F5344CB8AC3E}">
-        <p14:creationId xmlns:p14="http://schemas.microsoft.com/office/powerpoint/2010/main" val="3644352027"/>
+        <p14:creationId xmlns:p14="http://schemas.microsoft.com/office/powerpoint/2010/main" val="1449045838"/>
       </p:ext>
     </p:extLst>
   </p:cSld>
@@ -1558,90 +1557,6 @@
             <a:fld id="{FF92DD81-993C-4BCC-853B-80985FB43297}" type="slidenum">
               <a:rPr lang="it-IT" smtClean="0"/>
               <a:t>20</a:t>
-            </a:fld>
-            <a:endParaRPr lang="it-IT"/>
-          </a:p>
-        </p:txBody>
-      </p:sp>
-    </p:spTree>
-    <p:extLst>
-      <p:ext uri="{BB962C8B-B14F-4D97-AF65-F5344CB8AC3E}">
-        <p14:creationId xmlns:p14="http://schemas.microsoft.com/office/powerpoint/2010/main" val="1449045838"/>
-      </p:ext>
-    </p:extLst>
-  </p:cSld>
-  <p:clrMapOvr>
-    <a:masterClrMapping/>
-  </p:clrMapOvr>
-</p:notes>
-</file>
-
-<file path=ppt/notesSlides/notesSlide21.xml><?xml version="1.0" encoding="utf-8"?>
-<p:notes xmlns:a="http://schemas.openxmlformats.org/drawingml/2006/main" xmlns:r="http://schemas.openxmlformats.org/officeDocument/2006/relationships" xmlns:p="http://schemas.openxmlformats.org/presentationml/2006/main">
-  <p:cSld>
-    <p:spTree>
-      <p:nvGrpSpPr>
-        <p:cNvPr id="1" name=""/>
-        <p:cNvGrpSpPr/>
-        <p:nvPr/>
-      </p:nvGrpSpPr>
-      <p:grpSpPr>
-        <a:xfrm>
-          <a:off x="0" y="0"/>
-          <a:ext cx="0" cy="0"/>
-          <a:chOff x="0" y="0"/>
-          <a:chExt cx="0" cy="0"/>
-        </a:xfrm>
-      </p:grpSpPr>
-      <p:sp>
-        <p:nvSpPr>
-          <p:cNvPr id="2" name="Segnaposto immagine diapositiva 1"/>
-          <p:cNvSpPr>
-            <a:spLocks noGrp="1" noRot="1" noChangeAspect="1"/>
-          </p:cNvSpPr>
-          <p:nvPr>
-            <p:ph type="sldImg"/>
-          </p:nvPr>
-        </p:nvSpPr>
-        <p:spPr/>
-      </p:sp>
-      <p:sp>
-        <p:nvSpPr>
-          <p:cNvPr id="3" name="Segnaposto note 2"/>
-          <p:cNvSpPr>
-            <a:spLocks noGrp="1"/>
-          </p:cNvSpPr>
-          <p:nvPr>
-            <p:ph type="body" idx="1"/>
-          </p:nvPr>
-        </p:nvSpPr>
-        <p:spPr/>
-        <p:txBody>
-          <a:bodyPr/>
-          <a:lstStyle/>
-          <a:p>
-            <a:endParaRPr lang="it-IT" dirty="0"/>
-          </a:p>
-        </p:txBody>
-      </p:sp>
-      <p:sp>
-        <p:nvSpPr>
-          <p:cNvPr id="4" name="Segnaposto numero diapositiva 3"/>
-          <p:cNvSpPr>
-            <a:spLocks noGrp="1"/>
-          </p:cNvSpPr>
-          <p:nvPr>
-            <p:ph type="sldNum" sz="quarter" idx="5"/>
-          </p:nvPr>
-        </p:nvSpPr>
-        <p:spPr/>
-        <p:txBody>
-          <a:bodyPr/>
-          <a:lstStyle/>
-          <a:p>
-            <a:fld id="{FF92DD81-993C-4BCC-853B-80985FB43297}" type="slidenum">
-              <a:rPr lang="it-IT" smtClean="0"/>
-              <a:t>21</a:t>
             </a:fld>
             <a:endParaRPr lang="it-IT"/>
           </a:p>
@@ -2046,7 +1961,7 @@
     </p:spTree>
     <p:extLst>
       <p:ext uri="{BB962C8B-B14F-4D97-AF65-F5344CB8AC3E}">
-        <p14:creationId xmlns:p14="http://schemas.microsoft.com/office/powerpoint/2010/main" val="2749538"/>
+        <p14:creationId xmlns:p14="http://schemas.microsoft.com/office/powerpoint/2010/main" val="3250094183"/>
       </p:ext>
     </p:extLst>
   </p:cSld>
@@ -2130,7 +2045,7 @@
     </p:spTree>
     <p:extLst>
       <p:ext uri="{BB962C8B-B14F-4D97-AF65-F5344CB8AC3E}">
-        <p14:creationId xmlns:p14="http://schemas.microsoft.com/office/powerpoint/2010/main" val="3250094183"/>
+        <p14:creationId xmlns:p14="http://schemas.microsoft.com/office/powerpoint/2010/main" val="3743748567"/>
       </p:ext>
     </p:extLst>
   </p:cSld>
@@ -2214,7 +2129,7 @@
     </p:spTree>
     <p:extLst>
       <p:ext uri="{BB962C8B-B14F-4D97-AF65-F5344CB8AC3E}">
-        <p14:creationId xmlns:p14="http://schemas.microsoft.com/office/powerpoint/2010/main" val="3743748567"/>
+        <p14:creationId xmlns:p14="http://schemas.microsoft.com/office/powerpoint/2010/main" val="4201374120"/>
       </p:ext>
     </p:extLst>
   </p:cSld>
@@ -2298,7 +2213,7 @@
     </p:spTree>
     <p:extLst>
       <p:ext uri="{BB962C8B-B14F-4D97-AF65-F5344CB8AC3E}">
-        <p14:creationId xmlns:p14="http://schemas.microsoft.com/office/powerpoint/2010/main" val="4201374120"/>
+        <p14:creationId xmlns:p14="http://schemas.microsoft.com/office/powerpoint/2010/main" val="1140758566"/>
       </p:ext>
     </p:extLst>
   </p:cSld>
@@ -6133,1531 +6048,6 @@
                 </a:solidFill>
                 <a:latin typeface="Arial Black" panose="020B0A04020102020204" pitchFamily="34" charset="0"/>
               </a:rPr>
-              <a:t>Creazione del dataset</a:t>
-            </a:r>
-          </a:p>
-        </p:txBody>
-      </p:sp>
-      <p:sp>
-        <p:nvSpPr>
-          <p:cNvPr id="4" name="CasellaDiTesto 3">
-            <a:extLst>
-              <a:ext uri="{FF2B5EF4-FFF2-40B4-BE49-F238E27FC236}">
-                <a16:creationId xmlns:a16="http://schemas.microsoft.com/office/drawing/2014/main" id="{D26E8BE4-A41F-4C0F-993E-3044EEB4DBEB}"/>
-              </a:ext>
-            </a:extLst>
-          </p:cNvPr>
-          <p:cNvSpPr txBox="1"/>
-          <p:nvPr/>
-        </p:nvSpPr>
-        <p:spPr>
-          <a:xfrm>
-            <a:off x="-309833" y="631655"/>
-            <a:ext cx="12501833" cy="1477328"/>
-          </a:xfrm>
-          <a:prstGeom prst="rect">
-            <a:avLst/>
-          </a:prstGeom>
-          <a:noFill/>
-        </p:spPr>
-        <p:txBody>
-          <a:bodyPr wrap="square" rtlCol="0">
-            <a:spAutoFit/>
-          </a:bodyPr>
-          <a:lstStyle/>
-          <a:p>
-            <a:pPr marL="742950" lvl="1" indent="-285750" algn="just">
-              <a:buFont typeface="Arial" panose="020B0604020202020204" pitchFamily="34" charset="0"/>
-              <a:buChar char="•"/>
-              <a:defRPr/>
-            </a:pPr>
-            <a:r>
-              <a:rPr kumimoji="0" lang="it-IT" b="0" i="0" u="none" strike="noStrike" kern="1200" cap="none" spc="0" normalizeH="0" baseline="0" noProof="0" dirty="0">
-                <a:ln>
-                  <a:noFill/>
-                </a:ln>
-                <a:solidFill>
-                  <a:srgbClr val="002060"/>
-                </a:solidFill>
-                <a:effectLst/>
-                <a:uLnTx/>
-                <a:uFillTx/>
-                <a:latin typeface="Arial" panose="020B0604020202020204" pitchFamily="34" charset="0"/>
-                <a:ea typeface="+mn-ea"/>
-                <a:cs typeface="Arial" panose="020B0604020202020204" pitchFamily="34" charset="0"/>
-              </a:rPr>
-              <a:t>Le finestre temporali create, relative agli anni 2018/2019, saranno utilizzate per il training ed il testing dei vari classificatori, previa opportuna etichettatura. </a:t>
-            </a:r>
-          </a:p>
-          <a:p>
-            <a:pPr marL="742950" lvl="1" indent="-285750" algn="just">
-              <a:buFont typeface="Arial" panose="020B0604020202020204" pitchFamily="34" charset="0"/>
-              <a:buChar char="•"/>
-              <a:defRPr/>
-            </a:pPr>
-            <a:endParaRPr lang="it-IT" dirty="0">
-              <a:solidFill>
-                <a:srgbClr val="002060"/>
-              </a:solidFill>
-              <a:latin typeface="Arial" panose="020B0604020202020204" pitchFamily="34" charset="0"/>
-              <a:cs typeface="Arial" panose="020B0604020202020204" pitchFamily="34" charset="0"/>
-            </a:endParaRPr>
-          </a:p>
-          <a:p>
-            <a:pPr marL="742950" lvl="1" indent="-285750" algn="just">
-              <a:buFont typeface="Arial" panose="020B0604020202020204" pitchFamily="34" charset="0"/>
-              <a:buChar char="•"/>
-              <a:defRPr/>
-            </a:pPr>
-            <a:r>
-              <a:rPr kumimoji="0" lang="it-IT" b="0" i="0" u="none" strike="noStrike" kern="1200" cap="none" spc="0" normalizeH="0" baseline="0" noProof="0" dirty="0">
-                <a:ln>
-                  <a:noFill/>
-                </a:ln>
-                <a:solidFill>
-                  <a:srgbClr val="002060"/>
-                </a:solidFill>
-                <a:effectLst/>
-                <a:uLnTx/>
-                <a:uFillTx/>
-                <a:latin typeface="Arial" panose="020B0604020202020204" pitchFamily="34" charset="0"/>
-                <a:ea typeface="+mn-ea"/>
-                <a:cs typeface="Arial" panose="020B0604020202020204" pitchFamily="34" charset="0"/>
-              </a:rPr>
-              <a:t>L’insieme di immagini che costituiscono l’anno 2020, invece, ricever</a:t>
-            </a:r>
-            <a:r>
-              <a:rPr lang="it-IT" dirty="0">
-                <a:solidFill>
-                  <a:srgbClr val="002060"/>
-                </a:solidFill>
-                <a:latin typeface="Arial" panose="020B0604020202020204" pitchFamily="34" charset="0"/>
-                <a:cs typeface="Arial" panose="020B0604020202020204" pitchFamily="34" charset="0"/>
-              </a:rPr>
-              <a:t>à </a:t>
-            </a:r>
-            <a:r>
-              <a:rPr kumimoji="0" lang="it-IT" b="0" i="0" u="none" strike="noStrike" kern="1200" cap="none" spc="0" normalizeH="0" baseline="0" noProof="0" dirty="0">
-                <a:ln>
-                  <a:noFill/>
-                </a:ln>
-                <a:solidFill>
-                  <a:srgbClr val="002060"/>
-                </a:solidFill>
-                <a:effectLst/>
-                <a:uLnTx/>
-                <a:uFillTx/>
-                <a:latin typeface="Arial" panose="020B0604020202020204" pitchFamily="34" charset="0"/>
-                <a:ea typeface="+mn-ea"/>
-                <a:cs typeface="Arial" panose="020B0604020202020204" pitchFamily="34" charset="0"/>
-              </a:rPr>
-              <a:t>un responso sul loro andamento, tramite il miglior modello di classificazione ottenuto nella fase precedente.</a:t>
-            </a:r>
-          </a:p>
-        </p:txBody>
-      </p:sp>
-      <p:sp>
-        <p:nvSpPr>
-          <p:cNvPr id="6" name="AutoShape 4">
-            <a:extLst>
-              <a:ext uri="{FF2B5EF4-FFF2-40B4-BE49-F238E27FC236}">
-                <a16:creationId xmlns:a16="http://schemas.microsoft.com/office/drawing/2014/main" id="{939F08A7-A0A6-4924-917D-11A694AC3A16}"/>
-              </a:ext>
-            </a:extLst>
-          </p:cNvPr>
-          <p:cNvSpPr>
-            <a:spLocks noChangeAspect="1" noChangeArrowheads="1"/>
-          </p:cNvSpPr>
-          <p:nvPr/>
-        </p:nvSpPr>
-        <p:spPr bwMode="auto">
-          <a:xfrm>
-            <a:off x="5943600" y="3276600"/>
-            <a:ext cx="304800" cy="304800"/>
-          </a:xfrm>
-          <a:prstGeom prst="rect">
-            <a:avLst/>
-          </a:prstGeom>
-          <a:noFill/>
-          <a:extLst>
-            <a:ext uri="{909E8E84-426E-40DD-AFC4-6F175D3DCCD1}">
-              <a14:hiddenFill xmlns:a14="http://schemas.microsoft.com/office/drawing/2010/main">
-                <a:solidFill>
-                  <a:srgbClr val="FFFFFF"/>
-                </a:solidFill>
-              </a14:hiddenFill>
-            </a:ext>
-          </a:extLst>
-        </p:spPr>
-        <p:txBody>
-          <a:bodyPr vert="horz" wrap="square" lIns="91440" tIns="45720" rIns="91440" bIns="45720" numCol="1" anchor="t" anchorCtr="0" compatLnSpc="1">
-            <a:prstTxWarp prst="textNoShape">
-              <a:avLst/>
-            </a:prstTxWarp>
-          </a:bodyPr>
-          <a:lstStyle/>
-          <a:p>
-            <a:endParaRPr lang="it-IT"/>
-          </a:p>
-        </p:txBody>
-      </p:sp>
-      <p:pic>
-        <p:nvPicPr>
-          <p:cNvPr id="7" name="Immagine 6">
-            <a:extLst>
-              <a:ext uri="{FF2B5EF4-FFF2-40B4-BE49-F238E27FC236}">
-                <a16:creationId xmlns:a16="http://schemas.microsoft.com/office/drawing/2014/main" id="{9E0FA613-62A2-4D94-8DF6-3C5AF4119BCD}"/>
-              </a:ext>
-            </a:extLst>
-          </p:cNvPr>
-          <p:cNvPicPr>
-            <a:picLocks noChangeAspect="1"/>
-          </p:cNvPicPr>
-          <p:nvPr/>
-        </p:nvPicPr>
-        <p:blipFill>
-          <a:blip r:embed="rId3"/>
-          <a:stretch>
-            <a:fillRect/>
-          </a:stretch>
-        </p:blipFill>
-        <p:spPr>
-          <a:xfrm>
-            <a:off x="262648" y="2372352"/>
-            <a:ext cx="3619500" cy="733425"/>
-          </a:xfrm>
-          <a:prstGeom prst="rect">
-            <a:avLst/>
-          </a:prstGeom>
-        </p:spPr>
-      </p:pic>
-      <p:pic>
-        <p:nvPicPr>
-          <p:cNvPr id="8" name="Immagine 7">
-            <a:extLst>
-              <a:ext uri="{FF2B5EF4-FFF2-40B4-BE49-F238E27FC236}">
-                <a16:creationId xmlns:a16="http://schemas.microsoft.com/office/drawing/2014/main" id="{CAD82FB6-CFA2-4777-98B1-824A916C24AF}"/>
-              </a:ext>
-            </a:extLst>
-          </p:cNvPr>
-          <p:cNvPicPr>
-            <a:picLocks noChangeAspect="1"/>
-          </p:cNvPicPr>
-          <p:nvPr/>
-        </p:nvPicPr>
-        <p:blipFill>
-          <a:blip r:embed="rId4"/>
-          <a:stretch>
-            <a:fillRect/>
-          </a:stretch>
-        </p:blipFill>
-        <p:spPr>
-          <a:xfrm>
-            <a:off x="4098229" y="2114178"/>
-            <a:ext cx="3619500" cy="1133475"/>
-          </a:xfrm>
-          <a:prstGeom prst="rect">
-            <a:avLst/>
-          </a:prstGeom>
-        </p:spPr>
-      </p:pic>
-      <p:pic>
-        <p:nvPicPr>
-          <p:cNvPr id="9" name="Immagine 8">
-            <a:extLst>
-              <a:ext uri="{FF2B5EF4-FFF2-40B4-BE49-F238E27FC236}">
-                <a16:creationId xmlns:a16="http://schemas.microsoft.com/office/drawing/2014/main" id="{18C0C486-6146-471B-8461-9C741DCBD16A}"/>
-              </a:ext>
-            </a:extLst>
-          </p:cNvPr>
-          <p:cNvPicPr>
-            <a:picLocks noChangeAspect="1"/>
-          </p:cNvPicPr>
-          <p:nvPr/>
-        </p:nvPicPr>
-        <p:blipFill>
-          <a:blip r:embed="rId5"/>
-          <a:stretch>
-            <a:fillRect/>
-          </a:stretch>
-        </p:blipFill>
-        <p:spPr>
-          <a:xfrm>
-            <a:off x="8035922" y="1753684"/>
-            <a:ext cx="3619500" cy="1924050"/>
-          </a:xfrm>
-          <a:prstGeom prst="rect">
-            <a:avLst/>
-          </a:prstGeom>
-        </p:spPr>
-      </p:pic>
-      <p:pic>
-        <p:nvPicPr>
-          <p:cNvPr id="10" name="Immagine 9">
-            <a:extLst>
-              <a:ext uri="{FF2B5EF4-FFF2-40B4-BE49-F238E27FC236}">
-                <a16:creationId xmlns:a16="http://schemas.microsoft.com/office/drawing/2014/main" id="{D5A4B052-D88B-40E0-B818-4D396822F8BC}"/>
-              </a:ext>
-            </a:extLst>
-          </p:cNvPr>
-          <p:cNvPicPr>
-            <a:picLocks noChangeAspect="1"/>
-          </p:cNvPicPr>
-          <p:nvPr/>
-        </p:nvPicPr>
-        <p:blipFill>
-          <a:blip r:embed="rId6"/>
-          <a:stretch>
-            <a:fillRect/>
-          </a:stretch>
-        </p:blipFill>
-        <p:spPr>
-          <a:xfrm>
-            <a:off x="423431" y="3353116"/>
-            <a:ext cx="3143524" cy="3182016"/>
-          </a:xfrm>
-          <a:prstGeom prst="rect">
-            <a:avLst/>
-          </a:prstGeom>
-        </p:spPr>
-      </p:pic>
-      <p:pic>
-        <p:nvPicPr>
-          <p:cNvPr id="11" name="Immagine 10">
-            <a:extLst>
-              <a:ext uri="{FF2B5EF4-FFF2-40B4-BE49-F238E27FC236}">
-                <a16:creationId xmlns:a16="http://schemas.microsoft.com/office/drawing/2014/main" id="{9BACB603-4F78-4AC5-98B4-3F030781C44E}"/>
-              </a:ext>
-            </a:extLst>
-          </p:cNvPr>
-          <p:cNvPicPr>
-            <a:picLocks noChangeAspect="1"/>
-          </p:cNvPicPr>
-          <p:nvPr/>
-        </p:nvPicPr>
-        <p:blipFill>
-          <a:blip r:embed="rId7"/>
-          <a:stretch>
-            <a:fillRect/>
-          </a:stretch>
-        </p:blipFill>
-        <p:spPr>
-          <a:xfrm>
-            <a:off x="3530746" y="3412568"/>
-            <a:ext cx="2010880" cy="3063112"/>
-          </a:xfrm>
-          <a:prstGeom prst="rect">
-            <a:avLst/>
-          </a:prstGeom>
-        </p:spPr>
-      </p:pic>
-      <p:pic>
-        <p:nvPicPr>
-          <p:cNvPr id="12" name="Immagine 11">
-            <a:extLst>
-              <a:ext uri="{FF2B5EF4-FFF2-40B4-BE49-F238E27FC236}">
-                <a16:creationId xmlns:a16="http://schemas.microsoft.com/office/drawing/2014/main" id="{3948DCED-68C9-4A5B-8A27-A0E301602FFB}"/>
-              </a:ext>
-            </a:extLst>
-          </p:cNvPr>
-          <p:cNvPicPr>
-            <a:picLocks noChangeAspect="1"/>
-          </p:cNvPicPr>
-          <p:nvPr/>
-        </p:nvPicPr>
-        <p:blipFill>
-          <a:blip r:embed="rId8"/>
-          <a:stretch>
-            <a:fillRect/>
-          </a:stretch>
-        </p:blipFill>
-        <p:spPr>
-          <a:xfrm>
-            <a:off x="5652638" y="3468303"/>
-            <a:ext cx="1438799" cy="3063111"/>
-          </a:xfrm>
-          <a:prstGeom prst="rect">
-            <a:avLst/>
-          </a:prstGeom>
-        </p:spPr>
-      </p:pic>
-      <p:pic>
-        <p:nvPicPr>
-          <p:cNvPr id="13" name="Immagine 12">
-            <a:extLst>
-              <a:ext uri="{FF2B5EF4-FFF2-40B4-BE49-F238E27FC236}">
-                <a16:creationId xmlns:a16="http://schemas.microsoft.com/office/drawing/2014/main" id="{7A8EA81A-93EE-418B-92CB-64D6DDDC03A4}"/>
-              </a:ext>
-            </a:extLst>
-          </p:cNvPr>
-          <p:cNvPicPr>
-            <a:picLocks noChangeAspect="1"/>
-          </p:cNvPicPr>
-          <p:nvPr/>
-        </p:nvPicPr>
-        <p:blipFill>
-          <a:blip r:embed="rId9"/>
-          <a:stretch>
-            <a:fillRect/>
-          </a:stretch>
-        </p:blipFill>
-        <p:spPr>
-          <a:xfrm>
-            <a:off x="7296716" y="3808960"/>
-            <a:ext cx="1533292" cy="2646924"/>
-          </a:xfrm>
-          <a:prstGeom prst="rect">
-            <a:avLst/>
-          </a:prstGeom>
-        </p:spPr>
-      </p:pic>
-      <p:pic>
-        <p:nvPicPr>
-          <p:cNvPr id="14" name="Immagine 13">
-            <a:extLst>
-              <a:ext uri="{FF2B5EF4-FFF2-40B4-BE49-F238E27FC236}">
-                <a16:creationId xmlns:a16="http://schemas.microsoft.com/office/drawing/2014/main" id="{2CD75FE0-0DA3-497D-9869-A2FE7F182B4E}"/>
-              </a:ext>
-            </a:extLst>
-          </p:cNvPr>
-          <p:cNvPicPr>
-            <a:picLocks noChangeAspect="1"/>
-          </p:cNvPicPr>
-          <p:nvPr/>
-        </p:nvPicPr>
-        <p:blipFill>
-          <a:blip r:embed="rId10"/>
-          <a:stretch>
-            <a:fillRect/>
-          </a:stretch>
-        </p:blipFill>
-        <p:spPr>
-          <a:xfrm>
-            <a:off x="8929697" y="3866860"/>
-            <a:ext cx="1443452" cy="2531124"/>
-          </a:xfrm>
-          <a:prstGeom prst="rect">
-            <a:avLst/>
-          </a:prstGeom>
-        </p:spPr>
-      </p:pic>
-      <p:pic>
-        <p:nvPicPr>
-          <p:cNvPr id="15" name="Immagine 14">
-            <a:extLst>
-              <a:ext uri="{FF2B5EF4-FFF2-40B4-BE49-F238E27FC236}">
-                <a16:creationId xmlns:a16="http://schemas.microsoft.com/office/drawing/2014/main" id="{E8C6B4C0-8A6D-40A5-92C6-8188B384B9AD}"/>
-              </a:ext>
-            </a:extLst>
-          </p:cNvPr>
-          <p:cNvPicPr>
-            <a:picLocks noChangeAspect="1"/>
-          </p:cNvPicPr>
-          <p:nvPr/>
-        </p:nvPicPr>
-        <p:blipFill>
-          <a:blip r:embed="rId11"/>
-          <a:stretch>
-            <a:fillRect/>
-          </a:stretch>
-        </p:blipFill>
-        <p:spPr>
-          <a:xfrm>
-            <a:off x="10506034" y="3866860"/>
-            <a:ext cx="1443452" cy="2531124"/>
-          </a:xfrm>
-          <a:prstGeom prst="rect">
-            <a:avLst/>
-          </a:prstGeom>
-        </p:spPr>
-      </p:pic>
-      <p:sp>
-        <p:nvSpPr>
-          <p:cNvPr id="16" name="CasellaDiTesto 15">
-            <a:extLst>
-              <a:ext uri="{FF2B5EF4-FFF2-40B4-BE49-F238E27FC236}">
-                <a16:creationId xmlns:a16="http://schemas.microsoft.com/office/drawing/2014/main" id="{A6FE4455-FD88-46E8-98CA-82AEF96787F0}"/>
-              </a:ext>
-            </a:extLst>
-          </p:cNvPr>
-          <p:cNvSpPr txBox="1"/>
-          <p:nvPr/>
-        </p:nvSpPr>
-        <p:spPr>
-          <a:xfrm>
-            <a:off x="326255" y="2798904"/>
-            <a:ext cx="4357152" cy="800219"/>
-          </a:xfrm>
-          <a:prstGeom prst="rect">
-            <a:avLst/>
-          </a:prstGeom>
-          <a:noFill/>
-        </p:spPr>
-        <p:txBody>
-          <a:bodyPr wrap="square" rtlCol="0">
-            <a:spAutoFit/>
-          </a:bodyPr>
-          <a:lstStyle/>
-          <a:p>
-            <a:pPr lvl="1" algn="just">
-              <a:defRPr/>
-            </a:pPr>
-            <a:endParaRPr lang="it-IT" dirty="0">
-              <a:solidFill>
-                <a:srgbClr val="002060"/>
-              </a:solidFill>
-              <a:latin typeface="Arial" panose="020B0604020202020204" pitchFamily="34" charset="0"/>
-              <a:cs typeface="Arial" panose="020B0604020202020204" pitchFamily="34" charset="0"/>
-            </a:endParaRPr>
-          </a:p>
-          <a:p>
-            <a:pPr lvl="1" algn="just">
-              <a:defRPr/>
-            </a:pPr>
-            <a:r>
-              <a:rPr lang="it-IT" sz="1000" dirty="0">
-                <a:solidFill>
-                  <a:srgbClr val="002060"/>
-                </a:solidFill>
-                <a:latin typeface="Arial" panose="020B0604020202020204" pitchFamily="34" charset="0"/>
-                <a:cs typeface="Arial" panose="020B0604020202020204" pitchFamily="34" charset="0"/>
-              </a:rPr>
-              <a:t>Finestra settimanale anno 2018 con </a:t>
-            </a:r>
-            <a:r>
-              <a:rPr lang="it-IT" sz="1000" dirty="0" err="1">
-                <a:solidFill>
-                  <a:srgbClr val="002060"/>
-                </a:solidFill>
-                <a:latin typeface="Arial" panose="020B0604020202020204" pitchFamily="34" charset="0"/>
-                <a:cs typeface="Arial" panose="020B0604020202020204" pitchFamily="34" charset="0"/>
-              </a:rPr>
-              <a:t>KPIs</a:t>
-            </a:r>
-            <a:r>
-              <a:rPr lang="it-IT" sz="1000" dirty="0">
-                <a:solidFill>
-                  <a:srgbClr val="002060"/>
-                </a:solidFill>
-                <a:latin typeface="Arial" panose="020B0604020202020204" pitchFamily="34" charset="0"/>
-                <a:cs typeface="Arial" panose="020B0604020202020204" pitchFamily="34" charset="0"/>
-              </a:rPr>
-              <a:t> a 7gg</a:t>
-            </a:r>
-          </a:p>
-          <a:p>
-            <a:pPr marL="742950" lvl="1" indent="-285750" algn="just">
-              <a:buFont typeface="Arial" panose="020B0604020202020204" pitchFamily="34" charset="0"/>
-              <a:buChar char="•"/>
-              <a:defRPr/>
-            </a:pPr>
-            <a:endParaRPr kumimoji="0" lang="it-IT" b="0" i="0" u="none" strike="noStrike" kern="1200" cap="none" spc="0" normalizeH="0" baseline="0" noProof="0" dirty="0">
-              <a:ln>
-                <a:noFill/>
-              </a:ln>
-              <a:solidFill>
-                <a:srgbClr val="002060"/>
-              </a:solidFill>
-              <a:effectLst/>
-              <a:uLnTx/>
-              <a:uFillTx/>
-              <a:latin typeface="Arial" panose="020B0604020202020204" pitchFamily="34" charset="0"/>
-              <a:ea typeface="+mn-ea"/>
-              <a:cs typeface="Arial" panose="020B0604020202020204" pitchFamily="34" charset="0"/>
-            </a:endParaRPr>
-          </a:p>
-        </p:txBody>
-      </p:sp>
-      <p:sp>
-        <p:nvSpPr>
-          <p:cNvPr id="17" name="CasellaDiTesto 16">
-            <a:extLst>
-              <a:ext uri="{FF2B5EF4-FFF2-40B4-BE49-F238E27FC236}">
-                <a16:creationId xmlns:a16="http://schemas.microsoft.com/office/drawing/2014/main" id="{8663E9AB-0217-4AB9-96FF-4FEE228CCFFF}"/>
-              </a:ext>
-            </a:extLst>
-          </p:cNvPr>
-          <p:cNvSpPr txBox="1"/>
-          <p:nvPr/>
-        </p:nvSpPr>
-        <p:spPr>
-          <a:xfrm>
-            <a:off x="4228327" y="2925634"/>
-            <a:ext cx="4357152" cy="800219"/>
-          </a:xfrm>
-          <a:prstGeom prst="rect">
-            <a:avLst/>
-          </a:prstGeom>
-          <a:noFill/>
-        </p:spPr>
-        <p:txBody>
-          <a:bodyPr wrap="square" rtlCol="0">
-            <a:spAutoFit/>
-          </a:bodyPr>
-          <a:lstStyle/>
-          <a:p>
-            <a:pPr lvl="1" algn="just">
-              <a:defRPr/>
-            </a:pPr>
-            <a:endParaRPr lang="it-IT" dirty="0">
-              <a:solidFill>
-                <a:srgbClr val="002060"/>
-              </a:solidFill>
-              <a:latin typeface="Arial" panose="020B0604020202020204" pitchFamily="34" charset="0"/>
-              <a:cs typeface="Arial" panose="020B0604020202020204" pitchFamily="34" charset="0"/>
-            </a:endParaRPr>
-          </a:p>
-          <a:p>
-            <a:pPr lvl="1" algn="just">
-              <a:defRPr/>
-            </a:pPr>
-            <a:r>
-              <a:rPr lang="it-IT" sz="1000" dirty="0">
-                <a:solidFill>
-                  <a:srgbClr val="002060"/>
-                </a:solidFill>
-                <a:latin typeface="Arial" panose="020B0604020202020204" pitchFamily="34" charset="0"/>
-                <a:cs typeface="Arial" panose="020B0604020202020204" pitchFamily="34" charset="0"/>
-              </a:rPr>
-              <a:t>Finestra bisettimanale anno 2018 con </a:t>
-            </a:r>
-            <a:r>
-              <a:rPr lang="it-IT" sz="1000" dirty="0" err="1">
-                <a:solidFill>
-                  <a:srgbClr val="002060"/>
-                </a:solidFill>
-                <a:latin typeface="Arial" panose="020B0604020202020204" pitchFamily="34" charset="0"/>
-                <a:cs typeface="Arial" panose="020B0604020202020204" pitchFamily="34" charset="0"/>
-              </a:rPr>
-              <a:t>KPIs</a:t>
-            </a:r>
-            <a:r>
-              <a:rPr lang="it-IT" sz="1000" dirty="0">
-                <a:solidFill>
-                  <a:srgbClr val="002060"/>
-                </a:solidFill>
-                <a:latin typeface="Arial" panose="020B0604020202020204" pitchFamily="34" charset="0"/>
-                <a:cs typeface="Arial" panose="020B0604020202020204" pitchFamily="34" charset="0"/>
-              </a:rPr>
-              <a:t> a 7gg</a:t>
-            </a:r>
-          </a:p>
-          <a:p>
-            <a:pPr marL="742950" lvl="1" indent="-285750" algn="just">
-              <a:buFont typeface="Arial" panose="020B0604020202020204" pitchFamily="34" charset="0"/>
-              <a:buChar char="•"/>
-              <a:defRPr/>
-            </a:pPr>
-            <a:endParaRPr kumimoji="0" lang="it-IT" b="0" i="0" u="none" strike="noStrike" kern="1200" cap="none" spc="0" normalizeH="0" baseline="0" noProof="0" dirty="0">
-              <a:ln>
-                <a:noFill/>
-              </a:ln>
-              <a:solidFill>
-                <a:srgbClr val="002060"/>
-              </a:solidFill>
-              <a:effectLst/>
-              <a:uLnTx/>
-              <a:uFillTx/>
-              <a:latin typeface="Arial" panose="020B0604020202020204" pitchFamily="34" charset="0"/>
-              <a:ea typeface="+mn-ea"/>
-              <a:cs typeface="Arial" panose="020B0604020202020204" pitchFamily="34" charset="0"/>
-            </a:endParaRPr>
-          </a:p>
-        </p:txBody>
-      </p:sp>
-      <p:sp>
-        <p:nvSpPr>
-          <p:cNvPr id="18" name="CasellaDiTesto 17">
-            <a:extLst>
-              <a:ext uri="{FF2B5EF4-FFF2-40B4-BE49-F238E27FC236}">
-                <a16:creationId xmlns:a16="http://schemas.microsoft.com/office/drawing/2014/main" id="{8B9D2EE1-CEF7-49AC-B593-0895908FC2A5}"/>
-              </a:ext>
-            </a:extLst>
-          </p:cNvPr>
-          <p:cNvSpPr txBox="1"/>
-          <p:nvPr/>
-        </p:nvSpPr>
-        <p:spPr>
-          <a:xfrm>
-            <a:off x="8235300" y="3277624"/>
-            <a:ext cx="3533269" cy="800219"/>
-          </a:xfrm>
-          <a:prstGeom prst="rect">
-            <a:avLst/>
-          </a:prstGeom>
-          <a:noFill/>
-        </p:spPr>
-        <p:txBody>
-          <a:bodyPr wrap="square" rtlCol="0">
-            <a:spAutoFit/>
-          </a:bodyPr>
-          <a:lstStyle/>
-          <a:p>
-            <a:pPr lvl="1" algn="just">
-              <a:defRPr/>
-            </a:pPr>
-            <a:endParaRPr lang="it-IT" dirty="0">
-              <a:solidFill>
-                <a:srgbClr val="002060"/>
-              </a:solidFill>
-              <a:latin typeface="Arial" panose="020B0604020202020204" pitchFamily="34" charset="0"/>
-              <a:cs typeface="Arial" panose="020B0604020202020204" pitchFamily="34" charset="0"/>
-            </a:endParaRPr>
-          </a:p>
-          <a:p>
-            <a:pPr lvl="1" algn="just">
-              <a:defRPr/>
-            </a:pPr>
-            <a:r>
-              <a:rPr lang="it-IT" sz="1000" dirty="0">
-                <a:solidFill>
-                  <a:srgbClr val="002060"/>
-                </a:solidFill>
-                <a:latin typeface="Arial" panose="020B0604020202020204" pitchFamily="34" charset="0"/>
-                <a:cs typeface="Arial" panose="020B0604020202020204" pitchFamily="34" charset="0"/>
-              </a:rPr>
-              <a:t>Finestra mensile anno 2018 con </a:t>
-            </a:r>
-            <a:r>
-              <a:rPr lang="it-IT" sz="1000" dirty="0" err="1">
-                <a:solidFill>
-                  <a:srgbClr val="002060"/>
-                </a:solidFill>
-                <a:latin typeface="Arial" panose="020B0604020202020204" pitchFamily="34" charset="0"/>
-                <a:cs typeface="Arial" panose="020B0604020202020204" pitchFamily="34" charset="0"/>
-              </a:rPr>
-              <a:t>KPIs</a:t>
-            </a:r>
-            <a:r>
-              <a:rPr lang="it-IT" sz="1000" dirty="0">
-                <a:solidFill>
-                  <a:srgbClr val="002060"/>
-                </a:solidFill>
-                <a:latin typeface="Arial" panose="020B0604020202020204" pitchFamily="34" charset="0"/>
-                <a:cs typeface="Arial" panose="020B0604020202020204" pitchFamily="34" charset="0"/>
-              </a:rPr>
-              <a:t> a 7gg</a:t>
-            </a:r>
-          </a:p>
-          <a:p>
-            <a:pPr marL="742950" lvl="1" indent="-285750" algn="just">
-              <a:buFont typeface="Arial" panose="020B0604020202020204" pitchFamily="34" charset="0"/>
-              <a:buChar char="•"/>
-              <a:defRPr/>
-            </a:pPr>
-            <a:endParaRPr kumimoji="0" lang="it-IT" b="0" i="0" u="none" strike="noStrike" kern="1200" cap="none" spc="0" normalizeH="0" baseline="0" noProof="0" dirty="0">
-              <a:ln>
-                <a:noFill/>
-              </a:ln>
-              <a:solidFill>
-                <a:srgbClr val="002060"/>
-              </a:solidFill>
-              <a:effectLst/>
-              <a:uLnTx/>
-              <a:uFillTx/>
-              <a:latin typeface="Arial" panose="020B0604020202020204" pitchFamily="34" charset="0"/>
-              <a:ea typeface="+mn-ea"/>
-              <a:cs typeface="Arial" panose="020B0604020202020204" pitchFamily="34" charset="0"/>
-            </a:endParaRPr>
-          </a:p>
-        </p:txBody>
-      </p:sp>
-      <p:sp>
-        <p:nvSpPr>
-          <p:cNvPr id="19" name="CasellaDiTesto 18">
-            <a:extLst>
-              <a:ext uri="{FF2B5EF4-FFF2-40B4-BE49-F238E27FC236}">
-                <a16:creationId xmlns:a16="http://schemas.microsoft.com/office/drawing/2014/main" id="{5E23CBB7-4DC6-4114-9A14-AE5C8EC560CE}"/>
-              </a:ext>
-            </a:extLst>
-          </p:cNvPr>
-          <p:cNvSpPr txBox="1"/>
-          <p:nvPr/>
-        </p:nvSpPr>
-        <p:spPr>
-          <a:xfrm>
-            <a:off x="34028" y="6133971"/>
-            <a:ext cx="3385706" cy="800219"/>
-          </a:xfrm>
-          <a:prstGeom prst="rect">
-            <a:avLst/>
-          </a:prstGeom>
-          <a:noFill/>
-        </p:spPr>
-        <p:txBody>
-          <a:bodyPr wrap="square" rtlCol="0">
-            <a:spAutoFit/>
-          </a:bodyPr>
-          <a:lstStyle/>
-          <a:p>
-            <a:pPr lvl="1" algn="just">
-              <a:defRPr/>
-            </a:pPr>
-            <a:endParaRPr lang="it-IT" dirty="0">
-              <a:solidFill>
-                <a:srgbClr val="002060"/>
-              </a:solidFill>
-              <a:latin typeface="Arial" panose="020B0604020202020204" pitchFamily="34" charset="0"/>
-              <a:cs typeface="Arial" panose="020B0604020202020204" pitchFamily="34" charset="0"/>
-            </a:endParaRPr>
-          </a:p>
-          <a:p>
-            <a:pPr lvl="1" algn="just">
-              <a:defRPr/>
-            </a:pPr>
-            <a:r>
-              <a:rPr lang="it-IT" sz="1000" dirty="0">
-                <a:solidFill>
-                  <a:srgbClr val="002060"/>
-                </a:solidFill>
-                <a:latin typeface="Arial" panose="020B0604020202020204" pitchFamily="34" charset="0"/>
-                <a:cs typeface="Arial" panose="020B0604020202020204" pitchFamily="34" charset="0"/>
-              </a:rPr>
-              <a:t>Finestra bimestrale anno 2018 con </a:t>
-            </a:r>
-            <a:r>
-              <a:rPr lang="it-IT" sz="1000" dirty="0" err="1">
-                <a:solidFill>
-                  <a:srgbClr val="002060"/>
-                </a:solidFill>
-                <a:latin typeface="Arial" panose="020B0604020202020204" pitchFamily="34" charset="0"/>
-                <a:cs typeface="Arial" panose="020B0604020202020204" pitchFamily="34" charset="0"/>
-              </a:rPr>
-              <a:t>KPIs</a:t>
-            </a:r>
-            <a:r>
-              <a:rPr lang="it-IT" sz="1000" dirty="0">
-                <a:solidFill>
-                  <a:srgbClr val="002060"/>
-                </a:solidFill>
-                <a:latin typeface="Arial" panose="020B0604020202020204" pitchFamily="34" charset="0"/>
-                <a:cs typeface="Arial" panose="020B0604020202020204" pitchFamily="34" charset="0"/>
-              </a:rPr>
-              <a:t> a 7gg</a:t>
-            </a:r>
-          </a:p>
-          <a:p>
-            <a:pPr marL="742950" lvl="1" indent="-285750" algn="just">
-              <a:buFont typeface="Arial" panose="020B0604020202020204" pitchFamily="34" charset="0"/>
-              <a:buChar char="•"/>
-              <a:defRPr/>
-            </a:pPr>
-            <a:endParaRPr kumimoji="0" lang="it-IT" b="0" i="0" u="none" strike="noStrike" kern="1200" cap="none" spc="0" normalizeH="0" baseline="0" noProof="0" dirty="0">
-              <a:ln>
-                <a:noFill/>
-              </a:ln>
-              <a:solidFill>
-                <a:srgbClr val="002060"/>
-              </a:solidFill>
-              <a:effectLst/>
-              <a:uLnTx/>
-              <a:uFillTx/>
-              <a:latin typeface="Arial" panose="020B0604020202020204" pitchFamily="34" charset="0"/>
-              <a:ea typeface="+mn-ea"/>
-              <a:cs typeface="Arial" panose="020B0604020202020204" pitchFamily="34" charset="0"/>
-            </a:endParaRPr>
-          </a:p>
-        </p:txBody>
-      </p:sp>
-      <p:sp>
-        <p:nvSpPr>
-          <p:cNvPr id="20" name="CasellaDiTesto 19">
-            <a:extLst>
-              <a:ext uri="{FF2B5EF4-FFF2-40B4-BE49-F238E27FC236}">
-                <a16:creationId xmlns:a16="http://schemas.microsoft.com/office/drawing/2014/main" id="{C6904BB3-35E7-455D-9B10-216A84B95A49}"/>
-              </a:ext>
-            </a:extLst>
-          </p:cNvPr>
-          <p:cNvSpPr txBox="1"/>
-          <p:nvPr/>
-        </p:nvSpPr>
-        <p:spPr>
-          <a:xfrm>
-            <a:off x="3269213" y="6109962"/>
-            <a:ext cx="2383425" cy="954107"/>
-          </a:xfrm>
-          <a:prstGeom prst="rect">
-            <a:avLst/>
-          </a:prstGeom>
-          <a:noFill/>
-        </p:spPr>
-        <p:txBody>
-          <a:bodyPr wrap="square" rtlCol="0">
-            <a:spAutoFit/>
-          </a:bodyPr>
-          <a:lstStyle/>
-          <a:p>
-            <a:pPr lvl="1" algn="just">
-              <a:defRPr/>
-            </a:pPr>
-            <a:endParaRPr lang="it-IT" dirty="0">
-              <a:solidFill>
-                <a:srgbClr val="002060"/>
-              </a:solidFill>
-              <a:latin typeface="Arial" panose="020B0604020202020204" pitchFamily="34" charset="0"/>
-              <a:cs typeface="Arial" panose="020B0604020202020204" pitchFamily="34" charset="0"/>
-            </a:endParaRPr>
-          </a:p>
-          <a:p>
-            <a:pPr lvl="1" algn="just">
-              <a:defRPr/>
-            </a:pPr>
-            <a:r>
-              <a:rPr lang="it-IT" sz="1000" dirty="0">
-                <a:solidFill>
-                  <a:srgbClr val="002060"/>
-                </a:solidFill>
-                <a:latin typeface="Arial" panose="020B0604020202020204" pitchFamily="34" charset="0"/>
-                <a:cs typeface="Arial" panose="020B0604020202020204" pitchFamily="34" charset="0"/>
-              </a:rPr>
-              <a:t>Finestra trimestrale anno 2018 </a:t>
-            </a:r>
-          </a:p>
-          <a:p>
-            <a:pPr lvl="1" algn="just">
-              <a:defRPr/>
-            </a:pPr>
-            <a:r>
-              <a:rPr lang="it-IT" sz="1000" dirty="0">
-                <a:solidFill>
-                  <a:srgbClr val="002060"/>
-                </a:solidFill>
-                <a:latin typeface="Arial" panose="020B0604020202020204" pitchFamily="34" charset="0"/>
-                <a:cs typeface="Arial" panose="020B0604020202020204" pitchFamily="34" charset="0"/>
-              </a:rPr>
-              <a:t>con </a:t>
-            </a:r>
-            <a:r>
-              <a:rPr lang="it-IT" sz="1000" dirty="0" err="1">
-                <a:solidFill>
-                  <a:srgbClr val="002060"/>
-                </a:solidFill>
-                <a:latin typeface="Arial" panose="020B0604020202020204" pitchFamily="34" charset="0"/>
-                <a:cs typeface="Arial" panose="020B0604020202020204" pitchFamily="34" charset="0"/>
-              </a:rPr>
-              <a:t>KPIs</a:t>
-            </a:r>
-            <a:r>
-              <a:rPr lang="it-IT" sz="1000" dirty="0">
-                <a:solidFill>
-                  <a:srgbClr val="002060"/>
-                </a:solidFill>
-                <a:latin typeface="Arial" panose="020B0604020202020204" pitchFamily="34" charset="0"/>
-                <a:cs typeface="Arial" panose="020B0604020202020204" pitchFamily="34" charset="0"/>
-              </a:rPr>
-              <a:t> a 7gg</a:t>
-            </a:r>
-          </a:p>
-          <a:p>
-            <a:pPr marL="742950" lvl="1" indent="-285750" algn="just">
-              <a:buFont typeface="Arial" panose="020B0604020202020204" pitchFamily="34" charset="0"/>
-              <a:buChar char="•"/>
-              <a:defRPr/>
-            </a:pPr>
-            <a:endParaRPr kumimoji="0" lang="it-IT" b="0" i="0" u="none" strike="noStrike" kern="1200" cap="none" spc="0" normalizeH="0" baseline="0" noProof="0" dirty="0">
-              <a:ln>
-                <a:noFill/>
-              </a:ln>
-              <a:solidFill>
-                <a:srgbClr val="002060"/>
-              </a:solidFill>
-              <a:effectLst/>
-              <a:uLnTx/>
-              <a:uFillTx/>
-              <a:latin typeface="Arial" panose="020B0604020202020204" pitchFamily="34" charset="0"/>
-              <a:ea typeface="+mn-ea"/>
-              <a:cs typeface="Arial" panose="020B0604020202020204" pitchFamily="34" charset="0"/>
-            </a:endParaRPr>
-          </a:p>
-        </p:txBody>
-      </p:sp>
-      <p:sp>
-        <p:nvSpPr>
-          <p:cNvPr id="21" name="CasellaDiTesto 20">
-            <a:extLst>
-              <a:ext uri="{FF2B5EF4-FFF2-40B4-BE49-F238E27FC236}">
-                <a16:creationId xmlns:a16="http://schemas.microsoft.com/office/drawing/2014/main" id="{1C4CF24E-5666-4CD3-81C1-20F17EF97F47}"/>
-              </a:ext>
-            </a:extLst>
-          </p:cNvPr>
-          <p:cNvSpPr txBox="1"/>
-          <p:nvPr/>
-        </p:nvSpPr>
-        <p:spPr>
-          <a:xfrm>
-            <a:off x="5258572" y="6086597"/>
-            <a:ext cx="1933623" cy="1107996"/>
-          </a:xfrm>
-          <a:prstGeom prst="rect">
-            <a:avLst/>
-          </a:prstGeom>
-          <a:noFill/>
-        </p:spPr>
-        <p:txBody>
-          <a:bodyPr wrap="square" rtlCol="0">
-            <a:spAutoFit/>
-          </a:bodyPr>
-          <a:lstStyle/>
-          <a:p>
-            <a:pPr lvl="1" algn="just">
-              <a:defRPr/>
-            </a:pPr>
-            <a:endParaRPr lang="it-IT" dirty="0">
-              <a:solidFill>
-                <a:srgbClr val="002060"/>
-              </a:solidFill>
-              <a:latin typeface="Arial" panose="020B0604020202020204" pitchFamily="34" charset="0"/>
-              <a:cs typeface="Arial" panose="020B0604020202020204" pitchFamily="34" charset="0"/>
-            </a:endParaRPr>
-          </a:p>
-          <a:p>
-            <a:pPr lvl="1" algn="just">
-              <a:defRPr/>
-            </a:pPr>
-            <a:r>
-              <a:rPr lang="it-IT" sz="1000" dirty="0">
-                <a:solidFill>
-                  <a:srgbClr val="002060"/>
-                </a:solidFill>
-                <a:latin typeface="Arial" panose="020B0604020202020204" pitchFamily="34" charset="0"/>
-                <a:cs typeface="Arial" panose="020B0604020202020204" pitchFamily="34" charset="0"/>
-              </a:rPr>
-              <a:t>Finestra quadrimestre anno 2018  con </a:t>
-            </a:r>
-            <a:r>
-              <a:rPr lang="it-IT" sz="1000" dirty="0" err="1">
-                <a:solidFill>
-                  <a:srgbClr val="002060"/>
-                </a:solidFill>
-                <a:latin typeface="Arial" panose="020B0604020202020204" pitchFamily="34" charset="0"/>
-                <a:cs typeface="Arial" panose="020B0604020202020204" pitchFamily="34" charset="0"/>
-              </a:rPr>
-              <a:t>KPIs</a:t>
-            </a:r>
-            <a:r>
-              <a:rPr lang="it-IT" sz="1000" dirty="0">
-                <a:solidFill>
-                  <a:srgbClr val="002060"/>
-                </a:solidFill>
-                <a:latin typeface="Arial" panose="020B0604020202020204" pitchFamily="34" charset="0"/>
-                <a:cs typeface="Arial" panose="020B0604020202020204" pitchFamily="34" charset="0"/>
-              </a:rPr>
-              <a:t> a 7gg</a:t>
-            </a:r>
-          </a:p>
-          <a:p>
-            <a:pPr marL="742950" lvl="1" indent="-285750" algn="just">
-              <a:buFont typeface="Arial" panose="020B0604020202020204" pitchFamily="34" charset="0"/>
-              <a:buChar char="•"/>
-              <a:defRPr/>
-            </a:pPr>
-            <a:endParaRPr kumimoji="0" lang="it-IT" b="0" i="0" u="none" strike="noStrike" kern="1200" cap="none" spc="0" normalizeH="0" baseline="0" noProof="0" dirty="0">
-              <a:ln>
-                <a:noFill/>
-              </a:ln>
-              <a:solidFill>
-                <a:srgbClr val="002060"/>
-              </a:solidFill>
-              <a:effectLst/>
-              <a:uLnTx/>
-              <a:uFillTx/>
-              <a:latin typeface="Arial" panose="020B0604020202020204" pitchFamily="34" charset="0"/>
-              <a:ea typeface="+mn-ea"/>
-              <a:cs typeface="Arial" panose="020B0604020202020204" pitchFamily="34" charset="0"/>
-            </a:endParaRPr>
-          </a:p>
-        </p:txBody>
-      </p:sp>
-      <p:sp>
-        <p:nvSpPr>
-          <p:cNvPr id="22" name="CasellaDiTesto 21">
-            <a:extLst>
-              <a:ext uri="{FF2B5EF4-FFF2-40B4-BE49-F238E27FC236}">
-                <a16:creationId xmlns:a16="http://schemas.microsoft.com/office/drawing/2014/main" id="{8E272BF7-904C-4307-9ADB-666F07AFED9B}"/>
-              </a:ext>
-            </a:extLst>
-          </p:cNvPr>
-          <p:cNvSpPr txBox="1"/>
-          <p:nvPr/>
-        </p:nvSpPr>
-        <p:spPr>
-          <a:xfrm>
-            <a:off x="7125437" y="6033017"/>
-            <a:ext cx="2383425" cy="1107996"/>
-          </a:xfrm>
-          <a:prstGeom prst="rect">
-            <a:avLst/>
-          </a:prstGeom>
-          <a:noFill/>
-        </p:spPr>
-        <p:txBody>
-          <a:bodyPr wrap="square" rtlCol="0">
-            <a:spAutoFit/>
-          </a:bodyPr>
-          <a:lstStyle/>
-          <a:p>
-            <a:pPr lvl="1" algn="just">
-              <a:defRPr/>
-            </a:pPr>
-            <a:endParaRPr lang="it-IT" dirty="0">
-              <a:solidFill>
-                <a:srgbClr val="002060"/>
-              </a:solidFill>
-              <a:latin typeface="Arial" panose="020B0604020202020204" pitchFamily="34" charset="0"/>
-              <a:cs typeface="Arial" panose="020B0604020202020204" pitchFamily="34" charset="0"/>
-            </a:endParaRPr>
-          </a:p>
-          <a:p>
-            <a:pPr lvl="1" algn="just">
-              <a:defRPr/>
-            </a:pPr>
-            <a:r>
-              <a:rPr lang="it-IT" sz="1000" dirty="0">
-                <a:solidFill>
-                  <a:srgbClr val="002060"/>
-                </a:solidFill>
-                <a:latin typeface="Arial" panose="020B0604020202020204" pitchFamily="34" charset="0"/>
-                <a:cs typeface="Arial" panose="020B0604020202020204" pitchFamily="34" charset="0"/>
-              </a:rPr>
-              <a:t>Finestra semestre</a:t>
-            </a:r>
-          </a:p>
-          <a:p>
-            <a:pPr lvl="1" algn="just">
-              <a:defRPr/>
-            </a:pPr>
-            <a:r>
-              <a:rPr lang="it-IT" sz="1000" dirty="0">
-                <a:solidFill>
-                  <a:srgbClr val="002060"/>
-                </a:solidFill>
-                <a:latin typeface="Arial" panose="020B0604020202020204" pitchFamily="34" charset="0"/>
-                <a:cs typeface="Arial" panose="020B0604020202020204" pitchFamily="34" charset="0"/>
-              </a:rPr>
-              <a:t>anno 2018 </a:t>
-            </a:r>
-          </a:p>
-          <a:p>
-            <a:pPr lvl="1" algn="just">
-              <a:defRPr/>
-            </a:pPr>
-            <a:r>
-              <a:rPr lang="it-IT" sz="1000" dirty="0">
-                <a:solidFill>
-                  <a:srgbClr val="002060"/>
-                </a:solidFill>
-                <a:latin typeface="Arial" panose="020B0604020202020204" pitchFamily="34" charset="0"/>
-                <a:cs typeface="Arial" panose="020B0604020202020204" pitchFamily="34" charset="0"/>
-              </a:rPr>
-              <a:t>con </a:t>
-            </a:r>
-            <a:r>
-              <a:rPr lang="it-IT" sz="1000" dirty="0" err="1">
-                <a:solidFill>
-                  <a:srgbClr val="002060"/>
-                </a:solidFill>
-                <a:latin typeface="Arial" panose="020B0604020202020204" pitchFamily="34" charset="0"/>
-                <a:cs typeface="Arial" panose="020B0604020202020204" pitchFamily="34" charset="0"/>
-              </a:rPr>
-              <a:t>KPIs</a:t>
-            </a:r>
-            <a:r>
-              <a:rPr lang="it-IT" sz="1000" dirty="0">
-                <a:solidFill>
-                  <a:srgbClr val="002060"/>
-                </a:solidFill>
-                <a:latin typeface="Arial" panose="020B0604020202020204" pitchFamily="34" charset="0"/>
-                <a:cs typeface="Arial" panose="020B0604020202020204" pitchFamily="34" charset="0"/>
-              </a:rPr>
-              <a:t> a 7gg</a:t>
-            </a:r>
-          </a:p>
-          <a:p>
-            <a:pPr marL="742950" lvl="1" indent="-285750" algn="just">
-              <a:buFont typeface="Arial" panose="020B0604020202020204" pitchFamily="34" charset="0"/>
-              <a:buChar char="•"/>
-              <a:defRPr/>
-            </a:pPr>
-            <a:endParaRPr kumimoji="0" lang="it-IT" b="0" i="0" u="none" strike="noStrike" kern="1200" cap="none" spc="0" normalizeH="0" baseline="0" noProof="0" dirty="0">
-              <a:ln>
-                <a:noFill/>
-              </a:ln>
-              <a:solidFill>
-                <a:srgbClr val="002060"/>
-              </a:solidFill>
-              <a:effectLst/>
-              <a:uLnTx/>
-              <a:uFillTx/>
-              <a:latin typeface="Arial" panose="020B0604020202020204" pitchFamily="34" charset="0"/>
-              <a:ea typeface="+mn-ea"/>
-              <a:cs typeface="Arial" panose="020B0604020202020204" pitchFamily="34" charset="0"/>
-            </a:endParaRPr>
-          </a:p>
-        </p:txBody>
-      </p:sp>
-      <p:sp>
-        <p:nvSpPr>
-          <p:cNvPr id="23" name="CasellaDiTesto 22">
-            <a:extLst>
-              <a:ext uri="{FF2B5EF4-FFF2-40B4-BE49-F238E27FC236}">
-                <a16:creationId xmlns:a16="http://schemas.microsoft.com/office/drawing/2014/main" id="{F6D10BCC-0B1F-4297-9FD3-240AFB00A1F3}"/>
-              </a:ext>
-            </a:extLst>
-          </p:cNvPr>
-          <p:cNvSpPr txBox="1"/>
-          <p:nvPr/>
-        </p:nvSpPr>
-        <p:spPr>
-          <a:xfrm>
-            <a:off x="8704614" y="6017360"/>
-            <a:ext cx="1801420" cy="1107996"/>
-          </a:xfrm>
-          <a:prstGeom prst="rect">
-            <a:avLst/>
-          </a:prstGeom>
-          <a:noFill/>
-        </p:spPr>
-        <p:txBody>
-          <a:bodyPr wrap="square" rtlCol="0">
-            <a:spAutoFit/>
-          </a:bodyPr>
-          <a:lstStyle/>
-          <a:p>
-            <a:pPr lvl="1" algn="just">
-              <a:defRPr/>
-            </a:pPr>
-            <a:endParaRPr lang="it-IT" dirty="0">
-              <a:solidFill>
-                <a:srgbClr val="002060"/>
-              </a:solidFill>
-              <a:latin typeface="Arial" panose="020B0604020202020204" pitchFamily="34" charset="0"/>
-              <a:cs typeface="Arial" panose="020B0604020202020204" pitchFamily="34" charset="0"/>
-            </a:endParaRPr>
-          </a:p>
-          <a:p>
-            <a:pPr lvl="1" algn="just">
-              <a:defRPr/>
-            </a:pPr>
-            <a:r>
-              <a:rPr lang="it-IT" sz="1000" dirty="0">
-                <a:solidFill>
-                  <a:srgbClr val="002060"/>
-                </a:solidFill>
-                <a:latin typeface="Arial" panose="020B0604020202020204" pitchFamily="34" charset="0"/>
-                <a:cs typeface="Arial" panose="020B0604020202020204" pitchFamily="34" charset="0"/>
-              </a:rPr>
-              <a:t>Finestra </a:t>
-            </a:r>
-            <a:r>
-              <a:rPr lang="it-IT" sz="1000" dirty="0" err="1">
-                <a:solidFill>
-                  <a:srgbClr val="002060"/>
-                </a:solidFill>
-                <a:latin typeface="Arial" panose="020B0604020202020204" pitchFamily="34" charset="0"/>
-                <a:cs typeface="Arial" panose="020B0604020202020204" pitchFamily="34" charset="0"/>
-              </a:rPr>
-              <a:t>nonimestre</a:t>
-            </a:r>
-            <a:r>
-              <a:rPr lang="it-IT" sz="1000" dirty="0">
-                <a:solidFill>
-                  <a:srgbClr val="002060"/>
-                </a:solidFill>
-                <a:latin typeface="Arial" panose="020B0604020202020204" pitchFamily="34" charset="0"/>
-                <a:cs typeface="Arial" panose="020B0604020202020204" pitchFamily="34" charset="0"/>
-              </a:rPr>
-              <a:t> anno 2018 </a:t>
-            </a:r>
-          </a:p>
-          <a:p>
-            <a:pPr lvl="1" algn="just">
-              <a:defRPr/>
-            </a:pPr>
-            <a:r>
-              <a:rPr lang="it-IT" sz="1000" dirty="0">
-                <a:solidFill>
-                  <a:srgbClr val="002060"/>
-                </a:solidFill>
-                <a:latin typeface="Arial" panose="020B0604020202020204" pitchFamily="34" charset="0"/>
-                <a:cs typeface="Arial" panose="020B0604020202020204" pitchFamily="34" charset="0"/>
-              </a:rPr>
-              <a:t>con </a:t>
-            </a:r>
-            <a:r>
-              <a:rPr lang="it-IT" sz="1000" dirty="0" err="1">
-                <a:solidFill>
-                  <a:srgbClr val="002060"/>
-                </a:solidFill>
-                <a:latin typeface="Arial" panose="020B0604020202020204" pitchFamily="34" charset="0"/>
-                <a:cs typeface="Arial" panose="020B0604020202020204" pitchFamily="34" charset="0"/>
-              </a:rPr>
-              <a:t>KPIs</a:t>
-            </a:r>
-            <a:r>
-              <a:rPr lang="it-IT" sz="1000" dirty="0">
-                <a:solidFill>
-                  <a:srgbClr val="002060"/>
-                </a:solidFill>
-                <a:latin typeface="Arial" panose="020B0604020202020204" pitchFamily="34" charset="0"/>
-                <a:cs typeface="Arial" panose="020B0604020202020204" pitchFamily="34" charset="0"/>
-              </a:rPr>
-              <a:t> a 7gg</a:t>
-            </a:r>
-          </a:p>
-          <a:p>
-            <a:pPr marL="742950" lvl="1" indent="-285750" algn="just">
-              <a:buFont typeface="Arial" panose="020B0604020202020204" pitchFamily="34" charset="0"/>
-              <a:buChar char="•"/>
-              <a:defRPr/>
-            </a:pPr>
-            <a:endParaRPr kumimoji="0" lang="it-IT" b="0" i="0" u="none" strike="noStrike" kern="1200" cap="none" spc="0" normalizeH="0" baseline="0" noProof="0" dirty="0">
-              <a:ln>
-                <a:noFill/>
-              </a:ln>
-              <a:solidFill>
-                <a:srgbClr val="002060"/>
-              </a:solidFill>
-              <a:effectLst/>
-              <a:uLnTx/>
-              <a:uFillTx/>
-              <a:latin typeface="Arial" panose="020B0604020202020204" pitchFamily="34" charset="0"/>
-              <a:ea typeface="+mn-ea"/>
-              <a:cs typeface="Arial" panose="020B0604020202020204" pitchFamily="34" charset="0"/>
-            </a:endParaRPr>
-          </a:p>
-        </p:txBody>
-      </p:sp>
-      <p:sp>
-        <p:nvSpPr>
-          <p:cNvPr id="24" name="CasellaDiTesto 23">
-            <a:extLst>
-              <a:ext uri="{FF2B5EF4-FFF2-40B4-BE49-F238E27FC236}">
-                <a16:creationId xmlns:a16="http://schemas.microsoft.com/office/drawing/2014/main" id="{750CEE6B-FB52-4CDC-B035-45C3BACB0179}"/>
-              </a:ext>
-            </a:extLst>
-          </p:cNvPr>
-          <p:cNvSpPr txBox="1"/>
-          <p:nvPr/>
-        </p:nvSpPr>
-        <p:spPr>
-          <a:xfrm>
-            <a:off x="10373149" y="6069481"/>
-            <a:ext cx="2383425" cy="954107"/>
-          </a:xfrm>
-          <a:prstGeom prst="rect">
-            <a:avLst/>
-          </a:prstGeom>
-          <a:noFill/>
-        </p:spPr>
-        <p:txBody>
-          <a:bodyPr wrap="square" rtlCol="0">
-            <a:spAutoFit/>
-          </a:bodyPr>
-          <a:lstStyle/>
-          <a:p>
-            <a:pPr lvl="1" algn="just">
-              <a:defRPr/>
-            </a:pPr>
-            <a:endParaRPr lang="it-IT" dirty="0">
-              <a:solidFill>
-                <a:srgbClr val="002060"/>
-              </a:solidFill>
-              <a:latin typeface="Arial" panose="020B0604020202020204" pitchFamily="34" charset="0"/>
-              <a:cs typeface="Arial" panose="020B0604020202020204" pitchFamily="34" charset="0"/>
-            </a:endParaRPr>
-          </a:p>
-          <a:p>
-            <a:pPr lvl="1" algn="just">
-              <a:defRPr/>
-            </a:pPr>
-            <a:r>
-              <a:rPr lang="it-IT" sz="1000" dirty="0">
-                <a:solidFill>
-                  <a:srgbClr val="002060"/>
-                </a:solidFill>
-                <a:latin typeface="Arial" panose="020B0604020202020204" pitchFamily="34" charset="0"/>
-                <a:cs typeface="Arial" panose="020B0604020202020204" pitchFamily="34" charset="0"/>
-              </a:rPr>
-              <a:t>Finestra anno 2018 </a:t>
-            </a:r>
-          </a:p>
-          <a:p>
-            <a:pPr lvl="1" algn="just">
-              <a:defRPr/>
-            </a:pPr>
-            <a:r>
-              <a:rPr lang="it-IT" sz="1000" dirty="0">
-                <a:solidFill>
-                  <a:srgbClr val="002060"/>
-                </a:solidFill>
-                <a:latin typeface="Arial" panose="020B0604020202020204" pitchFamily="34" charset="0"/>
-                <a:cs typeface="Arial" panose="020B0604020202020204" pitchFamily="34" charset="0"/>
-              </a:rPr>
-              <a:t>con </a:t>
-            </a:r>
-            <a:r>
-              <a:rPr lang="it-IT" sz="1000" dirty="0" err="1">
-                <a:solidFill>
-                  <a:srgbClr val="002060"/>
-                </a:solidFill>
-                <a:latin typeface="Arial" panose="020B0604020202020204" pitchFamily="34" charset="0"/>
-                <a:cs typeface="Arial" panose="020B0604020202020204" pitchFamily="34" charset="0"/>
-              </a:rPr>
-              <a:t>KPIs</a:t>
-            </a:r>
-            <a:r>
-              <a:rPr lang="it-IT" sz="1000" dirty="0">
-                <a:solidFill>
-                  <a:srgbClr val="002060"/>
-                </a:solidFill>
-                <a:latin typeface="Arial" panose="020B0604020202020204" pitchFamily="34" charset="0"/>
-                <a:cs typeface="Arial" panose="020B0604020202020204" pitchFamily="34" charset="0"/>
-              </a:rPr>
-              <a:t> a 7gg</a:t>
-            </a:r>
-          </a:p>
-          <a:p>
-            <a:pPr marL="742950" lvl="1" indent="-285750" algn="just">
-              <a:buFont typeface="Arial" panose="020B0604020202020204" pitchFamily="34" charset="0"/>
-              <a:buChar char="•"/>
-              <a:defRPr/>
-            </a:pPr>
-            <a:endParaRPr kumimoji="0" lang="it-IT" b="0" i="0" u="none" strike="noStrike" kern="1200" cap="none" spc="0" normalizeH="0" baseline="0" noProof="0" dirty="0">
-              <a:ln>
-                <a:noFill/>
-              </a:ln>
-              <a:solidFill>
-                <a:srgbClr val="002060"/>
-              </a:solidFill>
-              <a:effectLst/>
-              <a:uLnTx/>
-              <a:uFillTx/>
-              <a:latin typeface="Arial" panose="020B0604020202020204" pitchFamily="34" charset="0"/>
-              <a:ea typeface="+mn-ea"/>
-              <a:cs typeface="Arial" panose="020B0604020202020204" pitchFamily="34" charset="0"/>
-            </a:endParaRPr>
-          </a:p>
-        </p:txBody>
-      </p:sp>
-    </p:spTree>
-    <p:extLst>
-      <p:ext uri="{BB962C8B-B14F-4D97-AF65-F5344CB8AC3E}">
-        <p14:creationId xmlns:p14="http://schemas.microsoft.com/office/powerpoint/2010/main" val="3226340993"/>
-      </p:ext>
-    </p:extLst>
-  </p:cSld>
-  <p:clrMapOvr>
-    <a:masterClrMapping/>
-  </p:clrMapOvr>
-  <p:transition spd="med">
-    <p:pull/>
-  </p:transition>
-</p:sld>
-</file>
-
-<file path=ppt/slides/slide11.xml><?xml version="1.0" encoding="utf-8"?>
-<p:sld xmlns:a="http://schemas.openxmlformats.org/drawingml/2006/main" xmlns:r="http://schemas.openxmlformats.org/officeDocument/2006/relationships" xmlns:p="http://schemas.openxmlformats.org/presentationml/2006/main">
-  <p:cSld>
-    <p:spTree>
-      <p:nvGrpSpPr>
-        <p:cNvPr id="1" name=""/>
-        <p:cNvGrpSpPr/>
-        <p:nvPr/>
-      </p:nvGrpSpPr>
-      <p:grpSpPr>
-        <a:xfrm>
-          <a:off x="0" y="0"/>
-          <a:ext cx="0" cy="0"/>
-          <a:chOff x="0" y="0"/>
-          <a:chExt cx="0" cy="0"/>
-        </a:xfrm>
-      </p:grpSpPr>
-      <p:sp>
-        <p:nvSpPr>
-          <p:cNvPr id="2" name="Elaborazione 1">
-            <a:extLst>
-              <a:ext uri="{FF2B5EF4-FFF2-40B4-BE49-F238E27FC236}">
-                <a16:creationId xmlns:a16="http://schemas.microsoft.com/office/drawing/2014/main" id="{4F897BD9-AD8F-4F55-855B-3CEF455EA9F6}"/>
-              </a:ext>
-            </a:extLst>
-          </p:cNvPr>
-          <p:cNvSpPr/>
-          <p:nvPr/>
-        </p:nvSpPr>
-        <p:spPr>
-          <a:xfrm>
-            <a:off x="262648" y="101740"/>
-            <a:ext cx="5436188" cy="437745"/>
-          </a:xfrm>
-          <a:prstGeom prst="flowChartProcess">
-            <a:avLst/>
-          </a:prstGeom>
-          <a:solidFill>
-            <a:schemeClr val="accent5">
-              <a:lumMod val="75000"/>
-            </a:schemeClr>
-          </a:solidFill>
-        </p:spPr>
-        <p:style>
-          <a:lnRef idx="2">
-            <a:schemeClr val="accent1">
-              <a:shade val="50000"/>
-            </a:schemeClr>
-          </a:lnRef>
-          <a:fillRef idx="1">
-            <a:schemeClr val="accent1"/>
-          </a:fillRef>
-          <a:effectRef idx="0">
-            <a:schemeClr val="accent1"/>
-          </a:effectRef>
-          <a:fontRef idx="minor">
-            <a:schemeClr val="lt1"/>
-          </a:fontRef>
-        </p:style>
-        <p:txBody>
-          <a:bodyPr rtlCol="0" anchor="ctr"/>
-          <a:lstStyle/>
-          <a:p>
-            <a:pPr algn="ctr"/>
-            <a:endParaRPr lang="it-IT"/>
-          </a:p>
-        </p:txBody>
-      </p:sp>
-      <p:sp>
-        <p:nvSpPr>
-          <p:cNvPr id="3" name="CasellaDiTesto 2">
-            <a:extLst>
-              <a:ext uri="{FF2B5EF4-FFF2-40B4-BE49-F238E27FC236}">
-                <a16:creationId xmlns:a16="http://schemas.microsoft.com/office/drawing/2014/main" id="{91D0514C-8919-4A62-AEB2-C4097699756E}"/>
-              </a:ext>
-            </a:extLst>
-          </p:cNvPr>
-          <p:cNvSpPr txBox="1"/>
-          <p:nvPr/>
-        </p:nvSpPr>
-        <p:spPr>
-          <a:xfrm>
-            <a:off x="262648" y="113390"/>
-            <a:ext cx="5436188" cy="400110"/>
-          </a:xfrm>
-          <a:prstGeom prst="rect">
-            <a:avLst/>
-          </a:prstGeom>
-          <a:noFill/>
-        </p:spPr>
-        <p:txBody>
-          <a:bodyPr wrap="square" rtlCol="0">
-            <a:spAutoFit/>
-          </a:bodyPr>
-          <a:lstStyle/>
-          <a:p>
-            <a:r>
-              <a:rPr lang="it-IT" sz="2000" dirty="0">
-                <a:solidFill>
-                  <a:schemeClr val="bg1"/>
-                </a:solidFill>
-                <a:latin typeface="Arial Black" panose="020B0A04020102020204" pitchFamily="34" charset="0"/>
-              </a:rPr>
               <a:t>Etichettatura del dataset</a:t>
             </a:r>
           </a:p>
@@ -7981,7 +6371,7 @@
 </p:sld>
 </file>
 
-<file path=ppt/slides/slide12.xml><?xml version="1.0" encoding="utf-8"?>
+<file path=ppt/slides/slide11.xml><?xml version="1.0" encoding="utf-8"?>
 <p:sld xmlns:a="http://schemas.openxmlformats.org/drawingml/2006/main" xmlns:r="http://schemas.openxmlformats.org/officeDocument/2006/relationships" xmlns:p="http://schemas.openxmlformats.org/presentationml/2006/main">
   <p:cSld>
     <p:spTree>
@@ -8640,7 +7030,7 @@
 </p:sld>
 </file>
 
-<file path=ppt/slides/slide13.xml><?xml version="1.0" encoding="utf-8"?>
+<file path=ppt/slides/slide12.xml><?xml version="1.0" encoding="utf-8"?>
 <p:sld xmlns:a="http://schemas.openxmlformats.org/drawingml/2006/main" xmlns:r="http://schemas.openxmlformats.org/officeDocument/2006/relationships" xmlns:p="http://schemas.openxmlformats.org/presentationml/2006/main">
   <p:cSld>
     <p:spTree>
@@ -8762,7 +7152,7 @@
         </p:nvSpPr>
         <p:spPr>
           <a:xfrm>
-            <a:off x="-499515" y="1429940"/>
+            <a:off x="-336482" y="1429940"/>
             <a:ext cx="7127086" cy="3693319"/>
           </a:xfrm>
           <a:prstGeom prst="rect">
@@ -9080,7 +7470,7 @@
 </p:sld>
 </file>
 
-<file path=ppt/slides/slide14.xml><?xml version="1.0" encoding="utf-8"?>
+<file path=ppt/slides/slide13.xml><?xml version="1.0" encoding="utf-8"?>
 <p:sld xmlns:a="http://schemas.openxmlformats.org/drawingml/2006/main" xmlns:r="http://schemas.openxmlformats.org/officeDocument/2006/relationships" xmlns:p="http://schemas.openxmlformats.org/presentationml/2006/main">
   <p:cSld>
     <p:spTree>
@@ -9526,7 +7916,7 @@
 </p:sld>
 </file>
 
-<file path=ppt/slides/slide15.xml><?xml version="1.0" encoding="utf-8"?>
+<file path=ppt/slides/slide14.xml><?xml version="1.0" encoding="utf-8"?>
 <p:sld xmlns:a="http://schemas.openxmlformats.org/drawingml/2006/main" xmlns:r="http://schemas.openxmlformats.org/officeDocument/2006/relationships" xmlns:p="http://schemas.openxmlformats.org/presentationml/2006/main">
   <p:cSld>
     <p:spTree>
@@ -9981,7 +8371,7 @@
 </p:sld>
 </file>
 
-<file path=ppt/slides/slide16.xml><?xml version="1.0" encoding="utf-8"?>
+<file path=ppt/slides/slide15.xml><?xml version="1.0" encoding="utf-8"?>
 <p:sld xmlns:a="http://schemas.openxmlformats.org/drawingml/2006/main" xmlns:r="http://schemas.openxmlformats.org/officeDocument/2006/relationships" xmlns:p="http://schemas.openxmlformats.org/presentationml/2006/main">
   <p:cSld>
     <p:spTree>
@@ -10270,7 +8660,7 @@
 </p:sld>
 </file>
 
-<file path=ppt/slides/slide17.xml><?xml version="1.0" encoding="utf-8"?>
+<file path=ppt/slides/slide16.xml><?xml version="1.0" encoding="utf-8"?>
 <p:sld xmlns:a="http://schemas.openxmlformats.org/drawingml/2006/main" xmlns:r="http://schemas.openxmlformats.org/officeDocument/2006/relationships" xmlns:p="http://schemas.openxmlformats.org/presentationml/2006/main">
   <p:cSld>
     <p:spTree>
@@ -10588,7 +8978,7 @@
 </p:sld>
 </file>
 
-<file path=ppt/slides/slide18.xml><?xml version="1.0" encoding="utf-8"?>
+<file path=ppt/slides/slide17.xml><?xml version="1.0" encoding="utf-8"?>
 <p:sld xmlns:a="http://schemas.openxmlformats.org/drawingml/2006/main" xmlns:r="http://schemas.openxmlformats.org/officeDocument/2006/relationships" xmlns:p="http://schemas.openxmlformats.org/presentationml/2006/main">
   <p:cSld>
     <p:spTree>
@@ -10817,7 +9207,7 @@
 </p:sld>
 </file>
 
-<file path=ppt/slides/slide19.xml><?xml version="1.0" encoding="utf-8"?>
+<file path=ppt/slides/slide18.xml><?xml version="1.0" encoding="utf-8"?>
 <p:sld xmlns:a="http://schemas.openxmlformats.org/drawingml/2006/main" xmlns:r="http://schemas.openxmlformats.org/officeDocument/2006/relationships" xmlns:p="http://schemas.openxmlformats.org/presentationml/2006/main">
   <p:cSld>
     <p:spTree>
@@ -11164,6 +9554,446 @@
 </p:sld>
 </file>
 
+<file path=ppt/slides/slide19.xml><?xml version="1.0" encoding="utf-8"?>
+<p:sld xmlns:a="http://schemas.openxmlformats.org/drawingml/2006/main" xmlns:r="http://schemas.openxmlformats.org/officeDocument/2006/relationships" xmlns:p="http://schemas.openxmlformats.org/presentationml/2006/main">
+  <p:cSld>
+    <p:spTree>
+      <p:nvGrpSpPr>
+        <p:cNvPr id="1" name=""/>
+        <p:cNvGrpSpPr/>
+        <p:nvPr/>
+      </p:nvGrpSpPr>
+      <p:grpSpPr>
+        <a:xfrm>
+          <a:off x="0" y="0"/>
+          <a:ext cx="0" cy="0"/>
+          <a:chOff x="0" y="0"/>
+          <a:chExt cx="0" cy="0"/>
+        </a:xfrm>
+      </p:grpSpPr>
+      <p:sp>
+        <p:nvSpPr>
+          <p:cNvPr id="2" name="Elaborazione 1">
+            <a:extLst>
+              <a:ext uri="{FF2B5EF4-FFF2-40B4-BE49-F238E27FC236}">
+                <a16:creationId xmlns:a16="http://schemas.microsoft.com/office/drawing/2014/main" id="{4F897BD9-AD8F-4F55-855B-3CEF455EA9F6}"/>
+              </a:ext>
+            </a:extLst>
+          </p:cNvPr>
+          <p:cNvSpPr/>
+          <p:nvPr/>
+        </p:nvSpPr>
+        <p:spPr>
+          <a:xfrm>
+            <a:off x="262648" y="101740"/>
+            <a:ext cx="5680952" cy="606146"/>
+          </a:xfrm>
+          <a:prstGeom prst="flowChartProcess">
+            <a:avLst/>
+          </a:prstGeom>
+          <a:solidFill>
+            <a:schemeClr val="accent5">
+              <a:lumMod val="75000"/>
+            </a:schemeClr>
+          </a:solidFill>
+        </p:spPr>
+        <p:style>
+          <a:lnRef idx="2">
+            <a:schemeClr val="accent1">
+              <a:shade val="50000"/>
+            </a:schemeClr>
+          </a:lnRef>
+          <a:fillRef idx="1">
+            <a:schemeClr val="accent1"/>
+          </a:fillRef>
+          <a:effectRef idx="0">
+            <a:schemeClr val="accent1"/>
+          </a:effectRef>
+          <a:fontRef idx="minor">
+            <a:schemeClr val="lt1"/>
+          </a:fontRef>
+        </p:style>
+        <p:txBody>
+          <a:bodyPr rtlCol="0" anchor="ctr"/>
+          <a:lstStyle/>
+          <a:p>
+            <a:pPr algn="ctr"/>
+            <a:endParaRPr lang="it-IT"/>
+          </a:p>
+        </p:txBody>
+      </p:sp>
+      <p:sp>
+        <p:nvSpPr>
+          <p:cNvPr id="3" name="CasellaDiTesto 2">
+            <a:extLst>
+              <a:ext uri="{FF2B5EF4-FFF2-40B4-BE49-F238E27FC236}">
+                <a16:creationId xmlns:a16="http://schemas.microsoft.com/office/drawing/2014/main" id="{91D0514C-8919-4A62-AEB2-C4097699756E}"/>
+              </a:ext>
+            </a:extLst>
+          </p:cNvPr>
+          <p:cNvSpPr txBox="1"/>
+          <p:nvPr/>
+        </p:nvSpPr>
+        <p:spPr>
+          <a:xfrm>
+            <a:off x="262648" y="122500"/>
+            <a:ext cx="5833352" cy="400110"/>
+          </a:xfrm>
+          <a:prstGeom prst="rect">
+            <a:avLst/>
+          </a:prstGeom>
+          <a:noFill/>
+        </p:spPr>
+        <p:txBody>
+          <a:bodyPr wrap="square" rtlCol="0">
+            <a:spAutoFit/>
+          </a:bodyPr>
+          <a:lstStyle/>
+          <a:p>
+            <a:r>
+              <a:rPr lang="it-IT" sz="2000" dirty="0" err="1">
+                <a:solidFill>
+                  <a:schemeClr val="bg1"/>
+                </a:solidFill>
+                <a:latin typeface="Arial Black" panose="020B0A04020102020204" pitchFamily="34" charset="0"/>
+              </a:rPr>
+              <a:t>Anomaly</a:t>
+            </a:r>
+            <a:r>
+              <a:rPr lang="it-IT" sz="2000" dirty="0">
+                <a:solidFill>
+                  <a:schemeClr val="bg1"/>
+                </a:solidFill>
+                <a:latin typeface="Arial Black" panose="020B0A04020102020204" pitchFamily="34" charset="0"/>
+              </a:rPr>
+              <a:t> </a:t>
+            </a:r>
+            <a:r>
+              <a:rPr lang="it-IT" sz="2000" dirty="0" err="1">
+                <a:solidFill>
+                  <a:schemeClr val="bg1"/>
+                </a:solidFill>
+                <a:latin typeface="Arial Black" panose="020B0A04020102020204" pitchFamily="34" charset="0"/>
+              </a:rPr>
+              <a:t>Detection</a:t>
+            </a:r>
+            <a:endParaRPr lang="it-IT" sz="2000" dirty="0">
+              <a:solidFill>
+                <a:schemeClr val="bg1"/>
+              </a:solidFill>
+              <a:latin typeface="Arial Black" panose="020B0A04020102020204" pitchFamily="34" charset="0"/>
+            </a:endParaRPr>
+          </a:p>
+        </p:txBody>
+      </p:sp>
+      <p:sp>
+        <p:nvSpPr>
+          <p:cNvPr id="6" name="AutoShape 4">
+            <a:extLst>
+              <a:ext uri="{FF2B5EF4-FFF2-40B4-BE49-F238E27FC236}">
+                <a16:creationId xmlns:a16="http://schemas.microsoft.com/office/drawing/2014/main" id="{939F08A7-A0A6-4924-917D-11A694AC3A16}"/>
+              </a:ext>
+            </a:extLst>
+          </p:cNvPr>
+          <p:cNvSpPr>
+            <a:spLocks noChangeAspect="1" noChangeArrowheads="1"/>
+          </p:cNvSpPr>
+          <p:nvPr/>
+        </p:nvSpPr>
+        <p:spPr bwMode="auto">
+          <a:xfrm>
+            <a:off x="5943600" y="3276600"/>
+            <a:ext cx="304800" cy="304800"/>
+          </a:xfrm>
+          <a:prstGeom prst="rect">
+            <a:avLst/>
+          </a:prstGeom>
+          <a:noFill/>
+          <a:extLst>
+            <a:ext uri="{909E8E84-426E-40DD-AFC4-6F175D3DCCD1}">
+              <a14:hiddenFill xmlns:a14="http://schemas.microsoft.com/office/drawing/2010/main">
+                <a:solidFill>
+                  <a:srgbClr val="FFFFFF"/>
+                </a:solidFill>
+              </a14:hiddenFill>
+            </a:ext>
+          </a:extLst>
+        </p:spPr>
+        <p:txBody>
+          <a:bodyPr vert="horz" wrap="square" lIns="91440" tIns="45720" rIns="91440" bIns="45720" numCol="1" anchor="t" anchorCtr="0" compatLnSpc="1">
+            <a:prstTxWarp prst="textNoShape">
+              <a:avLst/>
+            </a:prstTxWarp>
+          </a:bodyPr>
+          <a:lstStyle/>
+          <a:p>
+            <a:endParaRPr lang="it-IT"/>
+          </a:p>
+        </p:txBody>
+      </p:sp>
+      <p:sp>
+        <p:nvSpPr>
+          <p:cNvPr id="9" name="CasellaDiTesto 8">
+            <a:extLst>
+              <a:ext uri="{FF2B5EF4-FFF2-40B4-BE49-F238E27FC236}">
+                <a16:creationId xmlns:a16="http://schemas.microsoft.com/office/drawing/2014/main" id="{7E2EA21B-BD90-4311-B5C7-E6C32005800F}"/>
+              </a:ext>
+            </a:extLst>
+          </p:cNvPr>
+          <p:cNvSpPr txBox="1"/>
+          <p:nvPr/>
+        </p:nvSpPr>
+        <p:spPr>
+          <a:xfrm>
+            <a:off x="-361397" y="1389427"/>
+            <a:ext cx="5159820" cy="1477328"/>
+          </a:xfrm>
+          <a:prstGeom prst="rect">
+            <a:avLst/>
+          </a:prstGeom>
+          <a:noFill/>
+        </p:spPr>
+        <p:txBody>
+          <a:bodyPr wrap="square" rtlCol="0">
+            <a:spAutoFit/>
+          </a:bodyPr>
+          <a:lstStyle/>
+          <a:p>
+            <a:pPr marL="742950" lvl="1" indent="-285750" algn="just">
+              <a:buFont typeface="Arial" panose="020B0604020202020204" pitchFamily="34" charset="0"/>
+              <a:buChar char="•"/>
+              <a:defRPr/>
+            </a:pPr>
+            <a:r>
+              <a:rPr lang="it-IT" dirty="0">
+                <a:solidFill>
+                  <a:srgbClr val="002060"/>
+                </a:solidFill>
+                <a:latin typeface="Arial" panose="020B0604020202020204" pitchFamily="34" charset="0"/>
+                <a:cs typeface="Arial" panose="020B0604020202020204" pitchFamily="34" charset="0"/>
+              </a:rPr>
+              <a:t>La trasformazione del dataset in immagini si presta molto bene al rilevamento di anomalie. Dall’unione del triennio di dati in analisi, otteniamo il grafico sottostante:</a:t>
+            </a:r>
+          </a:p>
+          <a:p>
+            <a:pPr marL="742950" lvl="1" indent="-285750" algn="just">
+              <a:buFont typeface="Arial" panose="020B0604020202020204" pitchFamily="34" charset="0"/>
+              <a:buChar char="•"/>
+              <a:defRPr/>
+            </a:pPr>
+            <a:endParaRPr lang="it-IT" dirty="0">
+              <a:solidFill>
+                <a:srgbClr val="002060"/>
+              </a:solidFill>
+              <a:latin typeface="Arial" panose="020B0604020202020204" pitchFamily="34" charset="0"/>
+              <a:cs typeface="Arial" panose="020B0604020202020204" pitchFamily="34" charset="0"/>
+            </a:endParaRPr>
+          </a:p>
+        </p:txBody>
+      </p:sp>
+      <p:pic>
+        <p:nvPicPr>
+          <p:cNvPr id="5" name="Immagine 4">
+            <a:extLst>
+              <a:ext uri="{FF2B5EF4-FFF2-40B4-BE49-F238E27FC236}">
+                <a16:creationId xmlns:a16="http://schemas.microsoft.com/office/drawing/2014/main" id="{B6649084-0DD2-4EAC-A020-3B12FA33F337}"/>
+              </a:ext>
+            </a:extLst>
+          </p:cNvPr>
+          <p:cNvPicPr>
+            <a:picLocks noChangeAspect="1"/>
+          </p:cNvPicPr>
+          <p:nvPr/>
+        </p:nvPicPr>
+        <p:blipFill>
+          <a:blip r:embed="rId3"/>
+          <a:stretch>
+            <a:fillRect/>
+          </a:stretch>
+        </p:blipFill>
+        <p:spPr>
+          <a:xfrm>
+            <a:off x="5093862" y="707886"/>
+            <a:ext cx="3137234" cy="2704108"/>
+          </a:xfrm>
+          <a:prstGeom prst="rect">
+            <a:avLst/>
+          </a:prstGeom>
+        </p:spPr>
+      </p:pic>
+      <p:pic>
+        <p:nvPicPr>
+          <p:cNvPr id="8" name="Immagine 7">
+            <a:extLst>
+              <a:ext uri="{FF2B5EF4-FFF2-40B4-BE49-F238E27FC236}">
+                <a16:creationId xmlns:a16="http://schemas.microsoft.com/office/drawing/2014/main" id="{D81B8676-A910-424A-9FCE-6388BB1DE699}"/>
+              </a:ext>
+            </a:extLst>
+          </p:cNvPr>
+          <p:cNvPicPr>
+            <a:picLocks noChangeAspect="1"/>
+          </p:cNvPicPr>
+          <p:nvPr/>
+        </p:nvPicPr>
+        <p:blipFill>
+          <a:blip r:embed="rId4"/>
+          <a:stretch>
+            <a:fillRect/>
+          </a:stretch>
+        </p:blipFill>
+        <p:spPr>
+          <a:xfrm>
+            <a:off x="8253980" y="707886"/>
+            <a:ext cx="3590925" cy="2362200"/>
+          </a:xfrm>
+          <a:prstGeom prst="rect">
+            <a:avLst/>
+          </a:prstGeom>
+        </p:spPr>
+      </p:pic>
+      <p:pic>
+        <p:nvPicPr>
+          <p:cNvPr id="11" name="Immagine 10">
+            <a:extLst>
+              <a:ext uri="{FF2B5EF4-FFF2-40B4-BE49-F238E27FC236}">
+                <a16:creationId xmlns:a16="http://schemas.microsoft.com/office/drawing/2014/main" id="{F6FB8342-BA10-4812-BC33-4A8619960DE7}"/>
+              </a:ext>
+            </a:extLst>
+          </p:cNvPr>
+          <p:cNvPicPr>
+            <a:picLocks noChangeAspect="1"/>
+          </p:cNvPicPr>
+          <p:nvPr/>
+        </p:nvPicPr>
+        <p:blipFill>
+          <a:blip r:embed="rId5"/>
+          <a:stretch>
+            <a:fillRect/>
+          </a:stretch>
+        </p:blipFill>
+        <p:spPr>
+          <a:xfrm>
+            <a:off x="6435635" y="3581400"/>
+            <a:ext cx="5409270" cy="3194184"/>
+          </a:xfrm>
+          <a:prstGeom prst="rect">
+            <a:avLst/>
+          </a:prstGeom>
+        </p:spPr>
+      </p:pic>
+      <p:sp>
+        <p:nvSpPr>
+          <p:cNvPr id="12" name="CasellaDiTesto 11">
+            <a:extLst>
+              <a:ext uri="{FF2B5EF4-FFF2-40B4-BE49-F238E27FC236}">
+                <a16:creationId xmlns:a16="http://schemas.microsoft.com/office/drawing/2014/main" id="{8F106140-6EBF-472F-AFA0-9C99EDA1D00C}"/>
+              </a:ext>
+            </a:extLst>
+          </p:cNvPr>
+          <p:cNvSpPr txBox="1"/>
+          <p:nvPr/>
+        </p:nvSpPr>
+        <p:spPr>
+          <a:xfrm>
+            <a:off x="-361397" y="4088499"/>
+            <a:ext cx="6304997" cy="1477328"/>
+          </a:xfrm>
+          <a:prstGeom prst="rect">
+            <a:avLst/>
+          </a:prstGeom>
+          <a:noFill/>
+        </p:spPr>
+        <p:txBody>
+          <a:bodyPr wrap="square" rtlCol="0">
+            <a:spAutoFit/>
+          </a:bodyPr>
+          <a:lstStyle/>
+          <a:p>
+            <a:pPr marL="742950" lvl="1" indent="-285750" algn="just">
+              <a:buFont typeface="Arial" panose="020B0604020202020204" pitchFamily="34" charset="0"/>
+              <a:buChar char="•"/>
+              <a:defRPr/>
+            </a:pPr>
+            <a:r>
+              <a:rPr lang="it-IT" dirty="0">
+                <a:solidFill>
+                  <a:srgbClr val="002060"/>
+                </a:solidFill>
+                <a:latin typeface="Arial" panose="020B0604020202020204" pitchFamily="34" charset="0"/>
+                <a:cs typeface="Arial" panose="020B0604020202020204" pitchFamily="34" charset="0"/>
+              </a:rPr>
+              <a:t>Tramite l’utilizzo di una PCA si visualizza una curva di </a:t>
+            </a:r>
+            <a:r>
+              <a:rPr lang="it-IT" dirty="0" err="1">
+                <a:solidFill>
+                  <a:srgbClr val="002060"/>
+                </a:solidFill>
+                <a:latin typeface="Arial" panose="020B0604020202020204" pitchFamily="34" charset="0"/>
+                <a:cs typeface="Arial" panose="020B0604020202020204" pitchFamily="34" charset="0"/>
+              </a:rPr>
+              <a:t>roc</a:t>
+            </a:r>
+            <a:r>
+              <a:rPr lang="it-IT" dirty="0">
+                <a:solidFill>
+                  <a:srgbClr val="002060"/>
+                </a:solidFill>
+                <a:latin typeface="Arial" panose="020B0604020202020204" pitchFamily="34" charset="0"/>
+                <a:cs typeface="Arial" panose="020B0604020202020204" pitchFamily="34" charset="0"/>
+              </a:rPr>
+              <a:t> eccellente.</a:t>
+            </a:r>
+          </a:p>
+          <a:p>
+            <a:pPr marL="742950" lvl="1" indent="-285750" algn="just">
+              <a:buFont typeface="Arial" panose="020B0604020202020204" pitchFamily="34" charset="0"/>
+              <a:buChar char="•"/>
+              <a:defRPr/>
+            </a:pPr>
+            <a:endParaRPr lang="it-IT" dirty="0">
+              <a:solidFill>
+                <a:srgbClr val="002060"/>
+              </a:solidFill>
+              <a:latin typeface="Arial" panose="020B0604020202020204" pitchFamily="34" charset="0"/>
+              <a:cs typeface="Arial" panose="020B0604020202020204" pitchFamily="34" charset="0"/>
+            </a:endParaRPr>
+          </a:p>
+          <a:p>
+            <a:pPr marL="742950" lvl="1" indent="-285750" algn="just">
+              <a:buFont typeface="Arial" panose="020B0604020202020204" pitchFamily="34" charset="0"/>
+              <a:buChar char="•"/>
+              <a:defRPr/>
+            </a:pPr>
+            <a:r>
+              <a:rPr lang="it-IT" dirty="0">
+                <a:solidFill>
+                  <a:srgbClr val="002060"/>
+                </a:solidFill>
+                <a:latin typeface="Arial" panose="020B0604020202020204" pitchFamily="34" charset="0"/>
+                <a:cs typeface="Arial" panose="020B0604020202020204" pitchFamily="34" charset="0"/>
+              </a:rPr>
+              <a:t>Un dataset in questo formato si adatta bene anche in questo contesto.</a:t>
+            </a:r>
+          </a:p>
+        </p:txBody>
+      </p:sp>
+    </p:spTree>
+    <p:extLst>
+      <p:ext uri="{BB962C8B-B14F-4D97-AF65-F5344CB8AC3E}">
+        <p14:creationId xmlns:p14="http://schemas.microsoft.com/office/powerpoint/2010/main" val="159851700"/>
+      </p:ext>
+    </p:extLst>
+  </p:cSld>
+  <p:clrMapOvr>
+    <a:masterClrMapping/>
+  </p:clrMapOvr>
+  <p:transition spd="med">
+    <p:pull/>
+  </p:transition>
+</p:sld>
+</file>
+
 <file path=ppt/slides/slide2.xml><?xml version="1.0" encoding="utf-8"?>
 <p:sld xmlns:a="http://schemas.openxmlformats.org/drawingml/2006/main" xmlns:r="http://schemas.openxmlformats.org/officeDocument/2006/relationships" xmlns:p="http://schemas.openxmlformats.org/presentationml/2006/main">
   <p:cSld>
@@ -11286,8 +10116,8 @@
         </p:nvSpPr>
         <p:spPr>
           <a:xfrm>
-            <a:off x="77426" y="1464885"/>
-            <a:ext cx="6803171" cy="3693319"/>
+            <a:off x="77426" y="1305341"/>
+            <a:ext cx="6803171" cy="4247317"/>
           </a:xfrm>
           <a:prstGeom prst="rect">
             <a:avLst/>
@@ -11345,7 +10175,20 @@
                 <a:latin typeface="Arial" panose="020B0604020202020204" pitchFamily="34" charset="0"/>
                 <a:cs typeface="Arial" panose="020B0604020202020204" pitchFamily="34" charset="0"/>
               </a:rPr>
-              <a:t> offre un sistema integrato di Business Intelligence, che sia agile potente ed efficace. </a:t>
+              <a:t> offre un sistema integrato di Business Intelligence, che sia agile potente ed efficace.</a:t>
+            </a:r>
+          </a:p>
+          <a:p>
+            <a:pPr algn="just"/>
+            <a:r>
+              <a:rPr lang="it-IT" dirty="0">
+                <a:solidFill>
+                  <a:srgbClr val="002060"/>
+                </a:solidFill>
+                <a:latin typeface="Arial" panose="020B0604020202020204" pitchFamily="34" charset="0"/>
+                <a:cs typeface="Arial" panose="020B0604020202020204" pitchFamily="34" charset="0"/>
+              </a:rPr>
+              <a:t> </a:t>
             </a:r>
           </a:p>
           <a:p>
@@ -11396,6 +10239,16 @@
               </a:rPr>
               <a:t> e più in generale importanti segnali da porre all’attenzione del management.</a:t>
             </a:r>
+          </a:p>
+          <a:p>
+            <a:pPr algn="just"/>
+            <a:endParaRPr lang="it-IT" dirty="0">
+              <a:solidFill>
+                <a:srgbClr val="002060"/>
+              </a:solidFill>
+              <a:latin typeface="Arial" panose="020B0604020202020204" pitchFamily="34" charset="0"/>
+              <a:cs typeface="Arial" panose="020B0604020202020204" pitchFamily="34" charset="0"/>
+            </a:endParaRPr>
           </a:p>
           <a:p>
             <a:pPr algn="just"/>
@@ -11613,446 +10466,6 @@
           <a:lstStyle/>
           <a:p>
             <a:r>
-              <a:rPr lang="it-IT" sz="2000" dirty="0" err="1">
-                <a:solidFill>
-                  <a:schemeClr val="bg1"/>
-                </a:solidFill>
-                <a:latin typeface="Arial Black" panose="020B0A04020102020204" pitchFamily="34" charset="0"/>
-              </a:rPr>
-              <a:t>Anomaly</a:t>
-            </a:r>
-            <a:r>
-              <a:rPr lang="it-IT" sz="2000" dirty="0">
-                <a:solidFill>
-                  <a:schemeClr val="bg1"/>
-                </a:solidFill>
-                <a:latin typeface="Arial Black" panose="020B0A04020102020204" pitchFamily="34" charset="0"/>
-              </a:rPr>
-              <a:t> </a:t>
-            </a:r>
-            <a:r>
-              <a:rPr lang="it-IT" sz="2000" dirty="0" err="1">
-                <a:solidFill>
-                  <a:schemeClr val="bg1"/>
-                </a:solidFill>
-                <a:latin typeface="Arial Black" panose="020B0A04020102020204" pitchFamily="34" charset="0"/>
-              </a:rPr>
-              <a:t>Detection</a:t>
-            </a:r>
-            <a:endParaRPr lang="it-IT" sz="2000" dirty="0">
-              <a:solidFill>
-                <a:schemeClr val="bg1"/>
-              </a:solidFill>
-              <a:latin typeface="Arial Black" panose="020B0A04020102020204" pitchFamily="34" charset="0"/>
-            </a:endParaRPr>
-          </a:p>
-        </p:txBody>
-      </p:sp>
-      <p:sp>
-        <p:nvSpPr>
-          <p:cNvPr id="6" name="AutoShape 4">
-            <a:extLst>
-              <a:ext uri="{FF2B5EF4-FFF2-40B4-BE49-F238E27FC236}">
-                <a16:creationId xmlns:a16="http://schemas.microsoft.com/office/drawing/2014/main" id="{939F08A7-A0A6-4924-917D-11A694AC3A16}"/>
-              </a:ext>
-            </a:extLst>
-          </p:cNvPr>
-          <p:cNvSpPr>
-            <a:spLocks noChangeAspect="1" noChangeArrowheads="1"/>
-          </p:cNvSpPr>
-          <p:nvPr/>
-        </p:nvSpPr>
-        <p:spPr bwMode="auto">
-          <a:xfrm>
-            <a:off x="5943600" y="3276600"/>
-            <a:ext cx="304800" cy="304800"/>
-          </a:xfrm>
-          <a:prstGeom prst="rect">
-            <a:avLst/>
-          </a:prstGeom>
-          <a:noFill/>
-          <a:extLst>
-            <a:ext uri="{909E8E84-426E-40DD-AFC4-6F175D3DCCD1}">
-              <a14:hiddenFill xmlns:a14="http://schemas.microsoft.com/office/drawing/2010/main">
-                <a:solidFill>
-                  <a:srgbClr val="FFFFFF"/>
-                </a:solidFill>
-              </a14:hiddenFill>
-            </a:ext>
-          </a:extLst>
-        </p:spPr>
-        <p:txBody>
-          <a:bodyPr vert="horz" wrap="square" lIns="91440" tIns="45720" rIns="91440" bIns="45720" numCol="1" anchor="t" anchorCtr="0" compatLnSpc="1">
-            <a:prstTxWarp prst="textNoShape">
-              <a:avLst/>
-            </a:prstTxWarp>
-          </a:bodyPr>
-          <a:lstStyle/>
-          <a:p>
-            <a:endParaRPr lang="it-IT"/>
-          </a:p>
-        </p:txBody>
-      </p:sp>
-      <p:sp>
-        <p:nvSpPr>
-          <p:cNvPr id="9" name="CasellaDiTesto 8">
-            <a:extLst>
-              <a:ext uri="{FF2B5EF4-FFF2-40B4-BE49-F238E27FC236}">
-                <a16:creationId xmlns:a16="http://schemas.microsoft.com/office/drawing/2014/main" id="{7E2EA21B-BD90-4311-B5C7-E6C32005800F}"/>
-              </a:ext>
-            </a:extLst>
-          </p:cNvPr>
-          <p:cNvSpPr txBox="1"/>
-          <p:nvPr/>
-        </p:nvSpPr>
-        <p:spPr>
-          <a:xfrm>
-            <a:off x="-361397" y="1389427"/>
-            <a:ext cx="5159820" cy="1477328"/>
-          </a:xfrm>
-          <a:prstGeom prst="rect">
-            <a:avLst/>
-          </a:prstGeom>
-          <a:noFill/>
-        </p:spPr>
-        <p:txBody>
-          <a:bodyPr wrap="square" rtlCol="0">
-            <a:spAutoFit/>
-          </a:bodyPr>
-          <a:lstStyle/>
-          <a:p>
-            <a:pPr marL="742950" lvl="1" indent="-285750" algn="just">
-              <a:buFont typeface="Arial" panose="020B0604020202020204" pitchFamily="34" charset="0"/>
-              <a:buChar char="•"/>
-              <a:defRPr/>
-            </a:pPr>
-            <a:r>
-              <a:rPr lang="it-IT" dirty="0">
-                <a:solidFill>
-                  <a:srgbClr val="002060"/>
-                </a:solidFill>
-                <a:latin typeface="Arial" panose="020B0604020202020204" pitchFamily="34" charset="0"/>
-                <a:cs typeface="Arial" panose="020B0604020202020204" pitchFamily="34" charset="0"/>
-              </a:rPr>
-              <a:t>La trasformazione del dataset in immagini si presta molto bene al rilevamento di anomalie. Dall’unione del triennio di dati in analisi, otteniamo il grafico sottostante:</a:t>
-            </a:r>
-          </a:p>
-          <a:p>
-            <a:pPr marL="742950" lvl="1" indent="-285750" algn="just">
-              <a:buFont typeface="Arial" panose="020B0604020202020204" pitchFamily="34" charset="0"/>
-              <a:buChar char="•"/>
-              <a:defRPr/>
-            </a:pPr>
-            <a:endParaRPr lang="it-IT" dirty="0">
-              <a:solidFill>
-                <a:srgbClr val="002060"/>
-              </a:solidFill>
-              <a:latin typeface="Arial" panose="020B0604020202020204" pitchFamily="34" charset="0"/>
-              <a:cs typeface="Arial" panose="020B0604020202020204" pitchFamily="34" charset="0"/>
-            </a:endParaRPr>
-          </a:p>
-        </p:txBody>
-      </p:sp>
-      <p:pic>
-        <p:nvPicPr>
-          <p:cNvPr id="5" name="Immagine 4">
-            <a:extLst>
-              <a:ext uri="{FF2B5EF4-FFF2-40B4-BE49-F238E27FC236}">
-                <a16:creationId xmlns:a16="http://schemas.microsoft.com/office/drawing/2014/main" id="{B6649084-0DD2-4EAC-A020-3B12FA33F337}"/>
-              </a:ext>
-            </a:extLst>
-          </p:cNvPr>
-          <p:cNvPicPr>
-            <a:picLocks noChangeAspect="1"/>
-          </p:cNvPicPr>
-          <p:nvPr/>
-        </p:nvPicPr>
-        <p:blipFill>
-          <a:blip r:embed="rId3"/>
-          <a:stretch>
-            <a:fillRect/>
-          </a:stretch>
-        </p:blipFill>
-        <p:spPr>
-          <a:xfrm>
-            <a:off x="5093862" y="707886"/>
-            <a:ext cx="3137234" cy="2704108"/>
-          </a:xfrm>
-          <a:prstGeom prst="rect">
-            <a:avLst/>
-          </a:prstGeom>
-        </p:spPr>
-      </p:pic>
-      <p:pic>
-        <p:nvPicPr>
-          <p:cNvPr id="8" name="Immagine 7">
-            <a:extLst>
-              <a:ext uri="{FF2B5EF4-FFF2-40B4-BE49-F238E27FC236}">
-                <a16:creationId xmlns:a16="http://schemas.microsoft.com/office/drawing/2014/main" id="{D81B8676-A910-424A-9FCE-6388BB1DE699}"/>
-              </a:ext>
-            </a:extLst>
-          </p:cNvPr>
-          <p:cNvPicPr>
-            <a:picLocks noChangeAspect="1"/>
-          </p:cNvPicPr>
-          <p:nvPr/>
-        </p:nvPicPr>
-        <p:blipFill>
-          <a:blip r:embed="rId4"/>
-          <a:stretch>
-            <a:fillRect/>
-          </a:stretch>
-        </p:blipFill>
-        <p:spPr>
-          <a:xfrm>
-            <a:off x="8253980" y="707886"/>
-            <a:ext cx="3590925" cy="2362200"/>
-          </a:xfrm>
-          <a:prstGeom prst="rect">
-            <a:avLst/>
-          </a:prstGeom>
-        </p:spPr>
-      </p:pic>
-      <p:pic>
-        <p:nvPicPr>
-          <p:cNvPr id="11" name="Immagine 10">
-            <a:extLst>
-              <a:ext uri="{FF2B5EF4-FFF2-40B4-BE49-F238E27FC236}">
-                <a16:creationId xmlns:a16="http://schemas.microsoft.com/office/drawing/2014/main" id="{F6FB8342-BA10-4812-BC33-4A8619960DE7}"/>
-              </a:ext>
-            </a:extLst>
-          </p:cNvPr>
-          <p:cNvPicPr>
-            <a:picLocks noChangeAspect="1"/>
-          </p:cNvPicPr>
-          <p:nvPr/>
-        </p:nvPicPr>
-        <p:blipFill>
-          <a:blip r:embed="rId5"/>
-          <a:stretch>
-            <a:fillRect/>
-          </a:stretch>
-        </p:blipFill>
-        <p:spPr>
-          <a:xfrm>
-            <a:off x="6435635" y="3581400"/>
-            <a:ext cx="5409270" cy="3194184"/>
-          </a:xfrm>
-          <a:prstGeom prst="rect">
-            <a:avLst/>
-          </a:prstGeom>
-        </p:spPr>
-      </p:pic>
-      <p:sp>
-        <p:nvSpPr>
-          <p:cNvPr id="12" name="CasellaDiTesto 11">
-            <a:extLst>
-              <a:ext uri="{FF2B5EF4-FFF2-40B4-BE49-F238E27FC236}">
-                <a16:creationId xmlns:a16="http://schemas.microsoft.com/office/drawing/2014/main" id="{8F106140-6EBF-472F-AFA0-9C99EDA1D00C}"/>
-              </a:ext>
-            </a:extLst>
-          </p:cNvPr>
-          <p:cNvSpPr txBox="1"/>
-          <p:nvPr/>
-        </p:nvSpPr>
-        <p:spPr>
-          <a:xfrm>
-            <a:off x="-361397" y="4088499"/>
-            <a:ext cx="6304997" cy="1477328"/>
-          </a:xfrm>
-          <a:prstGeom prst="rect">
-            <a:avLst/>
-          </a:prstGeom>
-          <a:noFill/>
-        </p:spPr>
-        <p:txBody>
-          <a:bodyPr wrap="square" rtlCol="0">
-            <a:spAutoFit/>
-          </a:bodyPr>
-          <a:lstStyle/>
-          <a:p>
-            <a:pPr marL="742950" lvl="1" indent="-285750" algn="just">
-              <a:buFont typeface="Arial" panose="020B0604020202020204" pitchFamily="34" charset="0"/>
-              <a:buChar char="•"/>
-              <a:defRPr/>
-            </a:pPr>
-            <a:r>
-              <a:rPr lang="it-IT" dirty="0">
-                <a:solidFill>
-                  <a:srgbClr val="002060"/>
-                </a:solidFill>
-                <a:latin typeface="Arial" panose="020B0604020202020204" pitchFamily="34" charset="0"/>
-                <a:cs typeface="Arial" panose="020B0604020202020204" pitchFamily="34" charset="0"/>
-              </a:rPr>
-              <a:t>Tramite l’utilizzo di una PCA si visualizza una curva di </a:t>
-            </a:r>
-            <a:r>
-              <a:rPr lang="it-IT" dirty="0" err="1">
-                <a:solidFill>
-                  <a:srgbClr val="002060"/>
-                </a:solidFill>
-                <a:latin typeface="Arial" panose="020B0604020202020204" pitchFamily="34" charset="0"/>
-                <a:cs typeface="Arial" panose="020B0604020202020204" pitchFamily="34" charset="0"/>
-              </a:rPr>
-              <a:t>roc</a:t>
-            </a:r>
-            <a:r>
-              <a:rPr lang="it-IT" dirty="0">
-                <a:solidFill>
-                  <a:srgbClr val="002060"/>
-                </a:solidFill>
-                <a:latin typeface="Arial" panose="020B0604020202020204" pitchFamily="34" charset="0"/>
-                <a:cs typeface="Arial" panose="020B0604020202020204" pitchFamily="34" charset="0"/>
-              </a:rPr>
-              <a:t> eccellente.</a:t>
-            </a:r>
-          </a:p>
-          <a:p>
-            <a:pPr marL="742950" lvl="1" indent="-285750" algn="just">
-              <a:buFont typeface="Arial" panose="020B0604020202020204" pitchFamily="34" charset="0"/>
-              <a:buChar char="•"/>
-              <a:defRPr/>
-            </a:pPr>
-            <a:endParaRPr lang="it-IT" dirty="0">
-              <a:solidFill>
-                <a:srgbClr val="002060"/>
-              </a:solidFill>
-              <a:latin typeface="Arial" panose="020B0604020202020204" pitchFamily="34" charset="0"/>
-              <a:cs typeface="Arial" panose="020B0604020202020204" pitchFamily="34" charset="0"/>
-            </a:endParaRPr>
-          </a:p>
-          <a:p>
-            <a:pPr marL="742950" lvl="1" indent="-285750" algn="just">
-              <a:buFont typeface="Arial" panose="020B0604020202020204" pitchFamily="34" charset="0"/>
-              <a:buChar char="•"/>
-              <a:defRPr/>
-            </a:pPr>
-            <a:r>
-              <a:rPr lang="it-IT" dirty="0">
-                <a:solidFill>
-                  <a:srgbClr val="002060"/>
-                </a:solidFill>
-                <a:latin typeface="Arial" panose="020B0604020202020204" pitchFamily="34" charset="0"/>
-                <a:cs typeface="Arial" panose="020B0604020202020204" pitchFamily="34" charset="0"/>
-              </a:rPr>
-              <a:t>Un dataset in questo formato si adatta bene anche in questo contesto.</a:t>
-            </a:r>
-          </a:p>
-        </p:txBody>
-      </p:sp>
-    </p:spTree>
-    <p:extLst>
-      <p:ext uri="{BB962C8B-B14F-4D97-AF65-F5344CB8AC3E}">
-        <p14:creationId xmlns:p14="http://schemas.microsoft.com/office/powerpoint/2010/main" val="159851700"/>
-      </p:ext>
-    </p:extLst>
-  </p:cSld>
-  <p:clrMapOvr>
-    <a:masterClrMapping/>
-  </p:clrMapOvr>
-  <p:transition spd="med">
-    <p:pull/>
-  </p:transition>
-</p:sld>
-</file>
-
-<file path=ppt/slides/slide21.xml><?xml version="1.0" encoding="utf-8"?>
-<p:sld xmlns:a="http://schemas.openxmlformats.org/drawingml/2006/main" xmlns:r="http://schemas.openxmlformats.org/officeDocument/2006/relationships" xmlns:p="http://schemas.openxmlformats.org/presentationml/2006/main">
-  <p:cSld>
-    <p:spTree>
-      <p:nvGrpSpPr>
-        <p:cNvPr id="1" name=""/>
-        <p:cNvGrpSpPr/>
-        <p:nvPr/>
-      </p:nvGrpSpPr>
-      <p:grpSpPr>
-        <a:xfrm>
-          <a:off x="0" y="0"/>
-          <a:ext cx="0" cy="0"/>
-          <a:chOff x="0" y="0"/>
-          <a:chExt cx="0" cy="0"/>
-        </a:xfrm>
-      </p:grpSpPr>
-      <p:sp>
-        <p:nvSpPr>
-          <p:cNvPr id="2" name="Elaborazione 1">
-            <a:extLst>
-              <a:ext uri="{FF2B5EF4-FFF2-40B4-BE49-F238E27FC236}">
-                <a16:creationId xmlns:a16="http://schemas.microsoft.com/office/drawing/2014/main" id="{4F897BD9-AD8F-4F55-855B-3CEF455EA9F6}"/>
-              </a:ext>
-            </a:extLst>
-          </p:cNvPr>
-          <p:cNvSpPr/>
-          <p:nvPr/>
-        </p:nvSpPr>
-        <p:spPr>
-          <a:xfrm>
-            <a:off x="262648" y="101740"/>
-            <a:ext cx="5680952" cy="606146"/>
-          </a:xfrm>
-          <a:prstGeom prst="flowChartProcess">
-            <a:avLst/>
-          </a:prstGeom>
-          <a:solidFill>
-            <a:schemeClr val="accent5">
-              <a:lumMod val="75000"/>
-            </a:schemeClr>
-          </a:solidFill>
-        </p:spPr>
-        <p:style>
-          <a:lnRef idx="2">
-            <a:schemeClr val="accent1">
-              <a:shade val="50000"/>
-            </a:schemeClr>
-          </a:lnRef>
-          <a:fillRef idx="1">
-            <a:schemeClr val="accent1"/>
-          </a:fillRef>
-          <a:effectRef idx="0">
-            <a:schemeClr val="accent1"/>
-          </a:effectRef>
-          <a:fontRef idx="minor">
-            <a:schemeClr val="lt1"/>
-          </a:fontRef>
-        </p:style>
-        <p:txBody>
-          <a:bodyPr rtlCol="0" anchor="ctr"/>
-          <a:lstStyle/>
-          <a:p>
-            <a:pPr algn="ctr"/>
-            <a:endParaRPr lang="it-IT"/>
-          </a:p>
-        </p:txBody>
-      </p:sp>
-      <p:sp>
-        <p:nvSpPr>
-          <p:cNvPr id="3" name="CasellaDiTesto 2">
-            <a:extLst>
-              <a:ext uri="{FF2B5EF4-FFF2-40B4-BE49-F238E27FC236}">
-                <a16:creationId xmlns:a16="http://schemas.microsoft.com/office/drawing/2014/main" id="{91D0514C-8919-4A62-AEB2-C4097699756E}"/>
-              </a:ext>
-            </a:extLst>
-          </p:cNvPr>
-          <p:cNvSpPr txBox="1"/>
-          <p:nvPr/>
-        </p:nvSpPr>
-        <p:spPr>
-          <a:xfrm>
-            <a:off x="262648" y="122500"/>
-            <a:ext cx="5833352" cy="400110"/>
-          </a:xfrm>
-          <a:prstGeom prst="rect">
-            <a:avLst/>
-          </a:prstGeom>
-          <a:noFill/>
-        </p:spPr>
-        <p:txBody>
-          <a:bodyPr wrap="square" rtlCol="0">
-            <a:spAutoFit/>
-          </a:bodyPr>
-          <a:lstStyle/>
-          <a:p>
-            <a:r>
               <a:rPr lang="it-IT" sz="2000" dirty="0">
                 <a:solidFill>
                   <a:schemeClr val="bg1"/>
@@ -12482,21 +10895,6 @@
 <file path=ppt/slides/slide3.xml><?xml version="1.0" encoding="utf-8"?>
 <p:sld xmlns:a="http://schemas.openxmlformats.org/drawingml/2006/main" xmlns:r="http://schemas.openxmlformats.org/officeDocument/2006/relationships" xmlns:p="http://schemas.openxmlformats.org/presentationml/2006/main">
   <p:cSld>
-    <p:bg>
-      <p:bgPr>
-        <a:blipFill dpi="0" rotWithShape="1">
-          <a:blip r:embed="rId3">
-            <a:alphaModFix amt="5000"/>
-            <a:lum/>
-          </a:blip>
-          <a:srcRect/>
-          <a:stretch>
-            <a:fillRect t="-10000" b="-10000"/>
-          </a:stretch>
-        </a:blipFill>
-        <a:effectLst/>
-      </p:bgPr>
-    </p:bg>
     <p:spTree>
       <p:nvGrpSpPr>
         <p:cNvPr id="1" name=""/>
@@ -12651,7 +11049,7 @@
                 <a:ea typeface="+mn-ea"/>
                 <a:cs typeface="+mn-cs"/>
               </a:rPr>
-              <a:t>Metodologia adottata: CRISP-DM</a:t>
+              <a:t>Fasi: Metodologia CRISP-DM</a:t>
             </a:r>
           </a:p>
         </p:txBody>
@@ -13344,7 +11742,7 @@
           <p:nvPr/>
         </p:nvPicPr>
         <p:blipFill>
-          <a:blip r:embed="rId4"/>
+          <a:blip r:embed="rId3"/>
           <a:stretch>
             <a:fillRect/>
           </a:stretch>
@@ -13504,7 +11902,7 @@
         <p:spPr>
           <a:xfrm>
             <a:off x="80304" y="565074"/>
-            <a:ext cx="11726591" cy="4247317"/>
+            <a:ext cx="11726591" cy="3970318"/>
           </a:xfrm>
           <a:prstGeom prst="rect">
             <a:avLst/>
@@ -13516,6 +11914,67 @@
             <a:spAutoFit/>
           </a:bodyPr>
           <a:lstStyle/>
+          <a:p>
+            <a:pPr marR="0" lvl="0" algn="just" defTabSz="914400" rtl="0" eaLnBrk="1" fontAlgn="auto" latinLnBrk="0" hangingPunct="1">
+              <a:lnSpc>
+                <a:spcPct val="100000"/>
+              </a:lnSpc>
+              <a:spcBef>
+                <a:spcPts val="0"/>
+              </a:spcBef>
+              <a:spcAft>
+                <a:spcPts val="0"/>
+              </a:spcAft>
+              <a:buClrTx/>
+              <a:buSzTx/>
+              <a:tabLst/>
+              <a:defRPr/>
+            </a:pPr>
+            <a:endParaRPr lang="it-IT" dirty="0">
+              <a:solidFill>
+                <a:srgbClr val="002060"/>
+              </a:solidFill>
+              <a:latin typeface="Arial" panose="020B0604020202020204" pitchFamily="34" charset="0"/>
+              <a:cs typeface="Arial" panose="020B0604020202020204" pitchFamily="34" charset="0"/>
+            </a:endParaRPr>
+          </a:p>
+          <a:p>
+            <a:pPr marL="285750" indent="-285750" algn="just">
+              <a:buFont typeface="Arial" panose="020B0604020202020204" pitchFamily="34" charset="0"/>
+              <a:buChar char="•"/>
+              <a:defRPr/>
+            </a:pPr>
+            <a:r>
+              <a:rPr lang="it-IT" dirty="0">
+                <a:solidFill>
+                  <a:srgbClr val="002060"/>
+                </a:solidFill>
+                <a:latin typeface="Arial" panose="020B0604020202020204" pitchFamily="34" charset="0"/>
+                <a:cs typeface="Arial" panose="020B0604020202020204" pitchFamily="34" charset="0"/>
+              </a:rPr>
+              <a:t>Lavorare con i </a:t>
+            </a:r>
+            <a:r>
+              <a:rPr lang="it-IT" dirty="0" err="1">
+                <a:solidFill>
+                  <a:srgbClr val="002060"/>
+                </a:solidFill>
+                <a:latin typeface="Arial" panose="020B0604020202020204" pitchFamily="34" charset="0"/>
+                <a:cs typeface="Arial" panose="020B0604020202020204" pitchFamily="34" charset="0"/>
+              </a:rPr>
+              <a:t>KPIs</a:t>
+            </a:r>
+            <a:r>
+              <a:rPr lang="it-IT" dirty="0">
+                <a:solidFill>
+                  <a:srgbClr val="002060"/>
+                </a:solidFill>
+                <a:latin typeface="Arial" panose="020B0604020202020204" pitchFamily="34" charset="0"/>
+                <a:cs typeface="Arial" panose="020B0604020202020204" pitchFamily="34" charset="0"/>
+              </a:rPr>
+              <a:t> permette di visualizzare informazioni rilevanti di per se complesse.</a:t>
+            </a:r>
+          </a:p>
           <a:p>
             <a:pPr marR="0" lvl="0" algn="just" defTabSz="914400" rtl="0" eaLnBrk="1" fontAlgn="auto" latinLnBrk="0" hangingPunct="1">
               <a:lnSpc>
@@ -13699,25 +12158,11 @@
               </a:rPr>
               <a:t>Soglie di stato</a:t>
             </a:r>
-          </a:p>
-          <a:p>
-            <a:pPr marL="800100" lvl="1" indent="-342900" algn="just">
-              <a:buFont typeface="+mj-lt"/>
-              <a:buAutoNum type="arabicPeriod"/>
-              <a:defRPr/>
-            </a:pPr>
-            <a:endParaRPr kumimoji="0" lang="it-IT" b="0" i="0" u="none" strike="noStrike" kern="1200" cap="none" spc="0" normalizeH="0" baseline="0" noProof="0" dirty="0">
-              <a:ln>
-                <a:noFill/>
-              </a:ln>
+            <a:endParaRPr lang="it-IT" dirty="0">
               <a:solidFill>
                 <a:srgbClr val="002060"/>
               </a:solidFill>
-              <a:effectLst/>
-              <a:uLnTx/>
-              <a:uFillTx/>
               <a:latin typeface="Arial" panose="020B0604020202020204" pitchFamily="34" charset="0"/>
-              <a:ea typeface="+mn-ea"/>
               <a:cs typeface="Arial" panose="020B0604020202020204" pitchFamily="34" charset="0"/>
             </a:endParaRPr>
           </a:p>
@@ -13739,36 +12184,20 @@
               <a:tabLst/>
               <a:defRPr/>
             </a:pPr>
-            <a:r>
-              <a:rPr lang="it-IT" dirty="0">
-                <a:solidFill>
-                  <a:srgbClr val="002060"/>
-                </a:solidFill>
-                <a:latin typeface="Arial" panose="020B0604020202020204" pitchFamily="34" charset="0"/>
-                <a:cs typeface="Arial" panose="020B0604020202020204" pitchFamily="34" charset="0"/>
-              </a:rPr>
-              <a:t>Lavorare con i </a:t>
-            </a:r>
-            <a:r>
-              <a:rPr lang="it-IT" dirty="0" err="1">
-                <a:solidFill>
-                  <a:srgbClr val="002060"/>
-                </a:solidFill>
-                <a:latin typeface="Arial" panose="020B0604020202020204" pitchFamily="34" charset="0"/>
-                <a:cs typeface="Arial" panose="020B0604020202020204" pitchFamily="34" charset="0"/>
-              </a:rPr>
-              <a:t>KPIs</a:t>
-            </a:r>
-            <a:r>
-              <a:rPr lang="it-IT" dirty="0">
-                <a:solidFill>
-                  <a:srgbClr val="002060"/>
-                </a:solidFill>
-                <a:latin typeface="Arial" panose="020B0604020202020204" pitchFamily="34" charset="0"/>
-                <a:cs typeface="Arial" panose="020B0604020202020204" pitchFamily="34" charset="0"/>
-              </a:rPr>
-              <a:t> permette di visualizzare informazioni rilevanti di per se complesse.</a:t>
-            </a:r>
+            <a:endParaRPr kumimoji="0" lang="it-IT" sz="1800" b="0" i="0" u="none" strike="noStrike" kern="1200" cap="none" spc="0" normalizeH="0" baseline="0" noProof="0" dirty="0">
+              <a:ln>
+                <a:noFill/>
+              </a:ln>
+              <a:solidFill>
+                <a:srgbClr val="002060"/>
+              </a:solidFill>
+              <a:effectLst/>
+              <a:uLnTx/>
+              <a:uFillTx/>
+              <a:latin typeface="Arial" panose="020B0604020202020204" pitchFamily="34" charset="0"/>
+              <a:ea typeface="+mn-ea"/>
+              <a:cs typeface="Arial" panose="020B0604020202020204" pitchFamily="34" charset="0"/>
+            </a:endParaRPr>
           </a:p>
           <a:p>
             <a:pPr marL="285750" marR="0" lvl="0" indent="-285750" algn="just" defTabSz="914400" rtl="0" eaLnBrk="1" fontAlgn="auto" latinLnBrk="0" hangingPunct="1">
@@ -13788,11 +12217,18 @@
               <a:tabLst/>
               <a:defRPr/>
             </a:pPr>
-            <a:endParaRPr lang="it-IT" dirty="0">
+            <a:endParaRPr kumimoji="0" lang="it-IT" sz="1800" b="0" i="0" u="none" strike="noStrike" kern="1200" cap="none" spc="0" normalizeH="0" baseline="0" noProof="0" dirty="0">
+              <a:ln>
+                <a:noFill/>
+              </a:ln>
               <a:solidFill>
                 <a:srgbClr val="002060"/>
               </a:solidFill>
+              <a:effectLst/>
+              <a:uLnTx/>
+              <a:uFillTx/>
               <a:latin typeface="Arial" panose="020B0604020202020204" pitchFamily="34" charset="0"/>
+              <a:ea typeface="+mn-ea"/>
               <a:cs typeface="Arial" panose="020B0604020202020204" pitchFamily="34" charset="0"/>
             </a:endParaRPr>
           </a:p>
@@ -13830,21 +12266,9 @@
             </a:endParaRPr>
           </a:p>
           <a:p>
-            <a:pPr marL="285750" marR="0" lvl="0" indent="-285750" algn="just" defTabSz="914400" rtl="0" eaLnBrk="1" fontAlgn="auto" latinLnBrk="0" hangingPunct="1">
-              <a:lnSpc>
-                <a:spcPct val="100000"/>
-              </a:lnSpc>
-              <a:spcBef>
-                <a:spcPts val="0"/>
-              </a:spcBef>
-              <a:spcAft>
-                <a:spcPts val="0"/>
-              </a:spcAft>
-              <a:buClrTx/>
-              <a:buSzTx/>
-              <a:buFont typeface="Arial" panose="020B0604020202020204" pitchFamily="34" charset="0"/>
-              <a:buChar char="•"/>
-              <a:tabLst/>
+            <a:pPr marL="800100" lvl="1" indent="-342900" algn="just">
+              <a:buFont typeface="+mj-lt"/>
+              <a:buAutoNum type="arabicPeriod"/>
               <a:defRPr/>
             </a:pPr>
             <a:endParaRPr kumimoji="0" lang="it-IT" sz="1800" b="0" i="0" u="none" strike="noStrike" kern="1200" cap="none" spc="0" normalizeH="0" baseline="0" noProof="0" dirty="0">
@@ -13862,60 +12286,6 @@
               <a:cs typeface="Arial" panose="020B0604020202020204" pitchFamily="34" charset="0"/>
             </a:endParaRPr>
           </a:p>
-          <a:p>
-            <a:pPr marL="285750" marR="0" lvl="0" indent="-285750" algn="just" defTabSz="914400" rtl="0" eaLnBrk="1" fontAlgn="auto" latinLnBrk="0" hangingPunct="1">
-              <a:lnSpc>
-                <a:spcPct val="100000"/>
-              </a:lnSpc>
-              <a:spcBef>
-                <a:spcPts val="0"/>
-              </a:spcBef>
-              <a:spcAft>
-                <a:spcPts val="0"/>
-              </a:spcAft>
-              <a:buClrTx/>
-              <a:buSzTx/>
-              <a:buFont typeface="Arial" panose="020B0604020202020204" pitchFamily="34" charset="0"/>
-              <a:buChar char="•"/>
-              <a:tabLst/>
-              <a:defRPr/>
-            </a:pPr>
-            <a:endParaRPr kumimoji="0" lang="it-IT" sz="1800" b="0" i="0" u="none" strike="noStrike" kern="1200" cap="none" spc="0" normalizeH="0" baseline="0" noProof="0" dirty="0">
-              <a:ln>
-                <a:noFill/>
-              </a:ln>
-              <a:solidFill>
-                <a:srgbClr val="002060"/>
-              </a:solidFill>
-              <a:effectLst/>
-              <a:uLnTx/>
-              <a:uFillTx/>
-              <a:latin typeface="Arial" panose="020B0604020202020204" pitchFamily="34" charset="0"/>
-              <a:ea typeface="+mn-ea"/>
-              <a:cs typeface="Arial" panose="020B0604020202020204" pitchFamily="34" charset="0"/>
-            </a:endParaRPr>
-          </a:p>
-          <a:p>
-            <a:pPr marL="800100" lvl="1" indent="-342900" algn="just">
-              <a:buFont typeface="+mj-lt"/>
-              <a:buAutoNum type="arabicPeriod"/>
-              <a:defRPr/>
-            </a:pPr>
-            <a:endParaRPr kumimoji="0" lang="it-IT" sz="1800" b="0" i="0" u="none" strike="noStrike" kern="1200" cap="none" spc="0" normalizeH="0" baseline="0" noProof="0" dirty="0">
-              <a:ln>
-                <a:noFill/>
-              </a:ln>
-              <a:solidFill>
-                <a:srgbClr val="002060"/>
-              </a:solidFill>
-              <a:effectLst/>
-              <a:uLnTx/>
-              <a:uFillTx/>
-              <a:latin typeface="Arial" panose="020B0604020202020204" pitchFamily="34" charset="0"/>
-              <a:ea typeface="+mn-ea"/>
-              <a:cs typeface="Arial" panose="020B0604020202020204" pitchFamily="34" charset="0"/>
-            </a:endParaRPr>
-          </a:p>
         </p:txBody>
       </p:sp>
       <p:sp>
@@ -13985,7 +12355,7 @@
         </p:blipFill>
         <p:spPr>
           <a:xfrm>
-            <a:off x="8725787" y="792351"/>
+            <a:off x="8534401" y="1290660"/>
             <a:ext cx="2693581" cy="2266282"/>
           </a:xfrm>
           <a:prstGeom prst="rect">
@@ -14099,7 +12469,7 @@
         <p:spPr>
           <a:xfrm>
             <a:off x="80304" y="4307767"/>
-            <a:ext cx="6628236" cy="3693319"/>
+            <a:ext cx="6628236" cy="2862322"/>
           </a:xfrm>
           <a:prstGeom prst="rect">
             <a:avLst/>
@@ -14111,75 +12481,6 @@
             <a:spAutoFit/>
           </a:bodyPr>
           <a:lstStyle/>
-          <a:p>
-            <a:pPr marL="285750" marR="0" lvl="0" indent="-285750" algn="just" defTabSz="914400" rtl="0" eaLnBrk="1" fontAlgn="auto" latinLnBrk="0" hangingPunct="1">
-              <a:lnSpc>
-                <a:spcPct val="100000"/>
-              </a:lnSpc>
-              <a:spcBef>
-                <a:spcPts val="0"/>
-              </a:spcBef>
-              <a:spcAft>
-                <a:spcPts val="0"/>
-              </a:spcAft>
-              <a:buClrTx/>
-              <a:buSzTx/>
-              <a:buFont typeface="Arial" panose="020B0604020202020204" pitchFamily="34" charset="0"/>
-              <a:buChar char="•"/>
-              <a:tabLst/>
-              <a:defRPr/>
-            </a:pPr>
-            <a:r>
-              <a:rPr kumimoji="0" lang="it-IT" sz="1800" b="0" i="0" u="none" strike="noStrike" kern="1200" cap="none" spc="0" normalizeH="0" baseline="0" noProof="0" dirty="0">
-                <a:ln>
-                  <a:noFill/>
-                </a:ln>
-                <a:solidFill>
-                  <a:srgbClr val="002060"/>
-                </a:solidFill>
-                <a:effectLst/>
-                <a:uLnTx/>
-                <a:uFillTx/>
-                <a:latin typeface="Arial" panose="020B0604020202020204" pitchFamily="34" charset="0"/>
-                <a:ea typeface="+mn-ea"/>
-                <a:cs typeface="Arial" panose="020B0604020202020204" pitchFamily="34" charset="0"/>
-              </a:rPr>
-              <a:t>Tutti i dati sono appetibili per poterci ricavare delle informazioni ma devono essere tradotti in formato digitale </a:t>
-            </a:r>
-          </a:p>
-          <a:p>
-            <a:pPr marL="285750" marR="0" lvl="0" indent="-285750" algn="just" defTabSz="914400" rtl="0" eaLnBrk="1" fontAlgn="auto" latinLnBrk="0" hangingPunct="1">
-              <a:lnSpc>
-                <a:spcPct val="100000"/>
-              </a:lnSpc>
-              <a:spcBef>
-                <a:spcPts val="0"/>
-              </a:spcBef>
-              <a:spcAft>
-                <a:spcPts val="0"/>
-              </a:spcAft>
-              <a:buClrTx/>
-              <a:buSzTx/>
-              <a:buFont typeface="Arial" panose="020B0604020202020204" pitchFamily="34" charset="0"/>
-              <a:buChar char="•"/>
-              <a:tabLst/>
-              <a:defRPr/>
-            </a:pPr>
-            <a:endParaRPr kumimoji="0" lang="it-IT" sz="1800" b="0" i="0" u="none" strike="noStrike" kern="1200" cap="none" spc="0" normalizeH="0" baseline="0" noProof="0" dirty="0">
-              <a:ln>
-                <a:noFill/>
-              </a:ln>
-              <a:solidFill>
-                <a:srgbClr val="002060"/>
-              </a:solidFill>
-              <a:effectLst/>
-              <a:uLnTx/>
-              <a:uFillTx/>
-              <a:latin typeface="Arial" panose="020B0604020202020204" pitchFamily="34" charset="0"/>
-              <a:ea typeface="+mn-ea"/>
-              <a:cs typeface="Arial" panose="020B0604020202020204" pitchFamily="34" charset="0"/>
-            </a:endParaRPr>
-          </a:p>
           <a:p>
             <a:pPr marR="0" lvl="0" algn="just" defTabSz="914400" rtl="0" eaLnBrk="1" fontAlgn="auto" latinLnBrk="0" hangingPunct="1">
               <a:lnSpc>
@@ -14675,8 +12976,8 @@
         </p:nvSpPr>
         <p:spPr>
           <a:xfrm>
-            <a:off x="0" y="727599"/>
-            <a:ext cx="11865935" cy="2031325"/>
+            <a:off x="221107" y="643229"/>
+            <a:ext cx="11865935" cy="3970318"/>
           </a:xfrm>
           <a:prstGeom prst="rect">
             <a:avLst/>
@@ -14757,40 +13058,6 @@
               </a:rPr>
               <a:t>Boosting</a:t>
             </a:r>
-            <a:r>
-              <a:rPr kumimoji="0" lang="it-IT" sz="1800" b="0" i="0" u="none" strike="noStrike" kern="1200" cap="none" spc="0" normalizeH="0" baseline="0" noProof="0" dirty="0">
-                <a:ln>
-                  <a:noFill/>
-                </a:ln>
-                <a:solidFill>
-                  <a:srgbClr val="002060"/>
-                </a:solidFill>
-                <a:effectLst/>
-                <a:uLnTx/>
-                <a:uFillTx/>
-                <a:latin typeface="Arial" panose="020B0604020202020204" pitchFamily="34" charset="0"/>
-                <a:ea typeface="+mn-ea"/>
-                <a:cs typeface="Arial" panose="020B0604020202020204" pitchFamily="34" charset="0"/>
-              </a:rPr>
-              <a:t>: tecnica di ensemble learning che combina più classificatori deboli per formarne uno forte</a:t>
-            </a:r>
-          </a:p>
-          <a:p>
-            <a:pPr marR="0" lvl="0" algn="just" defTabSz="914400" rtl="0" eaLnBrk="1" fontAlgn="auto" latinLnBrk="0" hangingPunct="1">
-              <a:lnSpc>
-                <a:spcPct val="100000"/>
-              </a:lnSpc>
-              <a:spcBef>
-                <a:spcPts val="0"/>
-              </a:spcBef>
-              <a:spcAft>
-                <a:spcPts val="0"/>
-              </a:spcAft>
-              <a:buClrTx/>
-              <a:buSzTx/>
-              <a:tabLst/>
-              <a:defRPr/>
-            </a:pPr>
             <a:endParaRPr lang="it-IT" dirty="0">
               <a:solidFill>
                 <a:srgbClr val="002060"/>
@@ -14892,24 +13159,7 @@
                 <a:ea typeface="+mn-ea"/>
                 <a:cs typeface="Arial" panose="020B0604020202020204" pitchFamily="34" charset="0"/>
               </a:rPr>
-              <a:t> Machine: </a:t>
-            </a:r>
-            <a:r>
-              <a:rPr kumimoji="0" lang="it-IT" sz="1800" b="0" i="0" u="none" strike="noStrike" kern="1200" cap="none" spc="0" normalizeH="0" baseline="0" noProof="0" dirty="0">
-                <a:ln>
-                  <a:noFill/>
-                </a:ln>
-                <a:solidFill>
-                  <a:srgbClr val="002060"/>
-                </a:solidFill>
-                <a:effectLst/>
-                <a:uLnTx/>
-                <a:uFillTx/>
-                <a:latin typeface="Arial" panose="020B0604020202020204" pitchFamily="34" charset="0"/>
-                <a:ea typeface="+mn-ea"/>
-                <a:cs typeface="Arial" panose="020B0604020202020204" pitchFamily="34" charset="0"/>
-              </a:rPr>
-              <a:t>algoritmo di apprendimento supervisionato che identifica il miglior iperpiano per dividere il set di dati. </a:t>
+              <a:t> Machine</a:t>
             </a:r>
           </a:p>
           <a:p>
@@ -14930,18 +13180,11 @@
               <a:tabLst/>
               <a:defRPr/>
             </a:pPr>
-            <a:endParaRPr kumimoji="0" lang="it-IT" sz="1800" b="0" i="0" u="none" strike="noStrike" kern="1200" cap="none" spc="0" normalizeH="0" baseline="0" noProof="0" dirty="0">
-              <a:ln>
-                <a:noFill/>
-              </a:ln>
+            <a:endParaRPr lang="it-IT" b="1" dirty="0">
               <a:solidFill>
                 <a:srgbClr val="002060"/>
               </a:solidFill>
-              <a:effectLst/>
-              <a:uLnTx/>
-              <a:uFillTx/>
               <a:latin typeface="Arial" panose="020B0604020202020204" pitchFamily="34" charset="0"/>
-              <a:ea typeface="+mn-ea"/>
               <a:cs typeface="Arial" panose="020B0604020202020204" pitchFamily="34" charset="0"/>
             </a:endParaRPr>
           </a:p>
@@ -14963,6 +13206,251 @@
               <a:tabLst/>
               <a:defRPr/>
             </a:pPr>
+            <a:r>
+              <a:rPr lang="it-IT" b="1" dirty="0">
+                <a:solidFill>
+                  <a:srgbClr val="002060"/>
+                </a:solidFill>
+                <a:latin typeface="Arial" panose="020B0604020202020204" pitchFamily="34" charset="0"/>
+                <a:cs typeface="Arial" panose="020B0604020202020204" pitchFamily="34" charset="0"/>
+              </a:rPr>
+              <a:t>KNN</a:t>
+            </a:r>
+          </a:p>
+          <a:p>
+            <a:pPr marL="285750" marR="0" lvl="0" indent="-285750" algn="just" defTabSz="914400" rtl="0" eaLnBrk="1" fontAlgn="auto" latinLnBrk="0" hangingPunct="1">
+              <a:lnSpc>
+                <a:spcPct val="100000"/>
+              </a:lnSpc>
+              <a:spcBef>
+                <a:spcPts val="0"/>
+              </a:spcBef>
+              <a:spcAft>
+                <a:spcPts val="0"/>
+              </a:spcAft>
+              <a:buClrTx/>
+              <a:buSzTx/>
+              <a:buFont typeface="Arial" panose="020B0604020202020204" pitchFamily="34" charset="0"/>
+              <a:buChar char="•"/>
+              <a:tabLst/>
+              <a:defRPr/>
+            </a:pPr>
+            <a:endParaRPr lang="it-IT" b="1" dirty="0">
+              <a:solidFill>
+                <a:srgbClr val="002060"/>
+              </a:solidFill>
+              <a:latin typeface="Arial" panose="020B0604020202020204" pitchFamily="34" charset="0"/>
+              <a:cs typeface="Arial" panose="020B0604020202020204" pitchFamily="34" charset="0"/>
+            </a:endParaRPr>
+          </a:p>
+          <a:p>
+            <a:pPr marL="285750" marR="0" lvl="0" indent="-285750" algn="just" defTabSz="914400" rtl="0" eaLnBrk="1" fontAlgn="auto" latinLnBrk="0" hangingPunct="1">
+              <a:lnSpc>
+                <a:spcPct val="100000"/>
+              </a:lnSpc>
+              <a:spcBef>
+                <a:spcPts val="0"/>
+              </a:spcBef>
+              <a:spcAft>
+                <a:spcPts val="0"/>
+              </a:spcAft>
+              <a:buClrTx/>
+              <a:buSzTx/>
+              <a:buFont typeface="Arial" panose="020B0604020202020204" pitchFamily="34" charset="0"/>
+              <a:buChar char="•"/>
+              <a:tabLst/>
+              <a:defRPr/>
+            </a:pPr>
+            <a:r>
+              <a:rPr lang="it-IT" b="1" dirty="0">
+                <a:solidFill>
+                  <a:srgbClr val="002060"/>
+                </a:solidFill>
+                <a:latin typeface="Arial" panose="020B0604020202020204" pitchFamily="34" charset="0"/>
+                <a:cs typeface="Arial" panose="020B0604020202020204" pitchFamily="34" charset="0"/>
+              </a:rPr>
+              <a:t>Random </a:t>
+            </a:r>
+            <a:r>
+              <a:rPr lang="it-IT" b="1" dirty="0" err="1">
+                <a:solidFill>
+                  <a:srgbClr val="002060"/>
+                </a:solidFill>
+                <a:latin typeface="Arial" panose="020B0604020202020204" pitchFamily="34" charset="0"/>
+                <a:cs typeface="Arial" panose="020B0604020202020204" pitchFamily="34" charset="0"/>
+              </a:rPr>
+              <a:t>Forest</a:t>
+            </a:r>
+            <a:endParaRPr lang="it-IT" b="1" dirty="0">
+              <a:solidFill>
+                <a:srgbClr val="002060"/>
+              </a:solidFill>
+              <a:latin typeface="Arial" panose="020B0604020202020204" pitchFamily="34" charset="0"/>
+              <a:cs typeface="Arial" panose="020B0604020202020204" pitchFamily="34" charset="0"/>
+            </a:endParaRPr>
+          </a:p>
+          <a:p>
+            <a:pPr marL="285750" marR="0" lvl="0" indent="-285750" algn="just" defTabSz="914400" rtl="0" eaLnBrk="1" fontAlgn="auto" latinLnBrk="0" hangingPunct="1">
+              <a:lnSpc>
+                <a:spcPct val="100000"/>
+              </a:lnSpc>
+              <a:spcBef>
+                <a:spcPts val="0"/>
+              </a:spcBef>
+              <a:spcAft>
+                <a:spcPts val="0"/>
+              </a:spcAft>
+              <a:buClrTx/>
+              <a:buSzTx/>
+              <a:buFont typeface="Arial" panose="020B0604020202020204" pitchFamily="34" charset="0"/>
+              <a:buChar char="•"/>
+              <a:tabLst/>
+              <a:defRPr/>
+            </a:pPr>
+            <a:endParaRPr lang="it-IT" b="1" dirty="0">
+              <a:solidFill>
+                <a:srgbClr val="002060"/>
+              </a:solidFill>
+              <a:latin typeface="Arial" panose="020B0604020202020204" pitchFamily="34" charset="0"/>
+              <a:cs typeface="Arial" panose="020B0604020202020204" pitchFamily="34" charset="0"/>
+            </a:endParaRPr>
+          </a:p>
+          <a:p>
+            <a:pPr marL="285750" marR="0" lvl="0" indent="-285750" algn="just" defTabSz="914400" rtl="0" eaLnBrk="1" fontAlgn="auto" latinLnBrk="0" hangingPunct="1">
+              <a:lnSpc>
+                <a:spcPct val="100000"/>
+              </a:lnSpc>
+              <a:spcBef>
+                <a:spcPts val="0"/>
+              </a:spcBef>
+              <a:spcAft>
+                <a:spcPts val="0"/>
+              </a:spcAft>
+              <a:buClrTx/>
+              <a:buSzTx/>
+              <a:buFont typeface="Arial" panose="020B0604020202020204" pitchFamily="34" charset="0"/>
+              <a:buChar char="•"/>
+              <a:tabLst/>
+              <a:defRPr/>
+            </a:pPr>
+            <a:endParaRPr lang="it-IT" b="1" dirty="0">
+              <a:solidFill>
+                <a:srgbClr val="002060"/>
+              </a:solidFill>
+              <a:latin typeface="Arial" panose="020B0604020202020204" pitchFamily="34" charset="0"/>
+              <a:cs typeface="Arial" panose="020B0604020202020204" pitchFamily="34" charset="0"/>
+            </a:endParaRPr>
+          </a:p>
+          <a:p>
+            <a:pPr marL="285750" marR="0" lvl="0" indent="-285750" algn="just" defTabSz="914400" rtl="0" eaLnBrk="1" fontAlgn="auto" latinLnBrk="0" hangingPunct="1">
+              <a:lnSpc>
+                <a:spcPct val="100000"/>
+              </a:lnSpc>
+              <a:spcBef>
+                <a:spcPts val="0"/>
+              </a:spcBef>
+              <a:spcAft>
+                <a:spcPts val="0"/>
+              </a:spcAft>
+              <a:buClrTx/>
+              <a:buSzTx/>
+              <a:buFont typeface="Arial" panose="020B0604020202020204" pitchFamily="34" charset="0"/>
+              <a:buChar char="•"/>
+              <a:tabLst/>
+              <a:defRPr/>
+            </a:pPr>
+            <a:endParaRPr kumimoji="0" lang="it-IT" sz="1800" b="1" i="0" u="none" strike="noStrike" kern="1200" cap="none" spc="0" normalizeH="0" baseline="0" noProof="0" dirty="0">
+              <a:ln>
+                <a:noFill/>
+              </a:ln>
+              <a:solidFill>
+                <a:srgbClr val="002060"/>
+              </a:solidFill>
+              <a:effectLst/>
+              <a:uLnTx/>
+              <a:uFillTx/>
+              <a:latin typeface="Arial" panose="020B0604020202020204" pitchFamily="34" charset="0"/>
+              <a:ea typeface="+mn-ea"/>
+              <a:cs typeface="Arial" panose="020B0604020202020204" pitchFamily="34" charset="0"/>
+            </a:endParaRPr>
+          </a:p>
+          <a:p>
+            <a:pPr marL="285750" marR="0" lvl="0" indent="-285750" algn="just" defTabSz="914400" rtl="0" eaLnBrk="1" fontAlgn="auto" latinLnBrk="0" hangingPunct="1">
+              <a:lnSpc>
+                <a:spcPct val="100000"/>
+              </a:lnSpc>
+              <a:spcBef>
+                <a:spcPts val="0"/>
+              </a:spcBef>
+              <a:spcAft>
+                <a:spcPts val="0"/>
+              </a:spcAft>
+              <a:buClrTx/>
+              <a:buSzTx/>
+              <a:buFont typeface="Arial" panose="020B0604020202020204" pitchFamily="34" charset="0"/>
+              <a:buChar char="•"/>
+              <a:tabLst/>
+              <a:defRPr/>
+            </a:pPr>
+            <a:endParaRPr kumimoji="0" lang="it-IT" sz="1800" b="1" i="0" u="none" strike="noStrike" kern="1200" cap="none" spc="0" normalizeH="0" baseline="0" noProof="0" dirty="0">
+              <a:ln>
+                <a:noFill/>
+              </a:ln>
+              <a:solidFill>
+                <a:srgbClr val="002060"/>
+              </a:solidFill>
+              <a:effectLst/>
+              <a:uLnTx/>
+              <a:uFillTx/>
+              <a:latin typeface="Arial" panose="020B0604020202020204" pitchFamily="34" charset="0"/>
+              <a:ea typeface="+mn-ea"/>
+              <a:cs typeface="Arial" panose="020B0604020202020204" pitchFamily="34" charset="0"/>
+            </a:endParaRPr>
+          </a:p>
+          <a:p>
+            <a:pPr marL="285750" marR="0" lvl="0" indent="-285750" algn="just" defTabSz="914400" rtl="0" eaLnBrk="1" fontAlgn="auto" latinLnBrk="0" hangingPunct="1">
+              <a:lnSpc>
+                <a:spcPct val="100000"/>
+              </a:lnSpc>
+              <a:spcBef>
+                <a:spcPts val="0"/>
+              </a:spcBef>
+              <a:spcAft>
+                <a:spcPts val="0"/>
+              </a:spcAft>
+              <a:buClrTx/>
+              <a:buSzTx/>
+              <a:buFont typeface="Arial" panose="020B0604020202020204" pitchFamily="34" charset="0"/>
+              <a:buChar char="•"/>
+              <a:tabLst/>
+              <a:defRPr/>
+            </a:pPr>
+            <a:endParaRPr lang="it-IT" b="1" dirty="0">
+              <a:solidFill>
+                <a:srgbClr val="002060"/>
+              </a:solidFill>
+              <a:latin typeface="Arial" panose="020B0604020202020204" pitchFamily="34" charset="0"/>
+              <a:cs typeface="Arial" panose="020B0604020202020204" pitchFamily="34" charset="0"/>
+            </a:endParaRPr>
+          </a:p>
+          <a:p>
+            <a:pPr marL="285750" marR="0" lvl="0" indent="-285750" algn="just" defTabSz="914400" rtl="0" eaLnBrk="1" fontAlgn="auto" latinLnBrk="0" hangingPunct="1">
+              <a:lnSpc>
+                <a:spcPct val="100000"/>
+              </a:lnSpc>
+              <a:spcBef>
+                <a:spcPts val="0"/>
+              </a:spcBef>
+              <a:spcAft>
+                <a:spcPts val="0"/>
+              </a:spcAft>
+              <a:buClrTx/>
+              <a:buSzTx/>
+              <a:buFont typeface="Arial" panose="020B0604020202020204" pitchFamily="34" charset="0"/>
+              <a:buChar char="•"/>
+              <a:tabLst/>
+              <a:defRPr/>
+            </a:pPr>
             <a:endParaRPr kumimoji="0" lang="it-IT" sz="1800" b="0" i="0" u="none" strike="noStrike" kern="1200" cap="none" spc="0" normalizeH="0" baseline="0" noProof="0" dirty="0">
               <a:ln>
                 <a:noFill/>
@@ -14978,6 +13466,39 @@
               <a:cs typeface="Arial" panose="020B0604020202020204" pitchFamily="34" charset="0"/>
             </a:endParaRPr>
           </a:p>
+          <a:p>
+            <a:pPr marL="285750" marR="0" lvl="0" indent="-285750" algn="just" defTabSz="914400" rtl="0" eaLnBrk="1" fontAlgn="auto" latinLnBrk="0" hangingPunct="1">
+              <a:lnSpc>
+                <a:spcPct val="100000"/>
+              </a:lnSpc>
+              <a:spcBef>
+                <a:spcPts val="0"/>
+              </a:spcBef>
+              <a:spcAft>
+                <a:spcPts val="0"/>
+              </a:spcAft>
+              <a:buClrTx/>
+              <a:buSzTx/>
+              <a:buFont typeface="Arial" panose="020B0604020202020204" pitchFamily="34" charset="0"/>
+              <a:buChar char="•"/>
+              <a:tabLst/>
+              <a:defRPr/>
+            </a:pPr>
+            <a:endParaRPr kumimoji="0" lang="it-IT" sz="1800" b="0" i="0" u="none" strike="noStrike" kern="1200" cap="none" spc="0" normalizeH="0" baseline="0" noProof="0" dirty="0">
+              <a:ln>
+                <a:noFill/>
+              </a:ln>
+              <a:solidFill>
+                <a:srgbClr val="002060"/>
+              </a:solidFill>
+              <a:effectLst/>
+              <a:uLnTx/>
+              <a:uFillTx/>
+              <a:latin typeface="Arial" panose="020B0604020202020204" pitchFamily="34" charset="0"/>
+              <a:ea typeface="+mn-ea"/>
+              <a:cs typeface="Arial" panose="020B0604020202020204" pitchFamily="34" charset="0"/>
+            </a:endParaRPr>
+          </a:p>
         </p:txBody>
       </p:sp>
       <p:sp>
@@ -15047,8 +13568,8 @@
         </p:blipFill>
         <p:spPr>
           <a:xfrm>
-            <a:off x="513051" y="2863702"/>
-            <a:ext cx="3685952" cy="3387142"/>
+            <a:off x="6085904" y="313445"/>
+            <a:ext cx="2460700" cy="2261218"/>
           </a:xfrm>
           <a:prstGeom prst="rect">
             <a:avLst/>
@@ -15077,14 +13598,195 @@
         </p:blipFill>
         <p:spPr>
           <a:xfrm>
-            <a:off x="7423764" y="2863702"/>
-            <a:ext cx="3601342" cy="3289871"/>
+            <a:off x="8933673" y="381302"/>
+            <a:ext cx="2681702" cy="2247880"/>
           </a:xfrm>
           <a:prstGeom prst="rect">
             <a:avLst/>
           </a:prstGeom>
         </p:spPr>
       </p:pic>
+      <p:pic>
+        <p:nvPicPr>
+          <p:cNvPr id="8" name="Immagine 7">
+            <a:extLst>
+              <a:ext uri="{FF2B5EF4-FFF2-40B4-BE49-F238E27FC236}">
+                <a16:creationId xmlns:a16="http://schemas.microsoft.com/office/drawing/2014/main" id="{7B360D85-ADF4-46A7-AB51-56571D94A493}"/>
+              </a:ext>
+            </a:extLst>
+          </p:cNvPr>
+          <p:cNvPicPr>
+            <a:picLocks noChangeAspect="1"/>
+          </p:cNvPicPr>
+          <p:nvPr/>
+        </p:nvPicPr>
+        <p:blipFill>
+          <a:blip r:embed="rId5"/>
+          <a:stretch>
+            <a:fillRect/>
+          </a:stretch>
+        </p:blipFill>
+        <p:spPr>
+          <a:xfrm>
+            <a:off x="6095386" y="2951493"/>
+            <a:ext cx="2681702" cy="2690429"/>
+          </a:xfrm>
+          <a:prstGeom prst="rect">
+            <a:avLst/>
+          </a:prstGeom>
+        </p:spPr>
+      </p:pic>
+      <p:pic>
+        <p:nvPicPr>
+          <p:cNvPr id="9" name="Immagine 8">
+            <a:extLst>
+              <a:ext uri="{FF2B5EF4-FFF2-40B4-BE49-F238E27FC236}">
+                <a16:creationId xmlns:a16="http://schemas.microsoft.com/office/drawing/2014/main" id="{06477C47-7EE8-46A0-8ABB-F7EDE8B4E757}"/>
+              </a:ext>
+            </a:extLst>
+          </p:cNvPr>
+          <p:cNvPicPr>
+            <a:picLocks noChangeAspect="1"/>
+          </p:cNvPicPr>
+          <p:nvPr/>
+        </p:nvPicPr>
+        <p:blipFill>
+          <a:blip r:embed="rId6"/>
+          <a:stretch>
+            <a:fillRect/>
+          </a:stretch>
+        </p:blipFill>
+        <p:spPr>
+          <a:xfrm>
+            <a:off x="8760229" y="2891109"/>
+            <a:ext cx="3169123" cy="2690429"/>
+          </a:xfrm>
+          <a:prstGeom prst="rect">
+            <a:avLst/>
+          </a:prstGeom>
+        </p:spPr>
+      </p:pic>
+      <p:sp>
+        <p:nvSpPr>
+          <p:cNvPr id="10" name="Elaborazione 9">
+            <a:extLst>
+              <a:ext uri="{FF2B5EF4-FFF2-40B4-BE49-F238E27FC236}">
+                <a16:creationId xmlns:a16="http://schemas.microsoft.com/office/drawing/2014/main" id="{E70989F6-82F7-4C90-87F1-A6F6702A5B53}"/>
+              </a:ext>
+            </a:extLst>
+          </p:cNvPr>
+          <p:cNvSpPr/>
+          <p:nvPr/>
+        </p:nvSpPr>
+        <p:spPr>
+          <a:xfrm>
+            <a:off x="262648" y="3210127"/>
+            <a:ext cx="5581284" cy="437745"/>
+          </a:xfrm>
+          <a:prstGeom prst="flowChartProcess">
+            <a:avLst/>
+          </a:prstGeom>
+          <a:solidFill>
+            <a:schemeClr val="accent5">
+              <a:lumMod val="75000"/>
+            </a:schemeClr>
+          </a:solidFill>
+        </p:spPr>
+        <p:style>
+          <a:lnRef idx="2">
+            <a:schemeClr val="accent1">
+              <a:shade val="50000"/>
+            </a:schemeClr>
+          </a:lnRef>
+          <a:fillRef idx="1">
+            <a:schemeClr val="accent1"/>
+          </a:fillRef>
+          <a:effectRef idx="0">
+            <a:schemeClr val="accent1"/>
+          </a:effectRef>
+          <a:fontRef idx="minor">
+            <a:schemeClr val="lt1"/>
+          </a:fontRef>
+        </p:style>
+        <p:txBody>
+          <a:bodyPr rtlCol="0" anchor="ctr"/>
+          <a:lstStyle/>
+          <a:p>
+            <a:pPr algn="ctr"/>
+            <a:endParaRPr lang="it-IT" dirty="0"/>
+          </a:p>
+        </p:txBody>
+      </p:sp>
+      <p:pic>
+        <p:nvPicPr>
+          <p:cNvPr id="13" name="Immagine 12">
+            <a:extLst>
+              <a:ext uri="{FF2B5EF4-FFF2-40B4-BE49-F238E27FC236}">
+                <a16:creationId xmlns:a16="http://schemas.microsoft.com/office/drawing/2014/main" id="{D5616F5F-524D-4745-B110-C287CDDA60A9}"/>
+              </a:ext>
+            </a:extLst>
+          </p:cNvPr>
+          <p:cNvPicPr>
+            <a:picLocks noChangeAspect="1"/>
+          </p:cNvPicPr>
+          <p:nvPr/>
+        </p:nvPicPr>
+        <p:blipFill>
+          <a:blip r:embed="rId7"/>
+          <a:stretch>
+            <a:fillRect/>
+          </a:stretch>
+        </p:blipFill>
+        <p:spPr>
+          <a:xfrm>
+            <a:off x="392878" y="4046553"/>
+            <a:ext cx="5092646" cy="2623744"/>
+          </a:xfrm>
+          <a:prstGeom prst="rect">
+            <a:avLst/>
+          </a:prstGeom>
+        </p:spPr>
+      </p:pic>
+      <p:sp>
+        <p:nvSpPr>
+          <p:cNvPr id="14" name="CasellaDiTesto 13">
+            <a:extLst>
+              <a:ext uri="{FF2B5EF4-FFF2-40B4-BE49-F238E27FC236}">
+                <a16:creationId xmlns:a16="http://schemas.microsoft.com/office/drawing/2014/main" id="{907286FB-4A8C-45B7-A472-1013085B0E3C}"/>
+              </a:ext>
+            </a:extLst>
+          </p:cNvPr>
+          <p:cNvSpPr txBox="1"/>
+          <p:nvPr/>
+        </p:nvSpPr>
+        <p:spPr>
+          <a:xfrm>
+            <a:off x="221107" y="3228944"/>
+            <a:ext cx="5436188" cy="400110"/>
+          </a:xfrm>
+          <a:prstGeom prst="rect">
+            <a:avLst/>
+          </a:prstGeom>
+          <a:noFill/>
+        </p:spPr>
+        <p:txBody>
+          <a:bodyPr wrap="square" rtlCol="0">
+            <a:spAutoFit/>
+          </a:bodyPr>
+          <a:lstStyle/>
+          <a:p>
+            <a:r>
+              <a:rPr lang="it-IT" sz="2000" dirty="0">
+                <a:solidFill>
+                  <a:schemeClr val="bg1"/>
+                </a:solidFill>
+                <a:latin typeface="Arial Black" panose="020B0A04020102020204" pitchFamily="34" charset="0"/>
+              </a:rPr>
+              <a:t>LeNet-5</a:t>
+            </a:r>
+          </a:p>
+        </p:txBody>
+      </p:sp>
     </p:spTree>
     <p:extLst>
       <p:ext uri="{BB962C8B-B14F-4D97-AF65-F5344CB8AC3E}">
@@ -15198,20 +13900,14 @@
           <a:lstStyle/>
           <a:p>
             <a:r>
-              <a:rPr lang="it-IT" sz="2000">
+              <a:rPr lang="it-IT" sz="2000" dirty="0">
                 <a:solidFill>
                   <a:schemeClr val="bg1"/>
                 </a:solidFill>
                 <a:latin typeface="Arial Black" panose="020B0A04020102020204" pitchFamily="34" charset="0"/>
               </a:rPr>
-              <a:t>Algoritmi di Machine Learning</a:t>
-            </a:r>
-            <a:endParaRPr lang="it-IT" sz="2000" dirty="0">
-              <a:solidFill>
-                <a:schemeClr val="bg1"/>
-              </a:solidFill>
-              <a:latin typeface="Arial Black" panose="020B0A04020102020204" pitchFamily="34" charset="0"/>
-            </a:endParaRPr>
+              <a:t>Metriche di valutazione dei modelli</a:t>
+            </a:r>
           </a:p>
         </p:txBody>
       </p:sp>
@@ -15229,8 +13925,8 @@
         </p:nvSpPr>
         <p:spPr>
           <a:xfrm>
-            <a:off x="0" y="890631"/>
-            <a:ext cx="5818930" cy="3970318"/>
+            <a:off x="85060" y="1101183"/>
+            <a:ext cx="6986337" cy="3139321"/>
           </a:xfrm>
           <a:prstGeom prst="rect">
             <a:avLst/>
@@ -15268,18 +13964,25 @@
                 <a:latin typeface="Arial" panose="020B0604020202020204" pitchFamily="34" charset="0"/>
                 <a:cs typeface="Arial" panose="020B0604020202020204" pitchFamily="34" charset="0"/>
               </a:rPr>
-              <a:t>KNN</a:t>
-            </a:r>
-            <a:r>
-              <a:rPr lang="it-IT" dirty="0">
-                <a:solidFill>
-                  <a:srgbClr val="002060"/>
-                </a:solidFill>
-                <a:latin typeface="Arial" panose="020B0604020202020204" pitchFamily="34" charset="0"/>
-                <a:cs typeface="Arial" panose="020B0604020202020204" pitchFamily="34" charset="0"/>
-              </a:rPr>
-              <a:t>: algoritmo di apprendimento supervisionato che assegna un oggetto in base al vicinato</a:t>
-            </a:r>
+              <a:t>Accuratezza media sulla 10fold cross </a:t>
+            </a:r>
+            <a:r>
+              <a:rPr lang="it-IT" b="1" dirty="0" err="1">
+                <a:solidFill>
+                  <a:srgbClr val="002060"/>
+                </a:solidFill>
+                <a:latin typeface="Arial" panose="020B0604020202020204" pitchFamily="34" charset="0"/>
+                <a:cs typeface="Arial" panose="020B0604020202020204" pitchFamily="34" charset="0"/>
+              </a:rPr>
+              <a:t>validation</a:t>
+            </a:r>
+            <a:endParaRPr lang="it-IT" b="1" dirty="0">
+              <a:solidFill>
+                <a:srgbClr val="002060"/>
+              </a:solidFill>
+              <a:latin typeface="Arial" panose="020B0604020202020204" pitchFamily="34" charset="0"/>
+              <a:cs typeface="Arial" panose="020B0604020202020204" pitchFamily="34" charset="0"/>
+            </a:endParaRPr>
           </a:p>
           <a:p>
             <a:pPr marL="285750" marR="0" lvl="0" indent="-285750" algn="just" defTabSz="914400" rtl="0" eaLnBrk="1" fontAlgn="auto" latinLnBrk="0" hangingPunct="1">
@@ -15299,31 +14002,7 @@
               <a:tabLst/>
               <a:defRPr/>
             </a:pPr>
-            <a:endParaRPr lang="it-IT" dirty="0">
-              <a:solidFill>
-                <a:srgbClr val="002060"/>
-              </a:solidFill>
-              <a:latin typeface="Arial" panose="020B0604020202020204" pitchFamily="34" charset="0"/>
-              <a:cs typeface="Arial" panose="020B0604020202020204" pitchFamily="34" charset="0"/>
-            </a:endParaRPr>
-          </a:p>
-          <a:p>
-            <a:pPr marR="0" lvl="0" algn="just" defTabSz="914400" rtl="0" eaLnBrk="1" fontAlgn="auto" latinLnBrk="0" hangingPunct="1">
-              <a:lnSpc>
-                <a:spcPct val="100000"/>
-              </a:lnSpc>
-              <a:spcBef>
-                <a:spcPts val="0"/>
-              </a:spcBef>
-              <a:spcAft>
-                <a:spcPts val="0"/>
-              </a:spcAft>
-              <a:buClrTx/>
-              <a:buSzTx/>
-              <a:tabLst/>
-              <a:defRPr/>
-            </a:pPr>
-            <a:endParaRPr lang="it-IT" dirty="0">
+            <a:endParaRPr lang="it-IT" b="1" dirty="0">
               <a:solidFill>
                 <a:srgbClr val="002060"/>
               </a:solidFill>
@@ -15349,76 +14028,13 @@
               <a:tabLst/>
               <a:defRPr/>
             </a:pPr>
-            <a:r>
-              <a:rPr lang="it-IT" b="1" dirty="0">
-                <a:solidFill>
-                  <a:srgbClr val="002060"/>
-                </a:solidFill>
-                <a:latin typeface="Arial" panose="020B0604020202020204" pitchFamily="34" charset="0"/>
-                <a:cs typeface="Arial" panose="020B0604020202020204" pitchFamily="34" charset="0"/>
-              </a:rPr>
-              <a:t>Random </a:t>
-            </a:r>
-            <a:r>
-              <a:rPr lang="it-IT" b="1" dirty="0" err="1">
-                <a:solidFill>
-                  <a:srgbClr val="002060"/>
-                </a:solidFill>
-                <a:latin typeface="Arial" panose="020B0604020202020204" pitchFamily="34" charset="0"/>
-                <a:cs typeface="Arial" panose="020B0604020202020204" pitchFamily="34" charset="0"/>
-              </a:rPr>
-              <a:t>Forest</a:t>
-            </a:r>
-            <a:r>
-              <a:rPr lang="it-IT" dirty="0">
-                <a:solidFill>
-                  <a:srgbClr val="002060"/>
-                </a:solidFill>
-                <a:latin typeface="Arial" panose="020B0604020202020204" pitchFamily="34" charset="0"/>
-                <a:cs typeface="Arial" panose="020B0604020202020204" pitchFamily="34" charset="0"/>
-              </a:rPr>
-              <a:t>: algoritmo di apprendimento supervisionato che si avvale del </a:t>
-            </a:r>
-            <a:r>
-              <a:rPr lang="it-IT" dirty="0" err="1">
-                <a:solidFill>
-                  <a:srgbClr val="002060"/>
-                </a:solidFill>
-                <a:latin typeface="Arial" panose="020B0604020202020204" pitchFamily="34" charset="0"/>
-                <a:cs typeface="Arial" panose="020B0604020202020204" pitchFamily="34" charset="0"/>
-              </a:rPr>
-              <a:t>bagging</a:t>
-            </a:r>
-            <a:r>
-              <a:rPr lang="it-IT" dirty="0">
-                <a:solidFill>
-                  <a:srgbClr val="002060"/>
-                </a:solidFill>
-                <a:latin typeface="Arial" panose="020B0604020202020204" pitchFamily="34" charset="0"/>
-                <a:cs typeface="Arial" panose="020B0604020202020204" pitchFamily="34" charset="0"/>
-              </a:rPr>
-              <a:t> come metodo di </a:t>
-            </a:r>
-            <a:r>
-              <a:rPr lang="it-IT" dirty="0" err="1">
-                <a:solidFill>
-                  <a:srgbClr val="002060"/>
-                </a:solidFill>
-                <a:latin typeface="Arial" panose="020B0604020202020204" pitchFamily="34" charset="0"/>
-                <a:cs typeface="Arial" panose="020B0604020202020204" pitchFamily="34" charset="0"/>
-              </a:rPr>
-              <a:t>ensamble</a:t>
-            </a:r>
-            <a:r>
-              <a:rPr lang="it-IT" dirty="0">
-                <a:solidFill>
-                  <a:srgbClr val="002060"/>
-                </a:solidFill>
-                <a:latin typeface="Arial" panose="020B0604020202020204" pitchFamily="34" charset="0"/>
-                <a:cs typeface="Arial" panose="020B0604020202020204" pitchFamily="34" charset="0"/>
-              </a:rPr>
-              <a:t> e dell’albero decisionale come modello individuale. </a:t>
-            </a:r>
+            <a:endParaRPr lang="it-IT" dirty="0">
+              <a:solidFill>
+                <a:srgbClr val="002060"/>
+              </a:solidFill>
+              <a:latin typeface="Arial" panose="020B0604020202020204" pitchFamily="34" charset="0"/>
+              <a:cs typeface="Arial" panose="020B0604020202020204" pitchFamily="34" charset="0"/>
+            </a:endParaRPr>
           </a:p>
           <a:p>
             <a:pPr marL="285750" marR="0" lvl="0" indent="-285750" algn="just" defTabSz="914400" rtl="0" eaLnBrk="1" fontAlgn="auto" latinLnBrk="0" hangingPunct="1">
@@ -15438,13 +14054,16 @@
               <a:tabLst/>
               <a:defRPr/>
             </a:pPr>
-            <a:endParaRPr lang="it-IT" dirty="0">
-              <a:solidFill>
-                <a:srgbClr val="002060"/>
-              </a:solidFill>
-              <a:latin typeface="Arial" panose="020B0604020202020204" pitchFamily="34" charset="0"/>
-              <a:cs typeface="Arial" panose="020B0604020202020204" pitchFamily="34" charset="0"/>
-            </a:endParaRPr>
+            <a:r>
+              <a:rPr lang="it-IT" b="1" dirty="0">
+                <a:solidFill>
+                  <a:srgbClr val="002060"/>
+                </a:solidFill>
+                <a:latin typeface="Arial" panose="020B0604020202020204" pitchFamily="34" charset="0"/>
+                <a:cs typeface="Arial" panose="020B0604020202020204" pitchFamily="34" charset="0"/>
+              </a:rPr>
+              <a:t>Matrice di Confusione</a:t>
+            </a:r>
           </a:p>
           <a:p>
             <a:pPr marL="285750" marR="0" lvl="0" indent="-285750" algn="just" defTabSz="914400" rtl="0" eaLnBrk="1" fontAlgn="auto" latinLnBrk="0" hangingPunct="1">
@@ -15464,7 +14083,7 @@
               <a:tabLst/>
               <a:defRPr/>
             </a:pPr>
-            <a:endParaRPr lang="it-IT" dirty="0">
+            <a:endParaRPr lang="it-IT" b="1" dirty="0">
               <a:solidFill>
                 <a:srgbClr val="002060"/>
               </a:solidFill>
@@ -15490,11 +14109,18 @@
               <a:tabLst/>
               <a:defRPr/>
             </a:pPr>
-            <a:endParaRPr lang="it-IT" dirty="0">
+            <a:endParaRPr kumimoji="0" lang="it-IT" sz="1800" b="0" i="0" u="none" strike="noStrike" kern="1200" cap="none" spc="0" normalizeH="0" baseline="0" noProof="0" dirty="0">
+              <a:ln>
+                <a:noFill/>
+              </a:ln>
               <a:solidFill>
                 <a:srgbClr val="002060"/>
               </a:solidFill>
+              <a:effectLst/>
+              <a:uLnTx/>
+              <a:uFillTx/>
               <a:latin typeface="Arial" panose="020B0604020202020204" pitchFamily="34" charset="0"/>
+              <a:ea typeface="+mn-ea"/>
               <a:cs typeface="Arial" panose="020B0604020202020204" pitchFamily="34" charset="0"/>
             </a:endParaRPr>
           </a:p>
@@ -15516,20 +14142,16 @@
               <a:tabLst/>
               <a:defRPr/>
             </a:pPr>
-            <a:endParaRPr kumimoji="0" lang="it-IT" sz="1800" b="0" i="0" u="none" strike="noStrike" kern="1200" cap="none" spc="0" normalizeH="0" baseline="0" noProof="0" dirty="0">
-              <a:ln>
-                <a:noFill/>
-              </a:ln>
-              <a:solidFill>
-                <a:srgbClr val="002060"/>
-              </a:solidFill>
-              <a:effectLst/>
-              <a:uLnTx/>
-              <a:uFillTx/>
-              <a:latin typeface="Arial" panose="020B0604020202020204" pitchFamily="34" charset="0"/>
-              <a:ea typeface="+mn-ea"/>
-              <a:cs typeface="Arial" panose="020B0604020202020204" pitchFamily="34" charset="0"/>
-            </a:endParaRPr>
+            <a:r>
+              <a:rPr lang="it-IT" b="1" dirty="0">
+                <a:solidFill>
+                  <a:srgbClr val="002060"/>
+                </a:solidFill>
+                <a:latin typeface="Arial" panose="020B0604020202020204" pitchFamily="34" charset="0"/>
+                <a:cs typeface="Arial" panose="020B0604020202020204" pitchFamily="34" charset="0"/>
+              </a:rPr>
+              <a:t>Precision, Recall, F1-score</a:t>
+            </a:r>
           </a:p>
           <a:p>
             <a:pPr marL="285750" marR="0" lvl="0" indent="-285750" algn="just" defTabSz="914400" rtl="0" eaLnBrk="1" fontAlgn="auto" latinLnBrk="0" hangingPunct="1">
@@ -15549,7 +14171,7 @@
               <a:tabLst/>
               <a:defRPr/>
             </a:pPr>
-            <a:endParaRPr lang="it-IT" dirty="0">
+            <a:endParaRPr lang="it-IT" b="1" dirty="0">
               <a:solidFill>
                 <a:srgbClr val="002060"/>
               </a:solidFill>
@@ -15590,231 +14212,6 @@
               <a:cs typeface="Arial" panose="020B0604020202020204" pitchFamily="34" charset="0"/>
             </a:endParaRPr>
           </a:p>
-        </p:txBody>
-      </p:sp>
-      <p:sp>
-        <p:nvSpPr>
-          <p:cNvPr id="6" name="AutoShape 4">
-            <a:extLst>
-              <a:ext uri="{FF2B5EF4-FFF2-40B4-BE49-F238E27FC236}">
-                <a16:creationId xmlns:a16="http://schemas.microsoft.com/office/drawing/2014/main" id="{939F08A7-A0A6-4924-917D-11A694AC3A16}"/>
-              </a:ext>
-            </a:extLst>
-          </p:cNvPr>
-          <p:cNvSpPr>
-            <a:spLocks noChangeAspect="1" noChangeArrowheads="1"/>
-          </p:cNvSpPr>
-          <p:nvPr/>
-        </p:nvSpPr>
-        <p:spPr bwMode="auto">
-          <a:xfrm>
-            <a:off x="5943600" y="3276600"/>
-            <a:ext cx="304800" cy="304800"/>
-          </a:xfrm>
-          <a:prstGeom prst="rect">
-            <a:avLst/>
-          </a:prstGeom>
-          <a:noFill/>
-          <a:extLst>
-            <a:ext uri="{909E8E84-426E-40DD-AFC4-6F175D3DCCD1}">
-              <a14:hiddenFill xmlns:a14="http://schemas.microsoft.com/office/drawing/2010/main">
-                <a:solidFill>
-                  <a:srgbClr val="FFFFFF"/>
-                </a:solidFill>
-              </a14:hiddenFill>
-            </a:ext>
-          </a:extLst>
-        </p:spPr>
-        <p:txBody>
-          <a:bodyPr vert="horz" wrap="square" lIns="91440" tIns="45720" rIns="91440" bIns="45720" numCol="1" anchor="t" anchorCtr="0" compatLnSpc="1">
-            <a:prstTxWarp prst="textNoShape">
-              <a:avLst/>
-            </a:prstTxWarp>
-          </a:bodyPr>
-          <a:lstStyle/>
-          <a:p>
-            <a:endParaRPr lang="it-IT"/>
-          </a:p>
-        </p:txBody>
-      </p:sp>
-      <p:pic>
-        <p:nvPicPr>
-          <p:cNvPr id="8" name="Immagine 7">
-            <a:extLst>
-              <a:ext uri="{FF2B5EF4-FFF2-40B4-BE49-F238E27FC236}">
-                <a16:creationId xmlns:a16="http://schemas.microsoft.com/office/drawing/2014/main" id="{D37A9526-5B1E-4F0A-97C5-42293810B7B4}"/>
-              </a:ext>
-            </a:extLst>
-          </p:cNvPr>
-          <p:cNvPicPr>
-            <a:picLocks noChangeAspect="1"/>
-          </p:cNvPicPr>
-          <p:nvPr/>
-        </p:nvPicPr>
-        <p:blipFill>
-          <a:blip r:embed="rId3"/>
-          <a:stretch>
-            <a:fillRect/>
-          </a:stretch>
-        </p:blipFill>
-        <p:spPr>
-          <a:xfrm>
-            <a:off x="6096000" y="212567"/>
-            <a:ext cx="2681702" cy="2690429"/>
-          </a:xfrm>
-          <a:prstGeom prst="rect">
-            <a:avLst/>
-          </a:prstGeom>
-        </p:spPr>
-      </p:pic>
-      <p:pic>
-        <p:nvPicPr>
-          <p:cNvPr id="10" name="Immagine 9">
-            <a:extLst>
-              <a:ext uri="{FF2B5EF4-FFF2-40B4-BE49-F238E27FC236}">
-                <a16:creationId xmlns:a16="http://schemas.microsoft.com/office/drawing/2014/main" id="{7331B788-6A18-4AAF-8D35-946950AA6D0C}"/>
-              </a:ext>
-            </a:extLst>
-          </p:cNvPr>
-          <p:cNvPicPr>
-            <a:picLocks noChangeAspect="1"/>
-          </p:cNvPicPr>
-          <p:nvPr/>
-        </p:nvPicPr>
-        <p:blipFill>
-          <a:blip r:embed="rId4"/>
-          <a:stretch>
-            <a:fillRect/>
-          </a:stretch>
-        </p:blipFill>
-        <p:spPr>
-          <a:xfrm>
-            <a:off x="8902372" y="212568"/>
-            <a:ext cx="3169123" cy="2690429"/>
-          </a:xfrm>
-          <a:prstGeom prst="rect">
-            <a:avLst/>
-          </a:prstGeom>
-        </p:spPr>
-      </p:pic>
-      <p:sp>
-        <p:nvSpPr>
-          <p:cNvPr id="12" name="Elaborazione 11">
-            <a:extLst>
-              <a:ext uri="{FF2B5EF4-FFF2-40B4-BE49-F238E27FC236}">
-                <a16:creationId xmlns:a16="http://schemas.microsoft.com/office/drawing/2014/main" id="{4B703125-38CB-474E-BD45-F190722DADCE}"/>
-              </a:ext>
-            </a:extLst>
-          </p:cNvPr>
-          <p:cNvSpPr/>
-          <p:nvPr/>
-        </p:nvSpPr>
-        <p:spPr>
-          <a:xfrm>
-            <a:off x="117552" y="3884175"/>
-            <a:ext cx="5581284" cy="437745"/>
-          </a:xfrm>
-          <a:prstGeom prst="flowChartProcess">
-            <a:avLst/>
-          </a:prstGeom>
-          <a:solidFill>
-            <a:schemeClr val="accent5">
-              <a:lumMod val="75000"/>
-            </a:schemeClr>
-          </a:solidFill>
-        </p:spPr>
-        <p:style>
-          <a:lnRef idx="2">
-            <a:schemeClr val="accent1">
-              <a:shade val="50000"/>
-            </a:schemeClr>
-          </a:lnRef>
-          <a:fillRef idx="1">
-            <a:schemeClr val="accent1"/>
-          </a:fillRef>
-          <a:effectRef idx="0">
-            <a:schemeClr val="accent1"/>
-          </a:effectRef>
-          <a:fontRef idx="minor">
-            <a:schemeClr val="lt1"/>
-          </a:fontRef>
-        </p:style>
-        <p:txBody>
-          <a:bodyPr rtlCol="0" anchor="ctr"/>
-          <a:lstStyle/>
-          <a:p>
-            <a:pPr algn="ctr"/>
-            <a:endParaRPr lang="it-IT" dirty="0"/>
-          </a:p>
-        </p:txBody>
-      </p:sp>
-      <p:sp>
-        <p:nvSpPr>
-          <p:cNvPr id="14" name="CasellaDiTesto 13">
-            <a:extLst>
-              <a:ext uri="{FF2B5EF4-FFF2-40B4-BE49-F238E27FC236}">
-                <a16:creationId xmlns:a16="http://schemas.microsoft.com/office/drawing/2014/main" id="{16DABBD8-575D-4F8B-8B6F-41277DA86AA3}"/>
-              </a:ext>
-            </a:extLst>
-          </p:cNvPr>
-          <p:cNvSpPr txBox="1"/>
-          <p:nvPr/>
-        </p:nvSpPr>
-        <p:spPr>
-          <a:xfrm>
-            <a:off x="117552" y="3884175"/>
-            <a:ext cx="5581284" cy="400110"/>
-          </a:xfrm>
-          <a:prstGeom prst="rect">
-            <a:avLst/>
-          </a:prstGeom>
-          <a:noFill/>
-        </p:spPr>
-        <p:txBody>
-          <a:bodyPr wrap="square" rtlCol="0">
-            <a:spAutoFit/>
-          </a:bodyPr>
-          <a:lstStyle/>
-          <a:p>
-            <a:r>
-              <a:rPr lang="it-IT" sz="2000" dirty="0">
-                <a:solidFill>
-                  <a:schemeClr val="bg1"/>
-                </a:solidFill>
-                <a:latin typeface="Arial Black" panose="020B0A04020102020204" pitchFamily="34" charset="0"/>
-              </a:rPr>
-              <a:t>Deep Learning: LeNet-5</a:t>
-            </a:r>
-          </a:p>
-        </p:txBody>
-      </p:sp>
-      <p:sp>
-        <p:nvSpPr>
-          <p:cNvPr id="15" name="CasellaDiTesto 14">
-            <a:extLst>
-              <a:ext uri="{FF2B5EF4-FFF2-40B4-BE49-F238E27FC236}">
-                <a16:creationId xmlns:a16="http://schemas.microsoft.com/office/drawing/2014/main" id="{3F3D63E1-CE52-49CC-99D0-B17249C7CE45}"/>
-              </a:ext>
-            </a:extLst>
-          </p:cNvPr>
-          <p:cNvSpPr txBox="1"/>
-          <p:nvPr/>
-        </p:nvSpPr>
-        <p:spPr>
-          <a:xfrm>
-            <a:off x="-34760" y="4771274"/>
-            <a:ext cx="5818931" cy="1477328"/>
-          </a:xfrm>
-          <a:prstGeom prst="rect">
-            <a:avLst/>
-          </a:prstGeom>
-          <a:noFill/>
-        </p:spPr>
-        <p:txBody>
-          <a:bodyPr wrap="square" rtlCol="0">
-            <a:spAutoFit/>
-          </a:bodyPr>
-          <a:lstStyle/>
           <a:p>
             <a:pPr marL="285750" marR="0" lvl="0" indent="-285750" algn="just" defTabSz="914400" rtl="0" eaLnBrk="1" fontAlgn="auto" latinLnBrk="0" hangingPunct="1">
               <a:lnSpc>
@@ -15848,24 +14245,7 @@
                 <a:ea typeface="+mn-ea"/>
                 <a:cs typeface="Arial" panose="020B0604020202020204" pitchFamily="34" charset="0"/>
               </a:rPr>
-              <a:t>LeNet-5</a:t>
-            </a:r>
-            <a:r>
-              <a:rPr kumimoji="0" lang="it-IT" sz="1800" b="0" i="0" u="none" strike="noStrike" kern="1200" cap="none" spc="0" normalizeH="0" baseline="0" noProof="0" dirty="0">
-                <a:ln>
-                  <a:noFill/>
-                </a:ln>
-                <a:solidFill>
-                  <a:srgbClr val="002060"/>
-                </a:solidFill>
-                <a:effectLst/>
-                <a:uLnTx/>
-                <a:uFillTx/>
-                <a:latin typeface="Arial" panose="020B0604020202020204" pitchFamily="34" charset="0"/>
-                <a:ea typeface="+mn-ea"/>
-                <a:cs typeface="Arial" panose="020B0604020202020204" pitchFamily="34" charset="0"/>
-              </a:rPr>
-              <a:t>: viene sfruttata in domini applicativi diversi, come il riconoscimento di scrittura o di immagini, rigorosamente in scala di grigio.</a:t>
+              <a:t>Curva di ROC</a:t>
             </a:r>
           </a:p>
           <a:p>
@@ -15894,47 +14274,119 @@
               <a:cs typeface="Arial" panose="020B0604020202020204" pitchFamily="34" charset="0"/>
             </a:endParaRPr>
           </a:p>
-          <a:p>
-            <a:pPr marL="285750" marR="0" lvl="0" indent="-285750" algn="just" defTabSz="914400" rtl="0" eaLnBrk="1" fontAlgn="auto" latinLnBrk="0" hangingPunct="1">
-              <a:lnSpc>
-                <a:spcPct val="100000"/>
-              </a:lnSpc>
-              <a:spcBef>
-                <a:spcPts val="0"/>
-              </a:spcBef>
-              <a:spcAft>
-                <a:spcPts val="0"/>
-              </a:spcAft>
-              <a:buClrTx/>
-              <a:buSzTx/>
-              <a:buFont typeface="Arial" panose="020B0604020202020204" pitchFamily="34" charset="0"/>
-              <a:buChar char="•"/>
-              <a:tabLst/>
-              <a:defRPr/>
-            </a:pPr>
-            <a:endParaRPr kumimoji="0" lang="it-IT" sz="1800" b="0" i="0" u="none" strike="noStrike" kern="1200" cap="none" spc="0" normalizeH="0" baseline="0" noProof="0" dirty="0">
-              <a:ln>
-                <a:noFill/>
-              </a:ln>
-              <a:solidFill>
-                <a:srgbClr val="002060"/>
-              </a:solidFill>
-              <a:effectLst/>
-              <a:uLnTx/>
-              <a:uFillTx/>
-              <a:latin typeface="Arial" panose="020B0604020202020204" pitchFamily="34" charset="0"/>
-              <a:ea typeface="+mn-ea"/>
-              <a:cs typeface="Arial" panose="020B0604020202020204" pitchFamily="34" charset="0"/>
-            </a:endParaRPr>
+        </p:txBody>
+      </p:sp>
+      <p:sp>
+        <p:nvSpPr>
+          <p:cNvPr id="6" name="AutoShape 4">
+            <a:extLst>
+              <a:ext uri="{FF2B5EF4-FFF2-40B4-BE49-F238E27FC236}">
+                <a16:creationId xmlns:a16="http://schemas.microsoft.com/office/drawing/2014/main" id="{939F08A7-A0A6-4924-917D-11A694AC3A16}"/>
+              </a:ext>
+            </a:extLst>
+          </p:cNvPr>
+          <p:cNvSpPr>
+            <a:spLocks noChangeAspect="1" noChangeArrowheads="1"/>
+          </p:cNvSpPr>
+          <p:nvPr/>
+        </p:nvSpPr>
+        <p:spPr bwMode="auto">
+          <a:xfrm>
+            <a:off x="5943600" y="3276600"/>
+            <a:ext cx="304800" cy="304800"/>
+          </a:xfrm>
+          <a:prstGeom prst="rect">
+            <a:avLst/>
+          </a:prstGeom>
+          <a:noFill/>
+          <a:extLst>
+            <a:ext uri="{909E8E84-426E-40DD-AFC4-6F175D3DCCD1}">
+              <a14:hiddenFill xmlns:a14="http://schemas.microsoft.com/office/drawing/2010/main">
+                <a:solidFill>
+                  <a:srgbClr val="FFFFFF"/>
+                </a:solidFill>
+              </a14:hiddenFill>
+            </a:ext>
+          </a:extLst>
+        </p:spPr>
+        <p:txBody>
+          <a:bodyPr vert="horz" wrap="square" lIns="91440" tIns="45720" rIns="91440" bIns="45720" numCol="1" anchor="t" anchorCtr="0" compatLnSpc="1">
+            <a:prstTxWarp prst="textNoShape">
+              <a:avLst/>
+            </a:prstTxWarp>
+          </a:bodyPr>
+          <a:lstStyle/>
+          <a:p>
+            <a:endParaRPr lang="it-IT"/>
           </a:p>
         </p:txBody>
       </p:sp>
       <p:pic>
         <p:nvPicPr>
-          <p:cNvPr id="16" name="Immagine 15">
-            <a:extLst>
-              <a:ext uri="{FF2B5EF4-FFF2-40B4-BE49-F238E27FC236}">
-                <a16:creationId xmlns:a16="http://schemas.microsoft.com/office/drawing/2014/main" id="{D1225639-313D-4ED6-948C-DF942066026D}"/>
+          <p:cNvPr id="7" name="Immagine 6">
+            <a:extLst>
+              <a:ext uri="{FF2B5EF4-FFF2-40B4-BE49-F238E27FC236}">
+                <a16:creationId xmlns:a16="http://schemas.microsoft.com/office/drawing/2014/main" id="{E2D21D03-F67B-43EB-ACEB-67A82CCBF4AC}"/>
+              </a:ext>
+            </a:extLst>
+          </p:cNvPr>
+          <p:cNvPicPr>
+            <a:picLocks noChangeAspect="1"/>
+          </p:cNvPicPr>
+          <p:nvPr/>
+        </p:nvPicPr>
+        <p:blipFill>
+          <a:blip r:embed="rId3"/>
+          <a:stretch>
+            <a:fillRect/>
+          </a:stretch>
+        </p:blipFill>
+        <p:spPr>
+          <a:xfrm>
+            <a:off x="7201030" y="215154"/>
+            <a:ext cx="4728322" cy="2854111"/>
+          </a:xfrm>
+          <a:prstGeom prst="rect">
+            <a:avLst/>
+          </a:prstGeom>
+        </p:spPr>
+      </p:pic>
+      <p:pic>
+        <p:nvPicPr>
+          <p:cNvPr id="8" name="Immagine 7">
+            <a:extLst>
+              <a:ext uri="{FF2B5EF4-FFF2-40B4-BE49-F238E27FC236}">
+                <a16:creationId xmlns:a16="http://schemas.microsoft.com/office/drawing/2014/main" id="{554A60A1-8E81-4D7D-AE78-C97D692F3CFB}"/>
+              </a:ext>
+            </a:extLst>
+          </p:cNvPr>
+          <p:cNvPicPr>
+            <a:picLocks noChangeAspect="1"/>
+          </p:cNvPicPr>
+          <p:nvPr/>
+        </p:nvPicPr>
+        <p:blipFill>
+          <a:blip r:embed="rId4"/>
+          <a:stretch>
+            <a:fillRect/>
+          </a:stretch>
+        </p:blipFill>
+        <p:spPr>
+          <a:xfrm>
+            <a:off x="0" y="4462145"/>
+            <a:ext cx="2638927" cy="1076325"/>
+          </a:xfrm>
+          <a:prstGeom prst="rect">
+            <a:avLst/>
+          </a:prstGeom>
+        </p:spPr>
+      </p:pic>
+      <p:pic>
+        <p:nvPicPr>
+          <p:cNvPr id="9" name="Immagine 8">
+            <a:extLst>
+              <a:ext uri="{FF2B5EF4-FFF2-40B4-BE49-F238E27FC236}">
+                <a16:creationId xmlns:a16="http://schemas.microsoft.com/office/drawing/2014/main" id="{D6F7FCC8-CD37-4553-939E-3D73E48EF882}"/>
               </a:ext>
             </a:extLst>
           </p:cNvPr>
@@ -15951,8 +14403,68 @@
         </p:blipFill>
         <p:spPr>
           <a:xfrm>
-            <a:off x="6407831" y="3748702"/>
-            <a:ext cx="5092646" cy="2623744"/>
+            <a:off x="2980742" y="4392757"/>
+            <a:ext cx="2600072" cy="1009650"/>
+          </a:xfrm>
+          <a:prstGeom prst="rect">
+            <a:avLst/>
+          </a:prstGeom>
+        </p:spPr>
+      </p:pic>
+      <p:pic>
+        <p:nvPicPr>
+          <p:cNvPr id="10" name="Immagine 9">
+            <a:extLst>
+              <a:ext uri="{FF2B5EF4-FFF2-40B4-BE49-F238E27FC236}">
+                <a16:creationId xmlns:a16="http://schemas.microsoft.com/office/drawing/2014/main" id="{1429AE89-BCC3-4D76-B298-6FE1FDD73853}"/>
+              </a:ext>
+            </a:extLst>
+          </p:cNvPr>
+          <p:cNvPicPr>
+            <a:picLocks noChangeAspect="1"/>
+          </p:cNvPicPr>
+          <p:nvPr/>
+        </p:nvPicPr>
+        <p:blipFill>
+          <a:blip r:embed="rId6"/>
+          <a:stretch>
+            <a:fillRect/>
+          </a:stretch>
+        </p:blipFill>
+        <p:spPr>
+          <a:xfrm>
+            <a:off x="1347204" y="5773020"/>
+            <a:ext cx="3267075" cy="790575"/>
+          </a:xfrm>
+          <a:prstGeom prst="rect">
+            <a:avLst/>
+          </a:prstGeom>
+        </p:spPr>
+      </p:pic>
+      <p:pic>
+        <p:nvPicPr>
+          <p:cNvPr id="11" name="Immagine 10">
+            <a:extLst>
+              <a:ext uri="{FF2B5EF4-FFF2-40B4-BE49-F238E27FC236}">
+                <a16:creationId xmlns:a16="http://schemas.microsoft.com/office/drawing/2014/main" id="{6F2FBDE8-32D6-4229-A2D0-0CBA05105C94}"/>
+              </a:ext>
+            </a:extLst>
+          </p:cNvPr>
+          <p:cNvPicPr>
+            <a:picLocks noChangeAspect="1"/>
+          </p:cNvPicPr>
+          <p:nvPr/>
+        </p:nvPicPr>
+        <p:blipFill>
+          <a:blip r:embed="rId7"/>
+          <a:stretch>
+            <a:fillRect/>
+          </a:stretch>
+        </p:blipFill>
+        <p:spPr>
+          <a:xfrm>
+            <a:off x="7651544" y="3276600"/>
+            <a:ext cx="4277808" cy="3498112"/>
           </a:xfrm>
           <a:prstGeom prst="rect">
             <a:avLst/>
@@ -15962,7 +14474,7 @@
     </p:spTree>
     <p:extLst>
       <p:ext uri="{BB962C8B-B14F-4D97-AF65-F5344CB8AC3E}">
-        <p14:creationId xmlns:p14="http://schemas.microsoft.com/office/powerpoint/2010/main" val="3636179754"/>
+        <p14:creationId xmlns:p14="http://schemas.microsoft.com/office/powerpoint/2010/main" val="1115169183"/>
       </p:ext>
     </p:extLst>
   </p:cSld>
@@ -16078,7 +14590,7 @@
                 </a:solidFill>
                 <a:latin typeface="Arial Black" panose="020B0A04020102020204" pitchFamily="34" charset="0"/>
               </a:rPr>
-              <a:t>Metriche di valutazione dei modelli</a:t>
+              <a:t>Metodologia sperimentale adottata</a:t>
             </a:r>
           </a:p>
         </p:txBody>
@@ -16097,8 +14609,8 @@
         </p:nvSpPr>
         <p:spPr>
           <a:xfrm>
-            <a:off x="-1" y="976437"/>
-            <a:ext cx="6986337" cy="3416320"/>
+            <a:off x="0" y="889843"/>
+            <a:ext cx="11929730" cy="5355312"/>
           </a:xfrm>
           <a:prstGeom prst="rect">
             <a:avLst/>
@@ -16129,16 +14641,6 @@
               <a:defRPr/>
             </a:pPr>
             <a:r>
-              <a:rPr lang="it-IT" b="1" dirty="0">
-                <a:solidFill>
-                  <a:srgbClr val="002060"/>
-                </a:solidFill>
-                <a:latin typeface="Arial" panose="020B0604020202020204" pitchFamily="34" charset="0"/>
-                <a:cs typeface="Arial" panose="020B0604020202020204" pitchFamily="34" charset="0"/>
-              </a:rPr>
-              <a:t>Accuratezza:</a:t>
-            </a:r>
-            <a:r>
               <a:rPr lang="it-IT" dirty="0">
                 <a:solidFill>
                   <a:srgbClr val="002060"/>
@@ -16146,25 +14648,42 @@
                 <a:latin typeface="Arial" panose="020B0604020202020204" pitchFamily="34" charset="0"/>
                 <a:cs typeface="Arial" panose="020B0604020202020204" pitchFamily="34" charset="0"/>
               </a:rPr>
-              <a:t> media sulla 10fold cross </a:t>
-            </a:r>
-            <a:r>
-              <a:rPr lang="it-IT" dirty="0" err="1">
-                <a:solidFill>
-                  <a:srgbClr val="002060"/>
-                </a:solidFill>
-                <a:latin typeface="Arial" panose="020B0604020202020204" pitchFamily="34" charset="0"/>
-                <a:cs typeface="Arial" panose="020B0604020202020204" pitchFamily="34" charset="0"/>
-              </a:rPr>
-              <a:t>validation</a:t>
-            </a:r>
-            <a:endParaRPr lang="it-IT" dirty="0">
-              <a:solidFill>
-                <a:srgbClr val="002060"/>
-              </a:solidFill>
-              <a:latin typeface="Arial" panose="020B0604020202020204" pitchFamily="34" charset="0"/>
-              <a:cs typeface="Arial" panose="020B0604020202020204" pitchFamily="34" charset="0"/>
-            </a:endParaRPr>
+              <a:t>A</a:t>
+            </a:r>
+            <a:r>
+              <a:rPr kumimoji="0" lang="it-IT" sz="1800" b="0" i="0" u="none" strike="noStrike" kern="1200" cap="none" spc="0" normalizeH="0" baseline="0" noProof="0" dirty="0" err="1">
+                <a:ln>
+                  <a:noFill/>
+                </a:ln>
+                <a:solidFill>
+                  <a:srgbClr val="002060"/>
+                </a:solidFill>
+                <a:effectLst/>
+                <a:uLnTx/>
+                <a:uFillTx/>
+                <a:latin typeface="Arial" panose="020B0604020202020204" pitchFamily="34" charset="0"/>
+                <a:ea typeface="+mn-ea"/>
+                <a:cs typeface="Arial" panose="020B0604020202020204" pitchFamily="34" charset="0"/>
+              </a:rPr>
+              <a:t>ggregazione</a:t>
+            </a:r>
+            <a:r>
+              <a:rPr kumimoji="0" lang="it-IT" sz="1800" b="0" i="0" u="none" strike="noStrike" kern="1200" cap="none" spc="0" normalizeH="0" baseline="0" noProof="0" dirty="0">
+                <a:ln>
+                  <a:noFill/>
+                </a:ln>
+                <a:solidFill>
+                  <a:srgbClr val="002060"/>
+                </a:solidFill>
+                <a:effectLst/>
+                <a:uLnTx/>
+                <a:uFillTx/>
+                <a:latin typeface="Arial" panose="020B0604020202020204" pitchFamily="34" charset="0"/>
+                <a:ea typeface="+mn-ea"/>
+                <a:cs typeface="Arial" panose="020B0604020202020204" pitchFamily="34" charset="0"/>
+              </a:rPr>
+              <a:t> in un’immagine tutte le informazioni ricavate da ogni singolo KPI per un lasso temporale stabilito.</a:t>
+            </a:r>
           </a:p>
           <a:p>
             <a:pPr marL="285750" marR="0" lvl="0" indent="-285750" algn="just" defTabSz="914400" rtl="0" eaLnBrk="1" fontAlgn="auto" latinLnBrk="0" hangingPunct="1">
@@ -16184,11 +14703,18 @@
               <a:tabLst/>
               <a:defRPr/>
             </a:pPr>
-            <a:endParaRPr lang="it-IT" dirty="0">
+            <a:endParaRPr kumimoji="0" lang="it-IT" sz="1800" b="0" i="0" u="none" strike="noStrike" kern="1200" cap="none" spc="0" normalizeH="0" baseline="0" noProof="0" dirty="0">
+              <a:ln>
+                <a:noFill/>
+              </a:ln>
               <a:solidFill>
                 <a:srgbClr val="002060"/>
               </a:solidFill>
+              <a:effectLst/>
+              <a:uLnTx/>
+              <a:uFillTx/>
               <a:latin typeface="Arial" panose="020B0604020202020204" pitchFamily="34" charset="0"/>
+              <a:ea typeface="+mn-ea"/>
               <a:cs typeface="Arial" panose="020B0604020202020204" pitchFamily="34" charset="0"/>
             </a:endParaRPr>
           </a:p>
@@ -16210,26 +14736,20 @@
               <a:tabLst/>
               <a:defRPr/>
             </a:pPr>
-            <a:r>
-              <a:rPr lang="it-IT" b="1" dirty="0">
-                <a:solidFill>
-                  <a:srgbClr val="002060"/>
-                </a:solidFill>
-                <a:latin typeface="Arial" panose="020B0604020202020204" pitchFamily="34" charset="0"/>
-                <a:cs typeface="Arial" panose="020B0604020202020204" pitchFamily="34" charset="0"/>
-              </a:rPr>
-              <a:t>Matrice di Confusione</a:t>
-            </a:r>
-            <a:r>
-              <a:rPr lang="it-IT" dirty="0">
-                <a:solidFill>
-                  <a:srgbClr val="002060"/>
-                </a:solidFill>
-                <a:latin typeface="Arial" panose="020B0604020202020204" pitchFamily="34" charset="0"/>
-                <a:cs typeface="Arial" panose="020B0604020202020204" pitchFamily="34" charset="0"/>
-              </a:rPr>
-              <a:t>: restituisce una rappresentazione dell'accuratezza di classificazione statistica.</a:t>
-            </a:r>
+            <a:endParaRPr kumimoji="0" lang="it-IT" sz="1800" b="0" i="0" u="none" strike="noStrike" kern="1200" cap="none" spc="0" normalizeH="0" baseline="0" noProof="0" dirty="0">
+              <a:ln>
+                <a:noFill/>
+              </a:ln>
+              <a:solidFill>
+                <a:srgbClr val="002060"/>
+              </a:solidFill>
+              <a:effectLst/>
+              <a:uLnTx/>
+              <a:uFillTx/>
+              <a:latin typeface="Arial" panose="020B0604020202020204" pitchFamily="34" charset="0"/>
+              <a:ea typeface="+mn-ea"/>
+              <a:cs typeface="Arial" panose="020B0604020202020204" pitchFamily="34" charset="0"/>
+            </a:endParaRPr>
           </a:p>
           <a:p>
             <a:pPr marL="285750" marR="0" lvl="0" indent="-285750" algn="just" defTabSz="914400" rtl="0" eaLnBrk="1" fontAlgn="auto" latinLnBrk="0" hangingPunct="1">
@@ -16249,20 +14769,67 @@
               <a:tabLst/>
               <a:defRPr/>
             </a:pPr>
-            <a:endParaRPr kumimoji="0" lang="it-IT" sz="1800" b="0" i="0" u="none" strike="noStrike" kern="1200" cap="none" spc="0" normalizeH="0" baseline="0" noProof="0" dirty="0">
-              <a:ln>
-                <a:noFill/>
-              </a:ln>
-              <a:solidFill>
-                <a:srgbClr val="002060"/>
-              </a:solidFill>
-              <a:effectLst/>
-              <a:uLnTx/>
-              <a:uFillTx/>
-              <a:latin typeface="Arial" panose="020B0604020202020204" pitchFamily="34" charset="0"/>
-              <a:ea typeface="+mn-ea"/>
-              <a:cs typeface="Arial" panose="020B0604020202020204" pitchFamily="34" charset="0"/>
-            </a:endParaRPr>
+            <a:r>
+              <a:rPr kumimoji="0" lang="it-IT" sz="1800" b="0" i="0" u="none" strike="noStrike" kern="1200" cap="none" spc="0" normalizeH="0" baseline="0" noProof="0" dirty="0">
+                <a:ln>
+                  <a:noFill/>
+                </a:ln>
+                <a:solidFill>
+                  <a:srgbClr val="002060"/>
+                </a:solidFill>
+                <a:effectLst/>
+                <a:uLnTx/>
+                <a:uFillTx/>
+                <a:latin typeface="Arial" panose="020B0604020202020204" pitchFamily="34" charset="0"/>
+                <a:ea typeface="+mn-ea"/>
+                <a:cs typeface="Arial" panose="020B0604020202020204" pitchFamily="34" charset="0"/>
+              </a:rPr>
+              <a:t>Ogni colonna </a:t>
+            </a:r>
+            <a:r>
+              <a:rPr kumimoji="0" lang="it-IT" sz="1800" b="0" i="0" u="none" strike="noStrike" kern="1200" cap="none" spc="0" normalizeH="0" baseline="0" noProof="0" dirty="0" err="1">
+                <a:ln>
+                  <a:noFill/>
+                </a:ln>
+                <a:solidFill>
+                  <a:srgbClr val="002060"/>
+                </a:solidFill>
+                <a:effectLst/>
+                <a:uLnTx/>
+                <a:uFillTx/>
+                <a:latin typeface="Arial" panose="020B0604020202020204" pitchFamily="34" charset="0"/>
+                <a:ea typeface="+mn-ea"/>
+                <a:cs typeface="Arial" panose="020B0604020202020204" pitchFamily="34" charset="0"/>
+              </a:rPr>
+              <a:t>rappresenter</a:t>
+            </a:r>
+            <a:r>
+              <a:rPr lang="it-IT" dirty="0">
+                <a:solidFill>
+                  <a:srgbClr val="002060"/>
+                </a:solidFill>
+                <a:latin typeface="Arial" panose="020B0604020202020204" pitchFamily="34" charset="0"/>
+                <a:cs typeface="Arial" panose="020B0604020202020204" pitchFamily="34" charset="0"/>
+              </a:rPr>
+              <a:t>à</a:t>
+            </a:r>
+            <a:r>
+              <a:rPr kumimoji="0" lang="it-IT" sz="1800" b="0" i="0" u="none" strike="noStrike" kern="1200" cap="none" spc="0" normalizeH="0" baseline="0" noProof="0" dirty="0">
+                <a:ln>
+                  <a:noFill/>
+                </a:ln>
+                <a:solidFill>
+                  <a:srgbClr val="002060"/>
+                </a:solidFill>
+                <a:effectLst/>
+                <a:uLnTx/>
+                <a:uFillTx/>
+                <a:latin typeface="Arial" panose="020B0604020202020204" pitchFamily="34" charset="0"/>
+                <a:ea typeface="+mn-ea"/>
+                <a:cs typeface="Arial" panose="020B0604020202020204" pitchFamily="34" charset="0"/>
+              </a:rPr>
+              <a:t> un indicatore scelto (con valore settimanale, bisettimanale o mensile) visualizzando i risultati su una finestra temporale (mensile, bimestrale, trimestrale, etc.).</a:t>
+            </a:r>
           </a:p>
           <a:p>
             <a:pPr marL="285750" marR="0" lvl="0" indent="-285750" algn="just" defTabSz="914400" rtl="0" eaLnBrk="1" fontAlgn="auto" latinLnBrk="0" hangingPunct="1">
@@ -16282,16 +14849,20 @@
               <a:tabLst/>
               <a:defRPr/>
             </a:pPr>
-            <a:r>
-              <a:rPr lang="it-IT" b="1" dirty="0">
-                <a:solidFill>
-                  <a:srgbClr val="002060"/>
-                </a:solidFill>
-                <a:latin typeface="Arial" panose="020B0604020202020204" pitchFamily="34" charset="0"/>
-                <a:cs typeface="Arial" panose="020B0604020202020204" pitchFamily="34" charset="0"/>
-              </a:rPr>
-              <a:t>Precision, Recall, F1-score.</a:t>
-            </a:r>
+            <a:endParaRPr kumimoji="0" lang="it-IT" sz="1800" b="0" i="0" u="none" strike="noStrike" kern="1200" cap="none" spc="0" normalizeH="0" baseline="0" noProof="0" dirty="0">
+              <a:ln>
+                <a:noFill/>
+              </a:ln>
+              <a:solidFill>
+                <a:srgbClr val="002060"/>
+              </a:solidFill>
+              <a:effectLst/>
+              <a:uLnTx/>
+              <a:uFillTx/>
+              <a:latin typeface="Arial" panose="020B0604020202020204" pitchFamily="34" charset="0"/>
+              <a:ea typeface="+mn-ea"/>
+              <a:cs typeface="Arial" panose="020B0604020202020204" pitchFamily="34" charset="0"/>
+            </a:endParaRPr>
           </a:p>
           <a:p>
             <a:pPr marL="285750" marR="0" lvl="0" indent="-285750" algn="just" defTabSz="914400" rtl="0" eaLnBrk="1" fontAlgn="auto" latinLnBrk="0" hangingPunct="1">
@@ -16311,18 +14882,11 @@
               <a:tabLst/>
               <a:defRPr/>
             </a:pPr>
-            <a:endParaRPr kumimoji="0" lang="it-IT" sz="1800" b="0" i="0" u="none" strike="noStrike" kern="1200" cap="none" spc="0" normalizeH="0" baseline="0" noProof="0" dirty="0">
-              <a:ln>
-                <a:noFill/>
-              </a:ln>
+            <a:endParaRPr lang="it-IT" dirty="0">
               <a:solidFill>
                 <a:srgbClr val="002060"/>
               </a:solidFill>
-              <a:effectLst/>
-              <a:uLnTx/>
-              <a:uFillTx/>
               <a:latin typeface="Arial" panose="020B0604020202020204" pitchFamily="34" charset="0"/>
-              <a:ea typeface="+mn-ea"/>
               <a:cs typeface="Arial" panose="020B0604020202020204" pitchFamily="34" charset="0"/>
             </a:endParaRPr>
           </a:p>
@@ -16345,7 +14909,17 @@
               <a:defRPr/>
             </a:pPr>
             <a:r>
-              <a:rPr kumimoji="0" lang="it-IT" sz="1800" b="1" i="0" u="none" strike="noStrike" kern="1200" cap="none" spc="0" normalizeH="0" baseline="0" noProof="0" dirty="0">
+              <a:rPr lang="it-IT" dirty="0">
+                <a:solidFill>
+                  <a:srgbClr val="002060"/>
+                </a:solidFill>
+                <a:latin typeface="Arial" panose="020B0604020202020204" pitchFamily="34" charset="0"/>
+                <a:cs typeface="Arial" panose="020B0604020202020204" pitchFamily="34" charset="0"/>
+              </a:rPr>
+              <a:t>S</a:t>
+            </a:r>
+            <a:r>
+              <a:rPr kumimoji="0" lang="it-IT" sz="1800" b="0" i="0" u="none" strike="noStrike" kern="1200" cap="none" spc="0" normalizeH="0" baseline="0" noProof="0" dirty="0">
                 <a:ln>
                   <a:noFill/>
                 </a:ln>
@@ -16359,10 +14933,10 @@
                 <a:ea typeface="+mn-ea"/>
                 <a:cs typeface="Arial" panose="020B0604020202020204" pitchFamily="34" charset="0"/>
               </a:rPr>
-              <a:t>Curva di ROC</a:t>
-            </a:r>
-            <a:r>
-              <a:rPr kumimoji="0" lang="it-IT" sz="1800" i="0" u="none" strike="noStrike" kern="1200" cap="none" spc="0" normalizeH="0" baseline="0" noProof="0" dirty="0">
+              <a:t>i </a:t>
+            </a:r>
+            <a:r>
+              <a:rPr kumimoji="0" lang="it-IT" sz="1800" b="0" i="0" u="none" strike="noStrike" kern="1200" cap="none" spc="0" normalizeH="0" baseline="0" noProof="0" dirty="0" err="1">
                 <a:ln>
                   <a:noFill/>
                 </a:ln>
@@ -16376,10 +14950,20 @@
                 <a:ea typeface="+mn-ea"/>
                 <a:cs typeface="Arial" panose="020B0604020202020204" pitchFamily="34" charset="0"/>
               </a:rPr>
-              <a:t>: grafico che mette in relazione la </a:t>
-            </a:r>
-            <a:r>
-              <a:rPr kumimoji="0" lang="it-IT" sz="1800" i="0" u="none" strike="noStrike" kern="1200" cap="none" spc="0" normalizeH="0" baseline="0" noProof="0" dirty="0" err="1">
+              <a:t>otterr</a:t>
+            </a:r>
+            <a:r>
+              <a:rPr lang="it-IT" dirty="0">
+                <a:solidFill>
+                  <a:srgbClr val="002060"/>
+                </a:solidFill>
+                <a:latin typeface="Arial" panose="020B0604020202020204" pitchFamily="34" charset="0"/>
+                <a:cs typeface="Arial" panose="020B0604020202020204" pitchFamily="34" charset="0"/>
+              </a:rPr>
+              <a:t>à</a:t>
+            </a:r>
+            <a:r>
+              <a:rPr kumimoji="0" lang="it-IT" sz="1800" b="0" i="0" u="none" strike="noStrike" kern="1200" cap="none" spc="0" normalizeH="0" baseline="0" noProof="0" dirty="0">
                 <a:ln>
                   <a:noFill/>
                 </a:ln>
@@ -16393,20 +14977,10 @@
                 <a:ea typeface="+mn-ea"/>
                 <a:cs typeface="Arial" panose="020B0604020202020204" pitchFamily="34" charset="0"/>
               </a:rPr>
-              <a:t>sensibilit</a:t>
-            </a:r>
-            <a:r>
-              <a:rPr lang="it-IT" dirty="0">
-                <a:solidFill>
-                  <a:srgbClr val="002060"/>
-                </a:solidFill>
-                <a:latin typeface="Arial" panose="020B0604020202020204" pitchFamily="34" charset="0"/>
-                <a:cs typeface="Arial" panose="020B0604020202020204" pitchFamily="34" charset="0"/>
-              </a:rPr>
-              <a:t>à</a:t>
-            </a:r>
-            <a:r>
-              <a:rPr kumimoji="0" lang="it-IT" sz="1800" i="0" u="none" strike="noStrike" kern="1200" cap="none" spc="0" normalizeH="0" baseline="0" noProof="0" dirty="0">
+              <a:t> un dataset composto da svariate immagini in scala di grigio, dove ogni pixel ha un valore di </a:t>
+            </a:r>
+            <a:r>
+              <a:rPr kumimoji="0" lang="it-IT" sz="1800" b="0" i="0" u="none" strike="noStrike" kern="1200" cap="none" spc="0" normalizeH="0" baseline="0" noProof="0" dirty="0" err="1">
                 <a:ln>
                   <a:noFill/>
                 </a:ln>
@@ -16420,10 +14994,20 @@
                 <a:ea typeface="+mn-ea"/>
                 <a:cs typeface="Arial" panose="020B0604020202020204" pitchFamily="34" charset="0"/>
               </a:rPr>
-              <a:t> e la </a:t>
-            </a:r>
-            <a:r>
-              <a:rPr kumimoji="0" lang="it-IT" sz="1800" i="0" u="none" strike="noStrike" kern="1200" cap="none" spc="0" normalizeH="0" baseline="0" noProof="0" dirty="0" err="1">
+              <a:t>luminosit</a:t>
+            </a:r>
+            <a:r>
+              <a:rPr lang="it-IT" dirty="0">
+                <a:solidFill>
+                  <a:srgbClr val="002060"/>
+                </a:solidFill>
+                <a:latin typeface="Arial" panose="020B0604020202020204" pitchFamily="34" charset="0"/>
+                <a:cs typeface="Arial" panose="020B0604020202020204" pitchFamily="34" charset="0"/>
+              </a:rPr>
+              <a:t>à</a:t>
+            </a:r>
+            <a:r>
+              <a:rPr kumimoji="0" lang="it-IT" sz="1800" b="0" i="0" u="none" strike="noStrike" kern="1200" cap="none" spc="0" normalizeH="0" baseline="0" noProof="0" dirty="0">
                 <a:ln>
                   <a:noFill/>
                 </a:ln>
@@ -16437,34 +15021,7 @@
                 <a:ea typeface="+mn-ea"/>
                 <a:cs typeface="Arial" panose="020B0604020202020204" pitchFamily="34" charset="0"/>
               </a:rPr>
-              <a:t>specificit</a:t>
-            </a:r>
-            <a:r>
-              <a:rPr lang="it-IT" dirty="0">
-                <a:solidFill>
-                  <a:srgbClr val="002060"/>
-                </a:solidFill>
-                <a:latin typeface="Arial" panose="020B0604020202020204" pitchFamily="34" charset="0"/>
-                <a:cs typeface="Arial" panose="020B0604020202020204" pitchFamily="34" charset="0"/>
-              </a:rPr>
-              <a:t>à</a:t>
-            </a:r>
-            <a:r>
-              <a:rPr kumimoji="0" lang="it-IT" sz="1800" i="0" u="none" strike="noStrike" kern="1200" cap="none" spc="0" normalizeH="0" baseline="0" noProof="0" dirty="0">
-                <a:ln>
-                  <a:noFill/>
-                </a:ln>
-                <a:solidFill>
-                  <a:srgbClr val="002060"/>
-                </a:solidFill>
-                <a:effectLst/>
-                <a:uLnTx/>
-                <a:uFillTx/>
-                <a:latin typeface="Arial" panose="020B0604020202020204" pitchFamily="34" charset="0"/>
-                <a:ea typeface="+mn-ea"/>
-                <a:cs typeface="Arial" panose="020B0604020202020204" pitchFamily="34" charset="0"/>
-              </a:rPr>
-              <a:t> di un test diagnostico (TN/(TN+FP)).</a:t>
+              <a:t> compreso tra 0 (nero) e 255 (bianco). </a:t>
             </a:r>
           </a:p>
           <a:p>
@@ -16485,11 +15042,18 @@
               <a:tabLst/>
               <a:defRPr/>
             </a:pPr>
-            <a:endParaRPr lang="it-IT" dirty="0">
+            <a:endParaRPr kumimoji="0" lang="it-IT" sz="1800" b="0" i="0" u="none" strike="noStrike" kern="1200" cap="none" spc="0" normalizeH="0" baseline="0" noProof="0" dirty="0">
+              <a:ln>
+                <a:noFill/>
+              </a:ln>
               <a:solidFill>
                 <a:srgbClr val="002060"/>
               </a:solidFill>
+              <a:effectLst/>
+              <a:uLnTx/>
+              <a:uFillTx/>
               <a:latin typeface="Arial" panose="020B0604020202020204" pitchFamily="34" charset="0"/>
+              <a:ea typeface="+mn-ea"/>
               <a:cs typeface="Arial" panose="020B0604020202020204" pitchFamily="34" charset="0"/>
             </a:endParaRPr>
           </a:p>
@@ -16511,8 +15075,34 @@
               <a:tabLst/>
               <a:defRPr/>
             </a:pPr>
-            <a:r>
-              <a:rPr kumimoji="0" lang="it-IT" sz="1800" i="0" u="none" strike="noStrike" kern="1200" cap="none" spc="0" normalizeH="0" baseline="0" noProof="0" dirty="0">
+            <a:endParaRPr lang="it-IT" dirty="0">
+              <a:solidFill>
+                <a:srgbClr val="002060"/>
+              </a:solidFill>
+              <a:latin typeface="Arial" panose="020B0604020202020204" pitchFamily="34" charset="0"/>
+              <a:cs typeface="Arial" panose="020B0604020202020204" pitchFamily="34" charset="0"/>
+            </a:endParaRPr>
+          </a:p>
+          <a:p>
+            <a:pPr marL="285750" marR="0" lvl="0" indent="-285750" algn="just" defTabSz="914400" rtl="0" eaLnBrk="1" fontAlgn="auto" latinLnBrk="0" hangingPunct="1">
+              <a:lnSpc>
+                <a:spcPct val="100000"/>
+              </a:lnSpc>
+              <a:spcBef>
+                <a:spcPts val="0"/>
+              </a:spcBef>
+              <a:spcAft>
+                <a:spcPts val="0"/>
+              </a:spcAft>
+              <a:buClrTx/>
+              <a:buSzTx/>
+              <a:buFont typeface="Arial" panose="020B0604020202020204" pitchFamily="34" charset="0"/>
+              <a:buChar char="•"/>
+              <a:tabLst/>
+              <a:defRPr/>
+            </a:pPr>
+            <a:r>
+              <a:rPr kumimoji="0" lang="it-IT" sz="1800" b="0" i="0" u="none" strike="noStrike" kern="1200" cap="none" spc="0" normalizeH="0" baseline="0" noProof="0" dirty="0">
                 <a:ln>
                   <a:noFill/>
                 </a:ln>
@@ -16526,20 +15116,10 @@
                 <a:ea typeface="+mn-ea"/>
                 <a:cs typeface="Arial" panose="020B0604020202020204" pitchFamily="34" charset="0"/>
               </a:rPr>
-              <a:t>Se area &lt; 0.5</a:t>
-            </a:r>
-            <a:r>
-              <a:rPr lang="it-IT" dirty="0">
-                <a:solidFill>
-                  <a:srgbClr val="002060"/>
-                </a:solidFill>
-                <a:latin typeface="Arial" panose="020B0604020202020204" pitchFamily="34" charset="0"/>
-                <a:cs typeface="Arial" panose="020B0604020202020204" pitchFamily="34" charset="0"/>
-              </a:rPr>
-              <a:t> t</a:t>
-            </a:r>
-            <a:r>
-              <a:rPr kumimoji="0" lang="it-IT" sz="1800" i="0" u="none" strike="noStrike" kern="1200" cap="none" spc="0" normalizeH="0" baseline="0" noProof="0" dirty="0">
+              <a:t>Maggiore </a:t>
+            </a:r>
+            <a:r>
+              <a:rPr kumimoji="0" lang="it-IT" sz="1800" b="0" i="0" u="none" strike="noStrike" kern="1200" cap="none" spc="0" normalizeH="0" baseline="0" noProof="0" dirty="0" err="1">
                 <a:ln>
                   <a:noFill/>
                 </a:ln>
@@ -16553,10 +15133,20 @@
                 <a:ea typeface="+mn-ea"/>
                 <a:cs typeface="Arial" panose="020B0604020202020204" pitchFamily="34" charset="0"/>
               </a:rPr>
-              <a:t>est non informativo, se &gt; 0.5 indica un test che via via si avvicina ad essere </a:t>
-            </a:r>
-            <a:r>
-              <a:rPr kumimoji="0" lang="it-IT" sz="1800" i="0" u="none" strike="noStrike" kern="1200" cap="none" spc="0" normalizeH="0" baseline="0" noProof="0" dirty="0" err="1">
+              <a:t>sar</a:t>
+            </a:r>
+            <a:r>
+              <a:rPr lang="it-IT" dirty="0">
+                <a:solidFill>
+                  <a:srgbClr val="002060"/>
+                </a:solidFill>
+                <a:latin typeface="Arial" panose="020B0604020202020204" pitchFamily="34" charset="0"/>
+                <a:cs typeface="Arial" panose="020B0604020202020204" pitchFamily="34" charset="0"/>
+              </a:rPr>
+              <a:t>à</a:t>
+            </a:r>
+            <a:r>
+              <a:rPr kumimoji="0" lang="it-IT" sz="1800" b="0" i="0" u="none" strike="noStrike" kern="1200" cap="none" spc="0" normalizeH="0" baseline="0" noProof="0" dirty="0">
                 <a:ln>
                   <a:noFill/>
                 </a:ln>
@@ -16570,20 +15160,10 @@
                 <a:ea typeface="+mn-ea"/>
                 <a:cs typeface="Arial" panose="020B0604020202020204" pitchFamily="34" charset="0"/>
               </a:rPr>
-              <a:t>pi</a:t>
-            </a:r>
-            <a:r>
-              <a:rPr lang="it-IT" dirty="0">
-                <a:solidFill>
-                  <a:srgbClr val="002060"/>
-                </a:solidFill>
-                <a:latin typeface="Arial" panose="020B0604020202020204" pitchFamily="34" charset="0"/>
-                <a:cs typeface="Arial" panose="020B0604020202020204" pitchFamily="34" charset="0"/>
-              </a:rPr>
-              <a:t>ù</a:t>
-            </a:r>
-            <a:r>
-              <a:rPr kumimoji="0" lang="it-IT" sz="1800" i="0" u="none" strike="noStrike" kern="1200" cap="none" spc="0" normalizeH="0" baseline="0" noProof="0" dirty="0">
+              <a:t> la </a:t>
+            </a:r>
+            <a:r>
+              <a:rPr kumimoji="0" lang="it-IT" sz="1800" b="0" i="0" u="none" strike="noStrike" kern="1200" cap="none" spc="0" normalizeH="0" baseline="0" noProof="0" dirty="0" err="1">
                 <a:ln>
                   <a:noFill/>
                 </a:ln>
@@ -16597,9 +15177,99 @@
                 <a:ea typeface="+mn-ea"/>
                 <a:cs typeface="Arial" panose="020B0604020202020204" pitchFamily="34" charset="0"/>
               </a:rPr>
-              <a:t> accurato.</a:t>
-            </a:r>
-            <a:endParaRPr kumimoji="0" lang="it-IT" sz="1800" b="1" i="0" u="none" strike="noStrike" kern="1200" cap="none" spc="0" normalizeH="0" baseline="0" noProof="0" dirty="0">
+              <a:t>luminosit</a:t>
+            </a:r>
+            <a:r>
+              <a:rPr lang="it-IT" dirty="0">
+                <a:solidFill>
+                  <a:srgbClr val="002060"/>
+                </a:solidFill>
+                <a:latin typeface="Arial" panose="020B0604020202020204" pitchFamily="34" charset="0"/>
+                <a:cs typeface="Arial" panose="020B0604020202020204" pitchFamily="34" charset="0"/>
+              </a:rPr>
+              <a:t>à</a:t>
+            </a:r>
+            <a:r>
+              <a:rPr kumimoji="0" lang="it-IT" sz="1800" b="0" i="0" u="none" strike="noStrike" kern="1200" cap="none" spc="0" normalizeH="0" baseline="0" noProof="0" dirty="0">
+                <a:ln>
+                  <a:noFill/>
+                </a:ln>
+                <a:solidFill>
+                  <a:srgbClr val="002060"/>
+                </a:solidFill>
+                <a:effectLst/>
+                <a:uLnTx/>
+                <a:uFillTx/>
+                <a:latin typeface="Arial" panose="020B0604020202020204" pitchFamily="34" charset="0"/>
+                <a:ea typeface="+mn-ea"/>
+                <a:cs typeface="Arial" panose="020B0604020202020204" pitchFamily="34" charset="0"/>
+              </a:rPr>
+              <a:t> raggiunta da ogni elemento relativo ad una colonna, migliore </a:t>
+            </a:r>
+            <a:r>
+              <a:rPr kumimoji="0" lang="it-IT" sz="1800" b="0" i="0" u="none" strike="noStrike" kern="1200" cap="none" spc="0" normalizeH="0" baseline="0" noProof="0" dirty="0" err="1">
+                <a:ln>
+                  <a:noFill/>
+                </a:ln>
+                <a:solidFill>
+                  <a:srgbClr val="002060"/>
+                </a:solidFill>
+                <a:effectLst/>
+                <a:uLnTx/>
+                <a:uFillTx/>
+                <a:latin typeface="Arial" panose="020B0604020202020204" pitchFamily="34" charset="0"/>
+                <a:ea typeface="+mn-ea"/>
+                <a:cs typeface="Arial" panose="020B0604020202020204" pitchFamily="34" charset="0"/>
+              </a:rPr>
+              <a:t>sar</a:t>
+            </a:r>
+            <a:r>
+              <a:rPr lang="it-IT" dirty="0">
+                <a:solidFill>
+                  <a:srgbClr val="002060"/>
+                </a:solidFill>
+                <a:latin typeface="Arial" panose="020B0604020202020204" pitchFamily="34" charset="0"/>
+                <a:cs typeface="Arial" panose="020B0604020202020204" pitchFamily="34" charset="0"/>
+              </a:rPr>
+              <a:t>à</a:t>
+            </a:r>
+            <a:r>
+              <a:rPr kumimoji="0" lang="it-IT" sz="1800" b="0" i="0" u="none" strike="noStrike" kern="1200" cap="none" spc="0" normalizeH="0" baseline="0" noProof="0" dirty="0">
+                <a:ln>
+                  <a:noFill/>
+                </a:ln>
+                <a:solidFill>
+                  <a:srgbClr val="002060"/>
+                </a:solidFill>
+                <a:effectLst/>
+                <a:uLnTx/>
+                <a:uFillTx/>
+                <a:latin typeface="Arial" panose="020B0604020202020204" pitchFamily="34" charset="0"/>
+                <a:ea typeface="+mn-ea"/>
+                <a:cs typeface="Arial" panose="020B0604020202020204" pitchFamily="34" charset="0"/>
+              </a:rPr>
+              <a:t> l’andamento del KPI per quella stessa colonna. </a:t>
+            </a:r>
+          </a:p>
+          <a:p>
+            <a:pPr marL="285750" marR="0" lvl="0" indent="-285750" algn="just" defTabSz="914400" rtl="0" eaLnBrk="1" fontAlgn="auto" latinLnBrk="0" hangingPunct="1">
+              <a:lnSpc>
+                <a:spcPct val="100000"/>
+              </a:lnSpc>
+              <a:spcBef>
+                <a:spcPts val="0"/>
+              </a:spcBef>
+              <a:spcAft>
+                <a:spcPts val="0"/>
+              </a:spcAft>
+              <a:buClrTx/>
+              <a:buSzTx/>
+              <a:buFont typeface="Arial" panose="020B0604020202020204" pitchFamily="34" charset="0"/>
+              <a:buChar char="•"/>
+              <a:tabLst/>
+              <a:defRPr/>
+            </a:pPr>
+            <a:endParaRPr kumimoji="0" lang="it-IT" sz="1800" b="0" i="0" u="none" strike="noStrike" kern="1200" cap="none" spc="0" normalizeH="0" baseline="0" noProof="0" dirty="0">
               <a:ln>
                 <a:noFill/>
               </a:ln>
@@ -16614,6 +15284,130 @@
               <a:cs typeface="Arial" panose="020B0604020202020204" pitchFamily="34" charset="0"/>
             </a:endParaRPr>
           </a:p>
+          <a:p>
+            <a:pPr marR="0" lvl="0" algn="just" defTabSz="914400" rtl="0" eaLnBrk="1" fontAlgn="auto" latinLnBrk="0" hangingPunct="1">
+              <a:lnSpc>
+                <a:spcPct val="100000"/>
+              </a:lnSpc>
+              <a:spcBef>
+                <a:spcPts val="0"/>
+              </a:spcBef>
+              <a:spcAft>
+                <a:spcPts val="0"/>
+              </a:spcAft>
+              <a:buClrTx/>
+              <a:buSzTx/>
+              <a:tabLst/>
+              <a:defRPr/>
+            </a:pPr>
+            <a:endParaRPr kumimoji="0" lang="it-IT" sz="1800" b="0" i="0" u="none" strike="noStrike" kern="1200" cap="none" spc="0" normalizeH="0" baseline="0" noProof="0" dirty="0">
+              <a:ln>
+                <a:noFill/>
+              </a:ln>
+              <a:solidFill>
+                <a:srgbClr val="002060"/>
+              </a:solidFill>
+              <a:effectLst/>
+              <a:uLnTx/>
+              <a:uFillTx/>
+              <a:latin typeface="Arial" panose="020B0604020202020204" pitchFamily="34" charset="0"/>
+              <a:ea typeface="+mn-ea"/>
+              <a:cs typeface="Arial" panose="020B0604020202020204" pitchFamily="34" charset="0"/>
+            </a:endParaRPr>
+          </a:p>
+          <a:p>
+            <a:pPr marL="285750" marR="0" lvl="0" indent="-285750" algn="just" defTabSz="914400" rtl="0" eaLnBrk="1" fontAlgn="auto" latinLnBrk="0" hangingPunct="1">
+              <a:lnSpc>
+                <a:spcPct val="100000"/>
+              </a:lnSpc>
+              <a:spcBef>
+                <a:spcPts val="0"/>
+              </a:spcBef>
+              <a:spcAft>
+                <a:spcPts val="0"/>
+              </a:spcAft>
+              <a:buClrTx/>
+              <a:buSzTx/>
+              <a:buFont typeface="Arial" panose="020B0604020202020204" pitchFamily="34" charset="0"/>
+              <a:buChar char="•"/>
+              <a:tabLst/>
+              <a:defRPr/>
+            </a:pPr>
+            <a:r>
+              <a:rPr kumimoji="0" lang="it-IT" sz="1800" b="0" i="0" u="none" strike="noStrike" kern="1200" cap="none" spc="0" normalizeH="0" baseline="0" noProof="0" dirty="0">
+                <a:ln>
+                  <a:noFill/>
+                </a:ln>
+                <a:solidFill>
+                  <a:srgbClr val="002060"/>
+                </a:solidFill>
+                <a:effectLst/>
+                <a:uLnTx/>
+                <a:uFillTx/>
+                <a:latin typeface="Arial" panose="020B0604020202020204" pitchFamily="34" charset="0"/>
+                <a:ea typeface="+mn-ea"/>
+                <a:cs typeface="Arial" panose="020B0604020202020204" pitchFamily="34" charset="0"/>
+              </a:rPr>
+              <a:t>Così facendo si riuscirà ad identificare le info chiavi che differenziano le diverse tipologie di immagini presenti nel dataset.</a:t>
+            </a:r>
+          </a:p>
+          <a:p>
+            <a:pPr marR="0" lvl="0" algn="just" defTabSz="914400" rtl="0" eaLnBrk="1" fontAlgn="auto" latinLnBrk="0" hangingPunct="1">
+              <a:lnSpc>
+                <a:spcPct val="100000"/>
+              </a:lnSpc>
+              <a:spcBef>
+                <a:spcPts val="0"/>
+              </a:spcBef>
+              <a:spcAft>
+                <a:spcPts val="0"/>
+              </a:spcAft>
+              <a:buClrTx/>
+              <a:buSzTx/>
+              <a:tabLst/>
+              <a:defRPr/>
+            </a:pPr>
+            <a:endParaRPr kumimoji="0" lang="it-IT" sz="1800" b="0" i="0" u="none" strike="noStrike" kern="1200" cap="none" spc="0" normalizeH="0" baseline="0" noProof="0" dirty="0">
+              <a:ln>
+                <a:noFill/>
+              </a:ln>
+              <a:solidFill>
+                <a:srgbClr val="002060"/>
+              </a:solidFill>
+              <a:effectLst/>
+              <a:uLnTx/>
+              <a:uFillTx/>
+              <a:latin typeface="Arial" panose="020B0604020202020204" pitchFamily="34" charset="0"/>
+              <a:ea typeface="+mn-ea"/>
+              <a:cs typeface="Arial" panose="020B0604020202020204" pitchFamily="34" charset="0"/>
+            </a:endParaRPr>
+          </a:p>
+          <a:p>
+            <a:pPr marL="285750" marR="0" lvl="0" indent="-285750" algn="just" defTabSz="914400" rtl="0" eaLnBrk="1" fontAlgn="auto" latinLnBrk="0" hangingPunct="1">
+              <a:lnSpc>
+                <a:spcPct val="100000"/>
+              </a:lnSpc>
+              <a:spcBef>
+                <a:spcPts val="0"/>
+              </a:spcBef>
+              <a:spcAft>
+                <a:spcPts val="0"/>
+              </a:spcAft>
+              <a:buClrTx/>
+              <a:buSzTx/>
+              <a:buFont typeface="Arial" panose="020B0604020202020204" pitchFamily="34" charset="0"/>
+              <a:buChar char="•"/>
+              <a:tabLst/>
+              <a:defRPr/>
+            </a:pPr>
+            <a:endParaRPr lang="it-IT" dirty="0">
+              <a:solidFill>
+                <a:srgbClr val="002060"/>
+              </a:solidFill>
+              <a:latin typeface="Arial" panose="020B0604020202020204" pitchFamily="34" charset="0"/>
+              <a:cs typeface="Arial" panose="020B0604020202020204" pitchFamily="34" charset="0"/>
+            </a:endParaRPr>
+          </a:p>
         </p:txBody>
       </p:sp>
       <p:sp>
@@ -16661,160 +15455,10 @@
           </a:p>
         </p:txBody>
       </p:sp>
-      <p:pic>
-        <p:nvPicPr>
-          <p:cNvPr id="7" name="Immagine 6">
-            <a:extLst>
-              <a:ext uri="{FF2B5EF4-FFF2-40B4-BE49-F238E27FC236}">
-                <a16:creationId xmlns:a16="http://schemas.microsoft.com/office/drawing/2014/main" id="{E2D21D03-F67B-43EB-ACEB-67A82CCBF4AC}"/>
-              </a:ext>
-            </a:extLst>
-          </p:cNvPr>
-          <p:cNvPicPr>
-            <a:picLocks noChangeAspect="1"/>
-          </p:cNvPicPr>
-          <p:nvPr/>
-        </p:nvPicPr>
-        <p:blipFill>
-          <a:blip r:embed="rId3"/>
-          <a:stretch>
-            <a:fillRect/>
-          </a:stretch>
-        </p:blipFill>
-        <p:spPr>
-          <a:xfrm>
-            <a:off x="7328999" y="165535"/>
-            <a:ext cx="4728322" cy="2854111"/>
-          </a:xfrm>
-          <a:prstGeom prst="rect">
-            <a:avLst/>
-          </a:prstGeom>
-        </p:spPr>
-      </p:pic>
-      <p:pic>
-        <p:nvPicPr>
-          <p:cNvPr id="8" name="Immagine 7">
-            <a:extLst>
-              <a:ext uri="{FF2B5EF4-FFF2-40B4-BE49-F238E27FC236}">
-                <a16:creationId xmlns:a16="http://schemas.microsoft.com/office/drawing/2014/main" id="{554A60A1-8E81-4D7D-AE78-C97D692F3CFB}"/>
-              </a:ext>
-            </a:extLst>
-          </p:cNvPr>
-          <p:cNvPicPr>
-            <a:picLocks noChangeAspect="1"/>
-          </p:cNvPicPr>
-          <p:nvPr/>
-        </p:nvPicPr>
-        <p:blipFill>
-          <a:blip r:embed="rId4"/>
-          <a:stretch>
-            <a:fillRect/>
-          </a:stretch>
-        </p:blipFill>
-        <p:spPr>
-          <a:xfrm>
-            <a:off x="0" y="4462145"/>
-            <a:ext cx="2638927" cy="1076325"/>
-          </a:xfrm>
-          <a:prstGeom prst="rect">
-            <a:avLst/>
-          </a:prstGeom>
-        </p:spPr>
-      </p:pic>
-      <p:pic>
-        <p:nvPicPr>
-          <p:cNvPr id="9" name="Immagine 8">
-            <a:extLst>
-              <a:ext uri="{FF2B5EF4-FFF2-40B4-BE49-F238E27FC236}">
-                <a16:creationId xmlns:a16="http://schemas.microsoft.com/office/drawing/2014/main" id="{D6F7FCC8-CD37-4553-939E-3D73E48EF882}"/>
-              </a:ext>
-            </a:extLst>
-          </p:cNvPr>
-          <p:cNvPicPr>
-            <a:picLocks noChangeAspect="1"/>
-          </p:cNvPicPr>
-          <p:nvPr/>
-        </p:nvPicPr>
-        <p:blipFill>
-          <a:blip r:embed="rId5"/>
-          <a:stretch>
-            <a:fillRect/>
-          </a:stretch>
-        </p:blipFill>
-        <p:spPr>
-          <a:xfrm>
-            <a:off x="2980742" y="4392757"/>
-            <a:ext cx="2600072" cy="1009650"/>
-          </a:xfrm>
-          <a:prstGeom prst="rect">
-            <a:avLst/>
-          </a:prstGeom>
-        </p:spPr>
-      </p:pic>
-      <p:pic>
-        <p:nvPicPr>
-          <p:cNvPr id="10" name="Immagine 9">
-            <a:extLst>
-              <a:ext uri="{FF2B5EF4-FFF2-40B4-BE49-F238E27FC236}">
-                <a16:creationId xmlns:a16="http://schemas.microsoft.com/office/drawing/2014/main" id="{1429AE89-BCC3-4D76-B298-6FE1FDD73853}"/>
-              </a:ext>
-            </a:extLst>
-          </p:cNvPr>
-          <p:cNvPicPr>
-            <a:picLocks noChangeAspect="1"/>
-          </p:cNvPicPr>
-          <p:nvPr/>
-        </p:nvPicPr>
-        <p:blipFill>
-          <a:blip r:embed="rId6"/>
-          <a:stretch>
-            <a:fillRect/>
-          </a:stretch>
-        </p:blipFill>
-        <p:spPr>
-          <a:xfrm>
-            <a:off x="1347204" y="5773020"/>
-            <a:ext cx="3267075" cy="790575"/>
-          </a:xfrm>
-          <a:prstGeom prst="rect">
-            <a:avLst/>
-          </a:prstGeom>
-        </p:spPr>
-      </p:pic>
-      <p:pic>
-        <p:nvPicPr>
-          <p:cNvPr id="11" name="Immagine 10">
-            <a:extLst>
-              <a:ext uri="{FF2B5EF4-FFF2-40B4-BE49-F238E27FC236}">
-                <a16:creationId xmlns:a16="http://schemas.microsoft.com/office/drawing/2014/main" id="{6F2FBDE8-32D6-4229-A2D0-0CBA05105C94}"/>
-              </a:ext>
-            </a:extLst>
-          </p:cNvPr>
-          <p:cNvPicPr>
-            <a:picLocks noChangeAspect="1"/>
-          </p:cNvPicPr>
-          <p:nvPr/>
-        </p:nvPicPr>
-        <p:blipFill>
-          <a:blip r:embed="rId7"/>
-          <a:stretch>
-            <a:fillRect/>
-          </a:stretch>
-        </p:blipFill>
-        <p:spPr>
-          <a:xfrm>
-            <a:off x="7651544" y="3251251"/>
-            <a:ext cx="4277808" cy="3498112"/>
-          </a:xfrm>
-          <a:prstGeom prst="rect">
-            <a:avLst/>
-          </a:prstGeom>
-        </p:spPr>
-      </p:pic>
     </p:spTree>
     <p:extLst>
       <p:ext uri="{BB962C8B-B14F-4D97-AF65-F5344CB8AC3E}">
-        <p14:creationId xmlns:p14="http://schemas.microsoft.com/office/powerpoint/2010/main" val="1115169183"/>
+        <p14:creationId xmlns:p14="http://schemas.microsoft.com/office/powerpoint/2010/main" val="1372032000"/>
       </p:ext>
     </p:extLst>
   </p:cSld>
@@ -16930,7 +15574,7 @@
                 </a:solidFill>
                 <a:latin typeface="Arial Black" panose="020B0A04020102020204" pitchFamily="34" charset="0"/>
               </a:rPr>
-              <a:t>Metodologia sperimentale adottata</a:t>
+              <a:t>Creazione del dataset</a:t>
             </a:r>
           </a:p>
         </p:txBody>
@@ -16949,8 +15593,8 @@
         </p:nvSpPr>
         <p:spPr>
           <a:xfrm>
-            <a:off x="0" y="889843"/>
-            <a:ext cx="11929730" cy="5355312"/>
+            <a:off x="131324" y="719078"/>
+            <a:ext cx="11929352" cy="5355312"/>
           </a:xfrm>
           <a:prstGeom prst="rect">
             <a:avLst/>
@@ -16981,33 +15625,6 @@
               <a:defRPr/>
             </a:pPr>
             <a:r>
-              <a:rPr lang="it-IT" dirty="0">
-                <a:solidFill>
-                  <a:srgbClr val="002060"/>
-                </a:solidFill>
-                <a:latin typeface="Arial" panose="020B0604020202020204" pitchFamily="34" charset="0"/>
-                <a:cs typeface="Arial" panose="020B0604020202020204" pitchFamily="34" charset="0"/>
-              </a:rPr>
-              <a:t>A</a:t>
-            </a:r>
-            <a:r>
-              <a:rPr kumimoji="0" lang="it-IT" sz="1800" b="0" i="0" u="none" strike="noStrike" kern="1200" cap="none" spc="0" normalizeH="0" baseline="0" noProof="0" dirty="0" err="1">
-                <a:ln>
-                  <a:noFill/>
-                </a:ln>
-                <a:solidFill>
-                  <a:srgbClr val="002060"/>
-                </a:solidFill>
-                <a:effectLst/>
-                <a:uLnTx/>
-                <a:uFillTx/>
-                <a:latin typeface="Arial" panose="020B0604020202020204" pitchFamily="34" charset="0"/>
-                <a:ea typeface="+mn-ea"/>
-                <a:cs typeface="Arial" panose="020B0604020202020204" pitchFamily="34" charset="0"/>
-              </a:rPr>
-              <a:t>ggregazione</a:t>
-            </a:r>
-            <a:r>
               <a:rPr kumimoji="0" lang="it-IT" sz="1800" b="0" i="0" u="none" strike="noStrike" kern="1200" cap="none" spc="0" normalizeH="0" baseline="0" noProof="0" dirty="0">
                 <a:ln>
                   <a:noFill/>
@@ -17022,7 +15639,7 @@
                 <a:ea typeface="+mn-ea"/>
                 <a:cs typeface="Arial" panose="020B0604020202020204" pitchFamily="34" charset="0"/>
               </a:rPr>
-              <a:t> in un’immagine tutte le informazioni ricavate da ogni singolo KPI per un lasso temporale stabilito.</a:t>
+              <a:t>Storico triennale di un cliente relativo agli anni 2018/2019/2020.</a:t>
             </a:r>
           </a:p>
           <a:p>
@@ -17043,18 +15660,11 @@
               <a:tabLst/>
               <a:defRPr/>
             </a:pPr>
-            <a:endParaRPr kumimoji="0" lang="it-IT" sz="1800" b="0" i="0" u="none" strike="noStrike" kern="1200" cap="none" spc="0" normalizeH="0" baseline="0" noProof="0" dirty="0">
-              <a:ln>
-                <a:noFill/>
-              </a:ln>
+            <a:endParaRPr lang="it-IT" dirty="0">
               <a:solidFill>
                 <a:srgbClr val="002060"/>
               </a:solidFill>
-              <a:effectLst/>
-              <a:uLnTx/>
-              <a:uFillTx/>
               <a:latin typeface="Arial" panose="020B0604020202020204" pitchFamily="34" charset="0"/>
-              <a:ea typeface="+mn-ea"/>
               <a:cs typeface="Arial" panose="020B0604020202020204" pitchFamily="34" charset="0"/>
             </a:endParaRPr>
           </a:p>
@@ -17076,6 +15686,57 @@
               <a:tabLst/>
               <a:defRPr/>
             </a:pPr>
+            <a:r>
+              <a:rPr kumimoji="0" lang="it-IT" sz="1800" b="0" i="0" u="none" strike="noStrike" kern="1200" cap="none" spc="0" normalizeH="0" baseline="0" noProof="0" dirty="0" err="1">
+                <a:ln>
+                  <a:noFill/>
+                </a:ln>
+                <a:solidFill>
+                  <a:srgbClr val="002060"/>
+                </a:solidFill>
+                <a:effectLst/>
+                <a:uLnTx/>
+                <a:uFillTx/>
+                <a:latin typeface="Arial" panose="020B0604020202020204" pitchFamily="34" charset="0"/>
+                <a:ea typeface="+mn-ea"/>
+                <a:cs typeface="Arial" panose="020B0604020202020204" pitchFamily="34" charset="0"/>
+              </a:rPr>
+              <a:t>KPIs</a:t>
+            </a:r>
+            <a:r>
+              <a:rPr kumimoji="0" lang="it-IT" sz="1800" b="0" i="0" u="none" strike="noStrike" kern="1200" cap="none" spc="0" normalizeH="0" baseline="0" noProof="0" dirty="0">
+                <a:ln>
+                  <a:noFill/>
+                </a:ln>
+                <a:solidFill>
+                  <a:srgbClr val="002060"/>
+                </a:solidFill>
+                <a:effectLst/>
+                <a:uLnTx/>
+                <a:uFillTx/>
+                <a:latin typeface="Arial" panose="020B0604020202020204" pitchFamily="34" charset="0"/>
+                <a:ea typeface="+mn-ea"/>
+                <a:cs typeface="Arial" panose="020B0604020202020204" pitchFamily="34" charset="0"/>
+              </a:rPr>
+              <a:t> utilizzati:</a:t>
+            </a:r>
+          </a:p>
+          <a:p>
+            <a:pPr marR="0" lvl="0" algn="just" defTabSz="914400" rtl="0" eaLnBrk="1" fontAlgn="auto" latinLnBrk="0" hangingPunct="1">
+              <a:lnSpc>
+                <a:spcPct val="100000"/>
+              </a:lnSpc>
+              <a:spcBef>
+                <a:spcPts val="0"/>
+              </a:spcBef>
+              <a:spcAft>
+                <a:spcPts val="0"/>
+              </a:spcAft>
+              <a:buClrTx/>
+              <a:buSzTx/>
+              <a:tabLst/>
+              <a:defRPr/>
+            </a:pPr>
             <a:endParaRPr kumimoji="0" lang="it-IT" sz="1800" b="0" i="0" u="none" strike="noStrike" kern="1200" cap="none" spc="0" normalizeH="0" baseline="0" noProof="0" dirty="0">
               <a:ln>
                 <a:noFill/>
@@ -17109,8 +15770,22 @@
               <a:tabLst/>
               <a:defRPr/>
             </a:pPr>
-            <a:r>
-              <a:rPr kumimoji="0" lang="it-IT" sz="1800" b="0" i="0" u="none" strike="noStrike" kern="1200" cap="none" spc="0" normalizeH="0" baseline="0" noProof="0" dirty="0">
+            <a:endParaRPr lang="it-IT" dirty="0">
+              <a:solidFill>
+                <a:srgbClr val="002060"/>
+              </a:solidFill>
+              <a:latin typeface="Arial" panose="020B0604020202020204" pitchFamily="34" charset="0"/>
+              <a:cs typeface="Arial" panose="020B0604020202020204" pitchFamily="34" charset="0"/>
+            </a:endParaRPr>
+          </a:p>
+          <a:p>
+            <a:pPr marL="742950" lvl="1" indent="-285750" algn="just">
+              <a:buFont typeface="Arial" panose="020B0604020202020204" pitchFamily="34" charset="0"/>
+              <a:buChar char="•"/>
+              <a:defRPr/>
+            </a:pPr>
+            <a:r>
+              <a:rPr kumimoji="0" lang="it-IT" b="1" i="0" u="none" strike="noStrike" kern="1200" cap="none" spc="0" normalizeH="0" baseline="0" noProof="0" dirty="0">
                 <a:ln>
                   <a:noFill/>
                 </a:ln>
@@ -17124,10 +15799,10 @@
                 <a:ea typeface="+mn-ea"/>
                 <a:cs typeface="Arial" panose="020B0604020202020204" pitchFamily="34" charset="0"/>
               </a:rPr>
-              <a:t>Ogni colonna </a:t>
-            </a:r>
-            <a:r>
-              <a:rPr kumimoji="0" lang="it-IT" sz="1800" b="0" i="0" u="none" strike="noStrike" kern="1200" cap="none" spc="0" normalizeH="0" baseline="0" noProof="0" dirty="0" err="1">
+              <a:t>Venduto</a:t>
+            </a:r>
+            <a:r>
+              <a:rPr kumimoji="0" lang="it-IT" b="0" i="0" u="none" strike="noStrike" kern="1200" cap="none" spc="0" normalizeH="0" baseline="0" noProof="0" dirty="0">
                 <a:ln>
                   <a:noFill/>
                 </a:ln>
@@ -17141,20 +15816,31 @@
                 <a:ea typeface="+mn-ea"/>
                 <a:cs typeface="Arial" panose="020B0604020202020204" pitchFamily="34" charset="0"/>
               </a:rPr>
-              <a:t>rappresenter</a:t>
-            </a:r>
-            <a:r>
-              <a:rPr lang="it-IT" dirty="0">
-                <a:solidFill>
-                  <a:srgbClr val="002060"/>
-                </a:solidFill>
-                <a:latin typeface="Arial" panose="020B0604020202020204" pitchFamily="34" charset="0"/>
-                <a:cs typeface="Arial" panose="020B0604020202020204" pitchFamily="34" charset="0"/>
-              </a:rPr>
-              <a:t>à</a:t>
-            </a:r>
-            <a:r>
-              <a:rPr kumimoji="0" lang="it-IT" sz="1800" b="0" i="0" u="none" strike="noStrike" kern="1200" cap="none" spc="0" normalizeH="0" baseline="0" noProof="0" dirty="0">
+              <a:t>: valore delle vendite.</a:t>
+            </a:r>
+          </a:p>
+          <a:p>
+            <a:pPr marL="742950" lvl="1" indent="-285750" algn="just">
+              <a:buFont typeface="Arial" panose="020B0604020202020204" pitchFamily="34" charset="0"/>
+              <a:buChar char="•"/>
+              <a:defRPr/>
+            </a:pPr>
+            <a:endParaRPr lang="it-IT" dirty="0">
+              <a:solidFill>
+                <a:srgbClr val="002060"/>
+              </a:solidFill>
+              <a:latin typeface="Arial" panose="020B0604020202020204" pitchFamily="34" charset="0"/>
+              <a:cs typeface="Arial" panose="020B0604020202020204" pitchFamily="34" charset="0"/>
+            </a:endParaRPr>
+          </a:p>
+          <a:p>
+            <a:pPr marL="742950" lvl="1" indent="-285750" algn="just">
+              <a:buFont typeface="Arial" panose="020B0604020202020204" pitchFamily="34" charset="0"/>
+              <a:buChar char="•"/>
+              <a:defRPr/>
+            </a:pPr>
+            <a:r>
+              <a:rPr kumimoji="0" lang="it-IT" b="1" i="0" u="none" strike="noStrike" kern="1200" cap="none" spc="0" normalizeH="0" baseline="0" noProof="0" dirty="0">
                 <a:ln>
                   <a:noFill/>
                 </a:ln>
@@ -17168,28 +15854,265 @@
                 <a:ea typeface="+mn-ea"/>
                 <a:cs typeface="Arial" panose="020B0604020202020204" pitchFamily="34" charset="0"/>
               </a:rPr>
-              <a:t> un indicatore scelto (con valore settimanale, bisettimanale o mensile) visualizzando i risultati su una finestra temporale (mensile, bimestrale, trimestrale, etc.).</a:t>
-            </a:r>
-          </a:p>
-          <a:p>
-            <a:pPr marL="285750" marR="0" lvl="0" indent="-285750" algn="just" defTabSz="914400" rtl="0" eaLnBrk="1" fontAlgn="auto" latinLnBrk="0" hangingPunct="1">
-              <a:lnSpc>
-                <a:spcPct val="100000"/>
-              </a:lnSpc>
-              <a:spcBef>
-                <a:spcPts val="0"/>
-              </a:spcBef>
-              <a:spcAft>
-                <a:spcPts val="0"/>
-              </a:spcAft>
-              <a:buClrTx/>
-              <a:buSzTx/>
+              <a:t>Costo</a:t>
+            </a:r>
+            <a:r>
+              <a:rPr kumimoji="0" lang="it-IT" b="0" i="0" u="none" strike="noStrike" kern="1200" cap="none" spc="0" normalizeH="0" baseline="0" noProof="0" dirty="0">
+                <a:ln>
+                  <a:noFill/>
+                </a:ln>
+                <a:solidFill>
+                  <a:srgbClr val="002060"/>
+                </a:solidFill>
+                <a:effectLst/>
+                <a:uLnTx/>
+                <a:uFillTx/>
+                <a:latin typeface="Arial" panose="020B0604020202020204" pitchFamily="34" charset="0"/>
+                <a:ea typeface="+mn-ea"/>
+                <a:cs typeface="Arial" panose="020B0604020202020204" pitchFamily="34" charset="0"/>
+              </a:rPr>
+              <a:t>: costo attribuibile alla produzione di beni e/o servizi venduti.</a:t>
+            </a:r>
+          </a:p>
+          <a:p>
+            <a:pPr marL="742950" lvl="1" indent="-285750" algn="just">
               <a:buFont typeface="Arial" panose="020B0604020202020204" pitchFamily="34" charset="0"/>
               <a:buChar char="•"/>
-              <a:tabLst/>
-              <a:defRPr/>
-            </a:pPr>
-            <a:endParaRPr kumimoji="0" lang="it-IT" sz="1800" b="0" i="0" u="none" strike="noStrike" kern="1200" cap="none" spc="0" normalizeH="0" baseline="0" noProof="0" dirty="0">
+              <a:defRPr/>
+            </a:pPr>
+            <a:endParaRPr lang="it-IT" dirty="0">
+              <a:solidFill>
+                <a:srgbClr val="002060"/>
+              </a:solidFill>
+              <a:latin typeface="Arial" panose="020B0604020202020204" pitchFamily="34" charset="0"/>
+              <a:cs typeface="Arial" panose="020B0604020202020204" pitchFamily="34" charset="0"/>
+            </a:endParaRPr>
+          </a:p>
+          <a:p>
+            <a:pPr marL="742950" lvl="1" indent="-285750" algn="just">
+              <a:buFont typeface="Arial" panose="020B0604020202020204" pitchFamily="34" charset="0"/>
+              <a:buChar char="•"/>
+              <a:defRPr/>
+            </a:pPr>
+            <a:r>
+              <a:rPr kumimoji="0" lang="it-IT" b="1" i="0" u="none" strike="noStrike" kern="1200" cap="none" spc="0" normalizeH="0" baseline="0" noProof="0" dirty="0">
+                <a:ln>
+                  <a:noFill/>
+                </a:ln>
+                <a:solidFill>
+                  <a:srgbClr val="002060"/>
+                </a:solidFill>
+                <a:effectLst/>
+                <a:uLnTx/>
+                <a:uFillTx/>
+                <a:latin typeface="Arial" panose="020B0604020202020204" pitchFamily="34" charset="0"/>
+                <a:ea typeface="+mn-ea"/>
+                <a:cs typeface="Arial" panose="020B0604020202020204" pitchFamily="34" charset="0"/>
+              </a:rPr>
+              <a:t>Margine</a:t>
+            </a:r>
+            <a:r>
+              <a:rPr kumimoji="0" lang="it-IT" b="0" i="0" u="none" strike="noStrike" kern="1200" cap="none" spc="0" normalizeH="0" baseline="0" noProof="0" dirty="0">
+                <a:ln>
+                  <a:noFill/>
+                </a:ln>
+                <a:solidFill>
+                  <a:srgbClr val="002060"/>
+                </a:solidFill>
+                <a:effectLst/>
+                <a:uLnTx/>
+                <a:uFillTx/>
+                <a:latin typeface="Arial" panose="020B0604020202020204" pitchFamily="34" charset="0"/>
+                <a:ea typeface="+mn-ea"/>
+                <a:cs typeface="Arial" panose="020B0604020202020204" pitchFamily="34" charset="0"/>
+              </a:rPr>
+              <a:t>: margine di profitto (Venduto-Costo), espresso sia in valore che in percentuale.</a:t>
+            </a:r>
+          </a:p>
+          <a:p>
+            <a:pPr marL="742950" lvl="1" indent="-285750" algn="just">
+              <a:buFont typeface="Arial" panose="020B0604020202020204" pitchFamily="34" charset="0"/>
+              <a:buChar char="•"/>
+              <a:defRPr/>
+            </a:pPr>
+            <a:endParaRPr lang="it-IT" dirty="0">
+              <a:solidFill>
+                <a:srgbClr val="002060"/>
+              </a:solidFill>
+              <a:latin typeface="Arial" panose="020B0604020202020204" pitchFamily="34" charset="0"/>
+              <a:cs typeface="Arial" panose="020B0604020202020204" pitchFamily="34" charset="0"/>
+            </a:endParaRPr>
+          </a:p>
+          <a:p>
+            <a:pPr marL="742950" lvl="1" indent="-285750" algn="just">
+              <a:buFont typeface="Arial" panose="020B0604020202020204" pitchFamily="34" charset="0"/>
+              <a:buChar char="•"/>
+              <a:defRPr/>
+            </a:pPr>
+            <a:r>
+              <a:rPr kumimoji="0" lang="it-IT" b="1" i="0" u="none" strike="noStrike" kern="1200" cap="none" spc="0" normalizeH="0" baseline="0" noProof="0" dirty="0">
+                <a:ln>
+                  <a:noFill/>
+                </a:ln>
+                <a:solidFill>
+                  <a:srgbClr val="002060"/>
+                </a:solidFill>
+                <a:effectLst/>
+                <a:uLnTx/>
+                <a:uFillTx/>
+                <a:latin typeface="Arial" panose="020B0604020202020204" pitchFamily="34" charset="0"/>
+                <a:ea typeface="+mn-ea"/>
+                <a:cs typeface="Arial" panose="020B0604020202020204" pitchFamily="34" charset="0"/>
+              </a:rPr>
+              <a:t>Trend delle spedizioni</a:t>
+            </a:r>
+            <a:r>
+              <a:rPr kumimoji="0" lang="it-IT" b="0" i="0" u="none" strike="noStrike" kern="1200" cap="none" spc="0" normalizeH="0" baseline="0" noProof="0" dirty="0">
+                <a:ln>
+                  <a:noFill/>
+                </a:ln>
+                <a:solidFill>
+                  <a:srgbClr val="002060"/>
+                </a:solidFill>
+                <a:effectLst/>
+                <a:uLnTx/>
+                <a:uFillTx/>
+                <a:latin typeface="Arial" panose="020B0604020202020204" pitchFamily="34" charset="0"/>
+                <a:ea typeface="+mn-ea"/>
+                <a:cs typeface="Arial" panose="020B0604020202020204" pitchFamily="34" charset="0"/>
+              </a:rPr>
+              <a:t>: andamento della spedizione dei prodotti nel periodo scelto.</a:t>
+            </a:r>
+          </a:p>
+          <a:p>
+            <a:pPr marL="742950" lvl="1" indent="-285750" algn="just">
+              <a:buFont typeface="Arial" panose="020B0604020202020204" pitchFamily="34" charset="0"/>
+              <a:buChar char="•"/>
+              <a:defRPr/>
+            </a:pPr>
+            <a:endParaRPr lang="it-IT" dirty="0">
+              <a:solidFill>
+                <a:srgbClr val="002060"/>
+              </a:solidFill>
+              <a:latin typeface="Arial" panose="020B0604020202020204" pitchFamily="34" charset="0"/>
+              <a:cs typeface="Arial" panose="020B0604020202020204" pitchFamily="34" charset="0"/>
+            </a:endParaRPr>
+          </a:p>
+          <a:p>
+            <a:pPr marL="742950" lvl="1" indent="-285750" algn="just">
+              <a:buFont typeface="Arial" panose="020B0604020202020204" pitchFamily="34" charset="0"/>
+              <a:buChar char="•"/>
+              <a:defRPr/>
+            </a:pPr>
+            <a:r>
+              <a:rPr kumimoji="0" lang="it-IT" b="1" i="0" u="none" strike="noStrike" kern="1200" cap="none" spc="0" normalizeH="0" baseline="0" noProof="0" dirty="0">
+                <a:ln>
+                  <a:noFill/>
+                </a:ln>
+                <a:solidFill>
+                  <a:srgbClr val="002060"/>
+                </a:solidFill>
+                <a:effectLst/>
+                <a:uLnTx/>
+                <a:uFillTx/>
+                <a:latin typeface="Arial" panose="020B0604020202020204" pitchFamily="34" charset="0"/>
+                <a:ea typeface="+mn-ea"/>
+                <a:cs typeface="Arial" panose="020B0604020202020204" pitchFamily="34" charset="0"/>
+              </a:rPr>
+              <a:t>Margine %</a:t>
+            </a:r>
+            <a:r>
+              <a:rPr kumimoji="0" lang="it-IT" b="0" i="0" u="none" strike="noStrike" kern="1200" cap="none" spc="0" normalizeH="0" baseline="0" noProof="0" dirty="0">
+                <a:ln>
+                  <a:noFill/>
+                </a:ln>
+                <a:solidFill>
+                  <a:srgbClr val="002060"/>
+                </a:solidFill>
+                <a:effectLst/>
+                <a:uLnTx/>
+                <a:uFillTx/>
+                <a:latin typeface="Arial" panose="020B0604020202020204" pitchFamily="34" charset="0"/>
+                <a:ea typeface="+mn-ea"/>
+                <a:cs typeface="Arial" panose="020B0604020202020204" pitchFamily="34" charset="0"/>
+              </a:rPr>
+              <a:t> sulle spedizioni: margine di profitto, derivante dal trend delle spedizioni.</a:t>
+            </a:r>
+          </a:p>
+          <a:p>
+            <a:pPr marL="742950" lvl="1" indent="-285750" algn="just">
+              <a:buFont typeface="Arial" panose="020B0604020202020204" pitchFamily="34" charset="0"/>
+              <a:buChar char="•"/>
+              <a:defRPr/>
+            </a:pPr>
+            <a:endParaRPr lang="it-IT" dirty="0">
+              <a:solidFill>
+                <a:srgbClr val="002060"/>
+              </a:solidFill>
+              <a:latin typeface="Arial" panose="020B0604020202020204" pitchFamily="34" charset="0"/>
+              <a:cs typeface="Arial" panose="020B0604020202020204" pitchFamily="34" charset="0"/>
+            </a:endParaRPr>
+          </a:p>
+          <a:p>
+            <a:pPr marL="742950" lvl="1" indent="-285750" algn="just">
+              <a:buFont typeface="Arial" panose="020B0604020202020204" pitchFamily="34" charset="0"/>
+              <a:buChar char="•"/>
+              <a:defRPr/>
+            </a:pPr>
+            <a:r>
+              <a:rPr lang="it-IT" dirty="0">
+                <a:solidFill>
+                  <a:srgbClr val="002060"/>
+                </a:solidFill>
+                <a:latin typeface="Arial" panose="020B0604020202020204" pitchFamily="34" charset="0"/>
+                <a:cs typeface="Arial" panose="020B0604020202020204" pitchFamily="34" charset="0"/>
+              </a:rPr>
+              <a:t>Indicatori esterni: </a:t>
+            </a:r>
+            <a:r>
+              <a:rPr lang="it-IT" b="1" dirty="0">
+                <a:solidFill>
+                  <a:srgbClr val="002060"/>
+                </a:solidFill>
+                <a:latin typeface="Arial" panose="020B0604020202020204" pitchFamily="34" charset="0"/>
+                <a:cs typeface="Arial" panose="020B0604020202020204" pitchFamily="34" charset="0"/>
+              </a:rPr>
+              <a:t>andamento di consumi e prezzi</a:t>
+            </a:r>
+          </a:p>
+          <a:p>
+            <a:pPr marL="742950" lvl="1" indent="-285750" algn="just">
+              <a:buFont typeface="Arial" panose="020B0604020202020204" pitchFamily="34" charset="0"/>
+              <a:buChar char="•"/>
+              <a:defRPr/>
+            </a:pPr>
+            <a:endParaRPr lang="it-IT" b="1" dirty="0">
+              <a:solidFill>
+                <a:srgbClr val="002060"/>
+              </a:solidFill>
+              <a:latin typeface="Arial" panose="020B0604020202020204" pitchFamily="34" charset="0"/>
+              <a:cs typeface="Arial" panose="020B0604020202020204" pitchFamily="34" charset="0"/>
+            </a:endParaRPr>
+          </a:p>
+          <a:p>
+            <a:pPr lvl="1" algn="just">
+              <a:defRPr/>
+            </a:pPr>
+            <a:endParaRPr lang="it-IT" dirty="0">
+              <a:solidFill>
+                <a:srgbClr val="002060"/>
+              </a:solidFill>
+              <a:latin typeface="Arial" panose="020B0604020202020204" pitchFamily="34" charset="0"/>
+              <a:cs typeface="Arial" panose="020B0604020202020204" pitchFamily="34" charset="0"/>
+            </a:endParaRPr>
+          </a:p>
+          <a:p>
+            <a:pPr marL="742950" lvl="1" indent="-285750" algn="just">
+              <a:buFont typeface="Arial" panose="020B0604020202020204" pitchFamily="34" charset="0"/>
+              <a:buChar char="•"/>
+              <a:defRPr/>
+            </a:pPr>
+            <a:endParaRPr kumimoji="0" lang="it-IT" b="0" i="0" u="none" strike="noStrike" kern="1200" cap="none" spc="0" normalizeH="0" baseline="0" noProof="0" dirty="0">
               <a:ln>
                 <a:noFill/>
               </a:ln>
@@ -17204,550 +16127,6 @@
               <a:cs typeface="Arial" panose="020B0604020202020204" pitchFamily="34" charset="0"/>
             </a:endParaRPr>
           </a:p>
-          <a:p>
-            <a:pPr marL="285750" marR="0" lvl="0" indent="-285750" algn="just" defTabSz="914400" rtl="0" eaLnBrk="1" fontAlgn="auto" latinLnBrk="0" hangingPunct="1">
-              <a:lnSpc>
-                <a:spcPct val="100000"/>
-              </a:lnSpc>
-              <a:spcBef>
-                <a:spcPts val="0"/>
-              </a:spcBef>
-              <a:spcAft>
-                <a:spcPts val="0"/>
-              </a:spcAft>
-              <a:buClrTx/>
-              <a:buSzTx/>
-              <a:buFont typeface="Arial" panose="020B0604020202020204" pitchFamily="34" charset="0"/>
-              <a:buChar char="•"/>
-              <a:tabLst/>
-              <a:defRPr/>
-            </a:pPr>
-            <a:endParaRPr lang="it-IT" dirty="0">
-              <a:solidFill>
-                <a:srgbClr val="002060"/>
-              </a:solidFill>
-              <a:latin typeface="Arial" panose="020B0604020202020204" pitchFamily="34" charset="0"/>
-              <a:cs typeface="Arial" panose="020B0604020202020204" pitchFamily="34" charset="0"/>
-            </a:endParaRPr>
-          </a:p>
-          <a:p>
-            <a:pPr marL="285750" marR="0" lvl="0" indent="-285750" algn="just" defTabSz="914400" rtl="0" eaLnBrk="1" fontAlgn="auto" latinLnBrk="0" hangingPunct="1">
-              <a:lnSpc>
-                <a:spcPct val="100000"/>
-              </a:lnSpc>
-              <a:spcBef>
-                <a:spcPts val="0"/>
-              </a:spcBef>
-              <a:spcAft>
-                <a:spcPts val="0"/>
-              </a:spcAft>
-              <a:buClrTx/>
-              <a:buSzTx/>
-              <a:buFont typeface="Arial" panose="020B0604020202020204" pitchFamily="34" charset="0"/>
-              <a:buChar char="•"/>
-              <a:tabLst/>
-              <a:defRPr/>
-            </a:pPr>
-            <a:r>
-              <a:rPr lang="it-IT" dirty="0">
-                <a:solidFill>
-                  <a:srgbClr val="002060"/>
-                </a:solidFill>
-                <a:latin typeface="Arial" panose="020B0604020202020204" pitchFamily="34" charset="0"/>
-                <a:cs typeface="Arial" panose="020B0604020202020204" pitchFamily="34" charset="0"/>
-              </a:rPr>
-              <a:t>S</a:t>
-            </a:r>
-            <a:r>
-              <a:rPr kumimoji="0" lang="it-IT" sz="1800" b="0" i="0" u="none" strike="noStrike" kern="1200" cap="none" spc="0" normalizeH="0" baseline="0" noProof="0" dirty="0">
-                <a:ln>
-                  <a:noFill/>
-                </a:ln>
-                <a:solidFill>
-                  <a:srgbClr val="002060"/>
-                </a:solidFill>
-                <a:effectLst/>
-                <a:uLnTx/>
-                <a:uFillTx/>
-                <a:latin typeface="Arial" panose="020B0604020202020204" pitchFamily="34" charset="0"/>
-                <a:ea typeface="+mn-ea"/>
-                <a:cs typeface="Arial" panose="020B0604020202020204" pitchFamily="34" charset="0"/>
-              </a:rPr>
-              <a:t>i </a:t>
-            </a:r>
-            <a:r>
-              <a:rPr kumimoji="0" lang="it-IT" sz="1800" b="0" i="0" u="none" strike="noStrike" kern="1200" cap="none" spc="0" normalizeH="0" baseline="0" noProof="0" dirty="0" err="1">
-                <a:ln>
-                  <a:noFill/>
-                </a:ln>
-                <a:solidFill>
-                  <a:srgbClr val="002060"/>
-                </a:solidFill>
-                <a:effectLst/>
-                <a:uLnTx/>
-                <a:uFillTx/>
-                <a:latin typeface="Arial" panose="020B0604020202020204" pitchFamily="34" charset="0"/>
-                <a:ea typeface="+mn-ea"/>
-                <a:cs typeface="Arial" panose="020B0604020202020204" pitchFamily="34" charset="0"/>
-              </a:rPr>
-              <a:t>otterr</a:t>
-            </a:r>
-            <a:r>
-              <a:rPr lang="it-IT" dirty="0">
-                <a:solidFill>
-                  <a:srgbClr val="002060"/>
-                </a:solidFill>
-                <a:latin typeface="Arial" panose="020B0604020202020204" pitchFamily="34" charset="0"/>
-                <a:cs typeface="Arial" panose="020B0604020202020204" pitchFamily="34" charset="0"/>
-              </a:rPr>
-              <a:t>à</a:t>
-            </a:r>
-            <a:r>
-              <a:rPr kumimoji="0" lang="it-IT" sz="1800" b="0" i="0" u="none" strike="noStrike" kern="1200" cap="none" spc="0" normalizeH="0" baseline="0" noProof="0" dirty="0">
-                <a:ln>
-                  <a:noFill/>
-                </a:ln>
-                <a:solidFill>
-                  <a:srgbClr val="002060"/>
-                </a:solidFill>
-                <a:effectLst/>
-                <a:uLnTx/>
-                <a:uFillTx/>
-                <a:latin typeface="Arial" panose="020B0604020202020204" pitchFamily="34" charset="0"/>
-                <a:ea typeface="+mn-ea"/>
-                <a:cs typeface="Arial" panose="020B0604020202020204" pitchFamily="34" charset="0"/>
-              </a:rPr>
-              <a:t> un dataset composto da svariate immagini in scala di grigio, dove ogni pixel ha un valore di </a:t>
-            </a:r>
-            <a:r>
-              <a:rPr kumimoji="0" lang="it-IT" sz="1800" b="0" i="0" u="none" strike="noStrike" kern="1200" cap="none" spc="0" normalizeH="0" baseline="0" noProof="0" dirty="0" err="1">
-                <a:ln>
-                  <a:noFill/>
-                </a:ln>
-                <a:solidFill>
-                  <a:srgbClr val="002060"/>
-                </a:solidFill>
-                <a:effectLst/>
-                <a:uLnTx/>
-                <a:uFillTx/>
-                <a:latin typeface="Arial" panose="020B0604020202020204" pitchFamily="34" charset="0"/>
-                <a:ea typeface="+mn-ea"/>
-                <a:cs typeface="Arial" panose="020B0604020202020204" pitchFamily="34" charset="0"/>
-              </a:rPr>
-              <a:t>luminosit</a:t>
-            </a:r>
-            <a:r>
-              <a:rPr lang="it-IT" dirty="0">
-                <a:solidFill>
-                  <a:srgbClr val="002060"/>
-                </a:solidFill>
-                <a:latin typeface="Arial" panose="020B0604020202020204" pitchFamily="34" charset="0"/>
-                <a:cs typeface="Arial" panose="020B0604020202020204" pitchFamily="34" charset="0"/>
-              </a:rPr>
-              <a:t>à</a:t>
-            </a:r>
-            <a:r>
-              <a:rPr kumimoji="0" lang="it-IT" sz="1800" b="0" i="0" u="none" strike="noStrike" kern="1200" cap="none" spc="0" normalizeH="0" baseline="0" noProof="0" dirty="0">
-                <a:ln>
-                  <a:noFill/>
-                </a:ln>
-                <a:solidFill>
-                  <a:srgbClr val="002060"/>
-                </a:solidFill>
-                <a:effectLst/>
-                <a:uLnTx/>
-                <a:uFillTx/>
-                <a:latin typeface="Arial" panose="020B0604020202020204" pitchFamily="34" charset="0"/>
-                <a:ea typeface="+mn-ea"/>
-                <a:cs typeface="Arial" panose="020B0604020202020204" pitchFamily="34" charset="0"/>
-              </a:rPr>
-              <a:t> compreso tra 0 (nero) e 255 (bianco). </a:t>
-            </a:r>
-          </a:p>
-          <a:p>
-            <a:pPr marL="285750" marR="0" lvl="0" indent="-285750" algn="just" defTabSz="914400" rtl="0" eaLnBrk="1" fontAlgn="auto" latinLnBrk="0" hangingPunct="1">
-              <a:lnSpc>
-                <a:spcPct val="100000"/>
-              </a:lnSpc>
-              <a:spcBef>
-                <a:spcPts val="0"/>
-              </a:spcBef>
-              <a:spcAft>
-                <a:spcPts val="0"/>
-              </a:spcAft>
-              <a:buClrTx/>
-              <a:buSzTx/>
-              <a:buFont typeface="Arial" panose="020B0604020202020204" pitchFamily="34" charset="0"/>
-              <a:buChar char="•"/>
-              <a:tabLst/>
-              <a:defRPr/>
-            </a:pPr>
-            <a:endParaRPr kumimoji="0" lang="it-IT" sz="1800" b="0" i="0" u="none" strike="noStrike" kern="1200" cap="none" spc="0" normalizeH="0" baseline="0" noProof="0" dirty="0">
-              <a:ln>
-                <a:noFill/>
-              </a:ln>
-              <a:solidFill>
-                <a:srgbClr val="002060"/>
-              </a:solidFill>
-              <a:effectLst/>
-              <a:uLnTx/>
-              <a:uFillTx/>
-              <a:latin typeface="Arial" panose="020B0604020202020204" pitchFamily="34" charset="0"/>
-              <a:ea typeface="+mn-ea"/>
-              <a:cs typeface="Arial" panose="020B0604020202020204" pitchFamily="34" charset="0"/>
-            </a:endParaRPr>
-          </a:p>
-          <a:p>
-            <a:pPr marL="285750" marR="0" lvl="0" indent="-285750" algn="just" defTabSz="914400" rtl="0" eaLnBrk="1" fontAlgn="auto" latinLnBrk="0" hangingPunct="1">
-              <a:lnSpc>
-                <a:spcPct val="100000"/>
-              </a:lnSpc>
-              <a:spcBef>
-                <a:spcPts val="0"/>
-              </a:spcBef>
-              <a:spcAft>
-                <a:spcPts val="0"/>
-              </a:spcAft>
-              <a:buClrTx/>
-              <a:buSzTx/>
-              <a:buFont typeface="Arial" panose="020B0604020202020204" pitchFamily="34" charset="0"/>
-              <a:buChar char="•"/>
-              <a:tabLst/>
-              <a:defRPr/>
-            </a:pPr>
-            <a:endParaRPr lang="it-IT" dirty="0">
-              <a:solidFill>
-                <a:srgbClr val="002060"/>
-              </a:solidFill>
-              <a:latin typeface="Arial" panose="020B0604020202020204" pitchFamily="34" charset="0"/>
-              <a:cs typeface="Arial" panose="020B0604020202020204" pitchFamily="34" charset="0"/>
-            </a:endParaRPr>
-          </a:p>
-          <a:p>
-            <a:pPr marL="285750" marR="0" lvl="0" indent="-285750" algn="just" defTabSz="914400" rtl="0" eaLnBrk="1" fontAlgn="auto" latinLnBrk="0" hangingPunct="1">
-              <a:lnSpc>
-                <a:spcPct val="100000"/>
-              </a:lnSpc>
-              <a:spcBef>
-                <a:spcPts val="0"/>
-              </a:spcBef>
-              <a:spcAft>
-                <a:spcPts val="0"/>
-              </a:spcAft>
-              <a:buClrTx/>
-              <a:buSzTx/>
-              <a:buFont typeface="Arial" panose="020B0604020202020204" pitchFamily="34" charset="0"/>
-              <a:buChar char="•"/>
-              <a:tabLst/>
-              <a:defRPr/>
-            </a:pPr>
-            <a:r>
-              <a:rPr kumimoji="0" lang="it-IT" sz="1800" b="0" i="0" u="none" strike="noStrike" kern="1200" cap="none" spc="0" normalizeH="0" baseline="0" noProof="0" dirty="0">
-                <a:ln>
-                  <a:noFill/>
-                </a:ln>
-                <a:solidFill>
-                  <a:srgbClr val="002060"/>
-                </a:solidFill>
-                <a:effectLst/>
-                <a:uLnTx/>
-                <a:uFillTx/>
-                <a:latin typeface="Arial" panose="020B0604020202020204" pitchFamily="34" charset="0"/>
-                <a:ea typeface="+mn-ea"/>
-                <a:cs typeface="Arial" panose="020B0604020202020204" pitchFamily="34" charset="0"/>
-              </a:rPr>
-              <a:t>Maggiore </a:t>
-            </a:r>
-            <a:r>
-              <a:rPr kumimoji="0" lang="it-IT" sz="1800" b="0" i="0" u="none" strike="noStrike" kern="1200" cap="none" spc="0" normalizeH="0" baseline="0" noProof="0" dirty="0" err="1">
-                <a:ln>
-                  <a:noFill/>
-                </a:ln>
-                <a:solidFill>
-                  <a:srgbClr val="002060"/>
-                </a:solidFill>
-                <a:effectLst/>
-                <a:uLnTx/>
-                <a:uFillTx/>
-                <a:latin typeface="Arial" panose="020B0604020202020204" pitchFamily="34" charset="0"/>
-                <a:ea typeface="+mn-ea"/>
-                <a:cs typeface="Arial" panose="020B0604020202020204" pitchFamily="34" charset="0"/>
-              </a:rPr>
-              <a:t>sar</a:t>
-            </a:r>
-            <a:r>
-              <a:rPr lang="it-IT" dirty="0">
-                <a:solidFill>
-                  <a:srgbClr val="002060"/>
-                </a:solidFill>
-                <a:latin typeface="Arial" panose="020B0604020202020204" pitchFamily="34" charset="0"/>
-                <a:cs typeface="Arial" panose="020B0604020202020204" pitchFamily="34" charset="0"/>
-              </a:rPr>
-              <a:t>à</a:t>
-            </a:r>
-            <a:r>
-              <a:rPr kumimoji="0" lang="it-IT" sz="1800" b="0" i="0" u="none" strike="noStrike" kern="1200" cap="none" spc="0" normalizeH="0" baseline="0" noProof="0" dirty="0">
-                <a:ln>
-                  <a:noFill/>
-                </a:ln>
-                <a:solidFill>
-                  <a:srgbClr val="002060"/>
-                </a:solidFill>
-                <a:effectLst/>
-                <a:uLnTx/>
-                <a:uFillTx/>
-                <a:latin typeface="Arial" panose="020B0604020202020204" pitchFamily="34" charset="0"/>
-                <a:ea typeface="+mn-ea"/>
-                <a:cs typeface="Arial" panose="020B0604020202020204" pitchFamily="34" charset="0"/>
-              </a:rPr>
-              <a:t> la </a:t>
-            </a:r>
-            <a:r>
-              <a:rPr kumimoji="0" lang="it-IT" sz="1800" b="0" i="0" u="none" strike="noStrike" kern="1200" cap="none" spc="0" normalizeH="0" baseline="0" noProof="0" dirty="0" err="1">
-                <a:ln>
-                  <a:noFill/>
-                </a:ln>
-                <a:solidFill>
-                  <a:srgbClr val="002060"/>
-                </a:solidFill>
-                <a:effectLst/>
-                <a:uLnTx/>
-                <a:uFillTx/>
-                <a:latin typeface="Arial" panose="020B0604020202020204" pitchFamily="34" charset="0"/>
-                <a:ea typeface="+mn-ea"/>
-                <a:cs typeface="Arial" panose="020B0604020202020204" pitchFamily="34" charset="0"/>
-              </a:rPr>
-              <a:t>luminosit</a:t>
-            </a:r>
-            <a:r>
-              <a:rPr lang="it-IT" dirty="0">
-                <a:solidFill>
-                  <a:srgbClr val="002060"/>
-                </a:solidFill>
-                <a:latin typeface="Arial" panose="020B0604020202020204" pitchFamily="34" charset="0"/>
-                <a:cs typeface="Arial" panose="020B0604020202020204" pitchFamily="34" charset="0"/>
-              </a:rPr>
-              <a:t>à</a:t>
-            </a:r>
-            <a:r>
-              <a:rPr kumimoji="0" lang="it-IT" sz="1800" b="0" i="0" u="none" strike="noStrike" kern="1200" cap="none" spc="0" normalizeH="0" baseline="0" noProof="0" dirty="0">
-                <a:ln>
-                  <a:noFill/>
-                </a:ln>
-                <a:solidFill>
-                  <a:srgbClr val="002060"/>
-                </a:solidFill>
-                <a:effectLst/>
-                <a:uLnTx/>
-                <a:uFillTx/>
-                <a:latin typeface="Arial" panose="020B0604020202020204" pitchFamily="34" charset="0"/>
-                <a:ea typeface="+mn-ea"/>
-                <a:cs typeface="Arial" panose="020B0604020202020204" pitchFamily="34" charset="0"/>
-              </a:rPr>
-              <a:t> raggiunta da ogni elemento relativo ad una colonna, migliore </a:t>
-            </a:r>
-            <a:r>
-              <a:rPr kumimoji="0" lang="it-IT" sz="1800" b="0" i="0" u="none" strike="noStrike" kern="1200" cap="none" spc="0" normalizeH="0" baseline="0" noProof="0" dirty="0" err="1">
-                <a:ln>
-                  <a:noFill/>
-                </a:ln>
-                <a:solidFill>
-                  <a:srgbClr val="002060"/>
-                </a:solidFill>
-                <a:effectLst/>
-                <a:uLnTx/>
-                <a:uFillTx/>
-                <a:latin typeface="Arial" panose="020B0604020202020204" pitchFamily="34" charset="0"/>
-                <a:ea typeface="+mn-ea"/>
-                <a:cs typeface="Arial" panose="020B0604020202020204" pitchFamily="34" charset="0"/>
-              </a:rPr>
-              <a:t>sar</a:t>
-            </a:r>
-            <a:r>
-              <a:rPr lang="it-IT" dirty="0">
-                <a:solidFill>
-                  <a:srgbClr val="002060"/>
-                </a:solidFill>
-                <a:latin typeface="Arial" panose="020B0604020202020204" pitchFamily="34" charset="0"/>
-                <a:cs typeface="Arial" panose="020B0604020202020204" pitchFamily="34" charset="0"/>
-              </a:rPr>
-              <a:t>à</a:t>
-            </a:r>
-            <a:r>
-              <a:rPr kumimoji="0" lang="it-IT" sz="1800" b="0" i="0" u="none" strike="noStrike" kern="1200" cap="none" spc="0" normalizeH="0" baseline="0" noProof="0" dirty="0">
-                <a:ln>
-                  <a:noFill/>
-                </a:ln>
-                <a:solidFill>
-                  <a:srgbClr val="002060"/>
-                </a:solidFill>
-                <a:effectLst/>
-                <a:uLnTx/>
-                <a:uFillTx/>
-                <a:latin typeface="Arial" panose="020B0604020202020204" pitchFamily="34" charset="0"/>
-                <a:ea typeface="+mn-ea"/>
-                <a:cs typeface="Arial" panose="020B0604020202020204" pitchFamily="34" charset="0"/>
-              </a:rPr>
-              <a:t> l’andamento del KPI per quella stessa colonna. </a:t>
-            </a:r>
-          </a:p>
-          <a:p>
-            <a:pPr marL="285750" marR="0" lvl="0" indent="-285750" algn="just" defTabSz="914400" rtl="0" eaLnBrk="1" fontAlgn="auto" latinLnBrk="0" hangingPunct="1">
-              <a:lnSpc>
-                <a:spcPct val="100000"/>
-              </a:lnSpc>
-              <a:spcBef>
-                <a:spcPts val="0"/>
-              </a:spcBef>
-              <a:spcAft>
-                <a:spcPts val="0"/>
-              </a:spcAft>
-              <a:buClrTx/>
-              <a:buSzTx/>
-              <a:buFont typeface="Arial" panose="020B0604020202020204" pitchFamily="34" charset="0"/>
-              <a:buChar char="•"/>
-              <a:tabLst/>
-              <a:defRPr/>
-            </a:pPr>
-            <a:endParaRPr kumimoji="0" lang="it-IT" sz="1800" b="0" i="0" u="none" strike="noStrike" kern="1200" cap="none" spc="0" normalizeH="0" baseline="0" noProof="0" dirty="0">
-              <a:ln>
-                <a:noFill/>
-              </a:ln>
-              <a:solidFill>
-                <a:srgbClr val="002060"/>
-              </a:solidFill>
-              <a:effectLst/>
-              <a:uLnTx/>
-              <a:uFillTx/>
-              <a:latin typeface="Arial" panose="020B0604020202020204" pitchFamily="34" charset="0"/>
-              <a:ea typeface="+mn-ea"/>
-              <a:cs typeface="Arial" panose="020B0604020202020204" pitchFamily="34" charset="0"/>
-            </a:endParaRPr>
-          </a:p>
-          <a:p>
-            <a:pPr marR="0" lvl="0" algn="just" defTabSz="914400" rtl="0" eaLnBrk="1" fontAlgn="auto" latinLnBrk="0" hangingPunct="1">
-              <a:lnSpc>
-                <a:spcPct val="100000"/>
-              </a:lnSpc>
-              <a:spcBef>
-                <a:spcPts val="0"/>
-              </a:spcBef>
-              <a:spcAft>
-                <a:spcPts val="0"/>
-              </a:spcAft>
-              <a:buClrTx/>
-              <a:buSzTx/>
-              <a:tabLst/>
-              <a:defRPr/>
-            </a:pPr>
-            <a:endParaRPr kumimoji="0" lang="it-IT" sz="1800" b="0" i="0" u="none" strike="noStrike" kern="1200" cap="none" spc="0" normalizeH="0" baseline="0" noProof="0" dirty="0">
-              <a:ln>
-                <a:noFill/>
-              </a:ln>
-              <a:solidFill>
-                <a:srgbClr val="002060"/>
-              </a:solidFill>
-              <a:effectLst/>
-              <a:uLnTx/>
-              <a:uFillTx/>
-              <a:latin typeface="Arial" panose="020B0604020202020204" pitchFamily="34" charset="0"/>
-              <a:ea typeface="+mn-ea"/>
-              <a:cs typeface="Arial" panose="020B0604020202020204" pitchFamily="34" charset="0"/>
-            </a:endParaRPr>
-          </a:p>
-          <a:p>
-            <a:pPr marL="285750" marR="0" lvl="0" indent="-285750" algn="just" defTabSz="914400" rtl="0" eaLnBrk="1" fontAlgn="auto" latinLnBrk="0" hangingPunct="1">
-              <a:lnSpc>
-                <a:spcPct val="100000"/>
-              </a:lnSpc>
-              <a:spcBef>
-                <a:spcPts val="0"/>
-              </a:spcBef>
-              <a:spcAft>
-                <a:spcPts val="0"/>
-              </a:spcAft>
-              <a:buClrTx/>
-              <a:buSzTx/>
-              <a:buFont typeface="Arial" panose="020B0604020202020204" pitchFamily="34" charset="0"/>
-              <a:buChar char="•"/>
-              <a:tabLst/>
-              <a:defRPr/>
-            </a:pPr>
-            <a:r>
-              <a:rPr kumimoji="0" lang="it-IT" sz="1800" b="0" i="0" u="none" strike="noStrike" kern="1200" cap="none" spc="0" normalizeH="0" baseline="0" noProof="0" dirty="0">
-                <a:ln>
-                  <a:noFill/>
-                </a:ln>
-                <a:solidFill>
-                  <a:srgbClr val="002060"/>
-                </a:solidFill>
-                <a:effectLst/>
-                <a:uLnTx/>
-                <a:uFillTx/>
-                <a:latin typeface="Arial" panose="020B0604020202020204" pitchFamily="34" charset="0"/>
-                <a:ea typeface="+mn-ea"/>
-                <a:cs typeface="Arial" panose="020B0604020202020204" pitchFamily="34" charset="0"/>
-              </a:rPr>
-              <a:t>Così facendo si riuscirà ad identificare le info chiavi che differenziano le diverse tipologie di immagini presenti nel dataset.</a:t>
-            </a:r>
-          </a:p>
-          <a:p>
-            <a:pPr marR="0" lvl="0" algn="just" defTabSz="914400" rtl="0" eaLnBrk="1" fontAlgn="auto" latinLnBrk="0" hangingPunct="1">
-              <a:lnSpc>
-                <a:spcPct val="100000"/>
-              </a:lnSpc>
-              <a:spcBef>
-                <a:spcPts val="0"/>
-              </a:spcBef>
-              <a:spcAft>
-                <a:spcPts val="0"/>
-              </a:spcAft>
-              <a:buClrTx/>
-              <a:buSzTx/>
-              <a:tabLst/>
-              <a:defRPr/>
-            </a:pPr>
-            <a:endParaRPr kumimoji="0" lang="it-IT" sz="1800" b="0" i="0" u="none" strike="noStrike" kern="1200" cap="none" spc="0" normalizeH="0" baseline="0" noProof="0" dirty="0">
-              <a:ln>
-                <a:noFill/>
-              </a:ln>
-              <a:solidFill>
-                <a:srgbClr val="002060"/>
-              </a:solidFill>
-              <a:effectLst/>
-              <a:uLnTx/>
-              <a:uFillTx/>
-              <a:latin typeface="Arial" panose="020B0604020202020204" pitchFamily="34" charset="0"/>
-              <a:ea typeface="+mn-ea"/>
-              <a:cs typeface="Arial" panose="020B0604020202020204" pitchFamily="34" charset="0"/>
-            </a:endParaRPr>
-          </a:p>
-          <a:p>
-            <a:pPr marL="285750" marR="0" lvl="0" indent="-285750" algn="just" defTabSz="914400" rtl="0" eaLnBrk="1" fontAlgn="auto" latinLnBrk="0" hangingPunct="1">
-              <a:lnSpc>
-                <a:spcPct val="100000"/>
-              </a:lnSpc>
-              <a:spcBef>
-                <a:spcPts val="0"/>
-              </a:spcBef>
-              <a:spcAft>
-                <a:spcPts val="0"/>
-              </a:spcAft>
-              <a:buClrTx/>
-              <a:buSzTx/>
-              <a:buFont typeface="Arial" panose="020B0604020202020204" pitchFamily="34" charset="0"/>
-              <a:buChar char="•"/>
-              <a:tabLst/>
-              <a:defRPr/>
-            </a:pPr>
-            <a:endParaRPr lang="it-IT" dirty="0">
-              <a:solidFill>
-                <a:srgbClr val="002060"/>
-              </a:solidFill>
-              <a:latin typeface="Arial" panose="020B0604020202020204" pitchFamily="34" charset="0"/>
-              <a:cs typeface="Arial" panose="020B0604020202020204" pitchFamily="34" charset="0"/>
-            </a:endParaRPr>
-          </a:p>
         </p:txBody>
       </p:sp>
       <p:sp>
@@ -17798,7 +16177,7 @@
     </p:spTree>
     <p:extLst>
       <p:ext uri="{BB962C8B-B14F-4D97-AF65-F5344CB8AC3E}">
-        <p14:creationId xmlns:p14="http://schemas.microsoft.com/office/powerpoint/2010/main" val="1372032000"/>
+        <p14:creationId xmlns:p14="http://schemas.microsoft.com/office/powerpoint/2010/main" val="1204573455"/>
       </p:ext>
     </p:extLst>
   </p:cSld>
@@ -17933,8 +16312,8 @@
         </p:nvSpPr>
         <p:spPr>
           <a:xfrm>
-            <a:off x="131324" y="719078"/>
-            <a:ext cx="11929352" cy="6186309"/>
+            <a:off x="-309833" y="631655"/>
+            <a:ext cx="12501833" cy="1477328"/>
           </a:xfrm>
           <a:prstGeom prst="rect">
             <a:avLst/>
@@ -17947,25 +16326,13 @@
           </a:bodyPr>
           <a:lstStyle/>
           <a:p>
-            <a:pPr marL="285750" marR="0" lvl="0" indent="-285750" algn="just" defTabSz="914400" rtl="0" eaLnBrk="1" fontAlgn="auto" latinLnBrk="0" hangingPunct="1">
-              <a:lnSpc>
-                <a:spcPct val="100000"/>
-              </a:lnSpc>
-              <a:spcBef>
-                <a:spcPts val="0"/>
-              </a:spcBef>
-              <a:spcAft>
-                <a:spcPts val="0"/>
-              </a:spcAft>
-              <a:buClrTx/>
-              <a:buSzTx/>
+            <a:pPr marL="742950" lvl="1" indent="-285750" algn="just">
               <a:buFont typeface="Arial" panose="020B0604020202020204" pitchFamily="34" charset="0"/>
               <a:buChar char="•"/>
-              <a:tabLst/>
-              <a:defRPr/>
-            </a:pPr>
-            <a:r>
-              <a:rPr kumimoji="0" lang="it-IT" sz="1800" b="0" i="0" u="none" strike="noStrike" kern="1200" cap="none" spc="0" normalizeH="0" baseline="0" noProof="0" dirty="0">
+              <a:defRPr/>
+            </a:pPr>
+            <a:r>
+              <a:rPr kumimoji="0" lang="it-IT" b="0" i="0" u="none" strike="noStrike" kern="1200" cap="none" spc="0" normalizeH="0" baseline="0" noProof="0" dirty="0">
                 <a:ln>
                   <a:noFill/>
                 </a:ln>
@@ -17979,25 +16346,13 @@
                 <a:ea typeface="+mn-ea"/>
                 <a:cs typeface="Arial" panose="020B0604020202020204" pitchFamily="34" charset="0"/>
               </a:rPr>
-              <a:t>Storico triennale di un cliente relativo agli anni 2018/2019/2020.</a:t>
-            </a:r>
-          </a:p>
-          <a:p>
-            <a:pPr marL="285750" marR="0" lvl="0" indent="-285750" algn="just" defTabSz="914400" rtl="0" eaLnBrk="1" fontAlgn="auto" latinLnBrk="0" hangingPunct="1">
-              <a:lnSpc>
-                <a:spcPct val="100000"/>
-              </a:lnSpc>
-              <a:spcBef>
-                <a:spcPts val="0"/>
-              </a:spcBef>
-              <a:spcAft>
-                <a:spcPts val="0"/>
-              </a:spcAft>
-              <a:buClrTx/>
-              <a:buSzTx/>
+              <a:t>Le finestre temporali create, relative agli anni 2018/2019, saranno utilizzate per il training ed il testing dei vari classificatori, previa opportuna etichettatura. </a:t>
+            </a:r>
+          </a:p>
+          <a:p>
+            <a:pPr marL="742950" lvl="1" indent="-285750" algn="just">
               <a:buFont typeface="Arial" panose="020B0604020202020204" pitchFamily="34" charset="0"/>
               <a:buChar char="•"/>
-              <a:tabLst/>
               <a:defRPr/>
             </a:pPr>
             <a:endParaRPr lang="it-IT" dirty="0">
@@ -18009,25 +16364,13 @@
             </a:endParaRPr>
           </a:p>
           <a:p>
-            <a:pPr marL="285750" marR="0" lvl="0" indent="-285750" algn="just" defTabSz="914400" rtl="0" eaLnBrk="1" fontAlgn="auto" latinLnBrk="0" hangingPunct="1">
-              <a:lnSpc>
-                <a:spcPct val="100000"/>
-              </a:lnSpc>
-              <a:spcBef>
-                <a:spcPts val="0"/>
-              </a:spcBef>
-              <a:spcAft>
-                <a:spcPts val="0"/>
-              </a:spcAft>
-              <a:buClrTx/>
-              <a:buSzTx/>
+            <a:pPr marL="742950" lvl="1" indent="-285750" algn="just">
               <a:buFont typeface="Arial" panose="020B0604020202020204" pitchFamily="34" charset="0"/>
               <a:buChar char="•"/>
-              <a:tabLst/>
-              <a:defRPr/>
-            </a:pPr>
-            <a:r>
-              <a:rPr kumimoji="0" lang="it-IT" sz="1800" b="0" i="0" u="none" strike="noStrike" kern="1200" cap="none" spc="0" normalizeH="0" baseline="0" noProof="0" dirty="0" err="1">
+              <a:defRPr/>
+            </a:pPr>
+            <a:r>
+              <a:rPr kumimoji="0" lang="it-IT" b="0" i="0" u="none" strike="noStrike" kern="1200" cap="none" spc="0" normalizeH="0" baseline="0" noProof="0" dirty="0">
                 <a:ln>
                   <a:noFill/>
                 </a:ln>
@@ -18041,10 +16384,20 @@
                 <a:ea typeface="+mn-ea"/>
                 <a:cs typeface="Arial" panose="020B0604020202020204" pitchFamily="34" charset="0"/>
               </a:rPr>
-              <a:t>KPIs</a:t>
-            </a:r>
-            <a:r>
-              <a:rPr kumimoji="0" lang="it-IT" sz="1800" b="0" i="0" u="none" strike="noStrike" kern="1200" cap="none" spc="0" normalizeH="0" baseline="0" noProof="0" dirty="0">
+              <a:t>L’insieme di immagini che costituiscono l’anno 2020, invece, ricever</a:t>
+            </a:r>
+            <a:r>
+              <a:rPr lang="it-IT" dirty="0">
+                <a:solidFill>
+                  <a:srgbClr val="002060"/>
+                </a:solidFill>
+                <a:latin typeface="Arial" panose="020B0604020202020204" pitchFamily="34" charset="0"/>
+                <a:cs typeface="Arial" panose="020B0604020202020204" pitchFamily="34" charset="0"/>
+              </a:rPr>
+              <a:t>à </a:t>
+            </a:r>
+            <a:r>
+              <a:rPr kumimoji="0" lang="it-IT" b="0" i="0" u="none" strike="noStrike" kern="1200" cap="none" spc="0" normalizeH="0" baseline="0" noProof="0" dirty="0">
                 <a:ln>
                   <a:noFill/>
                 </a:ln>
@@ -18058,56 +16411,355 @@
                 <a:ea typeface="+mn-ea"/>
                 <a:cs typeface="Arial" panose="020B0604020202020204" pitchFamily="34" charset="0"/>
               </a:rPr>
-              <a:t> utilizzati:</a:t>
-            </a:r>
-          </a:p>
-          <a:p>
-            <a:pPr marR="0" lvl="0" algn="just" defTabSz="914400" rtl="0" eaLnBrk="1" fontAlgn="auto" latinLnBrk="0" hangingPunct="1">
-              <a:lnSpc>
-                <a:spcPct val="100000"/>
-              </a:lnSpc>
-              <a:spcBef>
-                <a:spcPts val="0"/>
-              </a:spcBef>
-              <a:spcAft>
-                <a:spcPts val="0"/>
-              </a:spcAft>
-              <a:buClrTx/>
-              <a:buSzTx/>
-              <a:tabLst/>
-              <a:defRPr/>
-            </a:pPr>
-            <a:endParaRPr kumimoji="0" lang="it-IT" sz="1800" b="0" i="0" u="none" strike="noStrike" kern="1200" cap="none" spc="0" normalizeH="0" baseline="0" noProof="0" dirty="0">
-              <a:ln>
-                <a:noFill/>
-              </a:ln>
-              <a:solidFill>
-                <a:srgbClr val="002060"/>
-              </a:solidFill>
-              <a:effectLst/>
-              <a:uLnTx/>
-              <a:uFillTx/>
-              <a:latin typeface="Arial" panose="020B0604020202020204" pitchFamily="34" charset="0"/>
-              <a:ea typeface="+mn-ea"/>
-              <a:cs typeface="Arial" panose="020B0604020202020204" pitchFamily="34" charset="0"/>
-            </a:endParaRPr>
-          </a:p>
-          <a:p>
-            <a:pPr marL="285750" marR="0" lvl="0" indent="-285750" algn="just" defTabSz="914400" rtl="0" eaLnBrk="1" fontAlgn="auto" latinLnBrk="0" hangingPunct="1">
-              <a:lnSpc>
-                <a:spcPct val="100000"/>
-              </a:lnSpc>
-              <a:spcBef>
-                <a:spcPts val="0"/>
-              </a:spcBef>
-              <a:spcAft>
-                <a:spcPts val="0"/>
-              </a:spcAft>
-              <a:buClrTx/>
-              <a:buSzTx/>
-              <a:buFont typeface="Arial" panose="020B0604020202020204" pitchFamily="34" charset="0"/>
-              <a:buChar char="•"/>
-              <a:tabLst/>
+              <a:t>un responso sul loro andamento, tramite il miglior modello di classificazione ottenuto nella fase precedente.</a:t>
+            </a:r>
+          </a:p>
+        </p:txBody>
+      </p:sp>
+      <p:sp>
+        <p:nvSpPr>
+          <p:cNvPr id="6" name="AutoShape 4">
+            <a:extLst>
+              <a:ext uri="{FF2B5EF4-FFF2-40B4-BE49-F238E27FC236}">
+                <a16:creationId xmlns:a16="http://schemas.microsoft.com/office/drawing/2014/main" id="{939F08A7-A0A6-4924-917D-11A694AC3A16}"/>
+              </a:ext>
+            </a:extLst>
+          </p:cNvPr>
+          <p:cNvSpPr>
+            <a:spLocks noChangeAspect="1" noChangeArrowheads="1"/>
+          </p:cNvSpPr>
+          <p:nvPr/>
+        </p:nvSpPr>
+        <p:spPr bwMode="auto">
+          <a:xfrm>
+            <a:off x="5943600" y="3276600"/>
+            <a:ext cx="304800" cy="304800"/>
+          </a:xfrm>
+          <a:prstGeom prst="rect">
+            <a:avLst/>
+          </a:prstGeom>
+          <a:noFill/>
+          <a:extLst>
+            <a:ext uri="{909E8E84-426E-40DD-AFC4-6F175D3DCCD1}">
+              <a14:hiddenFill xmlns:a14="http://schemas.microsoft.com/office/drawing/2010/main">
+                <a:solidFill>
+                  <a:srgbClr val="FFFFFF"/>
+                </a:solidFill>
+              </a14:hiddenFill>
+            </a:ext>
+          </a:extLst>
+        </p:spPr>
+        <p:txBody>
+          <a:bodyPr vert="horz" wrap="square" lIns="91440" tIns="45720" rIns="91440" bIns="45720" numCol="1" anchor="t" anchorCtr="0" compatLnSpc="1">
+            <a:prstTxWarp prst="textNoShape">
+              <a:avLst/>
+            </a:prstTxWarp>
+          </a:bodyPr>
+          <a:lstStyle/>
+          <a:p>
+            <a:endParaRPr lang="it-IT"/>
+          </a:p>
+        </p:txBody>
+      </p:sp>
+      <p:pic>
+        <p:nvPicPr>
+          <p:cNvPr id="7" name="Immagine 6">
+            <a:extLst>
+              <a:ext uri="{FF2B5EF4-FFF2-40B4-BE49-F238E27FC236}">
+                <a16:creationId xmlns:a16="http://schemas.microsoft.com/office/drawing/2014/main" id="{9E0FA613-62A2-4D94-8DF6-3C5AF4119BCD}"/>
+              </a:ext>
+            </a:extLst>
+          </p:cNvPr>
+          <p:cNvPicPr>
+            <a:picLocks noChangeAspect="1"/>
+          </p:cNvPicPr>
+          <p:nvPr/>
+        </p:nvPicPr>
+        <p:blipFill>
+          <a:blip r:embed="rId3"/>
+          <a:stretch>
+            <a:fillRect/>
+          </a:stretch>
+        </p:blipFill>
+        <p:spPr>
+          <a:xfrm>
+            <a:off x="262648" y="2372352"/>
+            <a:ext cx="3619500" cy="733425"/>
+          </a:xfrm>
+          <a:prstGeom prst="rect">
+            <a:avLst/>
+          </a:prstGeom>
+        </p:spPr>
+      </p:pic>
+      <p:pic>
+        <p:nvPicPr>
+          <p:cNvPr id="8" name="Immagine 7">
+            <a:extLst>
+              <a:ext uri="{FF2B5EF4-FFF2-40B4-BE49-F238E27FC236}">
+                <a16:creationId xmlns:a16="http://schemas.microsoft.com/office/drawing/2014/main" id="{CAD82FB6-CFA2-4777-98B1-824A916C24AF}"/>
+              </a:ext>
+            </a:extLst>
+          </p:cNvPr>
+          <p:cNvPicPr>
+            <a:picLocks noChangeAspect="1"/>
+          </p:cNvPicPr>
+          <p:nvPr/>
+        </p:nvPicPr>
+        <p:blipFill>
+          <a:blip r:embed="rId4"/>
+          <a:stretch>
+            <a:fillRect/>
+          </a:stretch>
+        </p:blipFill>
+        <p:spPr>
+          <a:xfrm>
+            <a:off x="4098229" y="2114178"/>
+            <a:ext cx="3619500" cy="1133475"/>
+          </a:xfrm>
+          <a:prstGeom prst="rect">
+            <a:avLst/>
+          </a:prstGeom>
+        </p:spPr>
+      </p:pic>
+      <p:pic>
+        <p:nvPicPr>
+          <p:cNvPr id="9" name="Immagine 8">
+            <a:extLst>
+              <a:ext uri="{FF2B5EF4-FFF2-40B4-BE49-F238E27FC236}">
+                <a16:creationId xmlns:a16="http://schemas.microsoft.com/office/drawing/2014/main" id="{18C0C486-6146-471B-8461-9C741DCBD16A}"/>
+              </a:ext>
+            </a:extLst>
+          </p:cNvPr>
+          <p:cNvPicPr>
+            <a:picLocks noChangeAspect="1"/>
+          </p:cNvPicPr>
+          <p:nvPr/>
+        </p:nvPicPr>
+        <p:blipFill>
+          <a:blip r:embed="rId5"/>
+          <a:stretch>
+            <a:fillRect/>
+          </a:stretch>
+        </p:blipFill>
+        <p:spPr>
+          <a:xfrm>
+            <a:off x="8035922" y="1753684"/>
+            <a:ext cx="3619500" cy="1924050"/>
+          </a:xfrm>
+          <a:prstGeom prst="rect">
+            <a:avLst/>
+          </a:prstGeom>
+        </p:spPr>
+      </p:pic>
+      <p:pic>
+        <p:nvPicPr>
+          <p:cNvPr id="10" name="Immagine 9">
+            <a:extLst>
+              <a:ext uri="{FF2B5EF4-FFF2-40B4-BE49-F238E27FC236}">
+                <a16:creationId xmlns:a16="http://schemas.microsoft.com/office/drawing/2014/main" id="{D5A4B052-D88B-40E0-B818-4D396822F8BC}"/>
+              </a:ext>
+            </a:extLst>
+          </p:cNvPr>
+          <p:cNvPicPr>
+            <a:picLocks noChangeAspect="1"/>
+          </p:cNvPicPr>
+          <p:nvPr/>
+        </p:nvPicPr>
+        <p:blipFill>
+          <a:blip r:embed="rId6"/>
+          <a:stretch>
+            <a:fillRect/>
+          </a:stretch>
+        </p:blipFill>
+        <p:spPr>
+          <a:xfrm>
+            <a:off x="423431" y="3353116"/>
+            <a:ext cx="3143524" cy="3182016"/>
+          </a:xfrm>
+          <a:prstGeom prst="rect">
+            <a:avLst/>
+          </a:prstGeom>
+        </p:spPr>
+      </p:pic>
+      <p:pic>
+        <p:nvPicPr>
+          <p:cNvPr id="11" name="Immagine 10">
+            <a:extLst>
+              <a:ext uri="{FF2B5EF4-FFF2-40B4-BE49-F238E27FC236}">
+                <a16:creationId xmlns:a16="http://schemas.microsoft.com/office/drawing/2014/main" id="{9BACB603-4F78-4AC5-98B4-3F030781C44E}"/>
+              </a:ext>
+            </a:extLst>
+          </p:cNvPr>
+          <p:cNvPicPr>
+            <a:picLocks noChangeAspect="1"/>
+          </p:cNvPicPr>
+          <p:nvPr/>
+        </p:nvPicPr>
+        <p:blipFill>
+          <a:blip r:embed="rId7"/>
+          <a:stretch>
+            <a:fillRect/>
+          </a:stretch>
+        </p:blipFill>
+        <p:spPr>
+          <a:xfrm>
+            <a:off x="3530746" y="3412568"/>
+            <a:ext cx="2010880" cy="3063112"/>
+          </a:xfrm>
+          <a:prstGeom prst="rect">
+            <a:avLst/>
+          </a:prstGeom>
+        </p:spPr>
+      </p:pic>
+      <p:pic>
+        <p:nvPicPr>
+          <p:cNvPr id="12" name="Immagine 11">
+            <a:extLst>
+              <a:ext uri="{FF2B5EF4-FFF2-40B4-BE49-F238E27FC236}">
+                <a16:creationId xmlns:a16="http://schemas.microsoft.com/office/drawing/2014/main" id="{3948DCED-68C9-4A5B-8A27-A0E301602FFB}"/>
+              </a:ext>
+            </a:extLst>
+          </p:cNvPr>
+          <p:cNvPicPr>
+            <a:picLocks noChangeAspect="1"/>
+          </p:cNvPicPr>
+          <p:nvPr/>
+        </p:nvPicPr>
+        <p:blipFill>
+          <a:blip r:embed="rId8"/>
+          <a:stretch>
+            <a:fillRect/>
+          </a:stretch>
+        </p:blipFill>
+        <p:spPr>
+          <a:xfrm>
+            <a:off x="5652638" y="3468303"/>
+            <a:ext cx="1438799" cy="3063111"/>
+          </a:xfrm>
+          <a:prstGeom prst="rect">
+            <a:avLst/>
+          </a:prstGeom>
+        </p:spPr>
+      </p:pic>
+      <p:pic>
+        <p:nvPicPr>
+          <p:cNvPr id="13" name="Immagine 12">
+            <a:extLst>
+              <a:ext uri="{FF2B5EF4-FFF2-40B4-BE49-F238E27FC236}">
+                <a16:creationId xmlns:a16="http://schemas.microsoft.com/office/drawing/2014/main" id="{7A8EA81A-93EE-418B-92CB-64D6DDDC03A4}"/>
+              </a:ext>
+            </a:extLst>
+          </p:cNvPr>
+          <p:cNvPicPr>
+            <a:picLocks noChangeAspect="1"/>
+          </p:cNvPicPr>
+          <p:nvPr/>
+        </p:nvPicPr>
+        <p:blipFill>
+          <a:blip r:embed="rId9"/>
+          <a:stretch>
+            <a:fillRect/>
+          </a:stretch>
+        </p:blipFill>
+        <p:spPr>
+          <a:xfrm>
+            <a:off x="7296716" y="3808960"/>
+            <a:ext cx="1533292" cy="2646924"/>
+          </a:xfrm>
+          <a:prstGeom prst="rect">
+            <a:avLst/>
+          </a:prstGeom>
+        </p:spPr>
+      </p:pic>
+      <p:pic>
+        <p:nvPicPr>
+          <p:cNvPr id="14" name="Immagine 13">
+            <a:extLst>
+              <a:ext uri="{FF2B5EF4-FFF2-40B4-BE49-F238E27FC236}">
+                <a16:creationId xmlns:a16="http://schemas.microsoft.com/office/drawing/2014/main" id="{2CD75FE0-0DA3-497D-9869-A2FE7F182B4E}"/>
+              </a:ext>
+            </a:extLst>
+          </p:cNvPr>
+          <p:cNvPicPr>
+            <a:picLocks noChangeAspect="1"/>
+          </p:cNvPicPr>
+          <p:nvPr/>
+        </p:nvPicPr>
+        <p:blipFill>
+          <a:blip r:embed="rId10"/>
+          <a:stretch>
+            <a:fillRect/>
+          </a:stretch>
+        </p:blipFill>
+        <p:spPr>
+          <a:xfrm>
+            <a:off x="8929697" y="3866860"/>
+            <a:ext cx="1443452" cy="2531124"/>
+          </a:xfrm>
+          <a:prstGeom prst="rect">
+            <a:avLst/>
+          </a:prstGeom>
+        </p:spPr>
+      </p:pic>
+      <p:pic>
+        <p:nvPicPr>
+          <p:cNvPr id="15" name="Immagine 14">
+            <a:extLst>
+              <a:ext uri="{FF2B5EF4-FFF2-40B4-BE49-F238E27FC236}">
+                <a16:creationId xmlns:a16="http://schemas.microsoft.com/office/drawing/2014/main" id="{E8C6B4C0-8A6D-40A5-92C6-8188B384B9AD}"/>
+              </a:ext>
+            </a:extLst>
+          </p:cNvPr>
+          <p:cNvPicPr>
+            <a:picLocks noChangeAspect="1"/>
+          </p:cNvPicPr>
+          <p:nvPr/>
+        </p:nvPicPr>
+        <p:blipFill>
+          <a:blip r:embed="rId11"/>
+          <a:stretch>
+            <a:fillRect/>
+          </a:stretch>
+        </p:blipFill>
+        <p:spPr>
+          <a:xfrm>
+            <a:off x="10506034" y="3866860"/>
+            <a:ext cx="1443452" cy="2531124"/>
+          </a:xfrm>
+          <a:prstGeom prst="rect">
+            <a:avLst/>
+          </a:prstGeom>
+        </p:spPr>
+      </p:pic>
+      <p:sp>
+        <p:nvSpPr>
+          <p:cNvPr id="16" name="CasellaDiTesto 15">
+            <a:extLst>
+              <a:ext uri="{FF2B5EF4-FFF2-40B4-BE49-F238E27FC236}">
+                <a16:creationId xmlns:a16="http://schemas.microsoft.com/office/drawing/2014/main" id="{A6FE4455-FD88-46E8-98CA-82AEF96787F0}"/>
+              </a:ext>
+            </a:extLst>
+          </p:cNvPr>
+          <p:cNvSpPr txBox="1"/>
+          <p:nvPr/>
+        </p:nvSpPr>
+        <p:spPr>
+          <a:xfrm>
+            <a:off x="326255" y="2798904"/>
+            <a:ext cx="4357152" cy="800219"/>
+          </a:xfrm>
+          <a:prstGeom prst="rect">
+            <a:avLst/>
+          </a:prstGeom>
+          <a:noFill/>
+        </p:spPr>
+        <p:txBody>
+          <a:bodyPr wrap="square" rtlCol="0">
+            <a:spAutoFit/>
+          </a:bodyPr>
+          <a:lstStyle/>
+          <a:p>
+            <a:pPr lvl="1" algn="just">
               <a:defRPr/>
             </a:pPr>
             <a:endParaRPr lang="it-IT" dirty="0">
@@ -18119,405 +16771,39 @@
             </a:endParaRPr>
           </a:p>
           <a:p>
-            <a:pPr marL="742950" lvl="1" indent="-285750" algn="just">
-              <a:buFont typeface="Arial" panose="020B0604020202020204" pitchFamily="34" charset="0"/>
-              <a:buChar char="•"/>
-              <a:defRPr/>
-            </a:pPr>
-            <a:r>
-              <a:rPr kumimoji="0" lang="it-IT" b="1" i="0" u="none" strike="noStrike" kern="1200" cap="none" spc="0" normalizeH="0" baseline="0" noProof="0" dirty="0">
-                <a:ln>
-                  <a:noFill/>
-                </a:ln>
-                <a:solidFill>
-                  <a:srgbClr val="002060"/>
-                </a:solidFill>
-                <a:effectLst/>
-                <a:uLnTx/>
-                <a:uFillTx/>
-                <a:latin typeface="Arial" panose="020B0604020202020204" pitchFamily="34" charset="0"/>
-                <a:ea typeface="+mn-ea"/>
-                <a:cs typeface="Arial" panose="020B0604020202020204" pitchFamily="34" charset="0"/>
-              </a:rPr>
-              <a:t>Venduto</a:t>
-            </a:r>
-            <a:r>
-              <a:rPr kumimoji="0" lang="it-IT" b="0" i="0" u="none" strike="noStrike" kern="1200" cap="none" spc="0" normalizeH="0" baseline="0" noProof="0" dirty="0">
-                <a:ln>
-                  <a:noFill/>
-                </a:ln>
-                <a:solidFill>
-                  <a:srgbClr val="002060"/>
-                </a:solidFill>
-                <a:effectLst/>
-                <a:uLnTx/>
-                <a:uFillTx/>
-                <a:latin typeface="Arial" panose="020B0604020202020204" pitchFamily="34" charset="0"/>
-                <a:ea typeface="+mn-ea"/>
-                <a:cs typeface="Arial" panose="020B0604020202020204" pitchFamily="34" charset="0"/>
-              </a:rPr>
-              <a:t>: valore delle vendite.</a:t>
-            </a:r>
-          </a:p>
-          <a:p>
-            <a:pPr marL="742950" lvl="1" indent="-285750" algn="just">
-              <a:buFont typeface="Arial" panose="020B0604020202020204" pitchFamily="34" charset="0"/>
-              <a:buChar char="•"/>
-              <a:defRPr/>
-            </a:pPr>
-            <a:endParaRPr lang="it-IT" dirty="0">
-              <a:solidFill>
-                <a:srgbClr val="002060"/>
-              </a:solidFill>
-              <a:latin typeface="Arial" panose="020B0604020202020204" pitchFamily="34" charset="0"/>
-              <a:cs typeface="Arial" panose="020B0604020202020204" pitchFamily="34" charset="0"/>
-            </a:endParaRPr>
-          </a:p>
-          <a:p>
-            <a:pPr marL="742950" lvl="1" indent="-285750" algn="just">
-              <a:buFont typeface="Arial" panose="020B0604020202020204" pitchFamily="34" charset="0"/>
-              <a:buChar char="•"/>
-              <a:defRPr/>
-            </a:pPr>
-            <a:r>
-              <a:rPr kumimoji="0" lang="it-IT" b="1" i="0" u="none" strike="noStrike" kern="1200" cap="none" spc="0" normalizeH="0" baseline="0" noProof="0" dirty="0">
-                <a:ln>
-                  <a:noFill/>
-                </a:ln>
-                <a:solidFill>
-                  <a:srgbClr val="002060"/>
-                </a:solidFill>
-                <a:effectLst/>
-                <a:uLnTx/>
-                <a:uFillTx/>
-                <a:latin typeface="Arial" panose="020B0604020202020204" pitchFamily="34" charset="0"/>
-                <a:ea typeface="+mn-ea"/>
-                <a:cs typeface="Arial" panose="020B0604020202020204" pitchFamily="34" charset="0"/>
-              </a:rPr>
-              <a:t>Costo</a:t>
-            </a:r>
-            <a:r>
-              <a:rPr kumimoji="0" lang="it-IT" b="0" i="0" u="none" strike="noStrike" kern="1200" cap="none" spc="0" normalizeH="0" baseline="0" noProof="0" dirty="0">
-                <a:ln>
-                  <a:noFill/>
-                </a:ln>
-                <a:solidFill>
-                  <a:srgbClr val="002060"/>
-                </a:solidFill>
-                <a:effectLst/>
-                <a:uLnTx/>
-                <a:uFillTx/>
-                <a:latin typeface="Arial" panose="020B0604020202020204" pitchFamily="34" charset="0"/>
-                <a:ea typeface="+mn-ea"/>
-                <a:cs typeface="Arial" panose="020B0604020202020204" pitchFamily="34" charset="0"/>
-              </a:rPr>
-              <a:t>: costo attribuibile alla produzione di beni e/o servizi venduti.</a:t>
-            </a:r>
-          </a:p>
-          <a:p>
-            <a:pPr marL="742950" lvl="1" indent="-285750" algn="just">
-              <a:buFont typeface="Arial" panose="020B0604020202020204" pitchFamily="34" charset="0"/>
-              <a:buChar char="•"/>
-              <a:defRPr/>
-            </a:pPr>
-            <a:endParaRPr lang="it-IT" dirty="0">
-              <a:solidFill>
-                <a:srgbClr val="002060"/>
-              </a:solidFill>
-              <a:latin typeface="Arial" panose="020B0604020202020204" pitchFamily="34" charset="0"/>
-              <a:cs typeface="Arial" panose="020B0604020202020204" pitchFamily="34" charset="0"/>
-            </a:endParaRPr>
-          </a:p>
-          <a:p>
-            <a:pPr marL="742950" lvl="1" indent="-285750" algn="just">
-              <a:buFont typeface="Arial" panose="020B0604020202020204" pitchFamily="34" charset="0"/>
-              <a:buChar char="•"/>
-              <a:defRPr/>
-            </a:pPr>
-            <a:r>
-              <a:rPr kumimoji="0" lang="it-IT" b="1" i="0" u="none" strike="noStrike" kern="1200" cap="none" spc="0" normalizeH="0" baseline="0" noProof="0" dirty="0">
-                <a:ln>
-                  <a:noFill/>
-                </a:ln>
-                <a:solidFill>
-                  <a:srgbClr val="002060"/>
-                </a:solidFill>
-                <a:effectLst/>
-                <a:uLnTx/>
-                <a:uFillTx/>
-                <a:latin typeface="Arial" panose="020B0604020202020204" pitchFamily="34" charset="0"/>
-                <a:ea typeface="+mn-ea"/>
-                <a:cs typeface="Arial" panose="020B0604020202020204" pitchFamily="34" charset="0"/>
-              </a:rPr>
-              <a:t>Margine</a:t>
-            </a:r>
-            <a:r>
-              <a:rPr kumimoji="0" lang="it-IT" b="0" i="0" u="none" strike="noStrike" kern="1200" cap="none" spc="0" normalizeH="0" baseline="0" noProof="0" dirty="0">
-                <a:ln>
-                  <a:noFill/>
-                </a:ln>
-                <a:solidFill>
-                  <a:srgbClr val="002060"/>
-                </a:solidFill>
-                <a:effectLst/>
-                <a:uLnTx/>
-                <a:uFillTx/>
-                <a:latin typeface="Arial" panose="020B0604020202020204" pitchFamily="34" charset="0"/>
-                <a:ea typeface="+mn-ea"/>
-                <a:cs typeface="Arial" panose="020B0604020202020204" pitchFamily="34" charset="0"/>
-              </a:rPr>
-              <a:t>: margine di profitto (Venduto-Costo), espresso sia in valore che in percentuale.</a:t>
-            </a:r>
-          </a:p>
-          <a:p>
-            <a:pPr marL="742950" lvl="1" indent="-285750" algn="just">
-              <a:buFont typeface="Arial" panose="020B0604020202020204" pitchFamily="34" charset="0"/>
-              <a:buChar char="•"/>
-              <a:defRPr/>
-            </a:pPr>
-            <a:endParaRPr lang="it-IT" dirty="0">
-              <a:solidFill>
-                <a:srgbClr val="002060"/>
-              </a:solidFill>
-              <a:latin typeface="Arial" panose="020B0604020202020204" pitchFamily="34" charset="0"/>
-              <a:cs typeface="Arial" panose="020B0604020202020204" pitchFamily="34" charset="0"/>
-            </a:endParaRPr>
-          </a:p>
-          <a:p>
-            <a:pPr marL="742950" lvl="1" indent="-285750" algn="just">
-              <a:buFont typeface="Arial" panose="020B0604020202020204" pitchFamily="34" charset="0"/>
-              <a:buChar char="•"/>
-              <a:defRPr/>
-            </a:pPr>
-            <a:r>
-              <a:rPr kumimoji="0" lang="it-IT" b="1" i="0" u="none" strike="noStrike" kern="1200" cap="none" spc="0" normalizeH="0" baseline="0" noProof="0" dirty="0">
-                <a:ln>
-                  <a:noFill/>
-                </a:ln>
-                <a:solidFill>
-                  <a:srgbClr val="002060"/>
-                </a:solidFill>
-                <a:effectLst/>
-                <a:uLnTx/>
-                <a:uFillTx/>
-                <a:latin typeface="Arial" panose="020B0604020202020204" pitchFamily="34" charset="0"/>
-                <a:ea typeface="+mn-ea"/>
-                <a:cs typeface="Arial" panose="020B0604020202020204" pitchFamily="34" charset="0"/>
-              </a:rPr>
-              <a:t>Trend delle spedizioni</a:t>
-            </a:r>
-            <a:r>
-              <a:rPr kumimoji="0" lang="it-IT" b="0" i="0" u="none" strike="noStrike" kern="1200" cap="none" spc="0" normalizeH="0" baseline="0" noProof="0" dirty="0">
-                <a:ln>
-                  <a:noFill/>
-                </a:ln>
-                <a:solidFill>
-                  <a:srgbClr val="002060"/>
-                </a:solidFill>
-                <a:effectLst/>
-                <a:uLnTx/>
-                <a:uFillTx/>
-                <a:latin typeface="Arial" panose="020B0604020202020204" pitchFamily="34" charset="0"/>
-                <a:ea typeface="+mn-ea"/>
-                <a:cs typeface="Arial" panose="020B0604020202020204" pitchFamily="34" charset="0"/>
-              </a:rPr>
-              <a:t>: andamento della spedizione dei prodotti nel periodo scelto.</a:t>
-            </a:r>
-          </a:p>
-          <a:p>
-            <a:pPr marL="742950" lvl="1" indent="-285750" algn="just">
-              <a:buFont typeface="Arial" panose="020B0604020202020204" pitchFamily="34" charset="0"/>
-              <a:buChar char="•"/>
-              <a:defRPr/>
-            </a:pPr>
-            <a:endParaRPr lang="it-IT" dirty="0">
-              <a:solidFill>
-                <a:srgbClr val="002060"/>
-              </a:solidFill>
-              <a:latin typeface="Arial" panose="020B0604020202020204" pitchFamily="34" charset="0"/>
-              <a:cs typeface="Arial" panose="020B0604020202020204" pitchFamily="34" charset="0"/>
-            </a:endParaRPr>
-          </a:p>
-          <a:p>
-            <a:pPr marL="742950" lvl="1" indent="-285750" algn="just">
-              <a:buFont typeface="Arial" panose="020B0604020202020204" pitchFamily="34" charset="0"/>
-              <a:buChar char="•"/>
-              <a:defRPr/>
-            </a:pPr>
-            <a:r>
-              <a:rPr kumimoji="0" lang="it-IT" b="1" i="0" u="none" strike="noStrike" kern="1200" cap="none" spc="0" normalizeH="0" baseline="0" noProof="0" dirty="0">
-                <a:ln>
-                  <a:noFill/>
-                </a:ln>
-                <a:solidFill>
-                  <a:srgbClr val="002060"/>
-                </a:solidFill>
-                <a:effectLst/>
-                <a:uLnTx/>
-                <a:uFillTx/>
-                <a:latin typeface="Arial" panose="020B0604020202020204" pitchFamily="34" charset="0"/>
-                <a:ea typeface="+mn-ea"/>
-                <a:cs typeface="Arial" panose="020B0604020202020204" pitchFamily="34" charset="0"/>
-              </a:rPr>
-              <a:t>Margine %</a:t>
-            </a:r>
-            <a:r>
-              <a:rPr kumimoji="0" lang="it-IT" b="0" i="0" u="none" strike="noStrike" kern="1200" cap="none" spc="0" normalizeH="0" baseline="0" noProof="0" dirty="0">
-                <a:ln>
-                  <a:noFill/>
-                </a:ln>
-                <a:solidFill>
-                  <a:srgbClr val="002060"/>
-                </a:solidFill>
-                <a:effectLst/>
-                <a:uLnTx/>
-                <a:uFillTx/>
-                <a:latin typeface="Arial" panose="020B0604020202020204" pitchFamily="34" charset="0"/>
-                <a:ea typeface="+mn-ea"/>
-                <a:cs typeface="Arial" panose="020B0604020202020204" pitchFamily="34" charset="0"/>
-              </a:rPr>
-              <a:t> sulle spedizioni: margine di profitto, derivante dal trend delle spedizioni.</a:t>
-            </a:r>
-          </a:p>
-          <a:p>
-            <a:pPr marL="742950" lvl="1" indent="-285750" algn="just">
-              <a:buFont typeface="Arial" panose="020B0604020202020204" pitchFamily="34" charset="0"/>
-              <a:buChar char="•"/>
-              <a:defRPr/>
-            </a:pPr>
-            <a:endParaRPr lang="it-IT" dirty="0">
-              <a:solidFill>
-                <a:srgbClr val="002060"/>
-              </a:solidFill>
-              <a:latin typeface="Arial" panose="020B0604020202020204" pitchFamily="34" charset="0"/>
-              <a:cs typeface="Arial" panose="020B0604020202020204" pitchFamily="34" charset="0"/>
-            </a:endParaRPr>
-          </a:p>
-          <a:p>
-            <a:pPr marL="742950" lvl="1" indent="-285750" algn="just">
-              <a:buFont typeface="Arial" panose="020B0604020202020204" pitchFamily="34" charset="0"/>
-              <a:buChar char="•"/>
-              <a:defRPr/>
-            </a:pPr>
-            <a:r>
-              <a:rPr lang="it-IT" dirty="0">
-                <a:solidFill>
-                  <a:srgbClr val="002060"/>
-                </a:solidFill>
-                <a:latin typeface="Arial" panose="020B0604020202020204" pitchFamily="34" charset="0"/>
-                <a:cs typeface="Arial" panose="020B0604020202020204" pitchFamily="34" charset="0"/>
-              </a:rPr>
-              <a:t>Indicatori esterni: </a:t>
-            </a:r>
-            <a:r>
-              <a:rPr lang="it-IT" b="1" dirty="0">
-                <a:solidFill>
-                  <a:srgbClr val="002060"/>
-                </a:solidFill>
-                <a:latin typeface="Arial" panose="020B0604020202020204" pitchFamily="34" charset="0"/>
-                <a:cs typeface="Arial" panose="020B0604020202020204" pitchFamily="34" charset="0"/>
-              </a:rPr>
-              <a:t>andamento di consumi e prezzi</a:t>
-            </a:r>
-          </a:p>
-          <a:p>
-            <a:pPr marL="742950" lvl="1" indent="-285750" algn="just">
-              <a:buFont typeface="Arial" panose="020B0604020202020204" pitchFamily="34" charset="0"/>
-              <a:buChar char="•"/>
-              <a:defRPr/>
-            </a:pPr>
-            <a:endParaRPr lang="it-IT" b="1" dirty="0">
-              <a:solidFill>
-                <a:srgbClr val="002060"/>
-              </a:solidFill>
-              <a:latin typeface="Arial" panose="020B0604020202020204" pitchFamily="34" charset="0"/>
-              <a:cs typeface="Arial" panose="020B0604020202020204" pitchFamily="34" charset="0"/>
-            </a:endParaRPr>
-          </a:p>
-          <a:p>
-            <a:pPr marL="742950" lvl="1" indent="-285750" algn="just">
-              <a:buFont typeface="Arial" panose="020B0604020202020204" pitchFamily="34" charset="0"/>
-              <a:buChar char="•"/>
-              <a:defRPr/>
-            </a:pPr>
-            <a:endParaRPr lang="it-IT" dirty="0">
-              <a:solidFill>
-                <a:srgbClr val="002060"/>
-              </a:solidFill>
-              <a:latin typeface="Arial" panose="020B0604020202020204" pitchFamily="34" charset="0"/>
-              <a:cs typeface="Arial" panose="020B0604020202020204" pitchFamily="34" charset="0"/>
-            </a:endParaRPr>
-          </a:p>
-          <a:p>
-            <a:pPr marL="285750" indent="-285750" algn="just">
-              <a:buFont typeface="Arial" panose="020B0604020202020204" pitchFamily="34" charset="0"/>
-              <a:buChar char="•"/>
-              <a:defRPr/>
-            </a:pPr>
-            <a:r>
-              <a:rPr lang="it-IT" dirty="0">
-                <a:solidFill>
-                  <a:srgbClr val="002060"/>
-                </a:solidFill>
-                <a:latin typeface="Arial" panose="020B0604020202020204" pitchFamily="34" charset="0"/>
-                <a:cs typeface="Arial" panose="020B0604020202020204" pitchFamily="34" charset="0"/>
-              </a:rPr>
-              <a:t>I dati, relativi ad ogni KPI sopra indicato, sono stati estratti con </a:t>
-            </a:r>
-            <a:r>
-              <a:rPr lang="it-IT" b="1" dirty="0">
-                <a:solidFill>
-                  <a:srgbClr val="002060"/>
-                </a:solidFill>
-                <a:latin typeface="Arial" panose="020B0604020202020204" pitchFamily="34" charset="0"/>
-                <a:cs typeface="Arial" panose="020B0604020202020204" pitchFamily="34" charset="0"/>
-              </a:rPr>
-              <a:t>finestre a 7,15 e 30 giorni</a:t>
-            </a:r>
-            <a:r>
-              <a:rPr lang="it-IT" dirty="0">
-                <a:solidFill>
-                  <a:srgbClr val="002060"/>
-                </a:solidFill>
-                <a:latin typeface="Arial" panose="020B0604020202020204" pitchFamily="34" charset="0"/>
-                <a:cs typeface="Arial" panose="020B0604020202020204" pitchFamily="34" charset="0"/>
-              </a:rPr>
-              <a:t>, tramite script </a:t>
-            </a:r>
-            <a:r>
-              <a:rPr lang="it-IT" dirty="0" err="1">
-                <a:solidFill>
-                  <a:srgbClr val="002060"/>
-                </a:solidFill>
-                <a:latin typeface="Arial" panose="020B0604020202020204" pitchFamily="34" charset="0"/>
-                <a:cs typeface="Arial" panose="020B0604020202020204" pitchFamily="34" charset="0"/>
-              </a:rPr>
-              <a:t>sql</a:t>
-            </a:r>
-            <a:r>
-              <a:rPr lang="it-IT" dirty="0">
-                <a:solidFill>
-                  <a:srgbClr val="002060"/>
-                </a:solidFill>
-                <a:latin typeface="Arial" panose="020B0604020202020204" pitchFamily="34" charset="0"/>
-                <a:cs typeface="Arial" panose="020B0604020202020204" pitchFamily="34" charset="0"/>
-              </a:rPr>
-              <a:t> di mia creazione.</a:t>
-            </a:r>
-          </a:p>
-          <a:p>
-            <a:pPr marL="742950" lvl="1" indent="-285750" algn="just">
-              <a:buFont typeface="Arial" panose="020B0604020202020204" pitchFamily="34" charset="0"/>
-              <a:buChar char="•"/>
-              <a:defRPr/>
-            </a:pPr>
-            <a:endParaRPr lang="it-IT" dirty="0">
-              <a:solidFill>
-                <a:srgbClr val="002060"/>
-              </a:solidFill>
-              <a:latin typeface="Arial" panose="020B0604020202020204" pitchFamily="34" charset="0"/>
-              <a:cs typeface="Arial" panose="020B0604020202020204" pitchFamily="34" charset="0"/>
-            </a:endParaRPr>
+            <a:pPr lvl="1" algn="just">
+              <a:defRPr/>
+            </a:pPr>
+            <a:r>
+              <a:rPr lang="it-IT" sz="1000" dirty="0">
+                <a:solidFill>
+                  <a:srgbClr val="002060"/>
+                </a:solidFill>
+                <a:latin typeface="Arial" panose="020B0604020202020204" pitchFamily="34" charset="0"/>
+                <a:cs typeface="Arial" panose="020B0604020202020204" pitchFamily="34" charset="0"/>
+              </a:rPr>
+              <a:t>Finestra settimanale anno 2018 con </a:t>
+            </a:r>
+            <a:r>
+              <a:rPr lang="it-IT" sz="1000" dirty="0" err="1">
+                <a:solidFill>
+                  <a:srgbClr val="002060"/>
+                </a:solidFill>
+                <a:latin typeface="Arial" panose="020B0604020202020204" pitchFamily="34" charset="0"/>
+                <a:cs typeface="Arial" panose="020B0604020202020204" pitchFamily="34" charset="0"/>
+              </a:rPr>
+              <a:t>KPIs</a:t>
+            </a:r>
+            <a:r>
+              <a:rPr lang="it-IT" sz="1000" dirty="0">
+                <a:solidFill>
+                  <a:srgbClr val="002060"/>
+                </a:solidFill>
+                <a:latin typeface="Arial" panose="020B0604020202020204" pitchFamily="34" charset="0"/>
+                <a:cs typeface="Arial" panose="020B0604020202020204" pitchFamily="34" charset="0"/>
+              </a:rPr>
+              <a:t> a 7gg</a:t>
+            </a:r>
           </a:p>
           <a:p>
             <a:pPr marL="742950" lvl="1" indent="-285750" algn="just">
@@ -18544,53 +16830,879 @@
       </p:sp>
       <p:sp>
         <p:nvSpPr>
-          <p:cNvPr id="6" name="AutoShape 4">
-            <a:extLst>
-              <a:ext uri="{FF2B5EF4-FFF2-40B4-BE49-F238E27FC236}">
-                <a16:creationId xmlns:a16="http://schemas.microsoft.com/office/drawing/2014/main" id="{939F08A7-A0A6-4924-917D-11A694AC3A16}"/>
-              </a:ext>
-            </a:extLst>
-          </p:cNvPr>
-          <p:cNvSpPr>
-            <a:spLocks noChangeAspect="1" noChangeArrowheads="1"/>
-          </p:cNvSpPr>
+          <p:cNvPr id="17" name="CasellaDiTesto 16">
+            <a:extLst>
+              <a:ext uri="{FF2B5EF4-FFF2-40B4-BE49-F238E27FC236}">
+                <a16:creationId xmlns:a16="http://schemas.microsoft.com/office/drawing/2014/main" id="{8663E9AB-0217-4AB9-96FF-4FEE228CCFFF}"/>
+              </a:ext>
+            </a:extLst>
+          </p:cNvPr>
+          <p:cNvSpPr txBox="1"/>
           <p:nvPr/>
         </p:nvSpPr>
-        <p:spPr bwMode="auto">
+        <p:spPr>
           <a:xfrm>
-            <a:off x="5943600" y="3276600"/>
-            <a:ext cx="304800" cy="304800"/>
+            <a:off x="4228327" y="2925634"/>
+            <a:ext cx="4357152" cy="800219"/>
           </a:xfrm>
           <a:prstGeom prst="rect">
             <a:avLst/>
           </a:prstGeom>
           <a:noFill/>
-          <a:extLst>
-            <a:ext uri="{909E8E84-426E-40DD-AFC4-6F175D3DCCD1}">
-              <a14:hiddenFill xmlns:a14="http://schemas.microsoft.com/office/drawing/2010/main">
-                <a:solidFill>
-                  <a:srgbClr val="FFFFFF"/>
-                </a:solidFill>
-              </a14:hiddenFill>
-            </a:ext>
-          </a:extLst>
         </p:spPr>
         <p:txBody>
-          <a:bodyPr vert="horz" wrap="square" lIns="91440" tIns="45720" rIns="91440" bIns="45720" numCol="1" anchor="t" anchorCtr="0" compatLnSpc="1">
-            <a:prstTxWarp prst="textNoShape">
-              <a:avLst/>
-            </a:prstTxWarp>
+          <a:bodyPr wrap="square" rtlCol="0">
+            <a:spAutoFit/>
           </a:bodyPr>
           <a:lstStyle/>
           <a:p>
-            <a:endParaRPr lang="it-IT"/>
+            <a:pPr lvl="1" algn="just">
+              <a:defRPr/>
+            </a:pPr>
+            <a:endParaRPr lang="it-IT" dirty="0">
+              <a:solidFill>
+                <a:srgbClr val="002060"/>
+              </a:solidFill>
+              <a:latin typeface="Arial" panose="020B0604020202020204" pitchFamily="34" charset="0"/>
+              <a:cs typeface="Arial" panose="020B0604020202020204" pitchFamily="34" charset="0"/>
+            </a:endParaRPr>
+          </a:p>
+          <a:p>
+            <a:pPr lvl="1" algn="just">
+              <a:defRPr/>
+            </a:pPr>
+            <a:r>
+              <a:rPr lang="it-IT" sz="1000" dirty="0">
+                <a:solidFill>
+                  <a:srgbClr val="002060"/>
+                </a:solidFill>
+                <a:latin typeface="Arial" panose="020B0604020202020204" pitchFamily="34" charset="0"/>
+                <a:cs typeface="Arial" panose="020B0604020202020204" pitchFamily="34" charset="0"/>
+              </a:rPr>
+              <a:t>Finestra bisettimanale anno 2018 con </a:t>
+            </a:r>
+            <a:r>
+              <a:rPr lang="it-IT" sz="1000" dirty="0" err="1">
+                <a:solidFill>
+                  <a:srgbClr val="002060"/>
+                </a:solidFill>
+                <a:latin typeface="Arial" panose="020B0604020202020204" pitchFamily="34" charset="0"/>
+                <a:cs typeface="Arial" panose="020B0604020202020204" pitchFamily="34" charset="0"/>
+              </a:rPr>
+              <a:t>KPIs</a:t>
+            </a:r>
+            <a:r>
+              <a:rPr lang="it-IT" sz="1000" dirty="0">
+                <a:solidFill>
+                  <a:srgbClr val="002060"/>
+                </a:solidFill>
+                <a:latin typeface="Arial" panose="020B0604020202020204" pitchFamily="34" charset="0"/>
+                <a:cs typeface="Arial" panose="020B0604020202020204" pitchFamily="34" charset="0"/>
+              </a:rPr>
+              <a:t> a 7gg</a:t>
+            </a:r>
+          </a:p>
+          <a:p>
+            <a:pPr marL="742950" lvl="1" indent="-285750" algn="just">
+              <a:buFont typeface="Arial" panose="020B0604020202020204" pitchFamily="34" charset="0"/>
+              <a:buChar char="•"/>
+              <a:defRPr/>
+            </a:pPr>
+            <a:endParaRPr kumimoji="0" lang="it-IT" b="0" i="0" u="none" strike="noStrike" kern="1200" cap="none" spc="0" normalizeH="0" baseline="0" noProof="0" dirty="0">
+              <a:ln>
+                <a:noFill/>
+              </a:ln>
+              <a:solidFill>
+                <a:srgbClr val="002060"/>
+              </a:solidFill>
+              <a:effectLst/>
+              <a:uLnTx/>
+              <a:uFillTx/>
+              <a:latin typeface="Arial" panose="020B0604020202020204" pitchFamily="34" charset="0"/>
+              <a:ea typeface="+mn-ea"/>
+              <a:cs typeface="Arial" panose="020B0604020202020204" pitchFamily="34" charset="0"/>
+            </a:endParaRPr>
+          </a:p>
+        </p:txBody>
+      </p:sp>
+      <p:sp>
+        <p:nvSpPr>
+          <p:cNvPr id="18" name="CasellaDiTesto 17">
+            <a:extLst>
+              <a:ext uri="{FF2B5EF4-FFF2-40B4-BE49-F238E27FC236}">
+                <a16:creationId xmlns:a16="http://schemas.microsoft.com/office/drawing/2014/main" id="{8B9D2EE1-CEF7-49AC-B593-0895908FC2A5}"/>
+              </a:ext>
+            </a:extLst>
+          </p:cNvPr>
+          <p:cNvSpPr txBox="1"/>
+          <p:nvPr/>
+        </p:nvSpPr>
+        <p:spPr>
+          <a:xfrm>
+            <a:off x="8235300" y="3277624"/>
+            <a:ext cx="3533269" cy="800219"/>
+          </a:xfrm>
+          <a:prstGeom prst="rect">
+            <a:avLst/>
+          </a:prstGeom>
+          <a:noFill/>
+        </p:spPr>
+        <p:txBody>
+          <a:bodyPr wrap="square" rtlCol="0">
+            <a:spAutoFit/>
+          </a:bodyPr>
+          <a:lstStyle/>
+          <a:p>
+            <a:pPr lvl="1" algn="just">
+              <a:defRPr/>
+            </a:pPr>
+            <a:endParaRPr lang="it-IT" dirty="0">
+              <a:solidFill>
+                <a:srgbClr val="002060"/>
+              </a:solidFill>
+              <a:latin typeface="Arial" panose="020B0604020202020204" pitchFamily="34" charset="0"/>
+              <a:cs typeface="Arial" panose="020B0604020202020204" pitchFamily="34" charset="0"/>
+            </a:endParaRPr>
+          </a:p>
+          <a:p>
+            <a:pPr lvl="1" algn="just">
+              <a:defRPr/>
+            </a:pPr>
+            <a:r>
+              <a:rPr lang="it-IT" sz="1000" dirty="0">
+                <a:solidFill>
+                  <a:srgbClr val="002060"/>
+                </a:solidFill>
+                <a:latin typeface="Arial" panose="020B0604020202020204" pitchFamily="34" charset="0"/>
+                <a:cs typeface="Arial" panose="020B0604020202020204" pitchFamily="34" charset="0"/>
+              </a:rPr>
+              <a:t>Finestra mensile anno 2018 con </a:t>
+            </a:r>
+            <a:r>
+              <a:rPr lang="it-IT" sz="1000" dirty="0" err="1">
+                <a:solidFill>
+                  <a:srgbClr val="002060"/>
+                </a:solidFill>
+                <a:latin typeface="Arial" panose="020B0604020202020204" pitchFamily="34" charset="0"/>
+                <a:cs typeface="Arial" panose="020B0604020202020204" pitchFamily="34" charset="0"/>
+              </a:rPr>
+              <a:t>KPIs</a:t>
+            </a:r>
+            <a:r>
+              <a:rPr lang="it-IT" sz="1000" dirty="0">
+                <a:solidFill>
+                  <a:srgbClr val="002060"/>
+                </a:solidFill>
+                <a:latin typeface="Arial" panose="020B0604020202020204" pitchFamily="34" charset="0"/>
+                <a:cs typeface="Arial" panose="020B0604020202020204" pitchFamily="34" charset="0"/>
+              </a:rPr>
+              <a:t> a 7gg</a:t>
+            </a:r>
+          </a:p>
+          <a:p>
+            <a:pPr marL="742950" lvl="1" indent="-285750" algn="just">
+              <a:buFont typeface="Arial" panose="020B0604020202020204" pitchFamily="34" charset="0"/>
+              <a:buChar char="•"/>
+              <a:defRPr/>
+            </a:pPr>
+            <a:endParaRPr kumimoji="0" lang="it-IT" b="0" i="0" u="none" strike="noStrike" kern="1200" cap="none" spc="0" normalizeH="0" baseline="0" noProof="0" dirty="0">
+              <a:ln>
+                <a:noFill/>
+              </a:ln>
+              <a:solidFill>
+                <a:srgbClr val="002060"/>
+              </a:solidFill>
+              <a:effectLst/>
+              <a:uLnTx/>
+              <a:uFillTx/>
+              <a:latin typeface="Arial" panose="020B0604020202020204" pitchFamily="34" charset="0"/>
+              <a:ea typeface="+mn-ea"/>
+              <a:cs typeface="Arial" panose="020B0604020202020204" pitchFamily="34" charset="0"/>
+            </a:endParaRPr>
+          </a:p>
+        </p:txBody>
+      </p:sp>
+      <p:sp>
+        <p:nvSpPr>
+          <p:cNvPr id="19" name="CasellaDiTesto 18">
+            <a:extLst>
+              <a:ext uri="{FF2B5EF4-FFF2-40B4-BE49-F238E27FC236}">
+                <a16:creationId xmlns:a16="http://schemas.microsoft.com/office/drawing/2014/main" id="{5E23CBB7-4DC6-4114-9A14-AE5C8EC560CE}"/>
+              </a:ext>
+            </a:extLst>
+          </p:cNvPr>
+          <p:cNvSpPr txBox="1"/>
+          <p:nvPr/>
+        </p:nvSpPr>
+        <p:spPr>
+          <a:xfrm>
+            <a:off x="34028" y="6133971"/>
+            <a:ext cx="3385706" cy="800219"/>
+          </a:xfrm>
+          <a:prstGeom prst="rect">
+            <a:avLst/>
+          </a:prstGeom>
+          <a:noFill/>
+        </p:spPr>
+        <p:txBody>
+          <a:bodyPr wrap="square" rtlCol="0">
+            <a:spAutoFit/>
+          </a:bodyPr>
+          <a:lstStyle/>
+          <a:p>
+            <a:pPr lvl="1" algn="just">
+              <a:defRPr/>
+            </a:pPr>
+            <a:endParaRPr lang="it-IT" dirty="0">
+              <a:solidFill>
+                <a:srgbClr val="002060"/>
+              </a:solidFill>
+              <a:latin typeface="Arial" panose="020B0604020202020204" pitchFamily="34" charset="0"/>
+              <a:cs typeface="Arial" panose="020B0604020202020204" pitchFamily="34" charset="0"/>
+            </a:endParaRPr>
+          </a:p>
+          <a:p>
+            <a:pPr lvl="1" algn="just">
+              <a:defRPr/>
+            </a:pPr>
+            <a:r>
+              <a:rPr lang="it-IT" sz="1000" dirty="0">
+                <a:solidFill>
+                  <a:srgbClr val="002060"/>
+                </a:solidFill>
+                <a:latin typeface="Arial" panose="020B0604020202020204" pitchFamily="34" charset="0"/>
+                <a:cs typeface="Arial" panose="020B0604020202020204" pitchFamily="34" charset="0"/>
+              </a:rPr>
+              <a:t>Finestra bimestrale anno 2018 con </a:t>
+            </a:r>
+            <a:r>
+              <a:rPr lang="it-IT" sz="1000" dirty="0" err="1">
+                <a:solidFill>
+                  <a:srgbClr val="002060"/>
+                </a:solidFill>
+                <a:latin typeface="Arial" panose="020B0604020202020204" pitchFamily="34" charset="0"/>
+                <a:cs typeface="Arial" panose="020B0604020202020204" pitchFamily="34" charset="0"/>
+              </a:rPr>
+              <a:t>KPIs</a:t>
+            </a:r>
+            <a:r>
+              <a:rPr lang="it-IT" sz="1000" dirty="0">
+                <a:solidFill>
+                  <a:srgbClr val="002060"/>
+                </a:solidFill>
+                <a:latin typeface="Arial" panose="020B0604020202020204" pitchFamily="34" charset="0"/>
+                <a:cs typeface="Arial" panose="020B0604020202020204" pitchFamily="34" charset="0"/>
+              </a:rPr>
+              <a:t> a 7gg</a:t>
+            </a:r>
+          </a:p>
+          <a:p>
+            <a:pPr marL="742950" lvl="1" indent="-285750" algn="just">
+              <a:buFont typeface="Arial" panose="020B0604020202020204" pitchFamily="34" charset="0"/>
+              <a:buChar char="•"/>
+              <a:defRPr/>
+            </a:pPr>
+            <a:endParaRPr kumimoji="0" lang="it-IT" b="0" i="0" u="none" strike="noStrike" kern="1200" cap="none" spc="0" normalizeH="0" baseline="0" noProof="0" dirty="0">
+              <a:ln>
+                <a:noFill/>
+              </a:ln>
+              <a:solidFill>
+                <a:srgbClr val="002060"/>
+              </a:solidFill>
+              <a:effectLst/>
+              <a:uLnTx/>
+              <a:uFillTx/>
+              <a:latin typeface="Arial" panose="020B0604020202020204" pitchFamily="34" charset="0"/>
+              <a:ea typeface="+mn-ea"/>
+              <a:cs typeface="Arial" panose="020B0604020202020204" pitchFamily="34" charset="0"/>
+            </a:endParaRPr>
+          </a:p>
+        </p:txBody>
+      </p:sp>
+      <p:sp>
+        <p:nvSpPr>
+          <p:cNvPr id="20" name="CasellaDiTesto 19">
+            <a:extLst>
+              <a:ext uri="{FF2B5EF4-FFF2-40B4-BE49-F238E27FC236}">
+                <a16:creationId xmlns:a16="http://schemas.microsoft.com/office/drawing/2014/main" id="{C6904BB3-35E7-455D-9B10-216A84B95A49}"/>
+              </a:ext>
+            </a:extLst>
+          </p:cNvPr>
+          <p:cNvSpPr txBox="1"/>
+          <p:nvPr/>
+        </p:nvSpPr>
+        <p:spPr>
+          <a:xfrm>
+            <a:off x="3269213" y="6109962"/>
+            <a:ext cx="2383425" cy="954107"/>
+          </a:xfrm>
+          <a:prstGeom prst="rect">
+            <a:avLst/>
+          </a:prstGeom>
+          <a:noFill/>
+        </p:spPr>
+        <p:txBody>
+          <a:bodyPr wrap="square" rtlCol="0">
+            <a:spAutoFit/>
+          </a:bodyPr>
+          <a:lstStyle/>
+          <a:p>
+            <a:pPr lvl="1" algn="just">
+              <a:defRPr/>
+            </a:pPr>
+            <a:endParaRPr lang="it-IT" dirty="0">
+              <a:solidFill>
+                <a:srgbClr val="002060"/>
+              </a:solidFill>
+              <a:latin typeface="Arial" panose="020B0604020202020204" pitchFamily="34" charset="0"/>
+              <a:cs typeface="Arial" panose="020B0604020202020204" pitchFamily="34" charset="0"/>
+            </a:endParaRPr>
+          </a:p>
+          <a:p>
+            <a:pPr lvl="1" algn="just">
+              <a:defRPr/>
+            </a:pPr>
+            <a:r>
+              <a:rPr lang="it-IT" sz="1000" dirty="0">
+                <a:solidFill>
+                  <a:srgbClr val="002060"/>
+                </a:solidFill>
+                <a:latin typeface="Arial" panose="020B0604020202020204" pitchFamily="34" charset="0"/>
+                <a:cs typeface="Arial" panose="020B0604020202020204" pitchFamily="34" charset="0"/>
+              </a:rPr>
+              <a:t>Finestra trimestrale anno 2018 </a:t>
+            </a:r>
+          </a:p>
+          <a:p>
+            <a:pPr lvl="1" algn="just">
+              <a:defRPr/>
+            </a:pPr>
+            <a:r>
+              <a:rPr lang="it-IT" sz="1000" dirty="0">
+                <a:solidFill>
+                  <a:srgbClr val="002060"/>
+                </a:solidFill>
+                <a:latin typeface="Arial" panose="020B0604020202020204" pitchFamily="34" charset="0"/>
+                <a:cs typeface="Arial" panose="020B0604020202020204" pitchFamily="34" charset="0"/>
+              </a:rPr>
+              <a:t>con </a:t>
+            </a:r>
+            <a:r>
+              <a:rPr lang="it-IT" sz="1000" dirty="0" err="1">
+                <a:solidFill>
+                  <a:srgbClr val="002060"/>
+                </a:solidFill>
+                <a:latin typeface="Arial" panose="020B0604020202020204" pitchFamily="34" charset="0"/>
+                <a:cs typeface="Arial" panose="020B0604020202020204" pitchFamily="34" charset="0"/>
+              </a:rPr>
+              <a:t>KPIs</a:t>
+            </a:r>
+            <a:r>
+              <a:rPr lang="it-IT" sz="1000" dirty="0">
+                <a:solidFill>
+                  <a:srgbClr val="002060"/>
+                </a:solidFill>
+                <a:latin typeface="Arial" panose="020B0604020202020204" pitchFamily="34" charset="0"/>
+                <a:cs typeface="Arial" panose="020B0604020202020204" pitchFamily="34" charset="0"/>
+              </a:rPr>
+              <a:t> a 7gg</a:t>
+            </a:r>
+          </a:p>
+          <a:p>
+            <a:pPr marL="742950" lvl="1" indent="-285750" algn="just">
+              <a:buFont typeface="Arial" panose="020B0604020202020204" pitchFamily="34" charset="0"/>
+              <a:buChar char="•"/>
+              <a:defRPr/>
+            </a:pPr>
+            <a:endParaRPr kumimoji="0" lang="it-IT" b="0" i="0" u="none" strike="noStrike" kern="1200" cap="none" spc="0" normalizeH="0" baseline="0" noProof="0" dirty="0">
+              <a:ln>
+                <a:noFill/>
+              </a:ln>
+              <a:solidFill>
+                <a:srgbClr val="002060"/>
+              </a:solidFill>
+              <a:effectLst/>
+              <a:uLnTx/>
+              <a:uFillTx/>
+              <a:latin typeface="Arial" panose="020B0604020202020204" pitchFamily="34" charset="0"/>
+              <a:ea typeface="+mn-ea"/>
+              <a:cs typeface="Arial" panose="020B0604020202020204" pitchFamily="34" charset="0"/>
+            </a:endParaRPr>
+          </a:p>
+        </p:txBody>
+      </p:sp>
+      <p:sp>
+        <p:nvSpPr>
+          <p:cNvPr id="21" name="CasellaDiTesto 20">
+            <a:extLst>
+              <a:ext uri="{FF2B5EF4-FFF2-40B4-BE49-F238E27FC236}">
+                <a16:creationId xmlns:a16="http://schemas.microsoft.com/office/drawing/2014/main" id="{1C4CF24E-5666-4CD3-81C1-20F17EF97F47}"/>
+              </a:ext>
+            </a:extLst>
+          </p:cNvPr>
+          <p:cNvSpPr txBox="1"/>
+          <p:nvPr/>
+        </p:nvSpPr>
+        <p:spPr>
+          <a:xfrm>
+            <a:off x="5258572" y="6086597"/>
+            <a:ext cx="1933623" cy="1107996"/>
+          </a:xfrm>
+          <a:prstGeom prst="rect">
+            <a:avLst/>
+          </a:prstGeom>
+          <a:noFill/>
+        </p:spPr>
+        <p:txBody>
+          <a:bodyPr wrap="square" rtlCol="0">
+            <a:spAutoFit/>
+          </a:bodyPr>
+          <a:lstStyle/>
+          <a:p>
+            <a:pPr lvl="1" algn="just">
+              <a:defRPr/>
+            </a:pPr>
+            <a:endParaRPr lang="it-IT" dirty="0">
+              <a:solidFill>
+                <a:srgbClr val="002060"/>
+              </a:solidFill>
+              <a:latin typeface="Arial" panose="020B0604020202020204" pitchFamily="34" charset="0"/>
+              <a:cs typeface="Arial" panose="020B0604020202020204" pitchFamily="34" charset="0"/>
+            </a:endParaRPr>
+          </a:p>
+          <a:p>
+            <a:pPr lvl="1" algn="just">
+              <a:defRPr/>
+            </a:pPr>
+            <a:r>
+              <a:rPr lang="it-IT" sz="1000" dirty="0">
+                <a:solidFill>
+                  <a:srgbClr val="002060"/>
+                </a:solidFill>
+                <a:latin typeface="Arial" panose="020B0604020202020204" pitchFamily="34" charset="0"/>
+                <a:cs typeface="Arial" panose="020B0604020202020204" pitchFamily="34" charset="0"/>
+              </a:rPr>
+              <a:t>Finestra quadrimestre anno 2018  con </a:t>
+            </a:r>
+            <a:r>
+              <a:rPr lang="it-IT" sz="1000" dirty="0" err="1">
+                <a:solidFill>
+                  <a:srgbClr val="002060"/>
+                </a:solidFill>
+                <a:latin typeface="Arial" panose="020B0604020202020204" pitchFamily="34" charset="0"/>
+                <a:cs typeface="Arial" panose="020B0604020202020204" pitchFamily="34" charset="0"/>
+              </a:rPr>
+              <a:t>KPIs</a:t>
+            </a:r>
+            <a:r>
+              <a:rPr lang="it-IT" sz="1000" dirty="0">
+                <a:solidFill>
+                  <a:srgbClr val="002060"/>
+                </a:solidFill>
+                <a:latin typeface="Arial" panose="020B0604020202020204" pitchFamily="34" charset="0"/>
+                <a:cs typeface="Arial" panose="020B0604020202020204" pitchFamily="34" charset="0"/>
+              </a:rPr>
+              <a:t> a 7gg</a:t>
+            </a:r>
+          </a:p>
+          <a:p>
+            <a:pPr marL="742950" lvl="1" indent="-285750" algn="just">
+              <a:buFont typeface="Arial" panose="020B0604020202020204" pitchFamily="34" charset="0"/>
+              <a:buChar char="•"/>
+              <a:defRPr/>
+            </a:pPr>
+            <a:endParaRPr kumimoji="0" lang="it-IT" b="0" i="0" u="none" strike="noStrike" kern="1200" cap="none" spc="0" normalizeH="0" baseline="0" noProof="0" dirty="0">
+              <a:ln>
+                <a:noFill/>
+              </a:ln>
+              <a:solidFill>
+                <a:srgbClr val="002060"/>
+              </a:solidFill>
+              <a:effectLst/>
+              <a:uLnTx/>
+              <a:uFillTx/>
+              <a:latin typeface="Arial" panose="020B0604020202020204" pitchFamily="34" charset="0"/>
+              <a:ea typeface="+mn-ea"/>
+              <a:cs typeface="Arial" panose="020B0604020202020204" pitchFamily="34" charset="0"/>
+            </a:endParaRPr>
+          </a:p>
+        </p:txBody>
+      </p:sp>
+      <p:sp>
+        <p:nvSpPr>
+          <p:cNvPr id="22" name="CasellaDiTesto 21">
+            <a:extLst>
+              <a:ext uri="{FF2B5EF4-FFF2-40B4-BE49-F238E27FC236}">
+                <a16:creationId xmlns:a16="http://schemas.microsoft.com/office/drawing/2014/main" id="{8E272BF7-904C-4307-9ADB-666F07AFED9B}"/>
+              </a:ext>
+            </a:extLst>
+          </p:cNvPr>
+          <p:cNvSpPr txBox="1"/>
+          <p:nvPr/>
+        </p:nvSpPr>
+        <p:spPr>
+          <a:xfrm>
+            <a:off x="7125437" y="6033017"/>
+            <a:ext cx="2383425" cy="1107996"/>
+          </a:xfrm>
+          <a:prstGeom prst="rect">
+            <a:avLst/>
+          </a:prstGeom>
+          <a:noFill/>
+        </p:spPr>
+        <p:txBody>
+          <a:bodyPr wrap="square" rtlCol="0">
+            <a:spAutoFit/>
+          </a:bodyPr>
+          <a:lstStyle/>
+          <a:p>
+            <a:pPr lvl="1" algn="just">
+              <a:defRPr/>
+            </a:pPr>
+            <a:endParaRPr lang="it-IT" dirty="0">
+              <a:solidFill>
+                <a:srgbClr val="002060"/>
+              </a:solidFill>
+              <a:latin typeface="Arial" panose="020B0604020202020204" pitchFamily="34" charset="0"/>
+              <a:cs typeface="Arial" panose="020B0604020202020204" pitchFamily="34" charset="0"/>
+            </a:endParaRPr>
+          </a:p>
+          <a:p>
+            <a:pPr lvl="1" algn="just">
+              <a:defRPr/>
+            </a:pPr>
+            <a:r>
+              <a:rPr lang="it-IT" sz="1000" dirty="0">
+                <a:solidFill>
+                  <a:srgbClr val="002060"/>
+                </a:solidFill>
+                <a:latin typeface="Arial" panose="020B0604020202020204" pitchFamily="34" charset="0"/>
+                <a:cs typeface="Arial" panose="020B0604020202020204" pitchFamily="34" charset="0"/>
+              </a:rPr>
+              <a:t>Finestra semestre</a:t>
+            </a:r>
+          </a:p>
+          <a:p>
+            <a:pPr lvl="1" algn="just">
+              <a:defRPr/>
+            </a:pPr>
+            <a:r>
+              <a:rPr lang="it-IT" sz="1000" dirty="0">
+                <a:solidFill>
+                  <a:srgbClr val="002060"/>
+                </a:solidFill>
+                <a:latin typeface="Arial" panose="020B0604020202020204" pitchFamily="34" charset="0"/>
+                <a:cs typeface="Arial" panose="020B0604020202020204" pitchFamily="34" charset="0"/>
+              </a:rPr>
+              <a:t>anno 2018 </a:t>
+            </a:r>
+          </a:p>
+          <a:p>
+            <a:pPr lvl="1" algn="just">
+              <a:defRPr/>
+            </a:pPr>
+            <a:r>
+              <a:rPr lang="it-IT" sz="1000" dirty="0">
+                <a:solidFill>
+                  <a:srgbClr val="002060"/>
+                </a:solidFill>
+                <a:latin typeface="Arial" panose="020B0604020202020204" pitchFamily="34" charset="0"/>
+                <a:cs typeface="Arial" panose="020B0604020202020204" pitchFamily="34" charset="0"/>
+              </a:rPr>
+              <a:t>con </a:t>
+            </a:r>
+            <a:r>
+              <a:rPr lang="it-IT" sz="1000" dirty="0" err="1">
+                <a:solidFill>
+                  <a:srgbClr val="002060"/>
+                </a:solidFill>
+                <a:latin typeface="Arial" panose="020B0604020202020204" pitchFamily="34" charset="0"/>
+                <a:cs typeface="Arial" panose="020B0604020202020204" pitchFamily="34" charset="0"/>
+              </a:rPr>
+              <a:t>KPIs</a:t>
+            </a:r>
+            <a:r>
+              <a:rPr lang="it-IT" sz="1000" dirty="0">
+                <a:solidFill>
+                  <a:srgbClr val="002060"/>
+                </a:solidFill>
+                <a:latin typeface="Arial" panose="020B0604020202020204" pitchFamily="34" charset="0"/>
+                <a:cs typeface="Arial" panose="020B0604020202020204" pitchFamily="34" charset="0"/>
+              </a:rPr>
+              <a:t> a 7gg</a:t>
+            </a:r>
+          </a:p>
+          <a:p>
+            <a:pPr marL="742950" lvl="1" indent="-285750" algn="just">
+              <a:buFont typeface="Arial" panose="020B0604020202020204" pitchFamily="34" charset="0"/>
+              <a:buChar char="•"/>
+              <a:defRPr/>
+            </a:pPr>
+            <a:endParaRPr kumimoji="0" lang="it-IT" b="0" i="0" u="none" strike="noStrike" kern="1200" cap="none" spc="0" normalizeH="0" baseline="0" noProof="0" dirty="0">
+              <a:ln>
+                <a:noFill/>
+              </a:ln>
+              <a:solidFill>
+                <a:srgbClr val="002060"/>
+              </a:solidFill>
+              <a:effectLst/>
+              <a:uLnTx/>
+              <a:uFillTx/>
+              <a:latin typeface="Arial" panose="020B0604020202020204" pitchFamily="34" charset="0"/>
+              <a:ea typeface="+mn-ea"/>
+              <a:cs typeface="Arial" panose="020B0604020202020204" pitchFamily="34" charset="0"/>
+            </a:endParaRPr>
+          </a:p>
+        </p:txBody>
+      </p:sp>
+      <p:sp>
+        <p:nvSpPr>
+          <p:cNvPr id="23" name="CasellaDiTesto 22">
+            <a:extLst>
+              <a:ext uri="{FF2B5EF4-FFF2-40B4-BE49-F238E27FC236}">
+                <a16:creationId xmlns:a16="http://schemas.microsoft.com/office/drawing/2014/main" id="{F6D10BCC-0B1F-4297-9FD3-240AFB00A1F3}"/>
+              </a:ext>
+            </a:extLst>
+          </p:cNvPr>
+          <p:cNvSpPr txBox="1"/>
+          <p:nvPr/>
+        </p:nvSpPr>
+        <p:spPr>
+          <a:xfrm>
+            <a:off x="8704614" y="6017360"/>
+            <a:ext cx="1801420" cy="1107996"/>
+          </a:xfrm>
+          <a:prstGeom prst="rect">
+            <a:avLst/>
+          </a:prstGeom>
+          <a:noFill/>
+        </p:spPr>
+        <p:txBody>
+          <a:bodyPr wrap="square" rtlCol="0">
+            <a:spAutoFit/>
+          </a:bodyPr>
+          <a:lstStyle/>
+          <a:p>
+            <a:pPr lvl="1" algn="just">
+              <a:defRPr/>
+            </a:pPr>
+            <a:endParaRPr lang="it-IT" dirty="0">
+              <a:solidFill>
+                <a:srgbClr val="002060"/>
+              </a:solidFill>
+              <a:latin typeface="Arial" panose="020B0604020202020204" pitchFamily="34" charset="0"/>
+              <a:cs typeface="Arial" panose="020B0604020202020204" pitchFamily="34" charset="0"/>
+            </a:endParaRPr>
+          </a:p>
+          <a:p>
+            <a:pPr lvl="1" algn="just">
+              <a:defRPr/>
+            </a:pPr>
+            <a:r>
+              <a:rPr lang="it-IT" sz="1000" dirty="0">
+                <a:solidFill>
+                  <a:srgbClr val="002060"/>
+                </a:solidFill>
+                <a:latin typeface="Arial" panose="020B0604020202020204" pitchFamily="34" charset="0"/>
+                <a:cs typeface="Arial" panose="020B0604020202020204" pitchFamily="34" charset="0"/>
+              </a:rPr>
+              <a:t>Finestra </a:t>
+            </a:r>
+            <a:r>
+              <a:rPr lang="it-IT" sz="1000" dirty="0" err="1">
+                <a:solidFill>
+                  <a:srgbClr val="002060"/>
+                </a:solidFill>
+                <a:latin typeface="Arial" panose="020B0604020202020204" pitchFamily="34" charset="0"/>
+                <a:cs typeface="Arial" panose="020B0604020202020204" pitchFamily="34" charset="0"/>
+              </a:rPr>
+              <a:t>nonimestre</a:t>
+            </a:r>
+            <a:r>
+              <a:rPr lang="it-IT" sz="1000" dirty="0">
+                <a:solidFill>
+                  <a:srgbClr val="002060"/>
+                </a:solidFill>
+                <a:latin typeface="Arial" panose="020B0604020202020204" pitchFamily="34" charset="0"/>
+                <a:cs typeface="Arial" panose="020B0604020202020204" pitchFamily="34" charset="0"/>
+              </a:rPr>
+              <a:t> anno 2018 </a:t>
+            </a:r>
+          </a:p>
+          <a:p>
+            <a:pPr lvl="1" algn="just">
+              <a:defRPr/>
+            </a:pPr>
+            <a:r>
+              <a:rPr lang="it-IT" sz="1000" dirty="0">
+                <a:solidFill>
+                  <a:srgbClr val="002060"/>
+                </a:solidFill>
+                <a:latin typeface="Arial" panose="020B0604020202020204" pitchFamily="34" charset="0"/>
+                <a:cs typeface="Arial" panose="020B0604020202020204" pitchFamily="34" charset="0"/>
+              </a:rPr>
+              <a:t>con </a:t>
+            </a:r>
+            <a:r>
+              <a:rPr lang="it-IT" sz="1000" dirty="0" err="1">
+                <a:solidFill>
+                  <a:srgbClr val="002060"/>
+                </a:solidFill>
+                <a:latin typeface="Arial" panose="020B0604020202020204" pitchFamily="34" charset="0"/>
+                <a:cs typeface="Arial" panose="020B0604020202020204" pitchFamily="34" charset="0"/>
+              </a:rPr>
+              <a:t>KPIs</a:t>
+            </a:r>
+            <a:r>
+              <a:rPr lang="it-IT" sz="1000" dirty="0">
+                <a:solidFill>
+                  <a:srgbClr val="002060"/>
+                </a:solidFill>
+                <a:latin typeface="Arial" panose="020B0604020202020204" pitchFamily="34" charset="0"/>
+                <a:cs typeface="Arial" panose="020B0604020202020204" pitchFamily="34" charset="0"/>
+              </a:rPr>
+              <a:t> a 7gg</a:t>
+            </a:r>
+          </a:p>
+          <a:p>
+            <a:pPr marL="742950" lvl="1" indent="-285750" algn="just">
+              <a:buFont typeface="Arial" panose="020B0604020202020204" pitchFamily="34" charset="0"/>
+              <a:buChar char="•"/>
+              <a:defRPr/>
+            </a:pPr>
+            <a:endParaRPr kumimoji="0" lang="it-IT" b="0" i="0" u="none" strike="noStrike" kern="1200" cap="none" spc="0" normalizeH="0" baseline="0" noProof="0" dirty="0">
+              <a:ln>
+                <a:noFill/>
+              </a:ln>
+              <a:solidFill>
+                <a:srgbClr val="002060"/>
+              </a:solidFill>
+              <a:effectLst/>
+              <a:uLnTx/>
+              <a:uFillTx/>
+              <a:latin typeface="Arial" panose="020B0604020202020204" pitchFamily="34" charset="0"/>
+              <a:ea typeface="+mn-ea"/>
+              <a:cs typeface="Arial" panose="020B0604020202020204" pitchFamily="34" charset="0"/>
+            </a:endParaRPr>
+          </a:p>
+        </p:txBody>
+      </p:sp>
+      <p:sp>
+        <p:nvSpPr>
+          <p:cNvPr id="24" name="CasellaDiTesto 23">
+            <a:extLst>
+              <a:ext uri="{FF2B5EF4-FFF2-40B4-BE49-F238E27FC236}">
+                <a16:creationId xmlns:a16="http://schemas.microsoft.com/office/drawing/2014/main" id="{750CEE6B-FB52-4CDC-B035-45C3BACB0179}"/>
+              </a:ext>
+            </a:extLst>
+          </p:cNvPr>
+          <p:cNvSpPr txBox="1"/>
+          <p:nvPr/>
+        </p:nvSpPr>
+        <p:spPr>
+          <a:xfrm>
+            <a:off x="10373149" y="6069481"/>
+            <a:ext cx="2383425" cy="954107"/>
+          </a:xfrm>
+          <a:prstGeom prst="rect">
+            <a:avLst/>
+          </a:prstGeom>
+          <a:noFill/>
+        </p:spPr>
+        <p:txBody>
+          <a:bodyPr wrap="square" rtlCol="0">
+            <a:spAutoFit/>
+          </a:bodyPr>
+          <a:lstStyle/>
+          <a:p>
+            <a:pPr lvl="1" algn="just">
+              <a:defRPr/>
+            </a:pPr>
+            <a:endParaRPr lang="it-IT" dirty="0">
+              <a:solidFill>
+                <a:srgbClr val="002060"/>
+              </a:solidFill>
+              <a:latin typeface="Arial" panose="020B0604020202020204" pitchFamily="34" charset="0"/>
+              <a:cs typeface="Arial" panose="020B0604020202020204" pitchFamily="34" charset="0"/>
+            </a:endParaRPr>
+          </a:p>
+          <a:p>
+            <a:pPr lvl="1" algn="just">
+              <a:defRPr/>
+            </a:pPr>
+            <a:r>
+              <a:rPr lang="it-IT" sz="1000" dirty="0">
+                <a:solidFill>
+                  <a:srgbClr val="002060"/>
+                </a:solidFill>
+                <a:latin typeface="Arial" panose="020B0604020202020204" pitchFamily="34" charset="0"/>
+                <a:cs typeface="Arial" panose="020B0604020202020204" pitchFamily="34" charset="0"/>
+              </a:rPr>
+              <a:t>Finestra anno 2018 </a:t>
+            </a:r>
+          </a:p>
+          <a:p>
+            <a:pPr lvl="1" algn="just">
+              <a:defRPr/>
+            </a:pPr>
+            <a:r>
+              <a:rPr lang="it-IT" sz="1000" dirty="0">
+                <a:solidFill>
+                  <a:srgbClr val="002060"/>
+                </a:solidFill>
+                <a:latin typeface="Arial" panose="020B0604020202020204" pitchFamily="34" charset="0"/>
+                <a:cs typeface="Arial" panose="020B0604020202020204" pitchFamily="34" charset="0"/>
+              </a:rPr>
+              <a:t>con </a:t>
+            </a:r>
+            <a:r>
+              <a:rPr lang="it-IT" sz="1000" dirty="0" err="1">
+                <a:solidFill>
+                  <a:srgbClr val="002060"/>
+                </a:solidFill>
+                <a:latin typeface="Arial" panose="020B0604020202020204" pitchFamily="34" charset="0"/>
+                <a:cs typeface="Arial" panose="020B0604020202020204" pitchFamily="34" charset="0"/>
+              </a:rPr>
+              <a:t>KPIs</a:t>
+            </a:r>
+            <a:r>
+              <a:rPr lang="it-IT" sz="1000" dirty="0">
+                <a:solidFill>
+                  <a:srgbClr val="002060"/>
+                </a:solidFill>
+                <a:latin typeface="Arial" panose="020B0604020202020204" pitchFamily="34" charset="0"/>
+                <a:cs typeface="Arial" panose="020B0604020202020204" pitchFamily="34" charset="0"/>
+              </a:rPr>
+              <a:t> a 7gg</a:t>
+            </a:r>
+          </a:p>
+          <a:p>
+            <a:pPr marL="742950" lvl="1" indent="-285750" algn="just">
+              <a:buFont typeface="Arial" panose="020B0604020202020204" pitchFamily="34" charset="0"/>
+              <a:buChar char="•"/>
+              <a:defRPr/>
+            </a:pPr>
+            <a:endParaRPr kumimoji="0" lang="it-IT" b="0" i="0" u="none" strike="noStrike" kern="1200" cap="none" spc="0" normalizeH="0" baseline="0" noProof="0" dirty="0">
+              <a:ln>
+                <a:noFill/>
+              </a:ln>
+              <a:solidFill>
+                <a:srgbClr val="002060"/>
+              </a:solidFill>
+              <a:effectLst/>
+              <a:uLnTx/>
+              <a:uFillTx/>
+              <a:latin typeface="Arial" panose="020B0604020202020204" pitchFamily="34" charset="0"/>
+              <a:ea typeface="+mn-ea"/>
+              <a:cs typeface="Arial" panose="020B0604020202020204" pitchFamily="34" charset="0"/>
+            </a:endParaRPr>
           </a:p>
         </p:txBody>
       </p:sp>
     </p:spTree>
     <p:extLst>
       <p:ext uri="{BB962C8B-B14F-4D97-AF65-F5344CB8AC3E}">
-        <p14:creationId xmlns:p14="http://schemas.microsoft.com/office/powerpoint/2010/main" val="1204573455"/>
+        <p14:creationId xmlns:p14="http://schemas.microsoft.com/office/powerpoint/2010/main" val="3226340993"/>
       </p:ext>
     </p:extLst>
   </p:cSld>

--- a/Presentazione204898.pptx
+++ b/Presentazione204898.pptx
@@ -12377,7 +12377,7 @@
         </p:nvSpPr>
         <p:spPr>
           <a:xfrm>
-            <a:off x="139344" y="3581400"/>
+            <a:off x="139344" y="3718489"/>
             <a:ext cx="5436188" cy="437745"/>
           </a:xfrm>
           <a:prstGeom prst="flowChartProcess">
@@ -12428,7 +12428,7 @@
         </p:nvSpPr>
         <p:spPr>
           <a:xfrm>
-            <a:off x="139344" y="3619035"/>
+            <a:off x="139344" y="3756124"/>
             <a:ext cx="5436188" cy="400110"/>
           </a:xfrm>
           <a:prstGeom prst="rect">
@@ -15593,8 +15593,8 @@
         </p:nvSpPr>
         <p:spPr>
           <a:xfrm>
-            <a:off x="131324" y="719078"/>
-            <a:ext cx="11929352" cy="5355312"/>
+            <a:off x="131324" y="634017"/>
+            <a:ext cx="11929352" cy="6740307"/>
           </a:xfrm>
           <a:prstGeom prst="rect">
             <a:avLst/>
@@ -15825,6 +15825,27 @@
               <a:buChar char="•"/>
               <a:defRPr/>
             </a:pPr>
+            <a:endParaRPr kumimoji="0" lang="it-IT" b="0" i="0" u="none" strike="noStrike" kern="1200" cap="none" spc="0" normalizeH="0" baseline="0" noProof="0" dirty="0">
+              <a:ln>
+                <a:noFill/>
+              </a:ln>
+              <a:solidFill>
+                <a:srgbClr val="002060"/>
+              </a:solidFill>
+              <a:effectLst/>
+              <a:uLnTx/>
+              <a:uFillTx/>
+              <a:latin typeface="Arial" panose="020B0604020202020204" pitchFamily="34" charset="0"/>
+              <a:ea typeface="+mn-ea"/>
+              <a:cs typeface="Arial" panose="020B0604020202020204" pitchFamily="34" charset="0"/>
+            </a:endParaRPr>
+          </a:p>
+          <a:p>
+            <a:pPr marL="742950" lvl="1" indent="-285750" algn="just">
+              <a:buFont typeface="Arial" panose="020B0604020202020204" pitchFamily="34" charset="0"/>
+              <a:buChar char="•"/>
+              <a:defRPr/>
+            </a:pPr>
             <a:endParaRPr lang="it-IT" dirty="0">
               <a:solidFill>
                 <a:srgbClr val="002060"/>
@@ -15880,6 +15901,27 @@
               <a:buChar char="•"/>
               <a:defRPr/>
             </a:pPr>
+            <a:endParaRPr kumimoji="0" lang="it-IT" b="0" i="0" u="none" strike="noStrike" kern="1200" cap="none" spc="0" normalizeH="0" baseline="0" noProof="0" dirty="0">
+              <a:ln>
+                <a:noFill/>
+              </a:ln>
+              <a:solidFill>
+                <a:srgbClr val="002060"/>
+              </a:solidFill>
+              <a:effectLst/>
+              <a:uLnTx/>
+              <a:uFillTx/>
+              <a:latin typeface="Arial" panose="020B0604020202020204" pitchFamily="34" charset="0"/>
+              <a:ea typeface="+mn-ea"/>
+              <a:cs typeface="Arial" panose="020B0604020202020204" pitchFamily="34" charset="0"/>
+            </a:endParaRPr>
+          </a:p>
+          <a:p>
+            <a:pPr marL="742950" lvl="1" indent="-285750" algn="just">
+              <a:buFont typeface="Arial" panose="020B0604020202020204" pitchFamily="34" charset="0"/>
+              <a:buChar char="•"/>
+              <a:defRPr/>
+            </a:pPr>
             <a:endParaRPr lang="it-IT" dirty="0">
               <a:solidFill>
                 <a:srgbClr val="002060"/>
@@ -15935,6 +15977,27 @@
               <a:buChar char="•"/>
               <a:defRPr/>
             </a:pPr>
+            <a:endParaRPr kumimoji="0" lang="it-IT" b="0" i="0" u="none" strike="noStrike" kern="1200" cap="none" spc="0" normalizeH="0" baseline="0" noProof="0" dirty="0">
+              <a:ln>
+                <a:noFill/>
+              </a:ln>
+              <a:solidFill>
+                <a:srgbClr val="002060"/>
+              </a:solidFill>
+              <a:effectLst/>
+              <a:uLnTx/>
+              <a:uFillTx/>
+              <a:latin typeface="Arial" panose="020B0604020202020204" pitchFamily="34" charset="0"/>
+              <a:ea typeface="+mn-ea"/>
+              <a:cs typeface="Arial" panose="020B0604020202020204" pitchFamily="34" charset="0"/>
+            </a:endParaRPr>
+          </a:p>
+          <a:p>
+            <a:pPr marL="742950" lvl="1" indent="-285750" algn="just">
+              <a:buFont typeface="Arial" panose="020B0604020202020204" pitchFamily="34" charset="0"/>
+              <a:buChar char="•"/>
+              <a:defRPr/>
+            </a:pPr>
             <a:endParaRPr lang="it-IT" dirty="0">
               <a:solidFill>
                 <a:srgbClr val="002060"/>
@@ -15990,6 +16053,27 @@
               <a:buChar char="•"/>
               <a:defRPr/>
             </a:pPr>
+            <a:endParaRPr kumimoji="0" lang="it-IT" b="0" i="0" u="none" strike="noStrike" kern="1200" cap="none" spc="0" normalizeH="0" baseline="0" noProof="0" dirty="0">
+              <a:ln>
+                <a:noFill/>
+              </a:ln>
+              <a:solidFill>
+                <a:srgbClr val="002060"/>
+              </a:solidFill>
+              <a:effectLst/>
+              <a:uLnTx/>
+              <a:uFillTx/>
+              <a:latin typeface="Arial" panose="020B0604020202020204" pitchFamily="34" charset="0"/>
+              <a:ea typeface="+mn-ea"/>
+              <a:cs typeface="Arial" panose="020B0604020202020204" pitchFamily="34" charset="0"/>
+            </a:endParaRPr>
+          </a:p>
+          <a:p>
+            <a:pPr marL="742950" lvl="1" indent="-285750" algn="just">
+              <a:buFont typeface="Arial" panose="020B0604020202020204" pitchFamily="34" charset="0"/>
+              <a:buChar char="•"/>
+              <a:defRPr/>
+            </a:pPr>
             <a:endParaRPr lang="it-IT" dirty="0">
               <a:solidFill>
                 <a:srgbClr val="002060"/>
@@ -16038,6 +16122,27 @@
               </a:rPr>
               <a:t> sulle spedizioni: margine di profitto, derivante dal trend delle spedizioni.</a:t>
             </a:r>
+          </a:p>
+          <a:p>
+            <a:pPr marL="742950" lvl="1" indent="-285750" algn="just">
+              <a:buFont typeface="Arial" panose="020B0604020202020204" pitchFamily="34" charset="0"/>
+              <a:buChar char="•"/>
+              <a:defRPr/>
+            </a:pPr>
+            <a:endParaRPr kumimoji="0" lang="it-IT" b="0" i="0" u="none" strike="noStrike" kern="1200" cap="none" spc="0" normalizeH="0" baseline="0" noProof="0" dirty="0">
+              <a:ln>
+                <a:noFill/>
+              </a:ln>
+              <a:solidFill>
+                <a:srgbClr val="002060"/>
+              </a:solidFill>
+              <a:effectLst/>
+              <a:uLnTx/>
+              <a:uFillTx/>
+              <a:latin typeface="Arial" panose="020B0604020202020204" pitchFamily="34" charset="0"/>
+              <a:ea typeface="+mn-ea"/>
+              <a:cs typeface="Arial" panose="020B0604020202020204" pitchFamily="34" charset="0"/>
+            </a:endParaRPr>
           </a:p>
           <a:p>
             <a:pPr marL="742950" lvl="1" indent="-285750" algn="just">

--- a/Presentazione204898.pptx
+++ b/Presentazione204898.pptx
@@ -5,29 +5,28 @@
     <p:sldMasterId id="2147483648" r:id="rId1"/>
   </p:sldMasterIdLst>
   <p:notesMasterIdLst>
-    <p:notesMasterId r:id="rId22"/>
+    <p:notesMasterId r:id="rId21"/>
   </p:notesMasterIdLst>
   <p:sldIdLst>
     <p:sldId id="256" r:id="rId2"/>
     <p:sldId id="257" r:id="rId3"/>
     <p:sldId id="288" r:id="rId4"/>
-    <p:sldId id="292" r:id="rId5"/>
-    <p:sldId id="295" r:id="rId6"/>
-    <p:sldId id="300" r:id="rId7"/>
-    <p:sldId id="301" r:id="rId8"/>
-    <p:sldId id="303" r:id="rId9"/>
-    <p:sldId id="313" r:id="rId10"/>
-    <p:sldId id="314" r:id="rId11"/>
-    <p:sldId id="315" r:id="rId12"/>
-    <p:sldId id="316" r:id="rId13"/>
-    <p:sldId id="318" r:id="rId14"/>
-    <p:sldId id="319" r:id="rId15"/>
-    <p:sldId id="320" r:id="rId16"/>
-    <p:sldId id="321" r:id="rId17"/>
-    <p:sldId id="322" r:id="rId18"/>
-    <p:sldId id="323" r:id="rId19"/>
-    <p:sldId id="324" r:id="rId20"/>
-    <p:sldId id="326" r:id="rId21"/>
+    <p:sldId id="295" r:id="rId5"/>
+    <p:sldId id="300" r:id="rId6"/>
+    <p:sldId id="301" r:id="rId7"/>
+    <p:sldId id="303" r:id="rId8"/>
+    <p:sldId id="313" r:id="rId9"/>
+    <p:sldId id="314" r:id="rId10"/>
+    <p:sldId id="315" r:id="rId11"/>
+    <p:sldId id="316" r:id="rId12"/>
+    <p:sldId id="318" r:id="rId13"/>
+    <p:sldId id="319" r:id="rId14"/>
+    <p:sldId id="320" r:id="rId15"/>
+    <p:sldId id="321" r:id="rId16"/>
+    <p:sldId id="322" r:id="rId17"/>
+    <p:sldId id="323" r:id="rId18"/>
+    <p:sldId id="324" r:id="rId19"/>
+    <p:sldId id="326" r:id="rId20"/>
   </p:sldIdLst>
   <p:sldSz cx="12192000" cy="6858000"/>
   <p:notesSz cx="6858000" cy="9144000"/>
@@ -641,7 +640,7 @@
     </p:spTree>
     <p:extLst>
       <p:ext uri="{BB962C8B-B14F-4D97-AF65-F5344CB8AC3E}">
-        <p14:creationId xmlns:p14="http://schemas.microsoft.com/office/powerpoint/2010/main" val="3657973556"/>
+        <p14:creationId xmlns:p14="http://schemas.microsoft.com/office/powerpoint/2010/main" val="692008959"/>
       </p:ext>
     </p:extLst>
   </p:cSld>
@@ -725,7 +724,7 @@
     </p:spTree>
     <p:extLst>
       <p:ext uri="{BB962C8B-B14F-4D97-AF65-F5344CB8AC3E}">
-        <p14:creationId xmlns:p14="http://schemas.microsoft.com/office/powerpoint/2010/main" val="692008959"/>
+        <p14:creationId xmlns:p14="http://schemas.microsoft.com/office/powerpoint/2010/main" val="955960944"/>
       </p:ext>
     </p:extLst>
   </p:cSld>
@@ -809,7 +808,7 @@
     </p:spTree>
     <p:extLst>
       <p:ext uri="{BB962C8B-B14F-4D97-AF65-F5344CB8AC3E}">
-        <p14:creationId xmlns:p14="http://schemas.microsoft.com/office/powerpoint/2010/main" val="955960944"/>
+        <p14:creationId xmlns:p14="http://schemas.microsoft.com/office/powerpoint/2010/main" val="3900075384"/>
       </p:ext>
     </p:extLst>
   </p:cSld>
@@ -893,7 +892,7 @@
     </p:spTree>
     <p:extLst>
       <p:ext uri="{BB962C8B-B14F-4D97-AF65-F5344CB8AC3E}">
-        <p14:creationId xmlns:p14="http://schemas.microsoft.com/office/powerpoint/2010/main" val="3900075384"/>
+        <p14:creationId xmlns:p14="http://schemas.microsoft.com/office/powerpoint/2010/main" val="693203954"/>
       </p:ext>
     </p:extLst>
   </p:cSld>
@@ -977,7 +976,7 @@
     </p:spTree>
     <p:extLst>
       <p:ext uri="{BB962C8B-B14F-4D97-AF65-F5344CB8AC3E}">
-        <p14:creationId xmlns:p14="http://schemas.microsoft.com/office/powerpoint/2010/main" val="693203954"/>
+        <p14:creationId xmlns:p14="http://schemas.microsoft.com/office/powerpoint/2010/main" val="2496967714"/>
       </p:ext>
     </p:extLst>
   </p:cSld>
@@ -1061,7 +1060,7 @@
     </p:spTree>
     <p:extLst>
       <p:ext uri="{BB962C8B-B14F-4D97-AF65-F5344CB8AC3E}">
-        <p14:creationId xmlns:p14="http://schemas.microsoft.com/office/powerpoint/2010/main" val="2496967714"/>
+        <p14:creationId xmlns:p14="http://schemas.microsoft.com/office/powerpoint/2010/main" val="2433321293"/>
       </p:ext>
     </p:extLst>
   </p:cSld>
@@ -1145,7 +1144,7 @@
     </p:spTree>
     <p:extLst>
       <p:ext uri="{BB962C8B-B14F-4D97-AF65-F5344CB8AC3E}">
-        <p14:creationId xmlns:p14="http://schemas.microsoft.com/office/powerpoint/2010/main" val="2433321293"/>
+        <p14:creationId xmlns:p14="http://schemas.microsoft.com/office/powerpoint/2010/main" val="3542628195"/>
       </p:ext>
     </p:extLst>
   </p:cSld>
@@ -1229,7 +1228,7 @@
     </p:spTree>
     <p:extLst>
       <p:ext uri="{BB962C8B-B14F-4D97-AF65-F5344CB8AC3E}">
-        <p14:creationId xmlns:p14="http://schemas.microsoft.com/office/powerpoint/2010/main" val="3542628195"/>
+        <p14:creationId xmlns:p14="http://schemas.microsoft.com/office/powerpoint/2010/main" val="3644352027"/>
       </p:ext>
     </p:extLst>
   </p:cSld>
@@ -1313,7 +1312,7 @@
     </p:spTree>
     <p:extLst>
       <p:ext uri="{BB962C8B-B14F-4D97-AF65-F5344CB8AC3E}">
-        <p14:creationId xmlns:p14="http://schemas.microsoft.com/office/powerpoint/2010/main" val="3644352027"/>
+        <p14:creationId xmlns:p14="http://schemas.microsoft.com/office/powerpoint/2010/main" val="1449045838"/>
       </p:ext>
     </p:extLst>
   </p:cSld>
@@ -1397,7 +1396,7 @@
     </p:spTree>
     <p:extLst>
       <p:ext uri="{BB962C8B-B14F-4D97-AF65-F5344CB8AC3E}">
-        <p14:creationId xmlns:p14="http://schemas.microsoft.com/office/powerpoint/2010/main" val="1449045838"/>
+        <p14:creationId xmlns:p14="http://schemas.microsoft.com/office/powerpoint/2010/main" val="2276910573"/>
       </p:ext>
     </p:extLst>
   </p:cSld>
@@ -1482,90 +1481,6 @@
     <p:extLst>
       <p:ext uri="{BB962C8B-B14F-4D97-AF65-F5344CB8AC3E}">
         <p14:creationId xmlns:p14="http://schemas.microsoft.com/office/powerpoint/2010/main" val="3318609150"/>
-      </p:ext>
-    </p:extLst>
-  </p:cSld>
-  <p:clrMapOvr>
-    <a:masterClrMapping/>
-  </p:clrMapOvr>
-</p:notes>
-</file>
-
-<file path=ppt/notesSlides/notesSlide20.xml><?xml version="1.0" encoding="utf-8"?>
-<p:notes xmlns:a="http://schemas.openxmlformats.org/drawingml/2006/main" xmlns:r="http://schemas.openxmlformats.org/officeDocument/2006/relationships" xmlns:p="http://schemas.openxmlformats.org/presentationml/2006/main">
-  <p:cSld>
-    <p:spTree>
-      <p:nvGrpSpPr>
-        <p:cNvPr id="1" name=""/>
-        <p:cNvGrpSpPr/>
-        <p:nvPr/>
-      </p:nvGrpSpPr>
-      <p:grpSpPr>
-        <a:xfrm>
-          <a:off x="0" y="0"/>
-          <a:ext cx="0" cy="0"/>
-          <a:chOff x="0" y="0"/>
-          <a:chExt cx="0" cy="0"/>
-        </a:xfrm>
-      </p:grpSpPr>
-      <p:sp>
-        <p:nvSpPr>
-          <p:cNvPr id="2" name="Segnaposto immagine diapositiva 1"/>
-          <p:cNvSpPr>
-            <a:spLocks noGrp="1" noRot="1" noChangeAspect="1"/>
-          </p:cNvSpPr>
-          <p:nvPr>
-            <p:ph type="sldImg"/>
-          </p:nvPr>
-        </p:nvSpPr>
-        <p:spPr/>
-      </p:sp>
-      <p:sp>
-        <p:nvSpPr>
-          <p:cNvPr id="3" name="Segnaposto note 2"/>
-          <p:cNvSpPr>
-            <a:spLocks noGrp="1"/>
-          </p:cNvSpPr>
-          <p:nvPr>
-            <p:ph type="body" idx="1"/>
-          </p:nvPr>
-        </p:nvSpPr>
-        <p:spPr/>
-        <p:txBody>
-          <a:bodyPr/>
-          <a:lstStyle/>
-          <a:p>
-            <a:endParaRPr lang="it-IT" dirty="0"/>
-          </a:p>
-        </p:txBody>
-      </p:sp>
-      <p:sp>
-        <p:nvSpPr>
-          <p:cNvPr id="4" name="Segnaposto numero diapositiva 3"/>
-          <p:cNvSpPr>
-            <a:spLocks noGrp="1"/>
-          </p:cNvSpPr>
-          <p:nvPr>
-            <p:ph type="sldNum" sz="quarter" idx="5"/>
-          </p:nvPr>
-        </p:nvSpPr>
-        <p:spPr/>
-        <p:txBody>
-          <a:bodyPr/>
-          <a:lstStyle/>
-          <a:p>
-            <a:fld id="{FF92DD81-993C-4BCC-853B-80985FB43297}" type="slidenum">
-              <a:rPr lang="it-IT" smtClean="0"/>
-              <a:t>20</a:t>
-            </a:fld>
-            <a:endParaRPr lang="it-IT"/>
-          </a:p>
-        </p:txBody>
-      </p:sp>
-    </p:spTree>
-    <p:extLst>
-      <p:ext uri="{BB962C8B-B14F-4D97-AF65-F5344CB8AC3E}">
-        <p14:creationId xmlns:p14="http://schemas.microsoft.com/office/powerpoint/2010/main" val="2276910573"/>
       </p:ext>
     </p:extLst>
   </p:cSld>
@@ -1793,7 +1708,7 @@
     </p:spTree>
     <p:extLst>
       <p:ext uri="{BB962C8B-B14F-4D97-AF65-F5344CB8AC3E}">
-        <p14:creationId xmlns:p14="http://schemas.microsoft.com/office/powerpoint/2010/main" val="3757068335"/>
+        <p14:creationId xmlns:p14="http://schemas.microsoft.com/office/powerpoint/2010/main" val="767407975"/>
       </p:ext>
     </p:extLst>
   </p:cSld>
@@ -1877,7 +1792,7 @@
     </p:spTree>
     <p:extLst>
       <p:ext uri="{BB962C8B-B14F-4D97-AF65-F5344CB8AC3E}">
-        <p14:creationId xmlns:p14="http://schemas.microsoft.com/office/powerpoint/2010/main" val="767407975"/>
+        <p14:creationId xmlns:p14="http://schemas.microsoft.com/office/powerpoint/2010/main" val="3250094183"/>
       </p:ext>
     </p:extLst>
   </p:cSld>
@@ -1961,7 +1876,7 @@
     </p:spTree>
     <p:extLst>
       <p:ext uri="{BB962C8B-B14F-4D97-AF65-F5344CB8AC3E}">
-        <p14:creationId xmlns:p14="http://schemas.microsoft.com/office/powerpoint/2010/main" val="3250094183"/>
+        <p14:creationId xmlns:p14="http://schemas.microsoft.com/office/powerpoint/2010/main" val="3743748567"/>
       </p:ext>
     </p:extLst>
   </p:cSld>
@@ -2045,7 +1960,7 @@
     </p:spTree>
     <p:extLst>
       <p:ext uri="{BB962C8B-B14F-4D97-AF65-F5344CB8AC3E}">
-        <p14:creationId xmlns:p14="http://schemas.microsoft.com/office/powerpoint/2010/main" val="3743748567"/>
+        <p14:creationId xmlns:p14="http://schemas.microsoft.com/office/powerpoint/2010/main" val="4201374120"/>
       </p:ext>
     </p:extLst>
   </p:cSld>
@@ -2129,7 +2044,7 @@
     </p:spTree>
     <p:extLst>
       <p:ext uri="{BB962C8B-B14F-4D97-AF65-F5344CB8AC3E}">
-        <p14:creationId xmlns:p14="http://schemas.microsoft.com/office/powerpoint/2010/main" val="4201374120"/>
+        <p14:creationId xmlns:p14="http://schemas.microsoft.com/office/powerpoint/2010/main" val="1140758566"/>
       </p:ext>
     </p:extLst>
   </p:cSld>
@@ -2213,7 +2128,7 @@
     </p:spTree>
     <p:extLst>
       <p:ext uri="{BB962C8B-B14F-4D97-AF65-F5344CB8AC3E}">
-        <p14:creationId xmlns:p14="http://schemas.microsoft.com/office/powerpoint/2010/main" val="1140758566"/>
+        <p14:creationId xmlns:p14="http://schemas.microsoft.com/office/powerpoint/2010/main" val="3657973556"/>
       </p:ext>
     </p:extLst>
   </p:cSld>
@@ -6048,432 +5963,6 @@
                 </a:solidFill>
                 <a:latin typeface="Arial Black" panose="020B0A04020102020204" pitchFamily="34" charset="0"/>
               </a:rPr>
-              <a:t>Etichettatura del dataset</a:t>
-            </a:r>
-          </a:p>
-        </p:txBody>
-      </p:sp>
-      <p:sp>
-        <p:nvSpPr>
-          <p:cNvPr id="4" name="CasellaDiTesto 3">
-            <a:extLst>
-              <a:ext uri="{FF2B5EF4-FFF2-40B4-BE49-F238E27FC236}">
-                <a16:creationId xmlns:a16="http://schemas.microsoft.com/office/drawing/2014/main" id="{D26E8BE4-A41F-4C0F-993E-3044EEB4DBEB}"/>
-              </a:ext>
-            </a:extLst>
-          </p:cNvPr>
-          <p:cNvSpPr txBox="1"/>
-          <p:nvPr/>
-        </p:nvSpPr>
-        <p:spPr>
-          <a:xfrm>
-            <a:off x="-201084" y="1443841"/>
-            <a:ext cx="6008669" cy="3970318"/>
-          </a:xfrm>
-          <a:prstGeom prst="rect">
-            <a:avLst/>
-          </a:prstGeom>
-          <a:noFill/>
-        </p:spPr>
-        <p:txBody>
-          <a:bodyPr wrap="square" rtlCol="0">
-            <a:spAutoFit/>
-          </a:bodyPr>
-          <a:lstStyle/>
-          <a:p>
-            <a:pPr marL="742950" lvl="1" indent="-285750" algn="just">
-              <a:buFont typeface="Arial" panose="020B0604020202020204" pitchFamily="34" charset="0"/>
-              <a:buChar char="•"/>
-              <a:defRPr/>
-            </a:pPr>
-            <a:r>
-              <a:rPr kumimoji="0" lang="it-IT" b="0" i="0" u="none" strike="noStrike" kern="1200" cap="none" spc="0" normalizeH="0" baseline="0" noProof="0" dirty="0">
-                <a:ln>
-                  <a:noFill/>
-                </a:ln>
-                <a:solidFill>
-                  <a:srgbClr val="002060"/>
-                </a:solidFill>
-                <a:effectLst/>
-                <a:uLnTx/>
-                <a:uFillTx/>
-                <a:latin typeface="Arial" panose="020B0604020202020204" pitchFamily="34" charset="0"/>
-                <a:ea typeface="+mn-ea"/>
-                <a:cs typeface="Arial" panose="020B0604020202020204" pitchFamily="34" charset="0"/>
-              </a:rPr>
-              <a:t>L’idea di base è ottenere una scala a 5 livelli o meglio 0: Non sufficiente, 1: Sufficiente, 2: Stabile, 3: Positiva, 4: Eccellente. </a:t>
-            </a:r>
-          </a:p>
-          <a:p>
-            <a:pPr marL="742950" lvl="1" indent="-285750" algn="just">
-              <a:buFont typeface="Arial" panose="020B0604020202020204" pitchFamily="34" charset="0"/>
-              <a:buChar char="•"/>
-              <a:defRPr/>
-            </a:pPr>
-            <a:endParaRPr lang="it-IT" dirty="0">
-              <a:solidFill>
-                <a:srgbClr val="002060"/>
-              </a:solidFill>
-              <a:latin typeface="Arial" panose="020B0604020202020204" pitchFamily="34" charset="0"/>
-              <a:cs typeface="Arial" panose="020B0604020202020204" pitchFamily="34" charset="0"/>
-            </a:endParaRPr>
-          </a:p>
-          <a:p>
-            <a:pPr marL="742950" lvl="1" indent="-285750" algn="just">
-              <a:buFont typeface="Arial" panose="020B0604020202020204" pitchFamily="34" charset="0"/>
-              <a:buChar char="•"/>
-              <a:defRPr/>
-            </a:pPr>
-            <a:endParaRPr lang="it-IT" dirty="0">
-              <a:solidFill>
-                <a:srgbClr val="002060"/>
-              </a:solidFill>
-              <a:latin typeface="Arial" panose="020B0604020202020204" pitchFamily="34" charset="0"/>
-              <a:cs typeface="Arial" panose="020B0604020202020204" pitchFamily="34" charset="0"/>
-            </a:endParaRPr>
-          </a:p>
-          <a:p>
-            <a:pPr marL="742950" lvl="1" indent="-285750" algn="just">
-              <a:buFont typeface="Arial" panose="020B0604020202020204" pitchFamily="34" charset="0"/>
-              <a:buChar char="•"/>
-              <a:defRPr/>
-            </a:pPr>
-            <a:r>
-              <a:rPr lang="it-IT" dirty="0">
-                <a:solidFill>
-                  <a:srgbClr val="002060"/>
-                </a:solidFill>
-                <a:latin typeface="Arial" panose="020B0604020202020204" pitchFamily="34" charset="0"/>
-                <a:cs typeface="Arial" panose="020B0604020202020204" pitchFamily="34" charset="0"/>
-              </a:rPr>
-              <a:t>Funzione 1: Crea uno score per ogni KPI.</a:t>
-            </a:r>
-          </a:p>
-          <a:p>
-            <a:pPr marL="742950" lvl="1" indent="-285750" algn="just">
-              <a:buFont typeface="Arial" panose="020B0604020202020204" pitchFamily="34" charset="0"/>
-              <a:buChar char="•"/>
-              <a:defRPr/>
-            </a:pPr>
-            <a:endParaRPr lang="it-IT" dirty="0">
-              <a:solidFill>
-                <a:srgbClr val="002060"/>
-              </a:solidFill>
-              <a:latin typeface="Arial" panose="020B0604020202020204" pitchFamily="34" charset="0"/>
-              <a:cs typeface="Arial" panose="020B0604020202020204" pitchFamily="34" charset="0"/>
-            </a:endParaRPr>
-          </a:p>
-          <a:p>
-            <a:pPr marL="742950" lvl="1" indent="-285750" algn="just">
-              <a:buFont typeface="Arial" panose="020B0604020202020204" pitchFamily="34" charset="0"/>
-              <a:buChar char="•"/>
-              <a:defRPr/>
-            </a:pPr>
-            <a:endParaRPr lang="it-IT" dirty="0">
-              <a:solidFill>
-                <a:srgbClr val="002060"/>
-              </a:solidFill>
-              <a:latin typeface="Arial" panose="020B0604020202020204" pitchFamily="34" charset="0"/>
-              <a:cs typeface="Arial" panose="020B0604020202020204" pitchFamily="34" charset="0"/>
-            </a:endParaRPr>
-          </a:p>
-          <a:p>
-            <a:pPr marL="742950" lvl="1" indent="-285750" algn="just">
-              <a:buFont typeface="Arial" panose="020B0604020202020204" pitchFamily="34" charset="0"/>
-              <a:buChar char="•"/>
-              <a:defRPr/>
-            </a:pPr>
-            <a:endParaRPr lang="it-IT" dirty="0">
-              <a:solidFill>
-                <a:srgbClr val="002060"/>
-              </a:solidFill>
-              <a:latin typeface="Arial" panose="020B0604020202020204" pitchFamily="34" charset="0"/>
-              <a:cs typeface="Arial" panose="020B0604020202020204" pitchFamily="34" charset="0"/>
-            </a:endParaRPr>
-          </a:p>
-          <a:p>
-            <a:pPr marL="742950" lvl="1" indent="-285750" algn="just">
-              <a:buFont typeface="Arial" panose="020B0604020202020204" pitchFamily="34" charset="0"/>
-              <a:buChar char="•"/>
-              <a:defRPr/>
-            </a:pPr>
-            <a:r>
-              <a:rPr lang="it-IT" dirty="0">
-                <a:solidFill>
-                  <a:srgbClr val="002060"/>
-                </a:solidFill>
-                <a:latin typeface="Arial" panose="020B0604020202020204" pitchFamily="34" charset="0"/>
-                <a:cs typeface="Arial" panose="020B0604020202020204" pitchFamily="34" charset="0"/>
-              </a:rPr>
-              <a:t>Funzione 2: Pesa una finestra temporale in base alla soglia di crescita prefissata e all’annata precedente.</a:t>
-            </a:r>
-          </a:p>
-          <a:p>
-            <a:pPr marL="742950" lvl="1" indent="-285750" algn="just">
-              <a:buFont typeface="Arial" panose="020B0604020202020204" pitchFamily="34" charset="0"/>
-              <a:buChar char="•"/>
-              <a:defRPr/>
-            </a:pPr>
-            <a:endParaRPr kumimoji="0" lang="it-IT" b="0" i="0" u="none" strike="noStrike" kern="1200" cap="none" spc="0" normalizeH="0" baseline="0" noProof="0" dirty="0">
-              <a:ln>
-                <a:noFill/>
-              </a:ln>
-              <a:solidFill>
-                <a:srgbClr val="002060"/>
-              </a:solidFill>
-              <a:effectLst/>
-              <a:uLnTx/>
-              <a:uFillTx/>
-              <a:latin typeface="Arial" panose="020B0604020202020204" pitchFamily="34" charset="0"/>
-              <a:ea typeface="+mn-ea"/>
-              <a:cs typeface="Arial" panose="020B0604020202020204" pitchFamily="34" charset="0"/>
-            </a:endParaRPr>
-          </a:p>
-          <a:p>
-            <a:pPr lvl="2" algn="just">
-              <a:defRPr/>
-            </a:pPr>
-            <a:endParaRPr kumimoji="0" lang="it-IT" b="0" i="0" u="none" strike="noStrike" kern="1200" cap="none" spc="0" normalizeH="0" baseline="0" noProof="0" dirty="0">
-              <a:ln>
-                <a:noFill/>
-              </a:ln>
-              <a:solidFill>
-                <a:srgbClr val="002060"/>
-              </a:solidFill>
-              <a:effectLst/>
-              <a:uLnTx/>
-              <a:uFillTx/>
-              <a:latin typeface="Arial" panose="020B0604020202020204" pitchFamily="34" charset="0"/>
-              <a:ea typeface="+mn-ea"/>
-              <a:cs typeface="Arial" panose="020B0604020202020204" pitchFamily="34" charset="0"/>
-            </a:endParaRPr>
-          </a:p>
-        </p:txBody>
-      </p:sp>
-      <p:sp>
-        <p:nvSpPr>
-          <p:cNvPr id="6" name="AutoShape 4">
-            <a:extLst>
-              <a:ext uri="{FF2B5EF4-FFF2-40B4-BE49-F238E27FC236}">
-                <a16:creationId xmlns:a16="http://schemas.microsoft.com/office/drawing/2014/main" id="{939F08A7-A0A6-4924-917D-11A694AC3A16}"/>
-              </a:ext>
-            </a:extLst>
-          </p:cNvPr>
-          <p:cNvSpPr>
-            <a:spLocks noChangeAspect="1" noChangeArrowheads="1"/>
-          </p:cNvSpPr>
-          <p:nvPr/>
-        </p:nvSpPr>
-        <p:spPr bwMode="auto">
-          <a:xfrm>
-            <a:off x="5943600" y="3276600"/>
-            <a:ext cx="304800" cy="304800"/>
-          </a:xfrm>
-          <a:prstGeom prst="rect">
-            <a:avLst/>
-          </a:prstGeom>
-          <a:noFill/>
-          <a:extLst>
-            <a:ext uri="{909E8E84-426E-40DD-AFC4-6F175D3DCCD1}">
-              <a14:hiddenFill xmlns:a14="http://schemas.microsoft.com/office/drawing/2010/main">
-                <a:solidFill>
-                  <a:srgbClr val="FFFFFF"/>
-                </a:solidFill>
-              </a14:hiddenFill>
-            </a:ext>
-          </a:extLst>
-        </p:spPr>
-        <p:txBody>
-          <a:bodyPr vert="horz" wrap="square" lIns="91440" tIns="45720" rIns="91440" bIns="45720" numCol="1" anchor="t" anchorCtr="0" compatLnSpc="1">
-            <a:prstTxWarp prst="textNoShape">
-              <a:avLst/>
-            </a:prstTxWarp>
-          </a:bodyPr>
-          <a:lstStyle/>
-          <a:p>
-            <a:endParaRPr lang="it-IT"/>
-          </a:p>
-        </p:txBody>
-      </p:sp>
-      <p:pic>
-        <p:nvPicPr>
-          <p:cNvPr id="12" name="Immagine 11">
-            <a:extLst>
-              <a:ext uri="{FF2B5EF4-FFF2-40B4-BE49-F238E27FC236}">
-                <a16:creationId xmlns:a16="http://schemas.microsoft.com/office/drawing/2014/main" id="{691C9711-E2B7-44CA-A468-63F48F45179A}"/>
-              </a:ext>
-            </a:extLst>
-          </p:cNvPr>
-          <p:cNvPicPr>
-            <a:picLocks noChangeAspect="1"/>
-          </p:cNvPicPr>
-          <p:nvPr/>
-        </p:nvPicPr>
-        <p:blipFill>
-          <a:blip r:embed="rId3"/>
-          <a:stretch>
-            <a:fillRect/>
-          </a:stretch>
-        </p:blipFill>
-        <p:spPr>
-          <a:xfrm>
-            <a:off x="6095999" y="51036"/>
-            <a:ext cx="5833353" cy="3468214"/>
-          </a:xfrm>
-          <a:prstGeom prst="rect">
-            <a:avLst/>
-          </a:prstGeom>
-        </p:spPr>
-      </p:pic>
-      <p:pic>
-        <p:nvPicPr>
-          <p:cNvPr id="13" name="Immagine 12">
-            <a:extLst>
-              <a:ext uri="{FF2B5EF4-FFF2-40B4-BE49-F238E27FC236}">
-                <a16:creationId xmlns:a16="http://schemas.microsoft.com/office/drawing/2014/main" id="{3DD568F6-F12A-4AA4-8CA3-491AFAAB7A5D}"/>
-              </a:ext>
-            </a:extLst>
-          </p:cNvPr>
-          <p:cNvPicPr>
-            <a:picLocks noChangeAspect="1"/>
-          </p:cNvPicPr>
-          <p:nvPr/>
-        </p:nvPicPr>
-        <p:blipFill>
-          <a:blip r:embed="rId4"/>
-          <a:stretch>
-            <a:fillRect/>
-          </a:stretch>
-        </p:blipFill>
-        <p:spPr>
-          <a:xfrm>
-            <a:off x="6215630" y="3581399"/>
-            <a:ext cx="5713722" cy="3343913"/>
-          </a:xfrm>
-          <a:prstGeom prst="rect">
-            <a:avLst/>
-          </a:prstGeom>
-        </p:spPr>
-      </p:pic>
-    </p:spTree>
-    <p:extLst>
-      <p:ext uri="{BB962C8B-B14F-4D97-AF65-F5344CB8AC3E}">
-        <p14:creationId xmlns:p14="http://schemas.microsoft.com/office/powerpoint/2010/main" val="2951190356"/>
-      </p:ext>
-    </p:extLst>
-  </p:cSld>
-  <p:clrMapOvr>
-    <a:masterClrMapping/>
-  </p:clrMapOvr>
-  <p:transition spd="med">
-    <p:pull/>
-  </p:transition>
-</p:sld>
-</file>
-
-<file path=ppt/slides/slide11.xml><?xml version="1.0" encoding="utf-8"?>
-<p:sld xmlns:a="http://schemas.openxmlformats.org/drawingml/2006/main" xmlns:r="http://schemas.openxmlformats.org/officeDocument/2006/relationships" xmlns:p="http://schemas.openxmlformats.org/presentationml/2006/main">
-  <p:cSld>
-    <p:spTree>
-      <p:nvGrpSpPr>
-        <p:cNvPr id="1" name=""/>
-        <p:cNvGrpSpPr/>
-        <p:nvPr/>
-      </p:nvGrpSpPr>
-      <p:grpSpPr>
-        <a:xfrm>
-          <a:off x="0" y="0"/>
-          <a:ext cx="0" cy="0"/>
-          <a:chOff x="0" y="0"/>
-          <a:chExt cx="0" cy="0"/>
-        </a:xfrm>
-      </p:grpSpPr>
-      <p:sp>
-        <p:nvSpPr>
-          <p:cNvPr id="2" name="Elaborazione 1">
-            <a:extLst>
-              <a:ext uri="{FF2B5EF4-FFF2-40B4-BE49-F238E27FC236}">
-                <a16:creationId xmlns:a16="http://schemas.microsoft.com/office/drawing/2014/main" id="{4F897BD9-AD8F-4F55-855B-3CEF455EA9F6}"/>
-              </a:ext>
-            </a:extLst>
-          </p:cNvPr>
-          <p:cNvSpPr/>
-          <p:nvPr/>
-        </p:nvSpPr>
-        <p:spPr>
-          <a:xfrm>
-            <a:off x="262648" y="101740"/>
-            <a:ext cx="5436188" cy="437745"/>
-          </a:xfrm>
-          <a:prstGeom prst="flowChartProcess">
-            <a:avLst/>
-          </a:prstGeom>
-          <a:solidFill>
-            <a:schemeClr val="accent5">
-              <a:lumMod val="75000"/>
-            </a:schemeClr>
-          </a:solidFill>
-        </p:spPr>
-        <p:style>
-          <a:lnRef idx="2">
-            <a:schemeClr val="accent1">
-              <a:shade val="50000"/>
-            </a:schemeClr>
-          </a:lnRef>
-          <a:fillRef idx="1">
-            <a:schemeClr val="accent1"/>
-          </a:fillRef>
-          <a:effectRef idx="0">
-            <a:schemeClr val="accent1"/>
-          </a:effectRef>
-          <a:fontRef idx="minor">
-            <a:schemeClr val="lt1"/>
-          </a:fontRef>
-        </p:style>
-        <p:txBody>
-          <a:bodyPr rtlCol="0" anchor="ctr"/>
-          <a:lstStyle/>
-          <a:p>
-            <a:pPr algn="ctr"/>
-            <a:endParaRPr lang="it-IT"/>
-          </a:p>
-        </p:txBody>
-      </p:sp>
-      <p:sp>
-        <p:nvSpPr>
-          <p:cNvPr id="3" name="CasellaDiTesto 2">
-            <a:extLst>
-              <a:ext uri="{FF2B5EF4-FFF2-40B4-BE49-F238E27FC236}">
-                <a16:creationId xmlns:a16="http://schemas.microsoft.com/office/drawing/2014/main" id="{91D0514C-8919-4A62-AEB2-C4097699756E}"/>
-              </a:ext>
-            </a:extLst>
-          </p:cNvPr>
-          <p:cNvSpPr txBox="1"/>
-          <p:nvPr/>
-        </p:nvSpPr>
-        <p:spPr>
-          <a:xfrm>
-            <a:off x="262648" y="113390"/>
-            <a:ext cx="5436188" cy="400110"/>
-          </a:xfrm>
-          <a:prstGeom prst="rect">
-            <a:avLst/>
-          </a:prstGeom>
-          <a:noFill/>
-        </p:spPr>
-        <p:txBody>
-          <a:bodyPr wrap="square" rtlCol="0">
-            <a:spAutoFit/>
-          </a:bodyPr>
-          <a:lstStyle/>
-          <a:p>
-            <a:r>
-              <a:rPr lang="it-IT" sz="2000" dirty="0">
-                <a:solidFill>
-                  <a:schemeClr val="bg1"/>
-                </a:solidFill>
-                <a:latin typeface="Arial Black" panose="020B0A04020102020204" pitchFamily="34" charset="0"/>
-              </a:rPr>
               <a:t>Classificazione: Tuning dei parametri</a:t>
             </a:r>
           </a:p>
@@ -7030,7 +6519,7 @@
 </p:sld>
 </file>
 
-<file path=ppt/slides/slide12.xml><?xml version="1.0" encoding="utf-8"?>
+<file path=ppt/slides/slide11.xml><?xml version="1.0" encoding="utf-8"?>
 <p:sld xmlns:a="http://schemas.openxmlformats.org/drawingml/2006/main" xmlns:r="http://schemas.openxmlformats.org/officeDocument/2006/relationships" xmlns:p="http://schemas.openxmlformats.org/presentationml/2006/main">
   <p:cSld>
     <p:spTree>
@@ -7470,7 +6959,7 @@
 </p:sld>
 </file>
 
-<file path=ppt/slides/slide13.xml><?xml version="1.0" encoding="utf-8"?>
+<file path=ppt/slides/slide12.xml><?xml version="1.0" encoding="utf-8"?>
 <p:sld xmlns:a="http://schemas.openxmlformats.org/drawingml/2006/main" xmlns:r="http://schemas.openxmlformats.org/officeDocument/2006/relationships" xmlns:p="http://schemas.openxmlformats.org/presentationml/2006/main">
   <p:cSld>
     <p:spTree>
@@ -7916,7 +7405,7 @@
 </p:sld>
 </file>
 
-<file path=ppt/slides/slide14.xml><?xml version="1.0" encoding="utf-8"?>
+<file path=ppt/slides/slide13.xml><?xml version="1.0" encoding="utf-8"?>
 <p:sld xmlns:a="http://schemas.openxmlformats.org/drawingml/2006/main" xmlns:r="http://schemas.openxmlformats.org/officeDocument/2006/relationships" xmlns:p="http://schemas.openxmlformats.org/presentationml/2006/main">
   <p:cSld>
     <p:spTree>
@@ -8371,7 +7860,7 @@
 </p:sld>
 </file>
 
-<file path=ppt/slides/slide15.xml><?xml version="1.0" encoding="utf-8"?>
+<file path=ppt/slides/slide14.xml><?xml version="1.0" encoding="utf-8"?>
 <p:sld xmlns:a="http://schemas.openxmlformats.org/drawingml/2006/main" xmlns:r="http://schemas.openxmlformats.org/officeDocument/2006/relationships" xmlns:p="http://schemas.openxmlformats.org/presentationml/2006/main">
   <p:cSld>
     <p:spTree>
@@ -8660,7 +8149,7 @@
 </p:sld>
 </file>
 
-<file path=ppt/slides/slide16.xml><?xml version="1.0" encoding="utf-8"?>
+<file path=ppt/slides/slide15.xml><?xml version="1.0" encoding="utf-8"?>
 <p:sld xmlns:a="http://schemas.openxmlformats.org/drawingml/2006/main" xmlns:r="http://schemas.openxmlformats.org/officeDocument/2006/relationships" xmlns:p="http://schemas.openxmlformats.org/presentationml/2006/main">
   <p:cSld>
     <p:spTree>
@@ -8978,7 +8467,7 @@
 </p:sld>
 </file>
 
-<file path=ppt/slides/slide17.xml><?xml version="1.0" encoding="utf-8"?>
+<file path=ppt/slides/slide16.xml><?xml version="1.0" encoding="utf-8"?>
 <p:sld xmlns:a="http://schemas.openxmlformats.org/drawingml/2006/main" xmlns:r="http://schemas.openxmlformats.org/officeDocument/2006/relationships" xmlns:p="http://schemas.openxmlformats.org/presentationml/2006/main">
   <p:cSld>
     <p:spTree>
@@ -9207,7 +8696,7 @@
 </p:sld>
 </file>
 
-<file path=ppt/slides/slide18.xml><?xml version="1.0" encoding="utf-8"?>
+<file path=ppt/slides/slide17.xml><?xml version="1.0" encoding="utf-8"?>
 <p:sld xmlns:a="http://schemas.openxmlformats.org/drawingml/2006/main" xmlns:r="http://schemas.openxmlformats.org/officeDocument/2006/relationships" xmlns:p="http://schemas.openxmlformats.org/presentationml/2006/main">
   <p:cSld>
     <p:spTree>
@@ -9554,7 +9043,7 @@
 </p:sld>
 </file>
 
-<file path=ppt/slides/slide19.xml><?xml version="1.0" encoding="utf-8"?>
+<file path=ppt/slides/slide18.xml><?xml version="1.0" encoding="utf-8"?>
 <p:sld xmlns:a="http://schemas.openxmlformats.org/drawingml/2006/main" xmlns:r="http://schemas.openxmlformats.org/officeDocument/2006/relationships" xmlns:p="http://schemas.openxmlformats.org/presentationml/2006/main">
   <p:cSld>
     <p:spTree>
@@ -9994,6 +9483,529 @@
 </p:sld>
 </file>
 
+<file path=ppt/slides/slide19.xml><?xml version="1.0" encoding="utf-8"?>
+<p:sld xmlns:a="http://schemas.openxmlformats.org/drawingml/2006/main" xmlns:r="http://schemas.openxmlformats.org/officeDocument/2006/relationships" xmlns:p="http://schemas.openxmlformats.org/presentationml/2006/main">
+  <p:cSld>
+    <p:spTree>
+      <p:nvGrpSpPr>
+        <p:cNvPr id="1" name=""/>
+        <p:cNvGrpSpPr/>
+        <p:nvPr/>
+      </p:nvGrpSpPr>
+      <p:grpSpPr>
+        <a:xfrm>
+          <a:off x="0" y="0"/>
+          <a:ext cx="0" cy="0"/>
+          <a:chOff x="0" y="0"/>
+          <a:chExt cx="0" cy="0"/>
+        </a:xfrm>
+      </p:grpSpPr>
+      <p:sp>
+        <p:nvSpPr>
+          <p:cNvPr id="2" name="Elaborazione 1">
+            <a:extLst>
+              <a:ext uri="{FF2B5EF4-FFF2-40B4-BE49-F238E27FC236}">
+                <a16:creationId xmlns:a16="http://schemas.microsoft.com/office/drawing/2014/main" id="{4F897BD9-AD8F-4F55-855B-3CEF455EA9F6}"/>
+              </a:ext>
+            </a:extLst>
+          </p:cNvPr>
+          <p:cNvSpPr/>
+          <p:nvPr/>
+        </p:nvSpPr>
+        <p:spPr>
+          <a:xfrm>
+            <a:off x="262648" y="101740"/>
+            <a:ext cx="5680952" cy="606146"/>
+          </a:xfrm>
+          <a:prstGeom prst="flowChartProcess">
+            <a:avLst/>
+          </a:prstGeom>
+          <a:solidFill>
+            <a:schemeClr val="accent5">
+              <a:lumMod val="75000"/>
+            </a:schemeClr>
+          </a:solidFill>
+        </p:spPr>
+        <p:style>
+          <a:lnRef idx="2">
+            <a:schemeClr val="accent1">
+              <a:shade val="50000"/>
+            </a:schemeClr>
+          </a:lnRef>
+          <a:fillRef idx="1">
+            <a:schemeClr val="accent1"/>
+          </a:fillRef>
+          <a:effectRef idx="0">
+            <a:schemeClr val="accent1"/>
+          </a:effectRef>
+          <a:fontRef idx="minor">
+            <a:schemeClr val="lt1"/>
+          </a:fontRef>
+        </p:style>
+        <p:txBody>
+          <a:bodyPr rtlCol="0" anchor="ctr"/>
+          <a:lstStyle/>
+          <a:p>
+            <a:pPr algn="ctr"/>
+            <a:endParaRPr lang="it-IT"/>
+          </a:p>
+        </p:txBody>
+      </p:sp>
+      <p:sp>
+        <p:nvSpPr>
+          <p:cNvPr id="3" name="CasellaDiTesto 2">
+            <a:extLst>
+              <a:ext uri="{FF2B5EF4-FFF2-40B4-BE49-F238E27FC236}">
+                <a16:creationId xmlns:a16="http://schemas.microsoft.com/office/drawing/2014/main" id="{91D0514C-8919-4A62-AEB2-C4097699756E}"/>
+              </a:ext>
+            </a:extLst>
+          </p:cNvPr>
+          <p:cNvSpPr txBox="1"/>
+          <p:nvPr/>
+        </p:nvSpPr>
+        <p:spPr>
+          <a:xfrm>
+            <a:off x="262648" y="122500"/>
+            <a:ext cx="5833352" cy="400110"/>
+          </a:xfrm>
+          <a:prstGeom prst="rect">
+            <a:avLst/>
+          </a:prstGeom>
+          <a:noFill/>
+        </p:spPr>
+        <p:txBody>
+          <a:bodyPr wrap="square" rtlCol="0">
+            <a:spAutoFit/>
+          </a:bodyPr>
+          <a:lstStyle/>
+          <a:p>
+            <a:r>
+              <a:rPr lang="it-IT" sz="2000" dirty="0">
+                <a:solidFill>
+                  <a:schemeClr val="bg1"/>
+                </a:solidFill>
+                <a:latin typeface="Arial Black" panose="020B0A04020102020204" pitchFamily="34" charset="0"/>
+              </a:rPr>
+              <a:t>Conclusioni e Scenari di sviluppo futuri</a:t>
+            </a:r>
+          </a:p>
+        </p:txBody>
+      </p:sp>
+      <p:sp>
+        <p:nvSpPr>
+          <p:cNvPr id="6" name="AutoShape 4">
+            <a:extLst>
+              <a:ext uri="{FF2B5EF4-FFF2-40B4-BE49-F238E27FC236}">
+                <a16:creationId xmlns:a16="http://schemas.microsoft.com/office/drawing/2014/main" id="{939F08A7-A0A6-4924-917D-11A694AC3A16}"/>
+              </a:ext>
+            </a:extLst>
+          </p:cNvPr>
+          <p:cNvSpPr>
+            <a:spLocks noChangeAspect="1" noChangeArrowheads="1"/>
+          </p:cNvSpPr>
+          <p:nvPr/>
+        </p:nvSpPr>
+        <p:spPr bwMode="auto">
+          <a:xfrm>
+            <a:off x="5943600" y="3276600"/>
+            <a:ext cx="304800" cy="304800"/>
+          </a:xfrm>
+          <a:prstGeom prst="rect">
+            <a:avLst/>
+          </a:prstGeom>
+          <a:noFill/>
+          <a:extLst>
+            <a:ext uri="{909E8E84-426E-40DD-AFC4-6F175D3DCCD1}">
+              <a14:hiddenFill xmlns:a14="http://schemas.microsoft.com/office/drawing/2010/main">
+                <a:solidFill>
+                  <a:srgbClr val="FFFFFF"/>
+                </a:solidFill>
+              </a14:hiddenFill>
+            </a:ext>
+          </a:extLst>
+        </p:spPr>
+        <p:txBody>
+          <a:bodyPr vert="horz" wrap="square" lIns="91440" tIns="45720" rIns="91440" bIns="45720" numCol="1" anchor="t" anchorCtr="0" compatLnSpc="1">
+            <a:prstTxWarp prst="textNoShape">
+              <a:avLst/>
+            </a:prstTxWarp>
+          </a:bodyPr>
+          <a:lstStyle/>
+          <a:p>
+            <a:endParaRPr lang="it-IT"/>
+          </a:p>
+        </p:txBody>
+      </p:sp>
+      <p:sp>
+        <p:nvSpPr>
+          <p:cNvPr id="9" name="CasellaDiTesto 8">
+            <a:extLst>
+              <a:ext uri="{FF2B5EF4-FFF2-40B4-BE49-F238E27FC236}">
+                <a16:creationId xmlns:a16="http://schemas.microsoft.com/office/drawing/2014/main" id="{7E2EA21B-BD90-4311-B5C7-E6C32005800F}"/>
+              </a:ext>
+            </a:extLst>
+          </p:cNvPr>
+          <p:cNvSpPr txBox="1"/>
+          <p:nvPr/>
+        </p:nvSpPr>
+        <p:spPr>
+          <a:xfrm>
+            <a:off x="-361397" y="1109140"/>
+            <a:ext cx="12376933" cy="5355312"/>
+          </a:xfrm>
+          <a:prstGeom prst="rect">
+            <a:avLst/>
+          </a:prstGeom>
+          <a:noFill/>
+        </p:spPr>
+        <p:txBody>
+          <a:bodyPr wrap="square" rtlCol="0">
+            <a:spAutoFit/>
+          </a:bodyPr>
+          <a:lstStyle/>
+          <a:p>
+            <a:pPr marL="742950" lvl="1" indent="-285750" algn="just">
+              <a:buFont typeface="Arial" panose="020B0604020202020204" pitchFamily="34" charset="0"/>
+              <a:buChar char="•"/>
+              <a:defRPr/>
+            </a:pPr>
+            <a:r>
+              <a:rPr lang="it-IT" dirty="0">
+                <a:solidFill>
+                  <a:srgbClr val="002060"/>
+                </a:solidFill>
+                <a:latin typeface="Arial" panose="020B0604020202020204" pitchFamily="34" charset="0"/>
+                <a:cs typeface="Arial" panose="020B0604020202020204" pitchFamily="34" charset="0"/>
+              </a:rPr>
+              <a:t>La visualizzazione tramite immagini ottenute attraverso i </a:t>
+            </a:r>
+            <a:r>
+              <a:rPr lang="it-IT" dirty="0" err="1">
+                <a:solidFill>
+                  <a:srgbClr val="002060"/>
+                </a:solidFill>
+                <a:latin typeface="Arial" panose="020B0604020202020204" pitchFamily="34" charset="0"/>
+                <a:cs typeface="Arial" panose="020B0604020202020204" pitchFamily="34" charset="0"/>
+              </a:rPr>
+              <a:t>KPIs</a:t>
+            </a:r>
+            <a:r>
+              <a:rPr lang="it-IT" dirty="0">
+                <a:solidFill>
+                  <a:srgbClr val="002060"/>
+                </a:solidFill>
+                <a:latin typeface="Arial" panose="020B0604020202020204" pitchFamily="34" charset="0"/>
+                <a:cs typeface="Arial" panose="020B0604020202020204" pitchFamily="34" charset="0"/>
+              </a:rPr>
+              <a:t>, insieme all’utilizzo di tecniche ben note di machine learning e deep learning, permette di costruire modelli in grado effettuare analisi e previsioni aziendali, individuando facilmente eventuali anomalie.</a:t>
+            </a:r>
+          </a:p>
+          <a:p>
+            <a:pPr marL="742950" lvl="1" indent="-285750" algn="just">
+              <a:buFont typeface="Arial" panose="020B0604020202020204" pitchFamily="34" charset="0"/>
+              <a:buChar char="•"/>
+              <a:defRPr/>
+            </a:pPr>
+            <a:endParaRPr lang="it-IT" dirty="0">
+              <a:solidFill>
+                <a:srgbClr val="002060"/>
+              </a:solidFill>
+              <a:latin typeface="Arial" panose="020B0604020202020204" pitchFamily="34" charset="0"/>
+              <a:cs typeface="Arial" panose="020B0604020202020204" pitchFamily="34" charset="0"/>
+            </a:endParaRPr>
+          </a:p>
+          <a:p>
+            <a:pPr marL="742950" lvl="1" indent="-285750" algn="just">
+              <a:buFont typeface="Arial" panose="020B0604020202020204" pitchFamily="34" charset="0"/>
+              <a:buChar char="•"/>
+              <a:defRPr/>
+            </a:pPr>
+            <a:r>
+              <a:rPr lang="it-IT" dirty="0">
+                <a:solidFill>
+                  <a:srgbClr val="002060"/>
+                </a:solidFill>
+                <a:latin typeface="Arial" panose="020B0604020202020204" pitchFamily="34" charset="0"/>
+                <a:cs typeface="Arial" panose="020B0604020202020204" pitchFamily="34" charset="0"/>
+              </a:rPr>
+              <a:t>In futuro, ottenendo più dati storici su cui allenare e testare il modello, magari contenenti tipologie di clienti appartenenti a diverse aree di mercato, si potrebbe arriverebbe facilmente alla realizzazione di un modello </a:t>
+            </a:r>
+            <a:r>
+              <a:rPr lang="it-IT" dirty="0" err="1">
+                <a:solidFill>
+                  <a:srgbClr val="002060"/>
+                </a:solidFill>
+                <a:latin typeface="Arial" panose="020B0604020202020204" pitchFamily="34" charset="0"/>
+                <a:cs typeface="Arial" panose="020B0604020202020204" pitchFamily="34" charset="0"/>
+              </a:rPr>
+              <a:t>multiarea</a:t>
+            </a:r>
+            <a:r>
+              <a:rPr lang="it-IT" dirty="0">
+                <a:solidFill>
+                  <a:srgbClr val="002060"/>
+                </a:solidFill>
+                <a:latin typeface="Arial" panose="020B0604020202020204" pitchFamily="34" charset="0"/>
+                <a:cs typeface="Arial" panose="020B0604020202020204" pitchFamily="34" charset="0"/>
+              </a:rPr>
+              <a:t>. </a:t>
+            </a:r>
+          </a:p>
+          <a:p>
+            <a:pPr marL="742950" lvl="1" indent="-285750" algn="just">
+              <a:buFont typeface="Arial" panose="020B0604020202020204" pitchFamily="34" charset="0"/>
+              <a:buChar char="•"/>
+              <a:defRPr/>
+            </a:pPr>
+            <a:endParaRPr lang="it-IT" dirty="0">
+              <a:solidFill>
+                <a:srgbClr val="002060"/>
+              </a:solidFill>
+              <a:latin typeface="Arial" panose="020B0604020202020204" pitchFamily="34" charset="0"/>
+              <a:cs typeface="Arial" panose="020B0604020202020204" pitchFamily="34" charset="0"/>
+            </a:endParaRPr>
+          </a:p>
+          <a:p>
+            <a:pPr marL="742950" lvl="1" indent="-285750" algn="just">
+              <a:buFont typeface="Arial" panose="020B0604020202020204" pitchFamily="34" charset="0"/>
+              <a:buChar char="•"/>
+              <a:defRPr/>
+            </a:pPr>
+            <a:r>
+              <a:rPr lang="it-IT" dirty="0">
+                <a:solidFill>
+                  <a:srgbClr val="002060"/>
+                </a:solidFill>
+                <a:latin typeface="Arial" panose="020B0604020202020204" pitchFamily="34" charset="0"/>
+                <a:cs typeface="Arial" panose="020B0604020202020204" pitchFamily="34" charset="0"/>
+              </a:rPr>
+              <a:t>Avere più dati a disposizione, consentirebbe di utilizzare un approccio implementativo basato su tensori.</a:t>
+            </a:r>
+          </a:p>
+          <a:p>
+            <a:pPr marL="742950" lvl="1" indent="-285750" algn="just">
+              <a:buFont typeface="Arial" panose="020B0604020202020204" pitchFamily="34" charset="0"/>
+              <a:buChar char="•"/>
+              <a:defRPr/>
+            </a:pPr>
+            <a:endParaRPr lang="it-IT" dirty="0">
+              <a:solidFill>
+                <a:srgbClr val="002060"/>
+              </a:solidFill>
+              <a:latin typeface="Arial" panose="020B0604020202020204" pitchFamily="34" charset="0"/>
+              <a:cs typeface="Arial" panose="020B0604020202020204" pitchFamily="34" charset="0"/>
+            </a:endParaRPr>
+          </a:p>
+          <a:p>
+            <a:pPr marL="742950" lvl="1" indent="-285750" algn="just">
+              <a:buFont typeface="Arial" panose="020B0604020202020204" pitchFamily="34" charset="0"/>
+              <a:buChar char="•"/>
+              <a:defRPr/>
+            </a:pPr>
+            <a:endParaRPr lang="it-IT" dirty="0">
+              <a:solidFill>
+                <a:srgbClr val="002060"/>
+              </a:solidFill>
+              <a:latin typeface="Arial" panose="020B0604020202020204" pitchFamily="34" charset="0"/>
+              <a:cs typeface="Arial" panose="020B0604020202020204" pitchFamily="34" charset="0"/>
+            </a:endParaRPr>
+          </a:p>
+          <a:p>
+            <a:pPr marL="742950" lvl="1" indent="-285750" algn="just">
+              <a:buFont typeface="Arial" panose="020B0604020202020204" pitchFamily="34" charset="0"/>
+              <a:buChar char="•"/>
+              <a:defRPr/>
+            </a:pPr>
+            <a:r>
+              <a:rPr lang="it-IT" dirty="0">
+                <a:solidFill>
+                  <a:srgbClr val="002060"/>
+                </a:solidFill>
+                <a:latin typeface="Arial" panose="020B0604020202020204" pitchFamily="34" charset="0"/>
+                <a:cs typeface="Arial" panose="020B0604020202020204" pitchFamily="34" charset="0"/>
+              </a:rPr>
+              <a:t>Ogni tensore conterrebbe </a:t>
+            </a:r>
+            <a:r>
+              <a:rPr lang="it-IT" dirty="0" err="1">
+                <a:solidFill>
+                  <a:srgbClr val="002060"/>
+                </a:solidFill>
+                <a:latin typeface="Arial" panose="020B0604020202020204" pitchFamily="34" charset="0"/>
+                <a:cs typeface="Arial" panose="020B0604020202020204" pitchFamily="34" charset="0"/>
+              </a:rPr>
+              <a:t>KPIs</a:t>
+            </a:r>
+            <a:r>
+              <a:rPr lang="it-IT" dirty="0">
+                <a:solidFill>
+                  <a:srgbClr val="002060"/>
+                </a:solidFill>
+                <a:latin typeface="Arial" panose="020B0604020202020204" pitchFamily="34" charset="0"/>
+                <a:cs typeface="Arial" panose="020B0604020202020204" pitchFamily="34" charset="0"/>
+              </a:rPr>
+              <a:t> temporali a 7,15 e 30 giorni mostrano il tutto in un’unica immagine a colori.</a:t>
+            </a:r>
+          </a:p>
+          <a:p>
+            <a:pPr marL="742950" lvl="1" indent="-285750" algn="just">
+              <a:buFont typeface="Arial" panose="020B0604020202020204" pitchFamily="34" charset="0"/>
+              <a:buChar char="•"/>
+              <a:defRPr/>
+            </a:pPr>
+            <a:endParaRPr lang="it-IT" dirty="0">
+              <a:solidFill>
+                <a:srgbClr val="002060"/>
+              </a:solidFill>
+              <a:latin typeface="Arial" panose="020B0604020202020204" pitchFamily="34" charset="0"/>
+              <a:cs typeface="Arial" panose="020B0604020202020204" pitchFamily="34" charset="0"/>
+            </a:endParaRPr>
+          </a:p>
+          <a:p>
+            <a:pPr marL="742950" lvl="1" indent="-285750" algn="just">
+              <a:buFont typeface="Arial" panose="020B0604020202020204" pitchFamily="34" charset="0"/>
+              <a:buChar char="•"/>
+              <a:defRPr/>
+            </a:pPr>
+            <a:endParaRPr lang="it-IT" dirty="0">
+              <a:solidFill>
+                <a:srgbClr val="002060"/>
+              </a:solidFill>
+              <a:latin typeface="Arial" panose="020B0604020202020204" pitchFamily="34" charset="0"/>
+              <a:cs typeface="Arial" panose="020B0604020202020204" pitchFamily="34" charset="0"/>
+            </a:endParaRPr>
+          </a:p>
+          <a:p>
+            <a:pPr marL="742950" lvl="1" indent="-285750" algn="just">
+              <a:buFont typeface="Arial" panose="020B0604020202020204" pitchFamily="34" charset="0"/>
+              <a:buChar char="•"/>
+              <a:defRPr/>
+            </a:pPr>
+            <a:r>
+              <a:rPr lang="it-IT" dirty="0">
+                <a:solidFill>
+                  <a:srgbClr val="002060"/>
+                </a:solidFill>
+                <a:latin typeface="Arial" panose="020B0604020202020204" pitchFamily="34" charset="0"/>
+                <a:cs typeface="Arial" panose="020B0604020202020204" pitchFamily="34" charset="0"/>
+              </a:rPr>
+              <a:t>D’altro canto si richiederà un costo più gravoso, causato dall’utilizzo di reti neurali più complesse.</a:t>
+            </a:r>
+          </a:p>
+          <a:p>
+            <a:pPr marL="742950" lvl="1" indent="-285750" algn="just">
+              <a:buFont typeface="Arial" panose="020B0604020202020204" pitchFamily="34" charset="0"/>
+              <a:buChar char="•"/>
+              <a:defRPr/>
+            </a:pPr>
+            <a:endParaRPr lang="it-IT" dirty="0">
+              <a:solidFill>
+                <a:srgbClr val="002060"/>
+              </a:solidFill>
+              <a:latin typeface="Arial" panose="020B0604020202020204" pitchFamily="34" charset="0"/>
+              <a:cs typeface="Arial" panose="020B0604020202020204" pitchFamily="34" charset="0"/>
+            </a:endParaRPr>
+          </a:p>
+          <a:p>
+            <a:pPr marL="742950" lvl="1" indent="-285750" algn="just">
+              <a:buFont typeface="Arial" panose="020B0604020202020204" pitchFamily="34" charset="0"/>
+              <a:buChar char="•"/>
+              <a:defRPr/>
+            </a:pPr>
+            <a:endParaRPr lang="it-IT" dirty="0">
+              <a:solidFill>
+                <a:srgbClr val="002060"/>
+              </a:solidFill>
+              <a:latin typeface="Arial" panose="020B0604020202020204" pitchFamily="34" charset="0"/>
+              <a:cs typeface="Arial" panose="020B0604020202020204" pitchFamily="34" charset="0"/>
+            </a:endParaRPr>
+          </a:p>
+          <a:p>
+            <a:pPr marL="742950" lvl="1" indent="-285750" algn="just">
+              <a:buFont typeface="Arial" panose="020B0604020202020204" pitchFamily="34" charset="0"/>
+              <a:buChar char="•"/>
+              <a:defRPr/>
+            </a:pPr>
+            <a:endParaRPr lang="it-IT" dirty="0">
+              <a:solidFill>
+                <a:srgbClr val="002060"/>
+              </a:solidFill>
+              <a:latin typeface="Arial" panose="020B0604020202020204" pitchFamily="34" charset="0"/>
+              <a:cs typeface="Arial" panose="020B0604020202020204" pitchFamily="34" charset="0"/>
+            </a:endParaRPr>
+          </a:p>
+          <a:p>
+            <a:pPr marL="742950" lvl="1" indent="-285750" algn="just">
+              <a:buFont typeface="Arial" panose="020B0604020202020204" pitchFamily="34" charset="0"/>
+              <a:buChar char="•"/>
+              <a:defRPr/>
+            </a:pPr>
+            <a:endParaRPr lang="it-IT" dirty="0">
+              <a:solidFill>
+                <a:srgbClr val="002060"/>
+              </a:solidFill>
+              <a:latin typeface="Arial" panose="020B0604020202020204" pitchFamily="34" charset="0"/>
+              <a:cs typeface="Arial" panose="020B0604020202020204" pitchFamily="34" charset="0"/>
+            </a:endParaRPr>
+          </a:p>
+        </p:txBody>
+      </p:sp>
+      <p:sp>
+        <p:nvSpPr>
+          <p:cNvPr id="7" name="CasellaDiTesto 6">
+            <a:extLst>
+              <a:ext uri="{FF2B5EF4-FFF2-40B4-BE49-F238E27FC236}">
+                <a16:creationId xmlns:a16="http://schemas.microsoft.com/office/drawing/2014/main" id="{5FC2CFEF-76FD-40E6-A6B3-526ECBE639E6}"/>
+              </a:ext>
+            </a:extLst>
+          </p:cNvPr>
+          <p:cNvSpPr txBox="1"/>
+          <p:nvPr/>
+        </p:nvSpPr>
+        <p:spPr>
+          <a:xfrm>
+            <a:off x="7841894" y="5991149"/>
+            <a:ext cx="10077907" cy="400110"/>
+          </a:xfrm>
+          <a:prstGeom prst="rect">
+            <a:avLst/>
+          </a:prstGeom>
+          <a:noFill/>
+        </p:spPr>
+        <p:txBody>
+          <a:bodyPr wrap="square" rtlCol="0">
+            <a:spAutoFit/>
+          </a:bodyPr>
+          <a:lstStyle/>
+          <a:p>
+            <a:r>
+              <a:rPr lang="it-IT" sz="2000" b="1" dirty="0">
+                <a:solidFill>
+                  <a:srgbClr val="002060"/>
+                </a:solidFill>
+                <a:latin typeface="Arial Black" panose="020B0A04020102020204" pitchFamily="34" charset="0"/>
+              </a:rPr>
+              <a:t>GRAZIE PER L’ATTENZIONE </a:t>
+            </a:r>
+          </a:p>
+        </p:txBody>
+      </p:sp>
+    </p:spTree>
+    <p:extLst>
+      <p:ext uri="{BB962C8B-B14F-4D97-AF65-F5344CB8AC3E}">
+        <p14:creationId xmlns:p14="http://schemas.microsoft.com/office/powerpoint/2010/main" val="3537597047"/>
+      </p:ext>
+    </p:extLst>
+  </p:cSld>
+  <p:clrMapOvr>
+    <a:masterClrMapping/>
+  </p:clrMapOvr>
+  <p:transition spd="med">
+    <p:pull/>
+  </p:transition>
+</p:sld>
+</file>
+
 <file path=ppt/slides/slide2.xml><?xml version="1.0" encoding="utf-8"?>
 <p:sld xmlns:a="http://schemas.openxmlformats.org/drawingml/2006/main" xmlns:r="http://schemas.openxmlformats.org/officeDocument/2006/relationships" xmlns:p="http://schemas.openxmlformats.org/presentationml/2006/main">
   <p:cSld>
@@ -10116,8 +10128,8 @@
         </p:nvSpPr>
         <p:spPr>
           <a:xfrm>
-            <a:off x="77426" y="1305341"/>
-            <a:ext cx="6803171" cy="4247317"/>
+            <a:off x="205016" y="759536"/>
+            <a:ext cx="6803171" cy="6186309"/>
           </a:xfrm>
           <a:prstGeom prst="rect">
             <a:avLst/>
@@ -10175,20 +10187,7 @@
                 <a:latin typeface="Arial" panose="020B0604020202020204" pitchFamily="34" charset="0"/>
                 <a:cs typeface="Arial" panose="020B0604020202020204" pitchFamily="34" charset="0"/>
               </a:rPr>
-              <a:t> offre un sistema integrato di Business Intelligence, che sia agile potente ed efficace.</a:t>
-            </a:r>
-          </a:p>
-          <a:p>
-            <a:pPr algn="just"/>
-            <a:r>
-              <a:rPr lang="it-IT" dirty="0">
-                <a:solidFill>
-                  <a:srgbClr val="002060"/>
-                </a:solidFill>
-                <a:latin typeface="Arial" panose="020B0604020202020204" pitchFamily="34" charset="0"/>
-                <a:cs typeface="Arial" panose="020B0604020202020204" pitchFamily="34" charset="0"/>
-              </a:rPr>
-              <a:t> </a:t>
+              <a:t> offre un sistema integrato di Business Intelligence, che sia agile potente ed efficace che sfrutta algoritmi di IA.</a:t>
             </a:r>
           </a:p>
           <a:p>
@@ -10209,6 +10208,19 @@
               <a:buFont typeface="Arial" panose="020B0604020202020204" pitchFamily="34" charset="0"/>
               <a:buChar char="•"/>
             </a:pPr>
+            <a:endParaRPr lang="it-IT" dirty="0">
+              <a:solidFill>
+                <a:srgbClr val="002060"/>
+              </a:solidFill>
+              <a:latin typeface="Arial" panose="020B0604020202020204" pitchFamily="34" charset="0"/>
+              <a:cs typeface="Arial" panose="020B0604020202020204" pitchFamily="34" charset="0"/>
+            </a:endParaRPr>
+          </a:p>
+          <a:p>
+            <a:pPr marL="285750" indent="-285750" algn="just">
+              <a:buFont typeface="Arial" panose="020B0604020202020204" pitchFamily="34" charset="0"/>
+              <a:buChar char="•"/>
+            </a:pPr>
             <a:r>
               <a:rPr lang="it-IT" dirty="0">
                 <a:solidFill>
@@ -10217,27 +10229,7 @@
                 <a:latin typeface="Arial" panose="020B0604020202020204" pitchFamily="34" charset="0"/>
                 <a:cs typeface="Arial" panose="020B0604020202020204" pitchFamily="34" charset="0"/>
               </a:rPr>
-              <a:t>Tramite algoritmi di intelligenza artificiale, si cercano di individuare trend, </a:t>
-            </a:r>
-            <a:r>
-              <a:rPr lang="it-IT" dirty="0" err="1">
-                <a:solidFill>
-                  <a:srgbClr val="002060"/>
-                </a:solidFill>
-                <a:latin typeface="Arial" panose="020B0604020202020204" pitchFamily="34" charset="0"/>
-                <a:cs typeface="Arial" panose="020B0604020202020204" pitchFamily="34" charset="0"/>
-              </a:rPr>
-              <a:t>outlier</a:t>
-            </a:r>
-            <a:r>
-              <a:rPr lang="it-IT" dirty="0">
-                <a:solidFill>
-                  <a:srgbClr val="002060"/>
-                </a:solidFill>
-                <a:latin typeface="Arial" panose="020B0604020202020204" pitchFamily="34" charset="0"/>
-                <a:cs typeface="Arial" panose="020B0604020202020204" pitchFamily="34" charset="0"/>
-              </a:rPr>
-              <a:t> e più in generale importanti segnali da porre all’attenzione del management.</a:t>
+              <a:t>La piattaforma sfrutta indicatori KPI, indicatori prestazionali di ogni azienda.</a:t>
             </a:r>
           </a:p>
           <a:p>
@@ -10251,6 +10243,55 @@
             </a:endParaRPr>
           </a:p>
           <a:p>
+            <a:pPr marL="285750" indent="-285750" algn="just">
+              <a:buFont typeface="Arial" panose="020B0604020202020204" pitchFamily="34" charset="0"/>
+              <a:buChar char="•"/>
+            </a:pPr>
+            <a:endParaRPr lang="it-IT" dirty="0">
+              <a:solidFill>
+                <a:srgbClr val="002060"/>
+              </a:solidFill>
+              <a:latin typeface="Arial" panose="020B0604020202020204" pitchFamily="34" charset="0"/>
+              <a:cs typeface="Arial" panose="020B0604020202020204" pitchFamily="34" charset="0"/>
+            </a:endParaRPr>
+          </a:p>
+          <a:p>
+            <a:pPr marL="285750" indent="-285750" algn="just">
+              <a:buFont typeface="Arial" panose="020B0604020202020204" pitchFamily="34" charset="0"/>
+              <a:buChar char="•"/>
+            </a:pPr>
+            <a:r>
+              <a:rPr lang="it-IT" dirty="0">
+                <a:solidFill>
+                  <a:srgbClr val="002060"/>
+                </a:solidFill>
+                <a:latin typeface="Arial" panose="020B0604020202020204" pitchFamily="34" charset="0"/>
+                <a:cs typeface="Arial" panose="020B0604020202020204" pitchFamily="34" charset="0"/>
+              </a:rPr>
+              <a:t>L’Image </a:t>
+            </a:r>
+            <a:r>
+              <a:rPr lang="it-IT" dirty="0" err="1">
+                <a:solidFill>
+                  <a:srgbClr val="002060"/>
+                </a:solidFill>
+                <a:latin typeface="Arial" panose="020B0604020202020204" pitchFamily="34" charset="0"/>
+                <a:cs typeface="Arial" panose="020B0604020202020204" pitchFamily="34" charset="0"/>
+              </a:rPr>
+              <a:t>recognition</a:t>
+            </a:r>
+            <a:r>
+              <a:rPr lang="it-IT" dirty="0">
+                <a:solidFill>
+                  <a:srgbClr val="002060"/>
+                </a:solidFill>
+                <a:latin typeface="Arial" panose="020B0604020202020204" pitchFamily="34" charset="0"/>
+                <a:cs typeface="Arial" panose="020B0604020202020204" pitchFamily="34" charset="0"/>
+              </a:rPr>
+              <a:t> è tra le declinazioni a maggior tasso di crescita nel mondo BI.</a:t>
+            </a:r>
+          </a:p>
+          <a:p>
             <a:pPr algn="just"/>
             <a:endParaRPr lang="it-IT" dirty="0">
               <a:solidFill>
@@ -10261,26 +10302,7 @@
             </a:endParaRPr>
           </a:p>
           <a:p>
-            <a:pPr marL="285750" indent="-285750" algn="just">
-              <a:buFont typeface="Arial" panose="020B0604020202020204" pitchFamily="34" charset="0"/>
-              <a:buChar char="•"/>
-            </a:pPr>
-            <a:r>
-              <a:rPr lang="it-IT" dirty="0">
-                <a:solidFill>
-                  <a:srgbClr val="002060"/>
-                </a:solidFill>
-                <a:latin typeface="Arial" panose="020B0604020202020204" pitchFamily="34" charset="0"/>
-                <a:cs typeface="Arial" panose="020B0604020202020204" pitchFamily="34" charset="0"/>
-              </a:rPr>
-              <a:t>Il mio ruolo all’interno del team di sviluppo mi ha permesso di creare modelli di classificazione e previsione</a:t>
-            </a:r>
-          </a:p>
-          <a:p>
-            <a:pPr marL="285750" indent="-285750" algn="just">
-              <a:buFont typeface="Arial" panose="020B0604020202020204" pitchFamily="34" charset="0"/>
-              <a:buChar char="•"/>
-            </a:pPr>
+            <a:pPr algn="just"/>
             <a:endParaRPr lang="it-IT" dirty="0">
               <a:solidFill>
                 <a:srgbClr val="002060"/>
@@ -10294,6 +10316,22 @@
               <a:buFont typeface="Arial" panose="020B0604020202020204" pitchFamily="34" charset="0"/>
               <a:buChar char="•"/>
             </a:pPr>
+            <a:r>
+              <a:rPr lang="it-IT" dirty="0">
+                <a:solidFill>
+                  <a:srgbClr val="002060"/>
+                </a:solidFill>
+                <a:latin typeface="Arial" panose="020B0604020202020204" pitchFamily="34" charset="0"/>
+                <a:cs typeface="Arial" panose="020B0604020202020204" pitchFamily="34" charset="0"/>
+              </a:rPr>
+              <a:t>Il mio ruolo all’interno del team di sviluppo mi ha permesso di creare modelli di classificazione, previsione e rilevamento di anomalie tramite immagini.</a:t>
+            </a:r>
+          </a:p>
+          <a:p>
+            <a:pPr marL="285750" indent="-285750" algn="just">
+              <a:buFont typeface="Arial" panose="020B0604020202020204" pitchFamily="34" charset="0"/>
+              <a:buChar char="•"/>
+            </a:pPr>
             <a:endParaRPr lang="it-IT" dirty="0">
               <a:solidFill>
                 <a:srgbClr val="002060"/>
@@ -10315,6 +10353,45 @@
               <a:cs typeface="Arial" panose="020B0604020202020204" pitchFamily="34" charset="0"/>
             </a:endParaRPr>
           </a:p>
+          <a:p>
+            <a:pPr marL="285750" indent="-285750" algn="just">
+              <a:buFont typeface="Arial" panose="020B0604020202020204" pitchFamily="34" charset="0"/>
+              <a:buChar char="•"/>
+            </a:pPr>
+            <a:endParaRPr lang="it-IT" dirty="0">
+              <a:solidFill>
+                <a:srgbClr val="002060"/>
+              </a:solidFill>
+              <a:latin typeface="Arial" panose="020B0604020202020204" pitchFamily="34" charset="0"/>
+              <a:cs typeface="Arial" panose="020B0604020202020204" pitchFamily="34" charset="0"/>
+            </a:endParaRPr>
+          </a:p>
+          <a:p>
+            <a:pPr marL="285750" indent="-285750" algn="just">
+              <a:buFont typeface="Arial" panose="020B0604020202020204" pitchFamily="34" charset="0"/>
+              <a:buChar char="•"/>
+            </a:pPr>
+            <a:endParaRPr lang="it-IT" dirty="0">
+              <a:solidFill>
+                <a:srgbClr val="002060"/>
+              </a:solidFill>
+              <a:latin typeface="Arial" panose="020B0604020202020204" pitchFamily="34" charset="0"/>
+              <a:cs typeface="Arial" panose="020B0604020202020204" pitchFamily="34" charset="0"/>
+            </a:endParaRPr>
+          </a:p>
+          <a:p>
+            <a:pPr marL="285750" indent="-285750" algn="just">
+              <a:buFont typeface="Arial" panose="020B0604020202020204" pitchFamily="34" charset="0"/>
+              <a:buChar char="•"/>
+            </a:pPr>
+            <a:endParaRPr lang="it-IT" dirty="0">
+              <a:solidFill>
+                <a:srgbClr val="002060"/>
+              </a:solidFill>
+              <a:latin typeface="Arial" panose="020B0604020202020204" pitchFamily="34" charset="0"/>
+              <a:cs typeface="Arial" panose="020B0604020202020204" pitchFamily="34" charset="0"/>
+            </a:endParaRPr>
+          </a:p>
         </p:txBody>
       </p:sp>
       <p:pic>
@@ -10345,8 +10422,38 @@
         </p:blipFill>
         <p:spPr>
           <a:xfrm>
-            <a:off x="7278836" y="1669948"/>
-            <a:ext cx="4418934" cy="3139321"/>
+            <a:off x="8245108" y="379864"/>
+            <a:ext cx="3296718" cy="2342071"/>
+          </a:xfrm>
+          <a:prstGeom prst="rect">
+            <a:avLst/>
+          </a:prstGeom>
+        </p:spPr>
+      </p:pic>
+      <p:pic>
+        <p:nvPicPr>
+          <p:cNvPr id="6" name="Immagine 5">
+            <a:extLst>
+              <a:ext uri="{FF2B5EF4-FFF2-40B4-BE49-F238E27FC236}">
+                <a16:creationId xmlns:a16="http://schemas.microsoft.com/office/drawing/2014/main" id="{29F86C4B-AE54-4168-B42A-F72181FC91F1}"/>
+              </a:ext>
+            </a:extLst>
+          </p:cNvPr>
+          <p:cNvPicPr>
+            <a:picLocks noChangeAspect="1"/>
+          </p:cNvPicPr>
+          <p:nvPr/>
+        </p:nvPicPr>
+        <p:blipFill>
+          <a:blip r:embed="rId4"/>
+          <a:stretch>
+            <a:fillRect/>
+          </a:stretch>
+        </p:blipFill>
+        <p:spPr>
+          <a:xfrm>
+            <a:off x="8132680" y="3429000"/>
+            <a:ext cx="3699769" cy="3112852"/>
           </a:xfrm>
           <a:prstGeom prst="rect">
             <a:avLst/>
@@ -10357,529 +10464,6 @@
     <p:extLst>
       <p:ext uri="{BB962C8B-B14F-4D97-AF65-F5344CB8AC3E}">
         <p14:creationId xmlns:p14="http://schemas.microsoft.com/office/powerpoint/2010/main" val="3040997710"/>
-      </p:ext>
-    </p:extLst>
-  </p:cSld>
-  <p:clrMapOvr>
-    <a:masterClrMapping/>
-  </p:clrMapOvr>
-  <p:transition spd="med">
-    <p:pull/>
-  </p:transition>
-</p:sld>
-</file>
-
-<file path=ppt/slides/slide20.xml><?xml version="1.0" encoding="utf-8"?>
-<p:sld xmlns:a="http://schemas.openxmlformats.org/drawingml/2006/main" xmlns:r="http://schemas.openxmlformats.org/officeDocument/2006/relationships" xmlns:p="http://schemas.openxmlformats.org/presentationml/2006/main">
-  <p:cSld>
-    <p:spTree>
-      <p:nvGrpSpPr>
-        <p:cNvPr id="1" name=""/>
-        <p:cNvGrpSpPr/>
-        <p:nvPr/>
-      </p:nvGrpSpPr>
-      <p:grpSpPr>
-        <a:xfrm>
-          <a:off x="0" y="0"/>
-          <a:ext cx="0" cy="0"/>
-          <a:chOff x="0" y="0"/>
-          <a:chExt cx="0" cy="0"/>
-        </a:xfrm>
-      </p:grpSpPr>
-      <p:sp>
-        <p:nvSpPr>
-          <p:cNvPr id="2" name="Elaborazione 1">
-            <a:extLst>
-              <a:ext uri="{FF2B5EF4-FFF2-40B4-BE49-F238E27FC236}">
-                <a16:creationId xmlns:a16="http://schemas.microsoft.com/office/drawing/2014/main" id="{4F897BD9-AD8F-4F55-855B-3CEF455EA9F6}"/>
-              </a:ext>
-            </a:extLst>
-          </p:cNvPr>
-          <p:cNvSpPr/>
-          <p:nvPr/>
-        </p:nvSpPr>
-        <p:spPr>
-          <a:xfrm>
-            <a:off x="262648" y="101740"/>
-            <a:ext cx="5680952" cy="606146"/>
-          </a:xfrm>
-          <a:prstGeom prst="flowChartProcess">
-            <a:avLst/>
-          </a:prstGeom>
-          <a:solidFill>
-            <a:schemeClr val="accent5">
-              <a:lumMod val="75000"/>
-            </a:schemeClr>
-          </a:solidFill>
-        </p:spPr>
-        <p:style>
-          <a:lnRef idx="2">
-            <a:schemeClr val="accent1">
-              <a:shade val="50000"/>
-            </a:schemeClr>
-          </a:lnRef>
-          <a:fillRef idx="1">
-            <a:schemeClr val="accent1"/>
-          </a:fillRef>
-          <a:effectRef idx="0">
-            <a:schemeClr val="accent1"/>
-          </a:effectRef>
-          <a:fontRef idx="minor">
-            <a:schemeClr val="lt1"/>
-          </a:fontRef>
-        </p:style>
-        <p:txBody>
-          <a:bodyPr rtlCol="0" anchor="ctr"/>
-          <a:lstStyle/>
-          <a:p>
-            <a:pPr algn="ctr"/>
-            <a:endParaRPr lang="it-IT"/>
-          </a:p>
-        </p:txBody>
-      </p:sp>
-      <p:sp>
-        <p:nvSpPr>
-          <p:cNvPr id="3" name="CasellaDiTesto 2">
-            <a:extLst>
-              <a:ext uri="{FF2B5EF4-FFF2-40B4-BE49-F238E27FC236}">
-                <a16:creationId xmlns:a16="http://schemas.microsoft.com/office/drawing/2014/main" id="{91D0514C-8919-4A62-AEB2-C4097699756E}"/>
-              </a:ext>
-            </a:extLst>
-          </p:cNvPr>
-          <p:cNvSpPr txBox="1"/>
-          <p:nvPr/>
-        </p:nvSpPr>
-        <p:spPr>
-          <a:xfrm>
-            <a:off x="262648" y="122500"/>
-            <a:ext cx="5833352" cy="400110"/>
-          </a:xfrm>
-          <a:prstGeom prst="rect">
-            <a:avLst/>
-          </a:prstGeom>
-          <a:noFill/>
-        </p:spPr>
-        <p:txBody>
-          <a:bodyPr wrap="square" rtlCol="0">
-            <a:spAutoFit/>
-          </a:bodyPr>
-          <a:lstStyle/>
-          <a:p>
-            <a:r>
-              <a:rPr lang="it-IT" sz="2000" dirty="0">
-                <a:solidFill>
-                  <a:schemeClr val="bg1"/>
-                </a:solidFill>
-                <a:latin typeface="Arial Black" panose="020B0A04020102020204" pitchFamily="34" charset="0"/>
-              </a:rPr>
-              <a:t>Conclusioni e Scenari di sviluppo futuri</a:t>
-            </a:r>
-          </a:p>
-        </p:txBody>
-      </p:sp>
-      <p:sp>
-        <p:nvSpPr>
-          <p:cNvPr id="6" name="AutoShape 4">
-            <a:extLst>
-              <a:ext uri="{FF2B5EF4-FFF2-40B4-BE49-F238E27FC236}">
-                <a16:creationId xmlns:a16="http://schemas.microsoft.com/office/drawing/2014/main" id="{939F08A7-A0A6-4924-917D-11A694AC3A16}"/>
-              </a:ext>
-            </a:extLst>
-          </p:cNvPr>
-          <p:cNvSpPr>
-            <a:spLocks noChangeAspect="1" noChangeArrowheads="1"/>
-          </p:cNvSpPr>
-          <p:nvPr/>
-        </p:nvSpPr>
-        <p:spPr bwMode="auto">
-          <a:xfrm>
-            <a:off x="5943600" y="3276600"/>
-            <a:ext cx="304800" cy="304800"/>
-          </a:xfrm>
-          <a:prstGeom prst="rect">
-            <a:avLst/>
-          </a:prstGeom>
-          <a:noFill/>
-          <a:extLst>
-            <a:ext uri="{909E8E84-426E-40DD-AFC4-6F175D3DCCD1}">
-              <a14:hiddenFill xmlns:a14="http://schemas.microsoft.com/office/drawing/2010/main">
-                <a:solidFill>
-                  <a:srgbClr val="FFFFFF"/>
-                </a:solidFill>
-              </a14:hiddenFill>
-            </a:ext>
-          </a:extLst>
-        </p:spPr>
-        <p:txBody>
-          <a:bodyPr vert="horz" wrap="square" lIns="91440" tIns="45720" rIns="91440" bIns="45720" numCol="1" anchor="t" anchorCtr="0" compatLnSpc="1">
-            <a:prstTxWarp prst="textNoShape">
-              <a:avLst/>
-            </a:prstTxWarp>
-          </a:bodyPr>
-          <a:lstStyle/>
-          <a:p>
-            <a:endParaRPr lang="it-IT"/>
-          </a:p>
-        </p:txBody>
-      </p:sp>
-      <p:sp>
-        <p:nvSpPr>
-          <p:cNvPr id="9" name="CasellaDiTesto 8">
-            <a:extLst>
-              <a:ext uri="{FF2B5EF4-FFF2-40B4-BE49-F238E27FC236}">
-                <a16:creationId xmlns:a16="http://schemas.microsoft.com/office/drawing/2014/main" id="{7E2EA21B-BD90-4311-B5C7-E6C32005800F}"/>
-              </a:ext>
-            </a:extLst>
-          </p:cNvPr>
-          <p:cNvSpPr txBox="1"/>
-          <p:nvPr/>
-        </p:nvSpPr>
-        <p:spPr>
-          <a:xfrm>
-            <a:off x="-361397" y="1109140"/>
-            <a:ext cx="12376933" cy="5355312"/>
-          </a:xfrm>
-          <a:prstGeom prst="rect">
-            <a:avLst/>
-          </a:prstGeom>
-          <a:noFill/>
-        </p:spPr>
-        <p:txBody>
-          <a:bodyPr wrap="square" rtlCol="0">
-            <a:spAutoFit/>
-          </a:bodyPr>
-          <a:lstStyle/>
-          <a:p>
-            <a:pPr marL="742950" lvl="1" indent="-285750" algn="just">
-              <a:buFont typeface="Arial" panose="020B0604020202020204" pitchFamily="34" charset="0"/>
-              <a:buChar char="•"/>
-              <a:defRPr/>
-            </a:pPr>
-            <a:r>
-              <a:rPr lang="it-IT" dirty="0">
-                <a:solidFill>
-                  <a:srgbClr val="002060"/>
-                </a:solidFill>
-                <a:latin typeface="Arial" panose="020B0604020202020204" pitchFamily="34" charset="0"/>
-                <a:cs typeface="Arial" panose="020B0604020202020204" pitchFamily="34" charset="0"/>
-              </a:rPr>
-              <a:t>La visualizzazione tramite immagini ottenute attraverso i </a:t>
-            </a:r>
-            <a:r>
-              <a:rPr lang="it-IT" dirty="0" err="1">
-                <a:solidFill>
-                  <a:srgbClr val="002060"/>
-                </a:solidFill>
-                <a:latin typeface="Arial" panose="020B0604020202020204" pitchFamily="34" charset="0"/>
-                <a:cs typeface="Arial" panose="020B0604020202020204" pitchFamily="34" charset="0"/>
-              </a:rPr>
-              <a:t>KPIs</a:t>
-            </a:r>
-            <a:r>
-              <a:rPr lang="it-IT" dirty="0">
-                <a:solidFill>
-                  <a:srgbClr val="002060"/>
-                </a:solidFill>
-                <a:latin typeface="Arial" panose="020B0604020202020204" pitchFamily="34" charset="0"/>
-                <a:cs typeface="Arial" panose="020B0604020202020204" pitchFamily="34" charset="0"/>
-              </a:rPr>
-              <a:t>, insieme all’utilizzo di tecniche ben note di machine learning e deep learning, permette di costruire modelli in grado effettuare analisi e previsioni aziendali, individuando facilmente eventuali anomalie.</a:t>
-            </a:r>
-          </a:p>
-          <a:p>
-            <a:pPr marL="742950" lvl="1" indent="-285750" algn="just">
-              <a:buFont typeface="Arial" panose="020B0604020202020204" pitchFamily="34" charset="0"/>
-              <a:buChar char="•"/>
-              <a:defRPr/>
-            </a:pPr>
-            <a:endParaRPr lang="it-IT" dirty="0">
-              <a:solidFill>
-                <a:srgbClr val="002060"/>
-              </a:solidFill>
-              <a:latin typeface="Arial" panose="020B0604020202020204" pitchFamily="34" charset="0"/>
-              <a:cs typeface="Arial" panose="020B0604020202020204" pitchFamily="34" charset="0"/>
-            </a:endParaRPr>
-          </a:p>
-          <a:p>
-            <a:pPr marL="742950" lvl="1" indent="-285750" algn="just">
-              <a:buFont typeface="Arial" panose="020B0604020202020204" pitchFamily="34" charset="0"/>
-              <a:buChar char="•"/>
-              <a:defRPr/>
-            </a:pPr>
-            <a:r>
-              <a:rPr lang="it-IT" dirty="0">
-                <a:solidFill>
-                  <a:srgbClr val="002060"/>
-                </a:solidFill>
-                <a:latin typeface="Arial" panose="020B0604020202020204" pitchFamily="34" charset="0"/>
-                <a:cs typeface="Arial" panose="020B0604020202020204" pitchFamily="34" charset="0"/>
-              </a:rPr>
-              <a:t>In futuro, ottenendo più dati storici su cui allenare e testare il modello, magari contenenti tipologie di clienti appartenenti a diverse aree di mercato, si potrebbe arriverebbe facilmente alla realizzazione di un modello </a:t>
-            </a:r>
-            <a:r>
-              <a:rPr lang="it-IT" dirty="0" err="1">
-                <a:solidFill>
-                  <a:srgbClr val="002060"/>
-                </a:solidFill>
-                <a:latin typeface="Arial" panose="020B0604020202020204" pitchFamily="34" charset="0"/>
-                <a:cs typeface="Arial" panose="020B0604020202020204" pitchFamily="34" charset="0"/>
-              </a:rPr>
-              <a:t>multiarea</a:t>
-            </a:r>
-            <a:r>
-              <a:rPr lang="it-IT" dirty="0">
-                <a:solidFill>
-                  <a:srgbClr val="002060"/>
-                </a:solidFill>
-                <a:latin typeface="Arial" panose="020B0604020202020204" pitchFamily="34" charset="0"/>
-                <a:cs typeface="Arial" panose="020B0604020202020204" pitchFamily="34" charset="0"/>
-              </a:rPr>
-              <a:t>. </a:t>
-            </a:r>
-          </a:p>
-          <a:p>
-            <a:pPr marL="742950" lvl="1" indent="-285750" algn="just">
-              <a:buFont typeface="Arial" panose="020B0604020202020204" pitchFamily="34" charset="0"/>
-              <a:buChar char="•"/>
-              <a:defRPr/>
-            </a:pPr>
-            <a:endParaRPr lang="it-IT" dirty="0">
-              <a:solidFill>
-                <a:srgbClr val="002060"/>
-              </a:solidFill>
-              <a:latin typeface="Arial" panose="020B0604020202020204" pitchFamily="34" charset="0"/>
-              <a:cs typeface="Arial" panose="020B0604020202020204" pitchFamily="34" charset="0"/>
-            </a:endParaRPr>
-          </a:p>
-          <a:p>
-            <a:pPr marL="742950" lvl="1" indent="-285750" algn="just">
-              <a:buFont typeface="Arial" panose="020B0604020202020204" pitchFamily="34" charset="0"/>
-              <a:buChar char="•"/>
-              <a:defRPr/>
-            </a:pPr>
-            <a:r>
-              <a:rPr lang="it-IT" dirty="0">
-                <a:solidFill>
-                  <a:srgbClr val="002060"/>
-                </a:solidFill>
-                <a:latin typeface="Arial" panose="020B0604020202020204" pitchFamily="34" charset="0"/>
-                <a:cs typeface="Arial" panose="020B0604020202020204" pitchFamily="34" charset="0"/>
-              </a:rPr>
-              <a:t>Avere più dati a disposizione, consentirebbe di utilizzare un approccio implementativo basato su tensori.</a:t>
-            </a:r>
-          </a:p>
-          <a:p>
-            <a:pPr marL="742950" lvl="1" indent="-285750" algn="just">
-              <a:buFont typeface="Arial" panose="020B0604020202020204" pitchFamily="34" charset="0"/>
-              <a:buChar char="•"/>
-              <a:defRPr/>
-            </a:pPr>
-            <a:endParaRPr lang="it-IT" dirty="0">
-              <a:solidFill>
-                <a:srgbClr val="002060"/>
-              </a:solidFill>
-              <a:latin typeface="Arial" panose="020B0604020202020204" pitchFamily="34" charset="0"/>
-              <a:cs typeface="Arial" panose="020B0604020202020204" pitchFamily="34" charset="0"/>
-            </a:endParaRPr>
-          </a:p>
-          <a:p>
-            <a:pPr marL="742950" lvl="1" indent="-285750" algn="just">
-              <a:buFont typeface="Arial" panose="020B0604020202020204" pitchFamily="34" charset="0"/>
-              <a:buChar char="•"/>
-              <a:defRPr/>
-            </a:pPr>
-            <a:endParaRPr lang="it-IT" dirty="0">
-              <a:solidFill>
-                <a:srgbClr val="002060"/>
-              </a:solidFill>
-              <a:latin typeface="Arial" panose="020B0604020202020204" pitchFamily="34" charset="0"/>
-              <a:cs typeface="Arial" panose="020B0604020202020204" pitchFamily="34" charset="0"/>
-            </a:endParaRPr>
-          </a:p>
-          <a:p>
-            <a:pPr marL="742950" lvl="1" indent="-285750" algn="just">
-              <a:buFont typeface="Arial" panose="020B0604020202020204" pitchFamily="34" charset="0"/>
-              <a:buChar char="•"/>
-              <a:defRPr/>
-            </a:pPr>
-            <a:r>
-              <a:rPr lang="it-IT" dirty="0">
-                <a:solidFill>
-                  <a:srgbClr val="002060"/>
-                </a:solidFill>
-                <a:latin typeface="Arial" panose="020B0604020202020204" pitchFamily="34" charset="0"/>
-                <a:cs typeface="Arial" panose="020B0604020202020204" pitchFamily="34" charset="0"/>
-              </a:rPr>
-              <a:t>Ogni tensore conterrebbe </a:t>
-            </a:r>
-            <a:r>
-              <a:rPr lang="it-IT" dirty="0" err="1">
-                <a:solidFill>
-                  <a:srgbClr val="002060"/>
-                </a:solidFill>
-                <a:latin typeface="Arial" panose="020B0604020202020204" pitchFamily="34" charset="0"/>
-                <a:cs typeface="Arial" panose="020B0604020202020204" pitchFamily="34" charset="0"/>
-              </a:rPr>
-              <a:t>KPIs</a:t>
-            </a:r>
-            <a:r>
-              <a:rPr lang="it-IT" dirty="0">
-                <a:solidFill>
-                  <a:srgbClr val="002060"/>
-                </a:solidFill>
-                <a:latin typeface="Arial" panose="020B0604020202020204" pitchFamily="34" charset="0"/>
-                <a:cs typeface="Arial" panose="020B0604020202020204" pitchFamily="34" charset="0"/>
-              </a:rPr>
-              <a:t> temporali a 7,15 e 30 giorni mostrano il tutto in un’unica immagine a colori.</a:t>
-            </a:r>
-          </a:p>
-          <a:p>
-            <a:pPr marL="742950" lvl="1" indent="-285750" algn="just">
-              <a:buFont typeface="Arial" panose="020B0604020202020204" pitchFamily="34" charset="0"/>
-              <a:buChar char="•"/>
-              <a:defRPr/>
-            </a:pPr>
-            <a:endParaRPr lang="it-IT" dirty="0">
-              <a:solidFill>
-                <a:srgbClr val="002060"/>
-              </a:solidFill>
-              <a:latin typeface="Arial" panose="020B0604020202020204" pitchFamily="34" charset="0"/>
-              <a:cs typeface="Arial" panose="020B0604020202020204" pitchFamily="34" charset="0"/>
-            </a:endParaRPr>
-          </a:p>
-          <a:p>
-            <a:pPr marL="742950" lvl="1" indent="-285750" algn="just">
-              <a:buFont typeface="Arial" panose="020B0604020202020204" pitchFamily="34" charset="0"/>
-              <a:buChar char="•"/>
-              <a:defRPr/>
-            </a:pPr>
-            <a:endParaRPr lang="it-IT" dirty="0">
-              <a:solidFill>
-                <a:srgbClr val="002060"/>
-              </a:solidFill>
-              <a:latin typeface="Arial" panose="020B0604020202020204" pitchFamily="34" charset="0"/>
-              <a:cs typeface="Arial" panose="020B0604020202020204" pitchFamily="34" charset="0"/>
-            </a:endParaRPr>
-          </a:p>
-          <a:p>
-            <a:pPr marL="742950" lvl="1" indent="-285750" algn="just">
-              <a:buFont typeface="Arial" panose="020B0604020202020204" pitchFamily="34" charset="0"/>
-              <a:buChar char="•"/>
-              <a:defRPr/>
-            </a:pPr>
-            <a:r>
-              <a:rPr lang="it-IT" dirty="0">
-                <a:solidFill>
-                  <a:srgbClr val="002060"/>
-                </a:solidFill>
-                <a:latin typeface="Arial" panose="020B0604020202020204" pitchFamily="34" charset="0"/>
-                <a:cs typeface="Arial" panose="020B0604020202020204" pitchFamily="34" charset="0"/>
-              </a:rPr>
-              <a:t>D’altro canto si richiederà un costo più gravoso, causato dall’utilizzo di reti neurali più complesse.</a:t>
-            </a:r>
-          </a:p>
-          <a:p>
-            <a:pPr marL="742950" lvl="1" indent="-285750" algn="just">
-              <a:buFont typeface="Arial" panose="020B0604020202020204" pitchFamily="34" charset="0"/>
-              <a:buChar char="•"/>
-              <a:defRPr/>
-            </a:pPr>
-            <a:endParaRPr lang="it-IT" dirty="0">
-              <a:solidFill>
-                <a:srgbClr val="002060"/>
-              </a:solidFill>
-              <a:latin typeface="Arial" panose="020B0604020202020204" pitchFamily="34" charset="0"/>
-              <a:cs typeface="Arial" panose="020B0604020202020204" pitchFamily="34" charset="0"/>
-            </a:endParaRPr>
-          </a:p>
-          <a:p>
-            <a:pPr marL="742950" lvl="1" indent="-285750" algn="just">
-              <a:buFont typeface="Arial" panose="020B0604020202020204" pitchFamily="34" charset="0"/>
-              <a:buChar char="•"/>
-              <a:defRPr/>
-            </a:pPr>
-            <a:endParaRPr lang="it-IT" dirty="0">
-              <a:solidFill>
-                <a:srgbClr val="002060"/>
-              </a:solidFill>
-              <a:latin typeface="Arial" panose="020B0604020202020204" pitchFamily="34" charset="0"/>
-              <a:cs typeface="Arial" panose="020B0604020202020204" pitchFamily="34" charset="0"/>
-            </a:endParaRPr>
-          </a:p>
-          <a:p>
-            <a:pPr marL="742950" lvl="1" indent="-285750" algn="just">
-              <a:buFont typeface="Arial" panose="020B0604020202020204" pitchFamily="34" charset="0"/>
-              <a:buChar char="•"/>
-              <a:defRPr/>
-            </a:pPr>
-            <a:endParaRPr lang="it-IT" dirty="0">
-              <a:solidFill>
-                <a:srgbClr val="002060"/>
-              </a:solidFill>
-              <a:latin typeface="Arial" panose="020B0604020202020204" pitchFamily="34" charset="0"/>
-              <a:cs typeface="Arial" panose="020B0604020202020204" pitchFamily="34" charset="0"/>
-            </a:endParaRPr>
-          </a:p>
-          <a:p>
-            <a:pPr marL="742950" lvl="1" indent="-285750" algn="just">
-              <a:buFont typeface="Arial" panose="020B0604020202020204" pitchFamily="34" charset="0"/>
-              <a:buChar char="•"/>
-              <a:defRPr/>
-            </a:pPr>
-            <a:endParaRPr lang="it-IT" dirty="0">
-              <a:solidFill>
-                <a:srgbClr val="002060"/>
-              </a:solidFill>
-              <a:latin typeface="Arial" panose="020B0604020202020204" pitchFamily="34" charset="0"/>
-              <a:cs typeface="Arial" panose="020B0604020202020204" pitchFamily="34" charset="0"/>
-            </a:endParaRPr>
-          </a:p>
-        </p:txBody>
-      </p:sp>
-      <p:sp>
-        <p:nvSpPr>
-          <p:cNvPr id="7" name="CasellaDiTesto 6">
-            <a:extLst>
-              <a:ext uri="{FF2B5EF4-FFF2-40B4-BE49-F238E27FC236}">
-                <a16:creationId xmlns:a16="http://schemas.microsoft.com/office/drawing/2014/main" id="{5FC2CFEF-76FD-40E6-A6B3-526ECBE639E6}"/>
-              </a:ext>
-            </a:extLst>
-          </p:cNvPr>
-          <p:cNvSpPr txBox="1"/>
-          <p:nvPr/>
-        </p:nvSpPr>
-        <p:spPr>
-          <a:xfrm>
-            <a:off x="7841894" y="5991149"/>
-            <a:ext cx="10077907" cy="400110"/>
-          </a:xfrm>
-          <a:prstGeom prst="rect">
-            <a:avLst/>
-          </a:prstGeom>
-          <a:noFill/>
-        </p:spPr>
-        <p:txBody>
-          <a:bodyPr wrap="square" rtlCol="0">
-            <a:spAutoFit/>
-          </a:bodyPr>
-          <a:lstStyle/>
-          <a:p>
-            <a:r>
-              <a:rPr lang="it-IT" sz="2000" b="1" dirty="0">
-                <a:solidFill>
-                  <a:srgbClr val="002060"/>
-                </a:solidFill>
-                <a:latin typeface="Arial Black" panose="020B0A04020102020204" pitchFamily="34" charset="0"/>
-              </a:rPr>
-              <a:t>GRAZIE PER L’ATTENZIONE </a:t>
-            </a:r>
-          </a:p>
-        </p:txBody>
-      </p:sp>
-    </p:spTree>
-    <p:extLst>
-      <p:ext uri="{BB962C8B-B14F-4D97-AF65-F5344CB8AC3E}">
-        <p14:creationId xmlns:p14="http://schemas.microsoft.com/office/powerpoint/2010/main" val="3537597047"/>
       </p:ext>
     </p:extLst>
   </p:cSld>
@@ -11804,1081 +11388,6 @@
         </p:nvSpPr>
         <p:spPr>
           <a:xfrm>
-            <a:off x="262648" y="243191"/>
-            <a:ext cx="5436188" cy="437745"/>
-          </a:xfrm>
-          <a:prstGeom prst="flowChartProcess">
-            <a:avLst/>
-          </a:prstGeom>
-          <a:solidFill>
-            <a:schemeClr val="accent5">
-              <a:lumMod val="75000"/>
-            </a:schemeClr>
-          </a:solidFill>
-        </p:spPr>
-        <p:style>
-          <a:lnRef idx="2">
-            <a:schemeClr val="accent1">
-              <a:shade val="50000"/>
-            </a:schemeClr>
-          </a:lnRef>
-          <a:fillRef idx="1">
-            <a:schemeClr val="accent1"/>
-          </a:fillRef>
-          <a:effectRef idx="0">
-            <a:schemeClr val="accent1"/>
-          </a:effectRef>
-          <a:fontRef idx="minor">
-            <a:schemeClr val="lt1"/>
-          </a:fontRef>
-        </p:style>
-        <p:txBody>
-          <a:bodyPr rtlCol="0" anchor="ctr"/>
-          <a:lstStyle/>
-          <a:p>
-            <a:pPr algn="ctr"/>
-            <a:endParaRPr lang="it-IT"/>
-          </a:p>
-        </p:txBody>
-      </p:sp>
-      <p:sp>
-        <p:nvSpPr>
-          <p:cNvPr id="3" name="CasellaDiTesto 2">
-            <a:extLst>
-              <a:ext uri="{FF2B5EF4-FFF2-40B4-BE49-F238E27FC236}">
-                <a16:creationId xmlns:a16="http://schemas.microsoft.com/office/drawing/2014/main" id="{91D0514C-8919-4A62-AEB2-C4097699756E}"/>
-              </a:ext>
-            </a:extLst>
-          </p:cNvPr>
-          <p:cNvSpPr txBox="1"/>
-          <p:nvPr/>
-        </p:nvSpPr>
-        <p:spPr>
-          <a:xfrm>
-            <a:off x="262647" y="262008"/>
-            <a:ext cx="5436188" cy="400110"/>
-          </a:xfrm>
-          <a:prstGeom prst="rect">
-            <a:avLst/>
-          </a:prstGeom>
-          <a:noFill/>
-        </p:spPr>
-        <p:txBody>
-          <a:bodyPr wrap="square" rtlCol="0">
-            <a:spAutoFit/>
-          </a:bodyPr>
-          <a:lstStyle/>
-          <a:p>
-            <a:r>
-              <a:rPr lang="it-IT" sz="2000" dirty="0" err="1">
-                <a:solidFill>
-                  <a:schemeClr val="bg1"/>
-                </a:solidFill>
-                <a:latin typeface="Arial Black" panose="020B0A04020102020204" pitchFamily="34" charset="0"/>
-              </a:rPr>
-              <a:t>KPIs</a:t>
-            </a:r>
-            <a:endParaRPr lang="it-IT" sz="2000" dirty="0">
-              <a:solidFill>
-                <a:schemeClr val="bg1"/>
-              </a:solidFill>
-              <a:latin typeface="Arial Black" panose="020B0A04020102020204" pitchFamily="34" charset="0"/>
-            </a:endParaRPr>
-          </a:p>
-        </p:txBody>
-      </p:sp>
-      <p:sp>
-        <p:nvSpPr>
-          <p:cNvPr id="4" name="CasellaDiTesto 3">
-            <a:extLst>
-              <a:ext uri="{FF2B5EF4-FFF2-40B4-BE49-F238E27FC236}">
-                <a16:creationId xmlns:a16="http://schemas.microsoft.com/office/drawing/2014/main" id="{D26E8BE4-A41F-4C0F-993E-3044EEB4DBEB}"/>
-              </a:ext>
-            </a:extLst>
-          </p:cNvPr>
-          <p:cNvSpPr txBox="1"/>
-          <p:nvPr/>
-        </p:nvSpPr>
-        <p:spPr>
-          <a:xfrm>
-            <a:off x="80304" y="565074"/>
-            <a:ext cx="11726591" cy="3970318"/>
-          </a:xfrm>
-          <a:prstGeom prst="rect">
-            <a:avLst/>
-          </a:prstGeom>
-          <a:noFill/>
-        </p:spPr>
-        <p:txBody>
-          <a:bodyPr wrap="square" rtlCol="0">
-            <a:spAutoFit/>
-          </a:bodyPr>
-          <a:lstStyle/>
-          <a:p>
-            <a:pPr marR="0" lvl="0" algn="just" defTabSz="914400" rtl="0" eaLnBrk="1" fontAlgn="auto" latinLnBrk="0" hangingPunct="1">
-              <a:lnSpc>
-                <a:spcPct val="100000"/>
-              </a:lnSpc>
-              <a:spcBef>
-                <a:spcPts val="0"/>
-              </a:spcBef>
-              <a:spcAft>
-                <a:spcPts val="0"/>
-              </a:spcAft>
-              <a:buClrTx/>
-              <a:buSzTx/>
-              <a:tabLst/>
-              <a:defRPr/>
-            </a:pPr>
-            <a:endParaRPr lang="it-IT" dirty="0">
-              <a:solidFill>
-                <a:srgbClr val="002060"/>
-              </a:solidFill>
-              <a:latin typeface="Arial" panose="020B0604020202020204" pitchFamily="34" charset="0"/>
-              <a:cs typeface="Arial" panose="020B0604020202020204" pitchFamily="34" charset="0"/>
-            </a:endParaRPr>
-          </a:p>
-          <a:p>
-            <a:pPr marL="285750" indent="-285750" algn="just">
-              <a:buFont typeface="Arial" panose="020B0604020202020204" pitchFamily="34" charset="0"/>
-              <a:buChar char="•"/>
-              <a:defRPr/>
-            </a:pPr>
-            <a:r>
-              <a:rPr lang="it-IT" dirty="0">
-                <a:solidFill>
-                  <a:srgbClr val="002060"/>
-                </a:solidFill>
-                <a:latin typeface="Arial" panose="020B0604020202020204" pitchFamily="34" charset="0"/>
-                <a:cs typeface="Arial" panose="020B0604020202020204" pitchFamily="34" charset="0"/>
-              </a:rPr>
-              <a:t>Lavorare con i </a:t>
-            </a:r>
-            <a:r>
-              <a:rPr lang="it-IT" dirty="0" err="1">
-                <a:solidFill>
-                  <a:srgbClr val="002060"/>
-                </a:solidFill>
-                <a:latin typeface="Arial" panose="020B0604020202020204" pitchFamily="34" charset="0"/>
-                <a:cs typeface="Arial" panose="020B0604020202020204" pitchFamily="34" charset="0"/>
-              </a:rPr>
-              <a:t>KPIs</a:t>
-            </a:r>
-            <a:r>
-              <a:rPr lang="it-IT" dirty="0">
-                <a:solidFill>
-                  <a:srgbClr val="002060"/>
-                </a:solidFill>
-                <a:latin typeface="Arial" panose="020B0604020202020204" pitchFamily="34" charset="0"/>
-                <a:cs typeface="Arial" panose="020B0604020202020204" pitchFamily="34" charset="0"/>
-              </a:rPr>
-              <a:t> permette di visualizzare informazioni rilevanti di per se complesse.</a:t>
-            </a:r>
-          </a:p>
-          <a:p>
-            <a:pPr marR="0" lvl="0" algn="just" defTabSz="914400" rtl="0" eaLnBrk="1" fontAlgn="auto" latinLnBrk="0" hangingPunct="1">
-              <a:lnSpc>
-                <a:spcPct val="100000"/>
-              </a:lnSpc>
-              <a:spcBef>
-                <a:spcPts val="0"/>
-              </a:spcBef>
-              <a:spcAft>
-                <a:spcPts val="0"/>
-              </a:spcAft>
-              <a:buClrTx/>
-              <a:buSzTx/>
-              <a:tabLst/>
-              <a:defRPr/>
-            </a:pPr>
-            <a:endParaRPr lang="it-IT" dirty="0">
-              <a:solidFill>
-                <a:srgbClr val="002060"/>
-              </a:solidFill>
-              <a:latin typeface="Arial" panose="020B0604020202020204" pitchFamily="34" charset="0"/>
-              <a:cs typeface="Arial" panose="020B0604020202020204" pitchFamily="34" charset="0"/>
-            </a:endParaRPr>
-          </a:p>
-          <a:p>
-            <a:pPr marL="285750" marR="0" lvl="0" indent="-285750" algn="just" defTabSz="914400" rtl="0" eaLnBrk="1" fontAlgn="auto" latinLnBrk="0" hangingPunct="1">
-              <a:lnSpc>
-                <a:spcPct val="100000"/>
-              </a:lnSpc>
-              <a:spcBef>
-                <a:spcPts val="0"/>
-              </a:spcBef>
-              <a:spcAft>
-                <a:spcPts val="0"/>
-              </a:spcAft>
-              <a:buClrTx/>
-              <a:buSzTx/>
-              <a:buFont typeface="Arial" panose="020B0604020202020204" pitchFamily="34" charset="0"/>
-              <a:buChar char="•"/>
-              <a:tabLst/>
-              <a:defRPr/>
-            </a:pPr>
-            <a:r>
-              <a:rPr kumimoji="0" lang="it-IT" sz="1800" b="0" i="0" u="none" strike="noStrike" kern="1200" cap="none" spc="0" normalizeH="0" baseline="0" noProof="0" dirty="0">
-                <a:ln>
-                  <a:noFill/>
-                </a:ln>
-                <a:solidFill>
-                  <a:srgbClr val="002060"/>
-                </a:solidFill>
-                <a:effectLst/>
-                <a:uLnTx/>
-                <a:uFillTx/>
-                <a:latin typeface="Arial" panose="020B0604020202020204" pitchFamily="34" charset="0"/>
-                <a:ea typeface="+mn-ea"/>
-                <a:cs typeface="Arial" panose="020B0604020202020204" pitchFamily="34" charset="0"/>
-              </a:rPr>
-              <a:t>Ogni KPI può essere suddiviso in tre parti:</a:t>
-            </a:r>
-          </a:p>
-          <a:p>
-            <a:pPr marR="0" lvl="0" algn="just" defTabSz="914400" rtl="0" eaLnBrk="1" fontAlgn="auto" latinLnBrk="0" hangingPunct="1">
-              <a:lnSpc>
-                <a:spcPct val="100000"/>
-              </a:lnSpc>
-              <a:spcBef>
-                <a:spcPts val="0"/>
-              </a:spcBef>
-              <a:spcAft>
-                <a:spcPts val="0"/>
-              </a:spcAft>
-              <a:buClrTx/>
-              <a:buSzTx/>
-              <a:tabLst/>
-              <a:defRPr/>
-            </a:pPr>
-            <a:endParaRPr lang="it-IT" dirty="0">
-              <a:solidFill>
-                <a:srgbClr val="002060"/>
-              </a:solidFill>
-              <a:latin typeface="Arial" panose="020B0604020202020204" pitchFamily="34" charset="0"/>
-              <a:cs typeface="Arial" panose="020B0604020202020204" pitchFamily="34" charset="0"/>
-            </a:endParaRPr>
-          </a:p>
-          <a:p>
-            <a:pPr marL="800100" lvl="1" indent="-342900" algn="just">
-              <a:buFont typeface="+mj-lt"/>
-              <a:buAutoNum type="arabicPeriod"/>
-              <a:defRPr/>
-            </a:pPr>
-            <a:r>
-              <a:rPr kumimoji="0" lang="it-IT" b="1" i="0" u="none" strike="noStrike" kern="1200" cap="none" spc="0" normalizeH="0" baseline="0" noProof="0" dirty="0">
-                <a:ln>
-                  <a:noFill/>
-                </a:ln>
-                <a:solidFill>
-                  <a:srgbClr val="002060"/>
-                </a:solidFill>
-                <a:effectLst/>
-                <a:uLnTx/>
-                <a:uFillTx/>
-                <a:latin typeface="Arial" panose="020B0604020202020204" pitchFamily="34" charset="0"/>
-                <a:ea typeface="+mn-ea"/>
-                <a:cs typeface="Arial" panose="020B0604020202020204" pitchFamily="34" charset="0"/>
-              </a:rPr>
-              <a:t>Valore di base</a:t>
-            </a:r>
-          </a:p>
-          <a:p>
-            <a:pPr marL="800100" lvl="1" indent="-342900" algn="just">
-              <a:buFont typeface="+mj-lt"/>
-              <a:buAutoNum type="arabicPeriod"/>
-              <a:defRPr/>
-            </a:pPr>
-            <a:endParaRPr lang="it-IT" dirty="0">
-              <a:solidFill>
-                <a:srgbClr val="002060"/>
-              </a:solidFill>
-              <a:latin typeface="Arial" panose="020B0604020202020204" pitchFamily="34" charset="0"/>
-              <a:cs typeface="Arial" panose="020B0604020202020204" pitchFamily="34" charset="0"/>
-            </a:endParaRPr>
-          </a:p>
-          <a:p>
-            <a:pPr marL="800100" lvl="1" indent="-342900" algn="just">
-              <a:buFont typeface="+mj-lt"/>
-              <a:buAutoNum type="arabicPeriod"/>
-              <a:defRPr/>
-            </a:pPr>
-            <a:r>
-              <a:rPr kumimoji="0" lang="it-IT" b="1" i="0" u="none" strike="noStrike" kern="1200" cap="none" spc="0" normalizeH="0" baseline="0" noProof="0" dirty="0">
-                <a:ln>
-                  <a:noFill/>
-                </a:ln>
-                <a:solidFill>
-                  <a:srgbClr val="002060"/>
-                </a:solidFill>
-                <a:effectLst/>
-                <a:uLnTx/>
-                <a:uFillTx/>
-                <a:latin typeface="Arial" panose="020B0604020202020204" pitchFamily="34" charset="0"/>
-                <a:ea typeface="+mn-ea"/>
-                <a:cs typeface="Arial" panose="020B0604020202020204" pitchFamily="34" charset="0"/>
-              </a:rPr>
-              <a:t>Valore target</a:t>
-            </a:r>
-          </a:p>
-          <a:p>
-            <a:pPr marL="800100" lvl="1" indent="-342900" algn="just">
-              <a:buFont typeface="+mj-lt"/>
-              <a:buAutoNum type="arabicPeriod"/>
-              <a:defRPr/>
-            </a:pPr>
-            <a:endParaRPr lang="it-IT" dirty="0">
-              <a:solidFill>
-                <a:srgbClr val="002060"/>
-              </a:solidFill>
-              <a:latin typeface="Arial" panose="020B0604020202020204" pitchFamily="34" charset="0"/>
-              <a:cs typeface="Arial" panose="020B0604020202020204" pitchFamily="34" charset="0"/>
-            </a:endParaRPr>
-          </a:p>
-          <a:p>
-            <a:pPr marL="800100" lvl="1" indent="-342900" algn="just">
-              <a:buFont typeface="+mj-lt"/>
-              <a:buAutoNum type="arabicPeriod"/>
-              <a:defRPr/>
-            </a:pPr>
-            <a:r>
-              <a:rPr kumimoji="0" lang="it-IT" b="1" i="0" u="none" strike="noStrike" kern="1200" cap="none" spc="0" normalizeH="0" baseline="0" noProof="0" dirty="0">
-                <a:ln>
-                  <a:noFill/>
-                </a:ln>
-                <a:solidFill>
-                  <a:srgbClr val="002060"/>
-                </a:solidFill>
-                <a:effectLst/>
-                <a:uLnTx/>
-                <a:uFillTx/>
-                <a:latin typeface="Arial" panose="020B0604020202020204" pitchFamily="34" charset="0"/>
-                <a:ea typeface="+mn-ea"/>
-                <a:cs typeface="Arial" panose="020B0604020202020204" pitchFamily="34" charset="0"/>
-              </a:rPr>
-              <a:t>Soglie di stato</a:t>
-            </a:r>
-            <a:endParaRPr lang="it-IT" dirty="0">
-              <a:solidFill>
-                <a:srgbClr val="002060"/>
-              </a:solidFill>
-              <a:latin typeface="Arial" panose="020B0604020202020204" pitchFamily="34" charset="0"/>
-              <a:cs typeface="Arial" panose="020B0604020202020204" pitchFamily="34" charset="0"/>
-            </a:endParaRPr>
-          </a:p>
-          <a:p>
-            <a:pPr marL="285750" marR="0" lvl="0" indent="-285750" algn="just" defTabSz="914400" rtl="0" eaLnBrk="1" fontAlgn="auto" latinLnBrk="0" hangingPunct="1">
-              <a:lnSpc>
-                <a:spcPct val="100000"/>
-              </a:lnSpc>
-              <a:spcBef>
-                <a:spcPts val="0"/>
-              </a:spcBef>
-              <a:spcAft>
-                <a:spcPts val="0"/>
-              </a:spcAft>
-              <a:buClrTx/>
-              <a:buSzTx/>
-              <a:buFont typeface="Arial" panose="020B0604020202020204" pitchFamily="34" charset="0"/>
-              <a:buChar char="•"/>
-              <a:tabLst/>
-              <a:defRPr/>
-            </a:pPr>
-            <a:endParaRPr kumimoji="0" lang="it-IT" sz="1800" b="0" i="0" u="none" strike="noStrike" kern="1200" cap="none" spc="0" normalizeH="0" baseline="0" noProof="0" dirty="0">
-              <a:ln>
-                <a:noFill/>
-              </a:ln>
-              <a:solidFill>
-                <a:srgbClr val="002060"/>
-              </a:solidFill>
-              <a:effectLst/>
-              <a:uLnTx/>
-              <a:uFillTx/>
-              <a:latin typeface="Arial" panose="020B0604020202020204" pitchFamily="34" charset="0"/>
-              <a:ea typeface="+mn-ea"/>
-              <a:cs typeface="Arial" panose="020B0604020202020204" pitchFamily="34" charset="0"/>
-            </a:endParaRPr>
-          </a:p>
-          <a:p>
-            <a:pPr marL="285750" marR="0" lvl="0" indent="-285750" algn="just" defTabSz="914400" rtl="0" eaLnBrk="1" fontAlgn="auto" latinLnBrk="0" hangingPunct="1">
-              <a:lnSpc>
-                <a:spcPct val="100000"/>
-              </a:lnSpc>
-              <a:spcBef>
-                <a:spcPts val="0"/>
-              </a:spcBef>
-              <a:spcAft>
-                <a:spcPts val="0"/>
-              </a:spcAft>
-              <a:buClrTx/>
-              <a:buSzTx/>
-              <a:buFont typeface="Arial" panose="020B0604020202020204" pitchFamily="34" charset="0"/>
-              <a:buChar char="•"/>
-              <a:tabLst/>
-              <a:defRPr/>
-            </a:pPr>
-            <a:endParaRPr kumimoji="0" lang="it-IT" sz="1800" b="0" i="0" u="none" strike="noStrike" kern="1200" cap="none" spc="0" normalizeH="0" baseline="0" noProof="0" dirty="0">
-              <a:ln>
-                <a:noFill/>
-              </a:ln>
-              <a:solidFill>
-                <a:srgbClr val="002060"/>
-              </a:solidFill>
-              <a:effectLst/>
-              <a:uLnTx/>
-              <a:uFillTx/>
-              <a:latin typeface="Arial" panose="020B0604020202020204" pitchFamily="34" charset="0"/>
-              <a:ea typeface="+mn-ea"/>
-              <a:cs typeface="Arial" panose="020B0604020202020204" pitchFamily="34" charset="0"/>
-            </a:endParaRPr>
-          </a:p>
-          <a:p>
-            <a:pPr marL="285750" marR="0" lvl="0" indent="-285750" algn="just" defTabSz="914400" rtl="0" eaLnBrk="1" fontAlgn="auto" latinLnBrk="0" hangingPunct="1">
-              <a:lnSpc>
-                <a:spcPct val="100000"/>
-              </a:lnSpc>
-              <a:spcBef>
-                <a:spcPts val="0"/>
-              </a:spcBef>
-              <a:spcAft>
-                <a:spcPts val="0"/>
-              </a:spcAft>
-              <a:buClrTx/>
-              <a:buSzTx/>
-              <a:buFont typeface="Arial" panose="020B0604020202020204" pitchFamily="34" charset="0"/>
-              <a:buChar char="•"/>
-              <a:tabLst/>
-              <a:defRPr/>
-            </a:pPr>
-            <a:endParaRPr kumimoji="0" lang="it-IT" sz="1800" b="0" i="0" u="none" strike="noStrike" kern="1200" cap="none" spc="0" normalizeH="0" baseline="0" noProof="0" dirty="0">
-              <a:ln>
-                <a:noFill/>
-              </a:ln>
-              <a:solidFill>
-                <a:srgbClr val="002060"/>
-              </a:solidFill>
-              <a:effectLst/>
-              <a:uLnTx/>
-              <a:uFillTx/>
-              <a:latin typeface="Arial" panose="020B0604020202020204" pitchFamily="34" charset="0"/>
-              <a:ea typeface="+mn-ea"/>
-              <a:cs typeface="Arial" panose="020B0604020202020204" pitchFamily="34" charset="0"/>
-            </a:endParaRPr>
-          </a:p>
-          <a:p>
-            <a:pPr marL="800100" lvl="1" indent="-342900" algn="just">
-              <a:buFont typeface="+mj-lt"/>
-              <a:buAutoNum type="arabicPeriod"/>
-              <a:defRPr/>
-            </a:pPr>
-            <a:endParaRPr kumimoji="0" lang="it-IT" sz="1800" b="0" i="0" u="none" strike="noStrike" kern="1200" cap="none" spc="0" normalizeH="0" baseline="0" noProof="0" dirty="0">
-              <a:ln>
-                <a:noFill/>
-              </a:ln>
-              <a:solidFill>
-                <a:srgbClr val="002060"/>
-              </a:solidFill>
-              <a:effectLst/>
-              <a:uLnTx/>
-              <a:uFillTx/>
-              <a:latin typeface="Arial" panose="020B0604020202020204" pitchFamily="34" charset="0"/>
-              <a:ea typeface="+mn-ea"/>
-              <a:cs typeface="Arial" panose="020B0604020202020204" pitchFamily="34" charset="0"/>
-            </a:endParaRPr>
-          </a:p>
-        </p:txBody>
-      </p:sp>
-      <p:sp>
-        <p:nvSpPr>
-          <p:cNvPr id="6" name="AutoShape 4">
-            <a:extLst>
-              <a:ext uri="{FF2B5EF4-FFF2-40B4-BE49-F238E27FC236}">
-                <a16:creationId xmlns:a16="http://schemas.microsoft.com/office/drawing/2014/main" id="{939F08A7-A0A6-4924-917D-11A694AC3A16}"/>
-              </a:ext>
-            </a:extLst>
-          </p:cNvPr>
-          <p:cNvSpPr>
-            <a:spLocks noChangeAspect="1" noChangeArrowheads="1"/>
-          </p:cNvSpPr>
-          <p:nvPr/>
-        </p:nvSpPr>
-        <p:spPr bwMode="auto">
-          <a:xfrm>
-            <a:off x="5943600" y="3276600"/>
-            <a:ext cx="304800" cy="304800"/>
-          </a:xfrm>
-          <a:prstGeom prst="rect">
-            <a:avLst/>
-          </a:prstGeom>
-          <a:noFill/>
-          <a:extLst>
-            <a:ext uri="{909E8E84-426E-40DD-AFC4-6F175D3DCCD1}">
-              <a14:hiddenFill xmlns:a14="http://schemas.microsoft.com/office/drawing/2010/main">
-                <a:solidFill>
-                  <a:srgbClr val="FFFFFF"/>
-                </a:solidFill>
-              </a14:hiddenFill>
-            </a:ext>
-          </a:extLst>
-        </p:spPr>
-        <p:txBody>
-          <a:bodyPr vert="horz" wrap="square" lIns="91440" tIns="45720" rIns="91440" bIns="45720" numCol="1" anchor="t" anchorCtr="0" compatLnSpc="1">
-            <a:prstTxWarp prst="textNoShape">
-              <a:avLst/>
-            </a:prstTxWarp>
-          </a:bodyPr>
-          <a:lstStyle/>
-          <a:p>
-            <a:endParaRPr lang="it-IT"/>
-          </a:p>
-        </p:txBody>
-      </p:sp>
-      <p:pic>
-        <p:nvPicPr>
-          <p:cNvPr id="5" name="Immagine 4">
-            <a:extLst>
-              <a:ext uri="{FF2B5EF4-FFF2-40B4-BE49-F238E27FC236}">
-                <a16:creationId xmlns:a16="http://schemas.microsoft.com/office/drawing/2014/main" id="{749274E5-3D2B-4459-961F-373584FD21B5}"/>
-              </a:ext>
-            </a:extLst>
-          </p:cNvPr>
-          <p:cNvPicPr>
-            <a:picLocks noChangeAspect="1"/>
-          </p:cNvPicPr>
-          <p:nvPr/>
-        </p:nvPicPr>
-        <p:blipFill>
-          <a:blip r:embed="rId3"/>
-          <a:stretch>
-            <a:fillRect/>
-          </a:stretch>
-        </p:blipFill>
-        <p:spPr>
-          <a:xfrm>
-            <a:off x="8534401" y="1290660"/>
-            <a:ext cx="2693581" cy="2266282"/>
-          </a:xfrm>
-          <a:prstGeom prst="rect">
-            <a:avLst/>
-          </a:prstGeom>
-        </p:spPr>
-      </p:pic>
-      <p:sp>
-        <p:nvSpPr>
-          <p:cNvPr id="7" name="Elaborazione 6">
-            <a:extLst>
-              <a:ext uri="{FF2B5EF4-FFF2-40B4-BE49-F238E27FC236}">
-                <a16:creationId xmlns:a16="http://schemas.microsoft.com/office/drawing/2014/main" id="{D0A0A8CB-B3BB-4548-9555-26FB38059456}"/>
-              </a:ext>
-            </a:extLst>
-          </p:cNvPr>
-          <p:cNvSpPr/>
-          <p:nvPr/>
-        </p:nvSpPr>
-        <p:spPr>
-          <a:xfrm>
-            <a:off x="139344" y="3718489"/>
-            <a:ext cx="5436188" cy="437745"/>
-          </a:xfrm>
-          <a:prstGeom prst="flowChartProcess">
-            <a:avLst/>
-          </a:prstGeom>
-          <a:solidFill>
-            <a:schemeClr val="accent5">
-              <a:lumMod val="75000"/>
-            </a:schemeClr>
-          </a:solidFill>
-        </p:spPr>
-        <p:style>
-          <a:lnRef idx="2">
-            <a:schemeClr val="accent1">
-              <a:shade val="50000"/>
-            </a:schemeClr>
-          </a:lnRef>
-          <a:fillRef idx="1">
-            <a:schemeClr val="accent1"/>
-          </a:fillRef>
-          <a:effectRef idx="0">
-            <a:schemeClr val="accent1"/>
-          </a:effectRef>
-          <a:fontRef idx="minor">
-            <a:schemeClr val="lt1"/>
-          </a:fontRef>
-        </p:style>
-        <p:txBody>
-          <a:bodyPr rtlCol="0" anchor="ctr"/>
-          <a:lstStyle/>
-          <a:p>
-            <a:pPr algn="ctr"/>
-            <a:endParaRPr lang="it-IT"/>
-          </a:p>
-        </p:txBody>
-      </p:sp>
-      <p:sp>
-        <p:nvSpPr>
-          <p:cNvPr id="8" name="CasellaDiTesto 7">
-            <a:extLst>
-              <a:ext uri="{FF2B5EF4-FFF2-40B4-BE49-F238E27FC236}">
-                <a16:creationId xmlns:a16="http://schemas.microsoft.com/office/drawing/2014/main" id="{95A545AB-8B00-45A5-983B-74512D79E708}"/>
-              </a:ext>
-            </a:extLst>
-          </p:cNvPr>
-          <p:cNvSpPr txBox="1"/>
-          <p:nvPr/>
-        </p:nvSpPr>
-        <p:spPr>
-          <a:xfrm>
-            <a:off x="139344" y="3756124"/>
-            <a:ext cx="5436188" cy="400110"/>
-          </a:xfrm>
-          <a:prstGeom prst="rect">
-            <a:avLst/>
-          </a:prstGeom>
-          <a:noFill/>
-        </p:spPr>
-        <p:txBody>
-          <a:bodyPr wrap="square" rtlCol="0">
-            <a:spAutoFit/>
-          </a:bodyPr>
-          <a:lstStyle/>
-          <a:p>
-            <a:r>
-              <a:rPr lang="it-IT" sz="2000" dirty="0">
-                <a:solidFill>
-                  <a:schemeClr val="bg1"/>
-                </a:solidFill>
-                <a:latin typeface="Arial Black" panose="020B0A04020102020204" pitchFamily="34" charset="0"/>
-              </a:rPr>
-              <a:t>IA nel mondo del Business </a:t>
-            </a:r>
-          </a:p>
-        </p:txBody>
-      </p:sp>
-      <p:sp>
-        <p:nvSpPr>
-          <p:cNvPr id="9" name="CasellaDiTesto 8">
-            <a:extLst>
-              <a:ext uri="{FF2B5EF4-FFF2-40B4-BE49-F238E27FC236}">
-                <a16:creationId xmlns:a16="http://schemas.microsoft.com/office/drawing/2014/main" id="{7E59CEEE-DA22-4B48-848F-95BA126CF928}"/>
-              </a:ext>
-            </a:extLst>
-          </p:cNvPr>
-          <p:cNvSpPr txBox="1"/>
-          <p:nvPr/>
-        </p:nvSpPr>
-        <p:spPr>
-          <a:xfrm>
-            <a:off x="80304" y="4307767"/>
-            <a:ext cx="6628236" cy="2862322"/>
-          </a:xfrm>
-          <a:prstGeom prst="rect">
-            <a:avLst/>
-          </a:prstGeom>
-          <a:noFill/>
-        </p:spPr>
-        <p:txBody>
-          <a:bodyPr wrap="square" rtlCol="0">
-            <a:spAutoFit/>
-          </a:bodyPr>
-          <a:lstStyle/>
-          <a:p>
-            <a:pPr marR="0" lvl="0" algn="just" defTabSz="914400" rtl="0" eaLnBrk="1" fontAlgn="auto" latinLnBrk="0" hangingPunct="1">
-              <a:lnSpc>
-                <a:spcPct val="100000"/>
-              </a:lnSpc>
-              <a:spcBef>
-                <a:spcPts val="0"/>
-              </a:spcBef>
-              <a:spcAft>
-                <a:spcPts val="0"/>
-              </a:spcAft>
-              <a:buClrTx/>
-              <a:buSzTx/>
-              <a:tabLst/>
-              <a:defRPr/>
-            </a:pPr>
-            <a:endParaRPr kumimoji="0" lang="it-IT" sz="1800" b="0" i="0" u="none" strike="noStrike" kern="1200" cap="none" spc="0" normalizeH="0" baseline="0" noProof="0" dirty="0">
-              <a:ln>
-                <a:noFill/>
-              </a:ln>
-              <a:solidFill>
-                <a:srgbClr val="002060"/>
-              </a:solidFill>
-              <a:effectLst/>
-              <a:uLnTx/>
-              <a:uFillTx/>
-              <a:latin typeface="Arial" panose="020B0604020202020204" pitchFamily="34" charset="0"/>
-              <a:ea typeface="+mn-ea"/>
-              <a:cs typeface="Arial" panose="020B0604020202020204" pitchFamily="34" charset="0"/>
-            </a:endParaRPr>
-          </a:p>
-          <a:p>
-            <a:pPr marL="285750" marR="0" lvl="0" indent="-285750" algn="just" defTabSz="914400" rtl="0" eaLnBrk="1" fontAlgn="auto" latinLnBrk="0" hangingPunct="1">
-              <a:lnSpc>
-                <a:spcPct val="100000"/>
-              </a:lnSpc>
-              <a:spcBef>
-                <a:spcPts val="0"/>
-              </a:spcBef>
-              <a:spcAft>
-                <a:spcPts val="0"/>
-              </a:spcAft>
-              <a:buClrTx/>
-              <a:buSzTx/>
-              <a:buFont typeface="Arial" panose="020B0604020202020204" pitchFamily="34" charset="0"/>
-              <a:buChar char="•"/>
-              <a:tabLst/>
-              <a:defRPr/>
-            </a:pPr>
-            <a:r>
-              <a:rPr lang="it-IT" dirty="0">
-                <a:solidFill>
-                  <a:srgbClr val="002060"/>
-                </a:solidFill>
-                <a:latin typeface="Arial" panose="020B0604020202020204" pitchFamily="34" charset="0"/>
-                <a:cs typeface="Arial" panose="020B0604020202020204" pitchFamily="34" charset="0"/>
-              </a:rPr>
-              <a:t>Image </a:t>
-            </a:r>
-            <a:r>
-              <a:rPr lang="it-IT" dirty="0" err="1">
-                <a:solidFill>
-                  <a:srgbClr val="002060"/>
-                </a:solidFill>
-                <a:latin typeface="Arial" panose="020B0604020202020204" pitchFamily="34" charset="0"/>
-                <a:cs typeface="Arial" panose="020B0604020202020204" pitchFamily="34" charset="0"/>
-              </a:rPr>
-              <a:t>recognition</a:t>
-            </a:r>
-            <a:r>
-              <a:rPr lang="it-IT" dirty="0">
-                <a:solidFill>
-                  <a:srgbClr val="002060"/>
-                </a:solidFill>
-                <a:latin typeface="Arial" panose="020B0604020202020204" pitchFamily="34" charset="0"/>
-                <a:cs typeface="Arial" panose="020B0604020202020204" pitchFamily="34" charset="0"/>
-              </a:rPr>
-              <a:t> e </a:t>
-            </a:r>
-            <a:r>
-              <a:rPr lang="it-IT" dirty="0" err="1">
-                <a:solidFill>
-                  <a:srgbClr val="002060"/>
-                </a:solidFill>
-                <a:latin typeface="Arial" panose="020B0604020202020204" pitchFamily="34" charset="0"/>
-                <a:cs typeface="Arial" panose="020B0604020202020204" pitchFamily="34" charset="0"/>
-              </a:rPr>
-              <a:t>lmage</a:t>
-            </a:r>
-            <a:r>
-              <a:rPr lang="it-IT" dirty="0">
-                <a:solidFill>
-                  <a:srgbClr val="002060"/>
-                </a:solidFill>
-                <a:latin typeface="Arial" panose="020B0604020202020204" pitchFamily="34" charset="0"/>
-                <a:cs typeface="Arial" panose="020B0604020202020204" pitchFamily="34" charset="0"/>
-              </a:rPr>
-              <a:t> </a:t>
-            </a:r>
-            <a:r>
-              <a:rPr lang="it-IT" dirty="0" err="1">
-                <a:solidFill>
-                  <a:srgbClr val="002060"/>
-                </a:solidFill>
-                <a:latin typeface="Arial" panose="020B0604020202020204" pitchFamily="34" charset="0"/>
-                <a:cs typeface="Arial" panose="020B0604020202020204" pitchFamily="34" charset="0"/>
-              </a:rPr>
-              <a:t>detection</a:t>
-            </a:r>
-            <a:r>
-              <a:rPr lang="it-IT" dirty="0">
-                <a:solidFill>
-                  <a:srgbClr val="002060"/>
-                </a:solidFill>
-                <a:latin typeface="Arial" panose="020B0604020202020204" pitchFamily="34" charset="0"/>
-                <a:cs typeface="Arial" panose="020B0604020202020204" pitchFamily="34" charset="0"/>
-              </a:rPr>
-              <a:t> tra le declinazioni a maggior tasso di crescita nel mondo BI.</a:t>
-            </a:r>
-          </a:p>
-          <a:p>
-            <a:pPr marL="285750" marR="0" lvl="0" indent="-285750" algn="just" defTabSz="914400" rtl="0" eaLnBrk="1" fontAlgn="auto" latinLnBrk="0" hangingPunct="1">
-              <a:lnSpc>
-                <a:spcPct val="100000"/>
-              </a:lnSpc>
-              <a:spcBef>
-                <a:spcPts val="0"/>
-              </a:spcBef>
-              <a:spcAft>
-                <a:spcPts val="0"/>
-              </a:spcAft>
-              <a:buClrTx/>
-              <a:buSzTx/>
-              <a:buFont typeface="Arial" panose="020B0604020202020204" pitchFamily="34" charset="0"/>
-              <a:buChar char="•"/>
-              <a:tabLst/>
-              <a:defRPr/>
-            </a:pPr>
-            <a:endParaRPr lang="it-IT" dirty="0">
-              <a:solidFill>
-                <a:srgbClr val="002060"/>
-              </a:solidFill>
-              <a:latin typeface="Arial" panose="020B0604020202020204" pitchFamily="34" charset="0"/>
-              <a:cs typeface="Arial" panose="020B0604020202020204" pitchFamily="34" charset="0"/>
-            </a:endParaRPr>
-          </a:p>
-          <a:p>
-            <a:pPr marL="285750" marR="0" lvl="0" indent="-285750" algn="just" defTabSz="914400" rtl="0" eaLnBrk="1" fontAlgn="auto" latinLnBrk="0" hangingPunct="1">
-              <a:lnSpc>
-                <a:spcPct val="100000"/>
-              </a:lnSpc>
-              <a:spcBef>
-                <a:spcPts val="0"/>
-              </a:spcBef>
-              <a:spcAft>
-                <a:spcPts val="0"/>
-              </a:spcAft>
-              <a:buClrTx/>
-              <a:buSzTx/>
-              <a:buFont typeface="Arial" panose="020B0604020202020204" pitchFamily="34" charset="0"/>
-              <a:buChar char="•"/>
-              <a:tabLst/>
-              <a:defRPr/>
-            </a:pPr>
-            <a:endParaRPr lang="it-IT" dirty="0">
-              <a:solidFill>
-                <a:srgbClr val="002060"/>
-              </a:solidFill>
-              <a:latin typeface="Arial" panose="020B0604020202020204" pitchFamily="34" charset="0"/>
-              <a:cs typeface="Arial" panose="020B0604020202020204" pitchFamily="34" charset="0"/>
-            </a:endParaRPr>
-          </a:p>
-          <a:p>
-            <a:pPr marR="0" lvl="0" algn="just" defTabSz="914400" rtl="0" eaLnBrk="1" fontAlgn="auto" latinLnBrk="0" hangingPunct="1">
-              <a:lnSpc>
-                <a:spcPct val="100000"/>
-              </a:lnSpc>
-              <a:spcBef>
-                <a:spcPts val="0"/>
-              </a:spcBef>
-              <a:spcAft>
-                <a:spcPts val="0"/>
-              </a:spcAft>
-              <a:buClrTx/>
-              <a:buSzTx/>
-              <a:tabLst/>
-              <a:defRPr/>
-            </a:pPr>
-            <a:endParaRPr lang="it-IT" dirty="0">
-              <a:solidFill>
-                <a:srgbClr val="002060"/>
-              </a:solidFill>
-              <a:latin typeface="Arial" panose="020B0604020202020204" pitchFamily="34" charset="0"/>
-              <a:cs typeface="Arial" panose="020B0604020202020204" pitchFamily="34" charset="0"/>
-            </a:endParaRPr>
-          </a:p>
-          <a:p>
-            <a:pPr marR="0" lvl="0" algn="just" defTabSz="914400" rtl="0" eaLnBrk="1" fontAlgn="auto" latinLnBrk="0" hangingPunct="1">
-              <a:lnSpc>
-                <a:spcPct val="100000"/>
-              </a:lnSpc>
-              <a:spcBef>
-                <a:spcPts val="0"/>
-              </a:spcBef>
-              <a:spcAft>
-                <a:spcPts val="0"/>
-              </a:spcAft>
-              <a:buClrTx/>
-              <a:buSzTx/>
-              <a:tabLst/>
-              <a:defRPr/>
-            </a:pPr>
-            <a:endParaRPr kumimoji="0" lang="it-IT" sz="1800" b="0" i="0" u="none" strike="noStrike" kern="1200" cap="none" spc="0" normalizeH="0" baseline="0" noProof="0" dirty="0">
-              <a:ln>
-                <a:noFill/>
-              </a:ln>
-              <a:solidFill>
-                <a:srgbClr val="002060"/>
-              </a:solidFill>
-              <a:effectLst/>
-              <a:uLnTx/>
-              <a:uFillTx/>
-              <a:latin typeface="Arial" panose="020B0604020202020204" pitchFamily="34" charset="0"/>
-              <a:ea typeface="+mn-ea"/>
-              <a:cs typeface="Arial" panose="020B0604020202020204" pitchFamily="34" charset="0"/>
-            </a:endParaRPr>
-          </a:p>
-          <a:p>
-            <a:pPr marL="285750" marR="0" lvl="0" indent="-285750" algn="just" defTabSz="914400" rtl="0" eaLnBrk="1" fontAlgn="auto" latinLnBrk="0" hangingPunct="1">
-              <a:lnSpc>
-                <a:spcPct val="100000"/>
-              </a:lnSpc>
-              <a:spcBef>
-                <a:spcPts val="0"/>
-              </a:spcBef>
-              <a:spcAft>
-                <a:spcPts val="0"/>
-              </a:spcAft>
-              <a:buClrTx/>
-              <a:buSzTx/>
-              <a:buFont typeface="Arial" panose="020B0604020202020204" pitchFamily="34" charset="0"/>
-              <a:buChar char="•"/>
-              <a:tabLst/>
-              <a:defRPr/>
-            </a:pPr>
-            <a:endParaRPr lang="it-IT" dirty="0">
-              <a:solidFill>
-                <a:srgbClr val="002060"/>
-              </a:solidFill>
-              <a:latin typeface="Arial" panose="020B0604020202020204" pitchFamily="34" charset="0"/>
-              <a:cs typeface="Arial" panose="020B0604020202020204" pitchFamily="34" charset="0"/>
-            </a:endParaRPr>
-          </a:p>
-          <a:p>
-            <a:pPr marL="285750" marR="0" lvl="0" indent="-285750" algn="just" defTabSz="914400" rtl="0" eaLnBrk="1" fontAlgn="auto" latinLnBrk="0" hangingPunct="1">
-              <a:lnSpc>
-                <a:spcPct val="100000"/>
-              </a:lnSpc>
-              <a:spcBef>
-                <a:spcPts val="0"/>
-              </a:spcBef>
-              <a:spcAft>
-                <a:spcPts val="0"/>
-              </a:spcAft>
-              <a:buClrTx/>
-              <a:buSzTx/>
-              <a:buFont typeface="Arial" panose="020B0604020202020204" pitchFamily="34" charset="0"/>
-              <a:buChar char="•"/>
-              <a:tabLst/>
-              <a:defRPr/>
-            </a:pPr>
-            <a:endParaRPr kumimoji="0" lang="it-IT" sz="1800" b="0" i="0" u="none" strike="noStrike" kern="1200" cap="none" spc="0" normalizeH="0" baseline="0" noProof="0" dirty="0">
-              <a:ln>
-                <a:noFill/>
-              </a:ln>
-              <a:solidFill>
-                <a:srgbClr val="002060"/>
-              </a:solidFill>
-              <a:effectLst/>
-              <a:uLnTx/>
-              <a:uFillTx/>
-              <a:latin typeface="Arial" panose="020B0604020202020204" pitchFamily="34" charset="0"/>
-              <a:ea typeface="+mn-ea"/>
-              <a:cs typeface="Arial" panose="020B0604020202020204" pitchFamily="34" charset="0"/>
-            </a:endParaRPr>
-          </a:p>
-          <a:p>
-            <a:pPr marL="285750" marR="0" lvl="0" indent="-285750" algn="just" defTabSz="914400" rtl="0" eaLnBrk="1" fontAlgn="auto" latinLnBrk="0" hangingPunct="1">
-              <a:lnSpc>
-                <a:spcPct val="100000"/>
-              </a:lnSpc>
-              <a:spcBef>
-                <a:spcPts val="0"/>
-              </a:spcBef>
-              <a:spcAft>
-                <a:spcPts val="0"/>
-              </a:spcAft>
-              <a:buClrTx/>
-              <a:buSzTx/>
-              <a:buFont typeface="Arial" panose="020B0604020202020204" pitchFamily="34" charset="0"/>
-              <a:buChar char="•"/>
-              <a:tabLst/>
-              <a:defRPr/>
-            </a:pPr>
-            <a:endParaRPr kumimoji="0" lang="it-IT" sz="1800" b="0" i="0" u="none" strike="noStrike" kern="1200" cap="none" spc="0" normalizeH="0" baseline="0" noProof="0" dirty="0">
-              <a:ln>
-                <a:noFill/>
-              </a:ln>
-              <a:solidFill>
-                <a:srgbClr val="002060"/>
-              </a:solidFill>
-              <a:effectLst/>
-              <a:uLnTx/>
-              <a:uFillTx/>
-              <a:latin typeface="Arial" panose="020B0604020202020204" pitchFamily="34" charset="0"/>
-              <a:ea typeface="+mn-ea"/>
-              <a:cs typeface="Arial" panose="020B0604020202020204" pitchFamily="34" charset="0"/>
-            </a:endParaRPr>
-          </a:p>
-        </p:txBody>
-      </p:sp>
-      <p:pic>
-        <p:nvPicPr>
-          <p:cNvPr id="10" name="Immagine 9">
-            <a:extLst>
-              <a:ext uri="{FF2B5EF4-FFF2-40B4-BE49-F238E27FC236}">
-                <a16:creationId xmlns:a16="http://schemas.microsoft.com/office/drawing/2014/main" id="{DBF1FFC7-AB89-4007-9F1C-3FA78A8D2C7D}"/>
-              </a:ext>
-            </a:extLst>
-          </p:cNvPr>
-          <p:cNvPicPr>
-            <a:picLocks noChangeAspect="1"/>
-          </p:cNvPicPr>
-          <p:nvPr/>
-        </p:nvPicPr>
-        <p:blipFill>
-          <a:blip r:embed="rId4"/>
-          <a:stretch>
-            <a:fillRect/>
-          </a:stretch>
-        </p:blipFill>
-        <p:spPr>
-          <a:xfrm>
-            <a:off x="7875485" y="3708475"/>
-            <a:ext cx="3543883" cy="2813964"/>
-          </a:xfrm>
-          <a:prstGeom prst="rect">
-            <a:avLst/>
-          </a:prstGeom>
-        </p:spPr>
-      </p:pic>
-    </p:spTree>
-    <p:extLst>
-      <p:ext uri="{BB962C8B-B14F-4D97-AF65-F5344CB8AC3E}">
-        <p14:creationId xmlns:p14="http://schemas.microsoft.com/office/powerpoint/2010/main" val="4242748999"/>
-      </p:ext>
-    </p:extLst>
-  </p:cSld>
-  <p:clrMapOvr>
-    <a:masterClrMapping/>
-  </p:clrMapOvr>
-  <p:transition spd="med">
-    <p:pull/>
-  </p:transition>
-</p:sld>
-</file>
-
-<file path=ppt/slides/slide5.xml><?xml version="1.0" encoding="utf-8"?>
-<p:sld xmlns:a="http://schemas.openxmlformats.org/drawingml/2006/main" xmlns:r="http://schemas.openxmlformats.org/officeDocument/2006/relationships" xmlns:p="http://schemas.openxmlformats.org/presentationml/2006/main">
-  <p:cSld>
-    <p:spTree>
-      <p:nvGrpSpPr>
-        <p:cNvPr id="1" name=""/>
-        <p:cNvGrpSpPr/>
-        <p:nvPr/>
-      </p:nvGrpSpPr>
-      <p:grpSpPr>
-        <a:xfrm>
-          <a:off x="0" y="0"/>
-          <a:ext cx="0" cy="0"/>
-          <a:chOff x="0" y="0"/>
-          <a:chExt cx="0" cy="0"/>
-        </a:xfrm>
-      </p:grpSpPr>
-      <p:sp>
-        <p:nvSpPr>
-          <p:cNvPr id="2" name="Elaborazione 1">
-            <a:extLst>
-              <a:ext uri="{FF2B5EF4-FFF2-40B4-BE49-F238E27FC236}">
-                <a16:creationId xmlns:a16="http://schemas.microsoft.com/office/drawing/2014/main" id="{4F897BD9-AD8F-4F55-855B-3CEF455EA9F6}"/>
-              </a:ext>
-            </a:extLst>
-          </p:cNvPr>
-          <p:cNvSpPr/>
-          <p:nvPr/>
-        </p:nvSpPr>
-        <p:spPr>
-          <a:xfrm>
             <a:off x="262648" y="101740"/>
             <a:ext cx="5436188" cy="437745"/>
           </a:xfrm>
@@ -13803,7 +12312,7 @@
 </p:sld>
 </file>
 
-<file path=ppt/slides/slide6.xml><?xml version="1.0" encoding="utf-8"?>
+<file path=ppt/slides/slide5.xml><?xml version="1.0" encoding="utf-8"?>
 <p:sld xmlns:a="http://schemas.openxmlformats.org/drawingml/2006/main" xmlns:r="http://schemas.openxmlformats.org/officeDocument/2006/relationships" xmlns:p="http://schemas.openxmlformats.org/presentationml/2006/main">
   <p:cSld>
     <p:spTree>
@@ -14487,7 +12996,7 @@
 </p:sld>
 </file>
 
-<file path=ppt/slides/slide7.xml><?xml version="1.0" encoding="utf-8"?>
+<file path=ppt/slides/slide6.xml><?xml version="1.0" encoding="utf-8"?>
 <p:sld xmlns:a="http://schemas.openxmlformats.org/drawingml/2006/main" xmlns:r="http://schemas.openxmlformats.org/officeDocument/2006/relationships" xmlns:p="http://schemas.openxmlformats.org/presentationml/2006/main">
   <p:cSld>
     <p:spTree>
@@ -14828,7 +13337,68 @@
                 <a:ea typeface="+mn-ea"/>
                 <a:cs typeface="Arial" panose="020B0604020202020204" pitchFamily="34" charset="0"/>
               </a:rPr>
-              <a:t> un indicatore scelto (con valore settimanale, bisettimanale o mensile) visualizzando i risultati su una finestra temporale (mensile, bimestrale, trimestrale, etc.).</a:t>
+              <a:t> un indicatore scelto (con </a:t>
+            </a:r>
+            <a:r>
+              <a:rPr kumimoji="0" lang="it-IT" sz="1800" b="0" i="0" u="none" strike="noStrike" kern="1200" cap="none" spc="0" normalizeH="0" baseline="0" noProof="0" dirty="0" err="1">
+                <a:ln>
+                  <a:noFill/>
+                </a:ln>
+                <a:solidFill>
+                  <a:srgbClr val="002060"/>
+                </a:solidFill>
+                <a:effectLst/>
+                <a:uLnTx/>
+                <a:uFillTx/>
+                <a:latin typeface="Arial" panose="020B0604020202020204" pitchFamily="34" charset="0"/>
+                <a:ea typeface="+mn-ea"/>
+                <a:cs typeface="Arial" panose="020B0604020202020204" pitchFamily="34" charset="0"/>
+              </a:rPr>
+              <a:t>KPIs</a:t>
+            </a:r>
+            <a:r>
+              <a:rPr kumimoji="0" lang="it-IT" sz="1800" b="0" i="0" u="none" strike="noStrike" kern="1200" cap="none" spc="0" normalizeH="0" baseline="0" noProof="0" dirty="0">
+                <a:ln>
+                  <a:noFill/>
+                </a:ln>
+                <a:solidFill>
+                  <a:srgbClr val="002060"/>
+                </a:solidFill>
+                <a:effectLst/>
+                <a:uLnTx/>
+                <a:uFillTx/>
+                <a:latin typeface="Arial" panose="020B0604020202020204" pitchFamily="34" charset="0"/>
+                <a:ea typeface="+mn-ea"/>
+                <a:cs typeface="Arial" panose="020B0604020202020204" pitchFamily="34" charset="0"/>
+              </a:rPr>
+              <a:t> </a:t>
+            </a:r>
+            <a:r>
+              <a:rPr lang="it-IT" dirty="0">
+                <a:solidFill>
+                  <a:srgbClr val="002060"/>
+                </a:solidFill>
+                <a:latin typeface="Arial" panose="020B0604020202020204" pitchFamily="34" charset="0"/>
+                <a:cs typeface="Arial" panose="020B0604020202020204" pitchFamily="34" charset="0"/>
+              </a:rPr>
+              <a:t>calcolati a  7</a:t>
+            </a:r>
+            <a:r>
+              <a:rPr kumimoji="0" lang="it-IT" sz="1800" b="0" i="0" u="none" strike="noStrike" kern="1200" cap="none" spc="0" normalizeH="0" baseline="0" noProof="0" dirty="0">
+                <a:ln>
+                  <a:noFill/>
+                </a:ln>
+                <a:solidFill>
+                  <a:srgbClr val="002060"/>
+                </a:solidFill>
+                <a:effectLst/>
+                <a:uLnTx/>
+                <a:uFillTx/>
+                <a:latin typeface="Arial" panose="020B0604020202020204" pitchFamily="34" charset="0"/>
+                <a:ea typeface="+mn-ea"/>
+                <a:cs typeface="Arial" panose="020B0604020202020204" pitchFamily="34" charset="0"/>
+              </a:rPr>
+              <a:t>, 15 e 30 giorni) visualizzando i risultati su una finestra temporale (mensile, bimestrale, trimestrale, etc.).</a:t>
             </a:r>
           </a:p>
           <a:p>
@@ -15471,7 +14041,7 @@
 </p:sld>
 </file>
 
-<file path=ppt/slides/slide8.xml><?xml version="1.0" encoding="utf-8"?>
+<file path=ppt/slides/slide7.xml><?xml version="1.0" encoding="utf-8"?>
 <p:sld xmlns:a="http://schemas.openxmlformats.org/drawingml/2006/main" xmlns:r="http://schemas.openxmlformats.org/officeDocument/2006/relationships" xmlns:p="http://schemas.openxmlformats.org/presentationml/2006/main">
   <p:cSld>
     <p:spTree>
@@ -16103,7 +14673,7 @@
                 <a:ea typeface="+mn-ea"/>
                 <a:cs typeface="Arial" panose="020B0604020202020204" pitchFamily="34" charset="0"/>
               </a:rPr>
-              <a:t>Margine %</a:t>
+              <a:t>Margine % sulle spedizioni</a:t>
             </a:r>
             <a:r>
               <a:rPr kumimoji="0" lang="it-IT" b="0" i="0" u="none" strike="noStrike" kern="1200" cap="none" spc="0" normalizeH="0" baseline="0" noProof="0" dirty="0">
@@ -16120,7 +14690,7 @@
                 <a:ea typeface="+mn-ea"/>
                 <a:cs typeface="Arial" panose="020B0604020202020204" pitchFamily="34" charset="0"/>
               </a:rPr>
-              <a:t> sulle spedizioni: margine di profitto, derivante dal trend delle spedizioni.</a:t>
+              <a:t>: margine di profitto, derivante dal trend delle spedizioni.</a:t>
             </a:r>
           </a:p>
           <a:p>
@@ -16295,7 +14865,7 @@
 </p:sld>
 </file>
 
-<file path=ppt/slides/slide9.xml><?xml version="1.0" encoding="utf-8"?>
+<file path=ppt/slides/slide8.xml><?xml version="1.0" encoding="utf-8"?>
 <p:sld xmlns:a="http://schemas.openxmlformats.org/drawingml/2006/main" xmlns:r="http://schemas.openxmlformats.org/officeDocument/2006/relationships" xmlns:p="http://schemas.openxmlformats.org/presentationml/2006/main">
   <p:cSld>
     <p:spTree>
@@ -17808,6 +16378,432 @@
     <p:extLst>
       <p:ext uri="{BB962C8B-B14F-4D97-AF65-F5344CB8AC3E}">
         <p14:creationId xmlns:p14="http://schemas.microsoft.com/office/powerpoint/2010/main" val="3226340993"/>
+      </p:ext>
+    </p:extLst>
+  </p:cSld>
+  <p:clrMapOvr>
+    <a:masterClrMapping/>
+  </p:clrMapOvr>
+  <p:transition spd="med">
+    <p:pull/>
+  </p:transition>
+</p:sld>
+</file>
+
+<file path=ppt/slides/slide9.xml><?xml version="1.0" encoding="utf-8"?>
+<p:sld xmlns:a="http://schemas.openxmlformats.org/drawingml/2006/main" xmlns:r="http://schemas.openxmlformats.org/officeDocument/2006/relationships" xmlns:p="http://schemas.openxmlformats.org/presentationml/2006/main">
+  <p:cSld>
+    <p:spTree>
+      <p:nvGrpSpPr>
+        <p:cNvPr id="1" name=""/>
+        <p:cNvGrpSpPr/>
+        <p:nvPr/>
+      </p:nvGrpSpPr>
+      <p:grpSpPr>
+        <a:xfrm>
+          <a:off x="0" y="0"/>
+          <a:ext cx="0" cy="0"/>
+          <a:chOff x="0" y="0"/>
+          <a:chExt cx="0" cy="0"/>
+        </a:xfrm>
+      </p:grpSpPr>
+      <p:sp>
+        <p:nvSpPr>
+          <p:cNvPr id="2" name="Elaborazione 1">
+            <a:extLst>
+              <a:ext uri="{FF2B5EF4-FFF2-40B4-BE49-F238E27FC236}">
+                <a16:creationId xmlns:a16="http://schemas.microsoft.com/office/drawing/2014/main" id="{4F897BD9-AD8F-4F55-855B-3CEF455EA9F6}"/>
+              </a:ext>
+            </a:extLst>
+          </p:cNvPr>
+          <p:cNvSpPr/>
+          <p:nvPr/>
+        </p:nvSpPr>
+        <p:spPr>
+          <a:xfrm>
+            <a:off x="262648" y="101740"/>
+            <a:ext cx="5436188" cy="437745"/>
+          </a:xfrm>
+          <a:prstGeom prst="flowChartProcess">
+            <a:avLst/>
+          </a:prstGeom>
+          <a:solidFill>
+            <a:schemeClr val="accent5">
+              <a:lumMod val="75000"/>
+            </a:schemeClr>
+          </a:solidFill>
+        </p:spPr>
+        <p:style>
+          <a:lnRef idx="2">
+            <a:schemeClr val="accent1">
+              <a:shade val="50000"/>
+            </a:schemeClr>
+          </a:lnRef>
+          <a:fillRef idx="1">
+            <a:schemeClr val="accent1"/>
+          </a:fillRef>
+          <a:effectRef idx="0">
+            <a:schemeClr val="accent1"/>
+          </a:effectRef>
+          <a:fontRef idx="minor">
+            <a:schemeClr val="lt1"/>
+          </a:fontRef>
+        </p:style>
+        <p:txBody>
+          <a:bodyPr rtlCol="0" anchor="ctr"/>
+          <a:lstStyle/>
+          <a:p>
+            <a:pPr algn="ctr"/>
+            <a:endParaRPr lang="it-IT"/>
+          </a:p>
+        </p:txBody>
+      </p:sp>
+      <p:sp>
+        <p:nvSpPr>
+          <p:cNvPr id="3" name="CasellaDiTesto 2">
+            <a:extLst>
+              <a:ext uri="{FF2B5EF4-FFF2-40B4-BE49-F238E27FC236}">
+                <a16:creationId xmlns:a16="http://schemas.microsoft.com/office/drawing/2014/main" id="{91D0514C-8919-4A62-AEB2-C4097699756E}"/>
+              </a:ext>
+            </a:extLst>
+          </p:cNvPr>
+          <p:cNvSpPr txBox="1"/>
+          <p:nvPr/>
+        </p:nvSpPr>
+        <p:spPr>
+          <a:xfrm>
+            <a:off x="262648" y="113390"/>
+            <a:ext cx="5436188" cy="400110"/>
+          </a:xfrm>
+          <a:prstGeom prst="rect">
+            <a:avLst/>
+          </a:prstGeom>
+          <a:noFill/>
+        </p:spPr>
+        <p:txBody>
+          <a:bodyPr wrap="square" rtlCol="0">
+            <a:spAutoFit/>
+          </a:bodyPr>
+          <a:lstStyle/>
+          <a:p>
+            <a:r>
+              <a:rPr lang="it-IT" sz="2000" dirty="0">
+                <a:solidFill>
+                  <a:schemeClr val="bg1"/>
+                </a:solidFill>
+                <a:latin typeface="Arial Black" panose="020B0A04020102020204" pitchFamily="34" charset="0"/>
+              </a:rPr>
+              <a:t>Etichettatura del dataset</a:t>
+            </a:r>
+          </a:p>
+        </p:txBody>
+      </p:sp>
+      <p:sp>
+        <p:nvSpPr>
+          <p:cNvPr id="4" name="CasellaDiTesto 3">
+            <a:extLst>
+              <a:ext uri="{FF2B5EF4-FFF2-40B4-BE49-F238E27FC236}">
+                <a16:creationId xmlns:a16="http://schemas.microsoft.com/office/drawing/2014/main" id="{D26E8BE4-A41F-4C0F-993E-3044EEB4DBEB}"/>
+              </a:ext>
+            </a:extLst>
+          </p:cNvPr>
+          <p:cNvSpPr txBox="1"/>
+          <p:nvPr/>
+        </p:nvSpPr>
+        <p:spPr>
+          <a:xfrm>
+            <a:off x="-201084" y="1443841"/>
+            <a:ext cx="6008669" cy="3970318"/>
+          </a:xfrm>
+          <a:prstGeom prst="rect">
+            <a:avLst/>
+          </a:prstGeom>
+          <a:noFill/>
+        </p:spPr>
+        <p:txBody>
+          <a:bodyPr wrap="square" rtlCol="0">
+            <a:spAutoFit/>
+          </a:bodyPr>
+          <a:lstStyle/>
+          <a:p>
+            <a:pPr marL="742950" lvl="1" indent="-285750" algn="just">
+              <a:buFont typeface="Arial" panose="020B0604020202020204" pitchFamily="34" charset="0"/>
+              <a:buChar char="•"/>
+              <a:defRPr/>
+            </a:pPr>
+            <a:r>
+              <a:rPr kumimoji="0" lang="it-IT" b="0" i="0" u="none" strike="noStrike" kern="1200" cap="none" spc="0" normalizeH="0" baseline="0" noProof="0" dirty="0">
+                <a:ln>
+                  <a:noFill/>
+                </a:ln>
+                <a:solidFill>
+                  <a:srgbClr val="002060"/>
+                </a:solidFill>
+                <a:effectLst/>
+                <a:uLnTx/>
+                <a:uFillTx/>
+                <a:latin typeface="Arial" panose="020B0604020202020204" pitchFamily="34" charset="0"/>
+                <a:ea typeface="+mn-ea"/>
+                <a:cs typeface="Arial" panose="020B0604020202020204" pitchFamily="34" charset="0"/>
+              </a:rPr>
+              <a:t>L’idea di base è ottenere una scala a 5 livelli o meglio 0: Non sufficiente, 1: Sufficiente, 2: Stabile, 3: Positiva, 4: Eccellente. </a:t>
+            </a:r>
+          </a:p>
+          <a:p>
+            <a:pPr marL="742950" lvl="1" indent="-285750" algn="just">
+              <a:buFont typeface="Arial" panose="020B0604020202020204" pitchFamily="34" charset="0"/>
+              <a:buChar char="•"/>
+              <a:defRPr/>
+            </a:pPr>
+            <a:endParaRPr lang="it-IT" dirty="0">
+              <a:solidFill>
+                <a:srgbClr val="002060"/>
+              </a:solidFill>
+              <a:latin typeface="Arial" panose="020B0604020202020204" pitchFamily="34" charset="0"/>
+              <a:cs typeface="Arial" panose="020B0604020202020204" pitchFamily="34" charset="0"/>
+            </a:endParaRPr>
+          </a:p>
+          <a:p>
+            <a:pPr marL="742950" lvl="1" indent="-285750" algn="just">
+              <a:buFont typeface="Arial" panose="020B0604020202020204" pitchFamily="34" charset="0"/>
+              <a:buChar char="•"/>
+              <a:defRPr/>
+            </a:pPr>
+            <a:endParaRPr lang="it-IT" dirty="0">
+              <a:solidFill>
+                <a:srgbClr val="002060"/>
+              </a:solidFill>
+              <a:latin typeface="Arial" panose="020B0604020202020204" pitchFamily="34" charset="0"/>
+              <a:cs typeface="Arial" panose="020B0604020202020204" pitchFamily="34" charset="0"/>
+            </a:endParaRPr>
+          </a:p>
+          <a:p>
+            <a:pPr marL="742950" lvl="1" indent="-285750" algn="just">
+              <a:buFont typeface="Arial" panose="020B0604020202020204" pitchFamily="34" charset="0"/>
+              <a:buChar char="•"/>
+              <a:defRPr/>
+            </a:pPr>
+            <a:r>
+              <a:rPr lang="it-IT" dirty="0">
+                <a:solidFill>
+                  <a:srgbClr val="002060"/>
+                </a:solidFill>
+                <a:latin typeface="Arial" panose="020B0604020202020204" pitchFamily="34" charset="0"/>
+                <a:cs typeface="Arial" panose="020B0604020202020204" pitchFamily="34" charset="0"/>
+              </a:rPr>
+              <a:t>Funzione 1: Crea uno score per ogni KPI.</a:t>
+            </a:r>
+          </a:p>
+          <a:p>
+            <a:pPr marL="742950" lvl="1" indent="-285750" algn="just">
+              <a:buFont typeface="Arial" panose="020B0604020202020204" pitchFamily="34" charset="0"/>
+              <a:buChar char="•"/>
+              <a:defRPr/>
+            </a:pPr>
+            <a:endParaRPr lang="it-IT" dirty="0">
+              <a:solidFill>
+                <a:srgbClr val="002060"/>
+              </a:solidFill>
+              <a:latin typeface="Arial" panose="020B0604020202020204" pitchFamily="34" charset="0"/>
+              <a:cs typeface="Arial" panose="020B0604020202020204" pitchFamily="34" charset="0"/>
+            </a:endParaRPr>
+          </a:p>
+          <a:p>
+            <a:pPr marL="742950" lvl="1" indent="-285750" algn="just">
+              <a:buFont typeface="Arial" panose="020B0604020202020204" pitchFamily="34" charset="0"/>
+              <a:buChar char="•"/>
+              <a:defRPr/>
+            </a:pPr>
+            <a:endParaRPr lang="it-IT" dirty="0">
+              <a:solidFill>
+                <a:srgbClr val="002060"/>
+              </a:solidFill>
+              <a:latin typeface="Arial" panose="020B0604020202020204" pitchFamily="34" charset="0"/>
+              <a:cs typeface="Arial" panose="020B0604020202020204" pitchFamily="34" charset="0"/>
+            </a:endParaRPr>
+          </a:p>
+          <a:p>
+            <a:pPr marL="742950" lvl="1" indent="-285750" algn="just">
+              <a:buFont typeface="Arial" panose="020B0604020202020204" pitchFamily="34" charset="0"/>
+              <a:buChar char="•"/>
+              <a:defRPr/>
+            </a:pPr>
+            <a:endParaRPr lang="it-IT" dirty="0">
+              <a:solidFill>
+                <a:srgbClr val="002060"/>
+              </a:solidFill>
+              <a:latin typeface="Arial" panose="020B0604020202020204" pitchFamily="34" charset="0"/>
+              <a:cs typeface="Arial" panose="020B0604020202020204" pitchFamily="34" charset="0"/>
+            </a:endParaRPr>
+          </a:p>
+          <a:p>
+            <a:pPr marL="742950" lvl="1" indent="-285750" algn="just">
+              <a:buFont typeface="Arial" panose="020B0604020202020204" pitchFamily="34" charset="0"/>
+              <a:buChar char="•"/>
+              <a:defRPr/>
+            </a:pPr>
+            <a:r>
+              <a:rPr lang="it-IT" dirty="0">
+                <a:solidFill>
+                  <a:srgbClr val="002060"/>
+                </a:solidFill>
+                <a:latin typeface="Arial" panose="020B0604020202020204" pitchFamily="34" charset="0"/>
+                <a:cs typeface="Arial" panose="020B0604020202020204" pitchFamily="34" charset="0"/>
+              </a:rPr>
+              <a:t>Funzione 2: Pesa una finestra temporale in base alla soglia di crescita prefissata e all’annata precedente.</a:t>
+            </a:r>
+          </a:p>
+          <a:p>
+            <a:pPr marL="742950" lvl="1" indent="-285750" algn="just">
+              <a:buFont typeface="Arial" panose="020B0604020202020204" pitchFamily="34" charset="0"/>
+              <a:buChar char="•"/>
+              <a:defRPr/>
+            </a:pPr>
+            <a:endParaRPr kumimoji="0" lang="it-IT" b="0" i="0" u="none" strike="noStrike" kern="1200" cap="none" spc="0" normalizeH="0" baseline="0" noProof="0" dirty="0">
+              <a:ln>
+                <a:noFill/>
+              </a:ln>
+              <a:solidFill>
+                <a:srgbClr val="002060"/>
+              </a:solidFill>
+              <a:effectLst/>
+              <a:uLnTx/>
+              <a:uFillTx/>
+              <a:latin typeface="Arial" panose="020B0604020202020204" pitchFamily="34" charset="0"/>
+              <a:ea typeface="+mn-ea"/>
+              <a:cs typeface="Arial" panose="020B0604020202020204" pitchFamily="34" charset="0"/>
+            </a:endParaRPr>
+          </a:p>
+          <a:p>
+            <a:pPr lvl="2" algn="just">
+              <a:defRPr/>
+            </a:pPr>
+            <a:endParaRPr kumimoji="0" lang="it-IT" b="0" i="0" u="none" strike="noStrike" kern="1200" cap="none" spc="0" normalizeH="0" baseline="0" noProof="0" dirty="0">
+              <a:ln>
+                <a:noFill/>
+              </a:ln>
+              <a:solidFill>
+                <a:srgbClr val="002060"/>
+              </a:solidFill>
+              <a:effectLst/>
+              <a:uLnTx/>
+              <a:uFillTx/>
+              <a:latin typeface="Arial" panose="020B0604020202020204" pitchFamily="34" charset="0"/>
+              <a:ea typeface="+mn-ea"/>
+              <a:cs typeface="Arial" panose="020B0604020202020204" pitchFamily="34" charset="0"/>
+            </a:endParaRPr>
+          </a:p>
+        </p:txBody>
+      </p:sp>
+      <p:sp>
+        <p:nvSpPr>
+          <p:cNvPr id="6" name="AutoShape 4">
+            <a:extLst>
+              <a:ext uri="{FF2B5EF4-FFF2-40B4-BE49-F238E27FC236}">
+                <a16:creationId xmlns:a16="http://schemas.microsoft.com/office/drawing/2014/main" id="{939F08A7-A0A6-4924-917D-11A694AC3A16}"/>
+              </a:ext>
+            </a:extLst>
+          </p:cNvPr>
+          <p:cNvSpPr>
+            <a:spLocks noChangeAspect="1" noChangeArrowheads="1"/>
+          </p:cNvSpPr>
+          <p:nvPr/>
+        </p:nvSpPr>
+        <p:spPr bwMode="auto">
+          <a:xfrm>
+            <a:off x="5943600" y="3276600"/>
+            <a:ext cx="304800" cy="304800"/>
+          </a:xfrm>
+          <a:prstGeom prst="rect">
+            <a:avLst/>
+          </a:prstGeom>
+          <a:noFill/>
+          <a:extLst>
+            <a:ext uri="{909E8E84-426E-40DD-AFC4-6F175D3DCCD1}">
+              <a14:hiddenFill xmlns:a14="http://schemas.microsoft.com/office/drawing/2010/main">
+                <a:solidFill>
+                  <a:srgbClr val="FFFFFF"/>
+                </a:solidFill>
+              </a14:hiddenFill>
+            </a:ext>
+          </a:extLst>
+        </p:spPr>
+        <p:txBody>
+          <a:bodyPr vert="horz" wrap="square" lIns="91440" tIns="45720" rIns="91440" bIns="45720" numCol="1" anchor="t" anchorCtr="0" compatLnSpc="1">
+            <a:prstTxWarp prst="textNoShape">
+              <a:avLst/>
+            </a:prstTxWarp>
+          </a:bodyPr>
+          <a:lstStyle/>
+          <a:p>
+            <a:endParaRPr lang="it-IT"/>
+          </a:p>
+        </p:txBody>
+      </p:sp>
+      <p:pic>
+        <p:nvPicPr>
+          <p:cNvPr id="12" name="Immagine 11">
+            <a:extLst>
+              <a:ext uri="{FF2B5EF4-FFF2-40B4-BE49-F238E27FC236}">
+                <a16:creationId xmlns:a16="http://schemas.microsoft.com/office/drawing/2014/main" id="{691C9711-E2B7-44CA-A468-63F48F45179A}"/>
+              </a:ext>
+            </a:extLst>
+          </p:cNvPr>
+          <p:cNvPicPr>
+            <a:picLocks noChangeAspect="1"/>
+          </p:cNvPicPr>
+          <p:nvPr/>
+        </p:nvPicPr>
+        <p:blipFill>
+          <a:blip r:embed="rId3"/>
+          <a:stretch>
+            <a:fillRect/>
+          </a:stretch>
+        </p:blipFill>
+        <p:spPr>
+          <a:xfrm>
+            <a:off x="6095999" y="51036"/>
+            <a:ext cx="5833353" cy="3468214"/>
+          </a:xfrm>
+          <a:prstGeom prst="rect">
+            <a:avLst/>
+          </a:prstGeom>
+        </p:spPr>
+      </p:pic>
+      <p:pic>
+        <p:nvPicPr>
+          <p:cNvPr id="13" name="Immagine 12">
+            <a:extLst>
+              <a:ext uri="{FF2B5EF4-FFF2-40B4-BE49-F238E27FC236}">
+                <a16:creationId xmlns:a16="http://schemas.microsoft.com/office/drawing/2014/main" id="{3DD568F6-F12A-4AA4-8CA3-491AFAAB7A5D}"/>
+              </a:ext>
+            </a:extLst>
+          </p:cNvPr>
+          <p:cNvPicPr>
+            <a:picLocks noChangeAspect="1"/>
+          </p:cNvPicPr>
+          <p:nvPr/>
+        </p:nvPicPr>
+        <p:blipFill>
+          <a:blip r:embed="rId4"/>
+          <a:stretch>
+            <a:fillRect/>
+          </a:stretch>
+        </p:blipFill>
+        <p:spPr>
+          <a:xfrm>
+            <a:off x="6215630" y="3581399"/>
+            <a:ext cx="5713722" cy="3343913"/>
+          </a:xfrm>
+          <a:prstGeom prst="rect">
+            <a:avLst/>
+          </a:prstGeom>
+        </p:spPr>
+      </p:pic>
+    </p:spTree>
+    <p:extLst>
+      <p:ext uri="{BB962C8B-B14F-4D97-AF65-F5344CB8AC3E}">
+        <p14:creationId xmlns:p14="http://schemas.microsoft.com/office/powerpoint/2010/main" val="2951190356"/>
       </p:ext>
     </p:extLst>
   </p:cSld>

--- a/Presentazione204898.pptx
+++ b/Presentazione204898.pptx
@@ -10229,7 +10229,27 @@
                 <a:latin typeface="Arial" panose="020B0604020202020204" pitchFamily="34" charset="0"/>
                 <a:cs typeface="Arial" panose="020B0604020202020204" pitchFamily="34" charset="0"/>
               </a:rPr>
-              <a:t>La piattaforma sfrutta indicatori KPI, indicatori prestazionali di ogni azienda.</a:t>
+              <a:t>La piattaforma sfrutta i </a:t>
+            </a:r>
+            <a:r>
+              <a:rPr lang="it-IT" dirty="0" err="1">
+                <a:solidFill>
+                  <a:srgbClr val="002060"/>
+                </a:solidFill>
+                <a:latin typeface="Arial" panose="020B0604020202020204" pitchFamily="34" charset="0"/>
+                <a:cs typeface="Arial" panose="020B0604020202020204" pitchFamily="34" charset="0"/>
+              </a:rPr>
+              <a:t>KPIs</a:t>
+            </a:r>
+            <a:r>
+              <a:rPr lang="it-IT" dirty="0">
+                <a:solidFill>
+                  <a:srgbClr val="002060"/>
+                </a:solidFill>
+                <a:latin typeface="Arial" panose="020B0604020202020204" pitchFamily="34" charset="0"/>
+                <a:cs typeface="Arial" panose="020B0604020202020204" pitchFamily="34" charset="0"/>
+              </a:rPr>
+              <a:t>, indicatori prestazionali di ogni azienda.</a:t>
             </a:r>
           </a:p>
           <a:p>
